--- a/Presentation.pptx
+++ b/Presentation.pptx
@@ -5,7 +5,7 @@
     <p:sldMasterId id="2147483684" r:id="rId1"/>
   </p:sldMasterIdLst>
   <p:notesMasterIdLst>
-    <p:notesMasterId r:id="rId30"/>
+    <p:notesMasterId r:id="rId32"/>
   </p:notesMasterIdLst>
   <p:sldIdLst>
     <p:sldId id="256" r:id="rId2"/>
@@ -13,29 +13,31 @@
     <p:sldId id="267" r:id="rId4"/>
     <p:sldId id="257" r:id="rId5"/>
     <p:sldId id="265" r:id="rId6"/>
-    <p:sldId id="283" r:id="rId7"/>
-    <p:sldId id="279" r:id="rId8"/>
-    <p:sldId id="266" r:id="rId9"/>
-    <p:sldId id="280" r:id="rId10"/>
+    <p:sldId id="266" r:id="rId7"/>
+    <p:sldId id="280" r:id="rId8"/>
+    <p:sldId id="283" r:id="rId9"/>
+    <p:sldId id="279" r:id="rId10"/>
     <p:sldId id="259" r:id="rId11"/>
     <p:sldId id="275" r:id="rId12"/>
     <p:sldId id="260" r:id="rId13"/>
-    <p:sldId id="282" r:id="rId14"/>
-    <p:sldId id="263" r:id="rId15"/>
-    <p:sldId id="269" r:id="rId16"/>
-    <p:sldId id="276" r:id="rId17"/>
-    <p:sldId id="270" r:id="rId18"/>
-    <p:sldId id="281" r:id="rId19"/>
-    <p:sldId id="258" r:id="rId20"/>
-    <p:sldId id="261" r:id="rId21"/>
-    <p:sldId id="264" r:id="rId22"/>
-    <p:sldId id="262" r:id="rId23"/>
-    <p:sldId id="268" r:id="rId24"/>
-    <p:sldId id="272" r:id="rId25"/>
-    <p:sldId id="278" r:id="rId26"/>
-    <p:sldId id="271" r:id="rId27"/>
-    <p:sldId id="274" r:id="rId28"/>
-    <p:sldId id="277" r:id="rId29"/>
+    <p:sldId id="261" r:id="rId14"/>
+    <p:sldId id="264" r:id="rId15"/>
+    <p:sldId id="282" r:id="rId16"/>
+    <p:sldId id="263" r:id="rId17"/>
+    <p:sldId id="269" r:id="rId18"/>
+    <p:sldId id="276" r:id="rId19"/>
+    <p:sldId id="286" r:id="rId20"/>
+    <p:sldId id="270" r:id="rId21"/>
+    <p:sldId id="281" r:id="rId22"/>
+    <p:sldId id="258" r:id="rId23"/>
+    <p:sldId id="262" r:id="rId24"/>
+    <p:sldId id="268" r:id="rId25"/>
+    <p:sldId id="272" r:id="rId26"/>
+    <p:sldId id="278" r:id="rId27"/>
+    <p:sldId id="277" r:id="rId28"/>
+    <p:sldId id="287" r:id="rId29"/>
+    <p:sldId id="271" r:id="rId30"/>
+    <p:sldId id="274" r:id="rId31"/>
   </p:sldIdLst>
   <p:sldSz cx="12192000" cy="6858000"/>
   <p:notesSz cx="6858000" cy="9144000"/>
@@ -3139,42 +3141,6 @@
         </a:p>
       </dgm:t>
     </dgm:pt>
-    <dgm:pt modelId="{DBCFCCEA-7AD8-45F9-A8AA-B486E21DE59D}">
-      <dgm:prSet/>
-      <dgm:spPr/>
-      <dgm:t>
-        <a:bodyPr/>
-        <a:lstStyle/>
-        <a:p>
-          <a:r>
-            <a:rPr lang="en-US" dirty="0"/>
-            <a:t>2D Arrays, List of Lists</a:t>
-          </a:r>
-        </a:p>
-      </dgm:t>
-    </dgm:pt>
-    <dgm:pt modelId="{61B3726E-B42A-495D-80B1-2B11E0FB2C78}" type="parTrans" cxnId="{6F858713-1577-4442-83E8-0BD1E1380DF3}">
-      <dgm:prSet/>
-      <dgm:spPr/>
-      <dgm:t>
-        <a:bodyPr/>
-        <a:lstStyle/>
-        <a:p>
-          <a:endParaRPr lang="en-US"/>
-        </a:p>
-      </dgm:t>
-    </dgm:pt>
-    <dgm:pt modelId="{9450009D-7EDA-48ED-8D7E-5750169EDE16}" type="sibTrans" cxnId="{6F858713-1577-4442-83E8-0BD1E1380DF3}">
-      <dgm:prSet/>
-      <dgm:spPr/>
-      <dgm:t>
-        <a:bodyPr/>
-        <a:lstStyle/>
-        <a:p>
-          <a:endParaRPr lang="en-US"/>
-        </a:p>
-      </dgm:t>
-    </dgm:pt>
     <dgm:pt modelId="{16BC27E1-7F2E-4175-BB05-1140B7AE2C30}">
       <dgm:prSet/>
       <dgm:spPr/>
@@ -3218,9 +3184,13 @@
         <a:bodyPr/>
         <a:lstStyle/>
         <a:p>
+          <a:pPr>
+            <a:buFontTx/>
+            <a:buNone/>
+          </a:pPr>
           <a:r>
             <a:rPr lang="en-US" dirty="0"/>
-            <a:t>For x ..</a:t>
+            <a:t>for x in range(width):</a:t>
           </a:r>
         </a:p>
       </dgm:t>
@@ -3290,9 +3260,13 @@
         <a:bodyPr/>
         <a:lstStyle/>
         <a:p>
+          <a:pPr>
+            <a:buFontTx/>
+            <a:buNone/>
+          </a:pPr>
           <a:r>
             <a:rPr lang="en-US" dirty="0"/>
-            <a:t>For y ….</a:t>
+            <a:t>for y in range(height):</a:t>
           </a:r>
         </a:p>
       </dgm:t>
@@ -3328,7 +3302,7 @@
         <a:p>
           <a:r>
             <a:rPr lang="en-US" dirty="0"/>
-            <a:t>Better performance as rows get loaded in faster.</a:t>
+            <a:t>Col Major</a:t>
           </a:r>
         </a:p>
       </dgm:t>
@@ -3388,7 +3362,7 @@
         </a:p>
       </dgm:t>
     </dgm:pt>
-    <dgm:pt modelId="{AB2D9B72-235B-422E-A1F3-ABE6B95F06F7}">
+    <dgm:pt modelId="{939AB054-F32F-44AE-B621-D22D527A2E14}">
       <dgm:prSet/>
       <dgm:spPr/>
       <dgm:t>
@@ -3397,153 +3371,8 @@
         <a:p>
           <a:r>
             <a:rPr lang="en-US" dirty="0"/>
-            <a:t>[ [ 1, 2], [ 3, 4 ] ]</a:t>
-          </a:r>
-        </a:p>
-      </dgm:t>
-    </dgm:pt>
-    <dgm:pt modelId="{DF7E58A5-9106-4836-86EF-73D97746EEE7}" type="parTrans" cxnId="{7F8041B3-34E0-4DD9-88B0-E281AD059B32}">
-      <dgm:prSet/>
-      <dgm:spPr/>
-      <dgm:t>
-        <a:bodyPr/>
-        <a:lstStyle/>
-        <a:p>
-          <a:endParaRPr lang="en-US"/>
-        </a:p>
-      </dgm:t>
-    </dgm:pt>
-    <dgm:pt modelId="{DB1765A7-2661-450E-84FE-2802D1A41C2A}" type="sibTrans" cxnId="{7F8041B3-34E0-4DD9-88B0-E281AD059B32}">
-      <dgm:prSet/>
-      <dgm:spPr/>
-      <dgm:t>
-        <a:bodyPr/>
-        <a:lstStyle/>
-        <a:p>
-          <a:endParaRPr lang="en-US"/>
-        </a:p>
-      </dgm:t>
-    </dgm:pt>
-    <dgm:pt modelId="{6F7A5885-4EA8-42C6-8345-8917D12FD72A}">
-      <dgm:prSet/>
-      <dgm:spPr/>
-      <dgm:t>
-        <a:bodyPr/>
-        <a:lstStyle/>
-        <a:p>
-          <a:r>
-            <a:rPr lang="en-US" dirty="0"/>
-            <a:t>1D Array, List</a:t>
-          </a:r>
-        </a:p>
-      </dgm:t>
-    </dgm:pt>
-    <dgm:pt modelId="{8A2C9C3C-966A-40CE-99C4-60D405C8D42E}" type="parTrans" cxnId="{EFE61E27-1405-41FD-B89A-8B71B482A676}">
-      <dgm:prSet/>
-      <dgm:spPr/>
-      <dgm:t>
-        <a:bodyPr/>
-        <a:lstStyle/>
-        <a:p>
-          <a:endParaRPr lang="en-US"/>
-        </a:p>
-      </dgm:t>
-    </dgm:pt>
-    <dgm:pt modelId="{6C84CD9C-F0CF-4967-8BA1-C2983D7D37BE}" type="sibTrans" cxnId="{EFE61E27-1405-41FD-B89A-8B71B482A676}">
-      <dgm:prSet/>
-      <dgm:spPr/>
-      <dgm:t>
-        <a:bodyPr/>
-        <a:lstStyle/>
-        <a:p>
-          <a:endParaRPr lang="en-US"/>
-        </a:p>
-      </dgm:t>
-    </dgm:pt>
-    <dgm:pt modelId="{58CDAAE8-9F2B-4AA3-911E-EF8B87CB24EB}">
-      <dgm:prSet/>
-      <dgm:spPr/>
-      <dgm:t>
-        <a:bodyPr/>
-        <a:lstStyle/>
-        <a:p>
-          <a:r>
-            <a:rPr lang="en-US" dirty="0"/>
-            <a:t>[ 1, 2, 3, 4 ]</a:t>
-          </a:r>
-        </a:p>
-      </dgm:t>
-    </dgm:pt>
-    <dgm:pt modelId="{13F1D3CE-E9C5-4EFA-B989-F1B8844A6F22}" type="parTrans" cxnId="{2282F0D6-C853-471F-A3F7-8D7301FB1196}">
-      <dgm:prSet/>
-      <dgm:spPr/>
-      <dgm:t>
-        <a:bodyPr/>
-        <a:lstStyle/>
-        <a:p>
-          <a:endParaRPr lang="en-US"/>
-        </a:p>
-      </dgm:t>
-    </dgm:pt>
-    <dgm:pt modelId="{D744C5F7-30C3-4DDA-81F5-F5ADA8CA29E7}" type="sibTrans" cxnId="{2282F0D6-C853-471F-A3F7-8D7301FB1196}">
-      <dgm:prSet/>
-      <dgm:spPr/>
-      <dgm:t>
-        <a:bodyPr/>
-        <a:lstStyle/>
-        <a:p>
-          <a:endParaRPr lang="en-US"/>
-        </a:p>
-      </dgm:t>
-    </dgm:pt>
-    <dgm:pt modelId="{C5C1A243-4299-4CC6-BBB5-A103CA6EDCA6}">
-      <dgm:prSet/>
-      <dgm:spPr/>
-      <dgm:t>
-        <a:bodyPr/>
-        <a:lstStyle/>
-        <a:p>
-          <a:r>
-            <a:rPr lang="en-US" dirty="0"/>
-            <a:t>Indexing formula: (y * width) + x</a:t>
-          </a:r>
-        </a:p>
-      </dgm:t>
-    </dgm:pt>
-    <dgm:pt modelId="{CDB3810E-7755-4233-9ED6-6CEE595F380C}" type="parTrans" cxnId="{33F58C56-7D37-40CF-B8B3-DDDD4DE6C5EA}">
-      <dgm:prSet/>
-      <dgm:spPr/>
-      <dgm:t>
-        <a:bodyPr/>
-        <a:lstStyle/>
-        <a:p>
-          <a:endParaRPr lang="en-US"/>
-        </a:p>
-      </dgm:t>
-    </dgm:pt>
-    <dgm:pt modelId="{9840FC79-5F13-4543-97BE-1B5E72DD7BC1}" type="sibTrans" cxnId="{33F58C56-7D37-40CF-B8B3-DDDD4DE6C5EA}">
-      <dgm:prSet/>
-      <dgm:spPr/>
-      <dgm:t>
-        <a:bodyPr/>
-        <a:lstStyle/>
-        <a:p>
-          <a:endParaRPr lang="en-US"/>
-        </a:p>
-      </dgm:t>
-    </dgm:pt>
-    <dgm:pt modelId="{939AB054-F32F-44AE-B621-D22D527A2E14}">
-      <dgm:prSet/>
-      <dgm:spPr/>
-      <dgm:t>
-        <a:bodyPr/>
-        <a:lstStyle/>
-        <a:p>
-          <a:r>
-            <a:rPr lang="en-US"/>
             <a:t>Iterating</a:t>
           </a:r>
-          <a:endParaRPr lang="en-US" dirty="0"/>
         </a:p>
       </dgm:t>
     </dgm:pt>
@@ -3569,6 +3398,82 @@
         </a:p>
       </dgm:t>
     </dgm:pt>
+    <dgm:pt modelId="{91A43C4F-4DBB-4B7D-B99E-D569D46F2906}">
+      <dgm:prSet/>
+      <dgm:spPr/>
+      <dgm:t>
+        <a:bodyPr/>
+        <a:lstStyle/>
+        <a:p>
+          <a:pPr>
+            <a:buFontTx/>
+            <a:buNone/>
+          </a:pPr>
+          <a:r>
+            <a:rPr lang="en-US" dirty="0"/>
+            <a:t>for x in range(width):</a:t>
+          </a:r>
+        </a:p>
+      </dgm:t>
+    </dgm:pt>
+    <dgm:pt modelId="{B629B3D5-2839-44FC-B21B-A74ADB9FF124}" type="parTrans" cxnId="{E7B0376C-D757-42A7-A2B5-33C2CC9E004C}">
+      <dgm:prSet/>
+      <dgm:spPr/>
+      <dgm:t>
+        <a:bodyPr/>
+        <a:lstStyle/>
+        <a:p>
+          <a:endParaRPr lang="en-US"/>
+        </a:p>
+      </dgm:t>
+    </dgm:pt>
+    <dgm:pt modelId="{B4E34CE4-0F6F-4825-ACCD-0F9F4BE7B02C}" type="sibTrans" cxnId="{E7B0376C-D757-42A7-A2B5-33C2CC9E004C}">
+      <dgm:prSet/>
+      <dgm:spPr/>
+      <dgm:t>
+        <a:bodyPr/>
+        <a:lstStyle/>
+        <a:p>
+          <a:endParaRPr lang="en-US"/>
+        </a:p>
+      </dgm:t>
+    </dgm:pt>
+    <dgm:pt modelId="{37EABD90-8447-4CC7-88B0-0A249188367C}">
+      <dgm:prSet/>
+      <dgm:spPr/>
+      <dgm:t>
+        <a:bodyPr/>
+        <a:lstStyle/>
+        <a:p>
+          <a:r>
+            <a:rPr lang="en-US" dirty="0"/>
+            <a:t>for y in range(height):</a:t>
+          </a:r>
+        </a:p>
+      </dgm:t>
+    </dgm:pt>
+    <dgm:pt modelId="{60F3873F-478E-40B4-868A-C46BC97794FC}" type="parTrans" cxnId="{D49E0B12-4B7C-408A-83DE-983F7E87C431}">
+      <dgm:prSet/>
+      <dgm:spPr/>
+      <dgm:t>
+        <a:bodyPr/>
+        <a:lstStyle/>
+        <a:p>
+          <a:endParaRPr lang="en-US"/>
+        </a:p>
+      </dgm:t>
+    </dgm:pt>
+    <dgm:pt modelId="{FE4F414F-2BFB-4981-A7CA-47E19E1B151C}" type="sibTrans" cxnId="{D49E0B12-4B7C-408A-83DE-983F7E87C431}">
+      <dgm:prSet/>
+      <dgm:spPr/>
+      <dgm:t>
+        <a:bodyPr/>
+        <a:lstStyle/>
+        <a:p>
+          <a:endParaRPr lang="en-US"/>
+        </a:p>
+      </dgm:t>
+    </dgm:pt>
     <dgm:pt modelId="{7BBFF3EA-9E4D-4F15-B5DC-FC9E6F8B98CD}" type="pres">
       <dgm:prSet presAssocID="{DF89BAEB-0580-44DE-A0F1-110FE58F435E}" presName="linear" presStyleCnt="0">
         <dgm:presLayoutVars>
@@ -3584,11 +3489,11 @@
       <dgm:spPr/>
     </dgm:pt>
     <dgm:pt modelId="{866E6A24-5EF2-46B9-8220-1A7AC3DD6B74}" type="pres">
-      <dgm:prSet presAssocID="{4F8B97F6-FB9A-4B93-9341-C919933E09F9}" presName="parentLeftMargin" presStyleLbl="node1" presStyleIdx="0" presStyleCnt="5"/>
+      <dgm:prSet presAssocID="{4F8B97F6-FB9A-4B93-9341-C919933E09F9}" presName="parentLeftMargin" presStyleLbl="node1" presStyleIdx="0" presStyleCnt="3"/>
       <dgm:spPr/>
     </dgm:pt>
     <dgm:pt modelId="{8E273A71-5EF2-4EE4-B86A-F4842A255E5B}" type="pres">
-      <dgm:prSet presAssocID="{4F8B97F6-FB9A-4B93-9341-C919933E09F9}" presName="parentText" presStyleLbl="node1" presStyleIdx="0" presStyleCnt="5">
+      <dgm:prSet presAssocID="{4F8B97F6-FB9A-4B93-9341-C919933E09F9}" presName="parentText" presStyleLbl="node1" presStyleIdx="0" presStyleCnt="3">
         <dgm:presLayoutVars>
           <dgm:chMax val="0"/>
           <dgm:bulletEnabled val="1"/>
@@ -3601,7 +3506,7 @@
       <dgm:spPr/>
     </dgm:pt>
     <dgm:pt modelId="{864A9012-0535-4300-9BB8-6D91A1A4802C}" type="pres">
-      <dgm:prSet presAssocID="{4F8B97F6-FB9A-4B93-9341-C919933E09F9}" presName="childText" presStyleLbl="conFgAcc1" presStyleIdx="0" presStyleCnt="5">
+      <dgm:prSet presAssocID="{4F8B97F6-FB9A-4B93-9341-C919933E09F9}" presName="childText" presStyleLbl="conFgAcc1" presStyleIdx="0" presStyleCnt="3">
         <dgm:presLayoutVars>
           <dgm:bulletEnabled val="1"/>
         </dgm:presLayoutVars>
@@ -3617,11 +3522,11 @@
       <dgm:spPr/>
     </dgm:pt>
     <dgm:pt modelId="{DB527765-44FA-439F-94E9-FEC7D3F0C31E}" type="pres">
-      <dgm:prSet presAssocID="{A20EAA15-418E-40ED-B9A8-A1ADD8CA8CD9}" presName="parentLeftMargin" presStyleLbl="node1" presStyleIdx="0" presStyleCnt="5"/>
+      <dgm:prSet presAssocID="{A20EAA15-418E-40ED-B9A8-A1ADD8CA8CD9}" presName="parentLeftMargin" presStyleLbl="node1" presStyleIdx="0" presStyleCnt="3"/>
       <dgm:spPr/>
     </dgm:pt>
     <dgm:pt modelId="{D74470B9-7FFB-4A7B-8697-61186F797300}" type="pres">
-      <dgm:prSet presAssocID="{A20EAA15-418E-40ED-B9A8-A1ADD8CA8CD9}" presName="parentText" presStyleLbl="node1" presStyleIdx="1" presStyleCnt="5">
+      <dgm:prSet presAssocID="{A20EAA15-418E-40ED-B9A8-A1ADD8CA8CD9}" presName="parentText" presStyleLbl="node1" presStyleIdx="1" presStyleCnt="3">
         <dgm:presLayoutVars>
           <dgm:chMax val="0"/>
           <dgm:bulletEnabled val="1"/>
@@ -3634,7 +3539,7 @@
       <dgm:spPr/>
     </dgm:pt>
     <dgm:pt modelId="{F4F7DEAF-B58B-4DDB-9D6B-4CB1D6829BF6}" type="pres">
-      <dgm:prSet presAssocID="{A20EAA15-418E-40ED-B9A8-A1ADD8CA8CD9}" presName="childText" presStyleLbl="conFgAcc1" presStyleIdx="1" presStyleCnt="5">
+      <dgm:prSet presAssocID="{A20EAA15-418E-40ED-B9A8-A1ADD8CA8CD9}" presName="childText" presStyleLbl="conFgAcc1" presStyleIdx="1" presStyleCnt="3">
         <dgm:presLayoutVars>
           <dgm:bulletEnabled val="1"/>
         </dgm:presLayoutVars>
@@ -3645,82 +3550,16 @@
       <dgm:prSet presAssocID="{37E97DE0-D933-40E6-AA68-F6B1C36EF73D}" presName="spaceBetweenRectangles" presStyleCnt="0"/>
       <dgm:spPr/>
     </dgm:pt>
-    <dgm:pt modelId="{1191ACED-234C-45D2-B9B9-D9F867AA3EE1}" type="pres">
-      <dgm:prSet presAssocID="{DBCFCCEA-7AD8-45F9-A8AA-B486E21DE59D}" presName="parentLin" presStyleCnt="0"/>
-      <dgm:spPr/>
-    </dgm:pt>
-    <dgm:pt modelId="{40BB35AD-194A-47E3-84C9-2E519F2584F1}" type="pres">
-      <dgm:prSet presAssocID="{DBCFCCEA-7AD8-45F9-A8AA-B486E21DE59D}" presName="parentLeftMargin" presStyleLbl="node1" presStyleIdx="1" presStyleCnt="5"/>
-      <dgm:spPr/>
-    </dgm:pt>
-    <dgm:pt modelId="{C3E3B4BE-F84E-4C05-AB3C-90772E271E40}" type="pres">
-      <dgm:prSet presAssocID="{DBCFCCEA-7AD8-45F9-A8AA-B486E21DE59D}" presName="parentText" presStyleLbl="node1" presStyleIdx="2" presStyleCnt="5">
-        <dgm:presLayoutVars>
-          <dgm:chMax val="0"/>
-          <dgm:bulletEnabled val="1"/>
-        </dgm:presLayoutVars>
-      </dgm:prSet>
-      <dgm:spPr/>
-    </dgm:pt>
-    <dgm:pt modelId="{842F79AA-7F49-4925-96B5-45806A65CAE4}" type="pres">
-      <dgm:prSet presAssocID="{DBCFCCEA-7AD8-45F9-A8AA-B486E21DE59D}" presName="negativeSpace" presStyleCnt="0"/>
-      <dgm:spPr/>
-    </dgm:pt>
-    <dgm:pt modelId="{957E0442-D1DF-4211-B996-A217D1239A49}" type="pres">
-      <dgm:prSet presAssocID="{DBCFCCEA-7AD8-45F9-A8AA-B486E21DE59D}" presName="childText" presStyleLbl="conFgAcc1" presStyleIdx="2" presStyleCnt="5">
-        <dgm:presLayoutVars>
-          <dgm:bulletEnabled val="1"/>
-        </dgm:presLayoutVars>
-      </dgm:prSet>
-      <dgm:spPr/>
-    </dgm:pt>
-    <dgm:pt modelId="{38916D68-88BB-41C6-BC80-7735F4F5D060}" type="pres">
-      <dgm:prSet presAssocID="{9450009D-7EDA-48ED-8D7E-5750169EDE16}" presName="spaceBetweenRectangles" presStyleCnt="0"/>
-      <dgm:spPr/>
-    </dgm:pt>
-    <dgm:pt modelId="{30492302-A860-426C-84CA-01057E3C61AD}" type="pres">
-      <dgm:prSet presAssocID="{6F7A5885-4EA8-42C6-8345-8917D12FD72A}" presName="parentLin" presStyleCnt="0"/>
-      <dgm:spPr/>
-    </dgm:pt>
-    <dgm:pt modelId="{DC6113BD-FFC2-4474-94F9-0E1C107D6327}" type="pres">
-      <dgm:prSet presAssocID="{6F7A5885-4EA8-42C6-8345-8917D12FD72A}" presName="parentLeftMargin" presStyleLbl="node1" presStyleIdx="2" presStyleCnt="5"/>
-      <dgm:spPr/>
-    </dgm:pt>
-    <dgm:pt modelId="{8EDCD81E-5DF2-4462-88CB-6E35F14ED0EB}" type="pres">
-      <dgm:prSet presAssocID="{6F7A5885-4EA8-42C6-8345-8917D12FD72A}" presName="parentText" presStyleLbl="node1" presStyleIdx="3" presStyleCnt="5">
-        <dgm:presLayoutVars>
-          <dgm:chMax val="0"/>
-          <dgm:bulletEnabled val="1"/>
-        </dgm:presLayoutVars>
-      </dgm:prSet>
-      <dgm:spPr/>
-    </dgm:pt>
-    <dgm:pt modelId="{49B3FF1F-878B-446F-A737-5AFAD0208BDA}" type="pres">
-      <dgm:prSet presAssocID="{6F7A5885-4EA8-42C6-8345-8917D12FD72A}" presName="negativeSpace" presStyleCnt="0"/>
-      <dgm:spPr/>
-    </dgm:pt>
-    <dgm:pt modelId="{DB99A363-369D-4F03-A3C0-CCB01B0C4B65}" type="pres">
-      <dgm:prSet presAssocID="{6F7A5885-4EA8-42C6-8345-8917D12FD72A}" presName="childText" presStyleLbl="conFgAcc1" presStyleIdx="3" presStyleCnt="5">
-        <dgm:presLayoutVars>
-          <dgm:bulletEnabled val="1"/>
-        </dgm:presLayoutVars>
-      </dgm:prSet>
-      <dgm:spPr/>
-    </dgm:pt>
-    <dgm:pt modelId="{2AF552DE-82EB-44C0-83B2-AD25E1D795EA}" type="pres">
-      <dgm:prSet presAssocID="{6C84CD9C-F0CF-4967-8BA1-C2983D7D37BE}" presName="spaceBetweenRectangles" presStyleCnt="0"/>
-      <dgm:spPr/>
-    </dgm:pt>
     <dgm:pt modelId="{BEFDED44-AEBB-4DDA-87FB-D22E13A75AA3}" type="pres">
       <dgm:prSet presAssocID="{939AB054-F32F-44AE-B621-D22D527A2E14}" presName="parentLin" presStyleCnt="0"/>
       <dgm:spPr/>
     </dgm:pt>
     <dgm:pt modelId="{9DC4FB1F-6DC4-4E8C-AFF4-1FC52FAD36FF}" type="pres">
-      <dgm:prSet presAssocID="{939AB054-F32F-44AE-B621-D22D527A2E14}" presName="parentLeftMargin" presStyleLbl="node1" presStyleIdx="3" presStyleCnt="5"/>
+      <dgm:prSet presAssocID="{939AB054-F32F-44AE-B621-D22D527A2E14}" presName="parentLeftMargin" presStyleLbl="node1" presStyleIdx="1" presStyleCnt="3"/>
       <dgm:spPr/>
     </dgm:pt>
     <dgm:pt modelId="{97D180BF-D6BB-4B4B-BD80-5C8B3B70D230}" type="pres">
-      <dgm:prSet presAssocID="{939AB054-F32F-44AE-B621-D22D527A2E14}" presName="parentText" presStyleLbl="node1" presStyleIdx="4" presStyleCnt="5">
+      <dgm:prSet presAssocID="{939AB054-F32F-44AE-B621-D22D527A2E14}" presName="parentText" presStyleLbl="node1" presStyleIdx="2" presStyleCnt="3">
         <dgm:presLayoutVars>
           <dgm:chMax val="0"/>
           <dgm:bulletEnabled val="1"/>
@@ -3733,7 +3572,7 @@
       <dgm:spPr/>
     </dgm:pt>
     <dgm:pt modelId="{E335C91B-35CE-4737-BAB3-EFC1FEF78C5A}" type="pres">
-      <dgm:prSet presAssocID="{939AB054-F32F-44AE-B621-D22D527A2E14}" presName="childText" presStyleLbl="conFgAcc1" presStyleIdx="4" presStyleCnt="5">
+      <dgm:prSet presAssocID="{939AB054-F32F-44AE-B621-D22D527A2E14}" presName="childText" presStyleLbl="conFgAcc1" presStyleIdx="2" presStyleCnt="3">
         <dgm:presLayoutVars>
           <dgm:bulletEnabled val="1"/>
         </dgm:presLayoutVars>
@@ -3742,42 +3581,34 @@
     </dgm:pt>
   </dgm:ptLst>
   <dgm:cxnLst>
+    <dgm:cxn modelId="{D49E0B12-4B7C-408A-83DE-983F7E87C431}" srcId="{91A43C4F-4DBB-4B7D-B99E-D569D46F2906}" destId="{37EABD90-8447-4CC7-88B0-0A249188367C}" srcOrd="0" destOrd="0" parTransId="{60F3873F-478E-40B4-868A-C46BC97794FC}" sibTransId="{FE4F414F-2BFB-4981-A7CA-47E19E1B151C}"/>
     <dgm:cxn modelId="{1D925812-158B-46F9-AE6D-2092E9D297DD}" srcId="{939AB054-F32F-44AE-B621-D22D527A2E14}" destId="{F682BF06-A0CF-4410-A446-D6FDD069C420}" srcOrd="1" destOrd="0" parTransId="{765F7FF2-7E94-4545-A8C7-5BA08A6FC7B2}" sibTransId="{D1B7490A-CD13-43CC-B72D-B0335D2739B0}"/>
-    <dgm:cxn modelId="{6F858713-1577-4442-83E8-0BD1E1380DF3}" srcId="{DF89BAEB-0580-44DE-A0F1-110FE58F435E}" destId="{DBCFCCEA-7AD8-45F9-A8AA-B486E21DE59D}" srcOrd="2" destOrd="0" parTransId="{61B3726E-B42A-495D-80B1-2B11E0FB2C78}" sibTransId="{9450009D-7EDA-48ED-8D7E-5750169EDE16}"/>
     <dgm:cxn modelId="{B3E4631E-9B9A-4555-8B34-5FEA0A7F707E}" type="presOf" srcId="{F682BF06-A0CF-4410-A446-D6FDD069C420}" destId="{E335C91B-35CE-4737-BAB3-EFC1FEF78C5A}" srcOrd="0" destOrd="3" presId="urn:microsoft.com/office/officeart/2005/8/layout/list1"/>
-    <dgm:cxn modelId="{07ED3D25-7E0E-4561-B6F0-EDD8A5EFEC57}" type="presOf" srcId="{3A05C38D-4D17-48F1-B8F0-24E722450FAE}" destId="{E335C91B-35CE-4737-BAB3-EFC1FEF78C5A}" srcOrd="0" destOrd="4" presId="urn:microsoft.com/office/officeart/2005/8/layout/list1"/>
-    <dgm:cxn modelId="{EFE61E27-1405-41FD-B89A-8B71B482A676}" srcId="{DF89BAEB-0580-44DE-A0F1-110FE58F435E}" destId="{6F7A5885-4EA8-42C6-8345-8917D12FD72A}" srcOrd="3" destOrd="0" parTransId="{8A2C9C3C-966A-40CE-99C4-60D405C8D42E}" sibTransId="{6C84CD9C-F0CF-4967-8BA1-C2983D7D37BE}"/>
-    <dgm:cxn modelId="{73C8B72B-1C99-4EBA-B475-A09585F50429}" type="presOf" srcId="{6F7A5885-4EA8-42C6-8345-8917D12FD72A}" destId="{8EDCD81E-5DF2-4462-88CB-6E35F14ED0EB}" srcOrd="1" destOrd="0" presId="urn:microsoft.com/office/officeart/2005/8/layout/list1"/>
+    <dgm:cxn modelId="{07ED3D25-7E0E-4561-B6F0-EDD8A5EFEC57}" type="presOf" srcId="{3A05C38D-4D17-48F1-B8F0-24E722450FAE}" destId="{E335C91B-35CE-4737-BAB3-EFC1FEF78C5A}" srcOrd="0" destOrd="6" presId="urn:microsoft.com/office/officeart/2005/8/layout/list1"/>
     <dgm:cxn modelId="{CAABA32F-1EAD-49FF-9C72-59CA87686412}" type="presOf" srcId="{A20EAA15-418E-40ED-B9A8-A1ADD8CA8CD9}" destId="{DB527765-44FA-439F-94E9-FEC7D3F0C31E}" srcOrd="0" destOrd="0" presId="urn:microsoft.com/office/officeart/2005/8/layout/list1"/>
-    <dgm:cxn modelId="{C96D4531-B74B-412E-942B-CCC2A08380FB}" type="presOf" srcId="{6F7A5885-4EA8-42C6-8345-8917D12FD72A}" destId="{DC6113BD-FFC2-4474-94F9-0E1C107D6327}" srcOrd="0" destOrd="0" presId="urn:microsoft.com/office/officeart/2005/8/layout/list1"/>
     <dgm:cxn modelId="{95B3D33B-15EC-4280-9BA4-12A351864711}" type="presOf" srcId="{939AB054-F32F-44AE-B621-D22D527A2E14}" destId="{9DC4FB1F-6DC4-4E8C-AFF4-1FC52FAD36FF}" srcOrd="0" destOrd="0" presId="urn:microsoft.com/office/officeart/2005/8/layout/list1"/>
+    <dgm:cxn modelId="{323D2760-23F7-4B03-B77D-9350FE687267}" type="presOf" srcId="{37EABD90-8447-4CC7-88B0-0A249188367C}" destId="{E335C91B-35CE-4737-BAB3-EFC1FEF78C5A}" srcOrd="0" destOrd="5" presId="urn:microsoft.com/office/officeart/2005/8/layout/list1"/>
     <dgm:cxn modelId="{16B89660-880C-4E3A-AD25-D81667715609}" type="presOf" srcId="{A20EAA15-418E-40ED-B9A8-A1ADD8CA8CD9}" destId="{D74470B9-7FFB-4A7B-8697-61186F797300}" srcOrd="1" destOrd="0" presId="urn:microsoft.com/office/officeart/2005/8/layout/list1"/>
     <dgm:cxn modelId="{03B12562-F582-4E10-B9EB-E3544CEBAE9A}" srcId="{16BC27E1-7F2E-4175-BB05-1140B7AE2C30}" destId="{39EBA55E-95AD-4BB3-88DF-2A8D8B63D08A}" srcOrd="0" destOrd="0" parTransId="{DC109093-8C43-43A0-9012-2F1F4E8328EA}" sibTransId="{7C16E023-0427-47EB-A236-9AC0000A4B68}"/>
     <dgm:cxn modelId="{C93D2642-95DD-4003-B127-BE4C483A4561}" type="presOf" srcId="{4F8B97F6-FB9A-4B93-9341-C919933E09F9}" destId="{8E273A71-5EF2-4EE4-B86A-F4842A255E5B}" srcOrd="1" destOrd="0" presId="urn:microsoft.com/office/officeart/2005/8/layout/list1"/>
-    <dgm:cxn modelId="{6820C66D-8397-4198-903E-26A536983ABC}" type="presOf" srcId="{AB2D9B72-235B-422E-A1F3-ABE6B95F06F7}" destId="{957E0442-D1DF-4211-B996-A217D1239A49}" srcOrd="0" destOrd="0" presId="urn:microsoft.com/office/officeart/2005/8/layout/list1"/>
+    <dgm:cxn modelId="{E7B0376C-D757-42A7-A2B5-33C2CC9E004C}" srcId="{F682BF06-A0CF-4410-A446-D6FDD069C420}" destId="{91A43C4F-4DBB-4B7D-B99E-D569D46F2906}" srcOrd="0" destOrd="0" parTransId="{B629B3D5-2839-44FC-B21B-A74ADB9FF124}" sibTransId="{B4E34CE4-0F6F-4825-ACCD-0F9F4BE7B02C}"/>
+    <dgm:cxn modelId="{094A4F70-7EC6-47A8-8827-B8AAC4B57AD4}" type="presOf" srcId="{91A43C4F-4DBB-4B7D-B99E-D569D46F2906}" destId="{E335C91B-35CE-4737-BAB3-EFC1FEF78C5A}" srcOrd="0" destOrd="4" presId="urn:microsoft.com/office/officeart/2005/8/layout/list1"/>
     <dgm:cxn modelId="{9BD06F51-5BBF-4927-AA48-43827888A59A}" srcId="{DF89BAEB-0580-44DE-A0F1-110FE58F435E}" destId="{A20EAA15-418E-40ED-B9A8-A1ADD8CA8CD9}" srcOrd="1" destOrd="0" parTransId="{CA6D2D81-3F83-48D5-98C6-B4D3D0CAF7E7}" sibTransId="{37E97DE0-D933-40E6-AA68-F6B1C36EF73D}"/>
     <dgm:cxn modelId="{543B3654-8D58-4D45-BAAD-4DF0FBE0F8D9}" srcId="{939AB054-F32F-44AE-B621-D22D527A2E14}" destId="{16BC27E1-7F2E-4175-BB05-1140B7AE2C30}" srcOrd="0" destOrd="0" parTransId="{6356292C-9FCB-4526-A4F3-E44ACD5E6F0A}" sibTransId="{7F81A6B9-3B71-47E4-804E-3F8257BD0152}"/>
-    <dgm:cxn modelId="{33F58C56-7D37-40CF-B8B3-DDDD4DE6C5EA}" srcId="{6F7A5885-4EA8-42C6-8345-8917D12FD72A}" destId="{C5C1A243-4299-4CC6-BBB5-A103CA6EDCA6}" srcOrd="1" destOrd="0" parTransId="{CDB3810E-7755-4233-9ED6-6CEE595F380C}" sibTransId="{9840FC79-5F13-4543-97BE-1B5E72DD7BC1}"/>
     <dgm:cxn modelId="{5E79DD57-1EE2-4337-8D35-3D122D8120CA}" type="presOf" srcId="{39EBA55E-95AD-4BB3-88DF-2A8D8B63D08A}" destId="{E335C91B-35CE-4737-BAB3-EFC1FEF78C5A}" srcOrd="0" destOrd="1" presId="urn:microsoft.com/office/officeart/2005/8/layout/list1"/>
     <dgm:cxn modelId="{B955137C-413C-40B8-A02B-35C8323DAB74}" srcId="{39EBA55E-95AD-4BB3-88DF-2A8D8B63D08A}" destId="{B51FE303-2EFF-4F38-B1DA-2ECF35C419D5}" srcOrd="0" destOrd="0" parTransId="{66C9B7C7-1369-4D40-A48D-4BFFED87C097}" sibTransId="{DE8BDB9D-867B-4333-BCD7-AD5AEF20909F}"/>
     <dgm:cxn modelId="{1A017E7C-FB8B-47D0-A6D0-09FD5AC2AE85}" type="presOf" srcId="{0B9AA755-BD00-4058-8591-5C1ABD74B8D1}" destId="{F4F7DEAF-B58B-4DDB-9D6B-4CB1D6829BF6}" srcOrd="0" destOrd="0" presId="urn:microsoft.com/office/officeart/2005/8/layout/list1"/>
     <dgm:cxn modelId="{A0E75F82-6C21-44AE-B305-6488600BFEF0}" type="presOf" srcId="{B51FE303-2EFF-4F38-B1DA-2ECF35C419D5}" destId="{E335C91B-35CE-4737-BAB3-EFC1FEF78C5A}" srcOrd="0" destOrd="2" presId="urn:microsoft.com/office/officeart/2005/8/layout/list1"/>
     <dgm:cxn modelId="{613A4483-70DB-41E2-A260-AE8ABEA7E34D}" type="presOf" srcId="{4F8B97F6-FB9A-4B93-9341-C919933E09F9}" destId="{866E6A24-5EF2-46B9-8220-1A7AC3DD6B74}" srcOrd="0" destOrd="0" presId="urn:microsoft.com/office/officeart/2005/8/layout/list1"/>
-    <dgm:cxn modelId="{E91D588B-5C4A-451B-A3CE-F6204D41F310}" type="presOf" srcId="{58CDAAE8-9F2B-4AA3-911E-EF8B87CB24EB}" destId="{DB99A363-369D-4F03-A3C0-CCB01B0C4B65}" srcOrd="0" destOrd="0" presId="urn:microsoft.com/office/officeart/2005/8/layout/list1"/>
     <dgm:cxn modelId="{017D248E-38AA-4A66-93E5-4ACDFEFB77C6}" srcId="{939AB054-F32F-44AE-B621-D22D527A2E14}" destId="{3A05C38D-4D17-48F1-B8F0-24E722450FAE}" srcOrd="2" destOrd="0" parTransId="{DCC4166A-C061-4B0D-B744-F2B54FAE724D}" sibTransId="{DD275FD5-31A8-4ACC-9EC9-296C914A887D}"/>
     <dgm:cxn modelId="{52186699-5873-4165-B066-B9CE234061CF}" type="presOf" srcId="{16BC27E1-7F2E-4175-BB05-1140B7AE2C30}" destId="{E335C91B-35CE-4737-BAB3-EFC1FEF78C5A}" srcOrd="0" destOrd="0" presId="urn:microsoft.com/office/officeart/2005/8/layout/list1"/>
-    <dgm:cxn modelId="{2818FB9A-E72E-42EC-9873-43A1C094358B}" type="presOf" srcId="{DBCFCCEA-7AD8-45F9-A8AA-B486E21DE59D}" destId="{40BB35AD-194A-47E3-84C9-2E519F2584F1}" srcOrd="0" destOrd="0" presId="urn:microsoft.com/office/officeart/2005/8/layout/list1"/>
     <dgm:cxn modelId="{4F82B8AB-AB3D-4DD7-AFEF-63EB6C614D0A}" type="presOf" srcId="{DF89BAEB-0580-44DE-A0F1-110FE58F435E}" destId="{7BBFF3EA-9E4D-4F15-B5DC-FC9E6F8B98CD}" srcOrd="0" destOrd="0" presId="urn:microsoft.com/office/officeart/2005/8/layout/list1"/>
-    <dgm:cxn modelId="{7F8041B3-34E0-4DD9-88B0-E281AD059B32}" srcId="{DBCFCCEA-7AD8-45F9-A8AA-B486E21DE59D}" destId="{AB2D9B72-235B-422E-A1F3-ABE6B95F06F7}" srcOrd="0" destOrd="0" parTransId="{DF7E58A5-9106-4836-86EF-73D97746EEE7}" sibTransId="{DB1765A7-2661-450E-84FE-2802D1A41C2A}"/>
     <dgm:cxn modelId="{FDF9ADB3-13A3-4D54-BB61-6595ED857DF6}" type="presOf" srcId="{0CA5846B-6876-4E75-9A4A-1E3F456ABD32}" destId="{864A9012-0535-4300-9BB8-6D91A1A4802C}" srcOrd="0" destOrd="0" presId="urn:microsoft.com/office/officeart/2005/8/layout/list1"/>
-    <dgm:cxn modelId="{E8D24AB4-8327-491D-A4E4-EDB693B318BC}" type="presOf" srcId="{C5C1A243-4299-4CC6-BBB5-A103CA6EDCA6}" destId="{DB99A363-369D-4F03-A3C0-CCB01B0C4B65}" srcOrd="0" destOrd="1" presId="urn:microsoft.com/office/officeart/2005/8/layout/list1"/>
     <dgm:cxn modelId="{1788B5B4-B8BC-46CD-92C5-A668D3C7950C}" srcId="{A20EAA15-418E-40ED-B9A8-A1ADD8CA8CD9}" destId="{0B9AA755-BD00-4058-8591-5C1ABD74B8D1}" srcOrd="0" destOrd="0" parTransId="{A5A205FB-EBA3-4857-BE47-C40994D674F8}" sibTransId="{DC3FA2B5-435E-4E4D-9030-47BBACBE5E80}"/>
-    <dgm:cxn modelId="{2F5D84B7-4680-44C5-9B6A-57DB0BC5776E}" type="presOf" srcId="{DBCFCCEA-7AD8-45F9-A8AA-B486E21DE59D}" destId="{C3E3B4BE-F84E-4C05-AB3C-90772E271E40}" srcOrd="1" destOrd="0" presId="urn:microsoft.com/office/officeart/2005/8/layout/list1"/>
     <dgm:cxn modelId="{697E3FC6-A1BC-49DC-A033-544D1D415249}" srcId="{DF89BAEB-0580-44DE-A0F1-110FE58F435E}" destId="{4F8B97F6-FB9A-4B93-9341-C919933E09F9}" srcOrd="0" destOrd="0" parTransId="{A6D6E5B1-E2BA-491D-83F5-8B2A07C94D4C}" sibTransId="{B90FFD99-5D9D-41BE-BC6B-3D7971ACE879}"/>
     <dgm:cxn modelId="{AC2B28C9-D0C8-4581-986D-93ECDD533D65}" srcId="{4F8B97F6-FB9A-4B93-9341-C919933E09F9}" destId="{0CA5846B-6876-4E75-9A4A-1E3F456ABD32}" srcOrd="0" destOrd="0" parTransId="{853F263D-F8AA-43BA-8B37-FDF067DD72AF}" sibTransId="{A5CE7739-6059-4079-AD37-B03DCDC4BEBF}"/>
     <dgm:cxn modelId="{6E2B38D0-1C69-484D-8608-26B9EA60CEE3}" type="presOf" srcId="{939AB054-F32F-44AE-B621-D22D527A2E14}" destId="{97D180BF-D6BB-4B4B-BD80-5C8B3B70D230}" srcOrd="1" destOrd="0" presId="urn:microsoft.com/office/officeart/2005/8/layout/list1"/>
-    <dgm:cxn modelId="{7DDD91D1-8343-46A8-BC55-70B79CA99A8C}" srcId="{DF89BAEB-0580-44DE-A0F1-110FE58F435E}" destId="{939AB054-F32F-44AE-B621-D22D527A2E14}" srcOrd="4" destOrd="0" parTransId="{801AD91D-2A2D-49F0-969D-8C8E026CE1C0}" sibTransId="{8E6E2BFC-B86E-449F-A630-FFBC154EABD8}"/>
-    <dgm:cxn modelId="{2282F0D6-C853-471F-A3F7-8D7301FB1196}" srcId="{6F7A5885-4EA8-42C6-8345-8917D12FD72A}" destId="{58CDAAE8-9F2B-4AA3-911E-EF8B87CB24EB}" srcOrd="0" destOrd="0" parTransId="{13F1D3CE-E9C5-4EFA-B989-F1B8844A6F22}" sibTransId="{D744C5F7-30C3-4DDA-81F5-F5ADA8CA29E7}"/>
+    <dgm:cxn modelId="{7DDD91D1-8343-46A8-BC55-70B79CA99A8C}" srcId="{DF89BAEB-0580-44DE-A0F1-110FE58F435E}" destId="{939AB054-F32F-44AE-B621-D22D527A2E14}" srcOrd="2" destOrd="0" parTransId="{801AD91D-2A2D-49F0-969D-8C8E026CE1C0}" sibTransId="{8E6E2BFC-B86E-449F-A630-FFBC154EABD8}"/>
     <dgm:cxn modelId="{E51B87C7-9CE6-41C5-B8C1-48FF4307BE72}" type="presParOf" srcId="{7BBFF3EA-9E4D-4F15-B5DC-FC9E6F8B98CD}" destId="{3FB0426F-AF48-4830-B893-F3EC76C0CE49}" srcOrd="0" destOrd="0" presId="urn:microsoft.com/office/officeart/2005/8/layout/list1"/>
     <dgm:cxn modelId="{0E356DD9-444F-4FB8-9AC4-46356A4C54A5}" type="presParOf" srcId="{3FB0426F-AF48-4830-B893-F3EC76C0CE49}" destId="{866E6A24-5EF2-46B9-8220-1A7AC3DD6B74}" srcOrd="0" destOrd="0" presId="urn:microsoft.com/office/officeart/2005/8/layout/list1"/>
     <dgm:cxn modelId="{D37F8C82-9361-4D08-8D0B-22A2DE6704C1}" type="presParOf" srcId="{3FB0426F-AF48-4830-B893-F3EC76C0CE49}" destId="{8E273A71-5EF2-4EE4-B86A-F4842A255E5B}" srcOrd="1" destOrd="0" presId="urn:microsoft.com/office/officeart/2005/8/layout/list1"/>
@@ -3790,23 +3621,11 @@
     <dgm:cxn modelId="{859B8717-4E07-4F17-8468-02E508FA51C2}" type="presParOf" srcId="{7BBFF3EA-9E4D-4F15-B5DC-FC9E6F8B98CD}" destId="{7EB9D8C7-131E-4500-B72C-D95FF97AB658}" srcOrd="5" destOrd="0" presId="urn:microsoft.com/office/officeart/2005/8/layout/list1"/>
     <dgm:cxn modelId="{977E764B-9EBA-41C9-B055-8301F91FC47C}" type="presParOf" srcId="{7BBFF3EA-9E4D-4F15-B5DC-FC9E6F8B98CD}" destId="{F4F7DEAF-B58B-4DDB-9D6B-4CB1D6829BF6}" srcOrd="6" destOrd="0" presId="urn:microsoft.com/office/officeart/2005/8/layout/list1"/>
     <dgm:cxn modelId="{6A549B4C-1B19-4504-B621-B4299EBE3926}" type="presParOf" srcId="{7BBFF3EA-9E4D-4F15-B5DC-FC9E6F8B98CD}" destId="{A32DF838-BEED-4442-A077-BCC0F10FC62C}" srcOrd="7" destOrd="0" presId="urn:microsoft.com/office/officeart/2005/8/layout/list1"/>
-    <dgm:cxn modelId="{4360D080-4618-4661-A03E-7F902E26A8EB}" type="presParOf" srcId="{7BBFF3EA-9E4D-4F15-B5DC-FC9E6F8B98CD}" destId="{1191ACED-234C-45D2-B9B9-D9F867AA3EE1}" srcOrd="8" destOrd="0" presId="urn:microsoft.com/office/officeart/2005/8/layout/list1"/>
-    <dgm:cxn modelId="{89B4D9BB-E544-4A57-AEA0-02CBDD052D85}" type="presParOf" srcId="{1191ACED-234C-45D2-B9B9-D9F867AA3EE1}" destId="{40BB35AD-194A-47E3-84C9-2E519F2584F1}" srcOrd="0" destOrd="0" presId="urn:microsoft.com/office/officeart/2005/8/layout/list1"/>
-    <dgm:cxn modelId="{14003DB4-3BA9-4110-82B2-869CF2FE3AE7}" type="presParOf" srcId="{1191ACED-234C-45D2-B9B9-D9F867AA3EE1}" destId="{C3E3B4BE-F84E-4C05-AB3C-90772E271E40}" srcOrd="1" destOrd="0" presId="urn:microsoft.com/office/officeart/2005/8/layout/list1"/>
-    <dgm:cxn modelId="{E1037541-5F86-4EC7-8ED0-7CE174E33585}" type="presParOf" srcId="{7BBFF3EA-9E4D-4F15-B5DC-FC9E6F8B98CD}" destId="{842F79AA-7F49-4925-96B5-45806A65CAE4}" srcOrd="9" destOrd="0" presId="urn:microsoft.com/office/officeart/2005/8/layout/list1"/>
-    <dgm:cxn modelId="{80D6BCFE-61E7-44D1-BEF6-A708A21C2E29}" type="presParOf" srcId="{7BBFF3EA-9E4D-4F15-B5DC-FC9E6F8B98CD}" destId="{957E0442-D1DF-4211-B996-A217D1239A49}" srcOrd="10" destOrd="0" presId="urn:microsoft.com/office/officeart/2005/8/layout/list1"/>
-    <dgm:cxn modelId="{115D6BD7-AE6C-40F2-9589-0A9E271189B1}" type="presParOf" srcId="{7BBFF3EA-9E4D-4F15-B5DC-FC9E6F8B98CD}" destId="{38916D68-88BB-41C6-BC80-7735F4F5D060}" srcOrd="11" destOrd="0" presId="urn:microsoft.com/office/officeart/2005/8/layout/list1"/>
-    <dgm:cxn modelId="{95D86CB0-2B38-4760-9B75-A9102EEB328F}" type="presParOf" srcId="{7BBFF3EA-9E4D-4F15-B5DC-FC9E6F8B98CD}" destId="{30492302-A860-426C-84CA-01057E3C61AD}" srcOrd="12" destOrd="0" presId="urn:microsoft.com/office/officeart/2005/8/layout/list1"/>
-    <dgm:cxn modelId="{F10FCFFB-51CC-42AB-8657-9536C4D99407}" type="presParOf" srcId="{30492302-A860-426C-84CA-01057E3C61AD}" destId="{DC6113BD-FFC2-4474-94F9-0E1C107D6327}" srcOrd="0" destOrd="0" presId="urn:microsoft.com/office/officeart/2005/8/layout/list1"/>
-    <dgm:cxn modelId="{7CD1838D-BDF5-46DE-951D-4DA162BFC876}" type="presParOf" srcId="{30492302-A860-426C-84CA-01057E3C61AD}" destId="{8EDCD81E-5DF2-4462-88CB-6E35F14ED0EB}" srcOrd="1" destOrd="0" presId="urn:microsoft.com/office/officeart/2005/8/layout/list1"/>
-    <dgm:cxn modelId="{3D68F696-0EDD-43F8-8024-053B4309D827}" type="presParOf" srcId="{7BBFF3EA-9E4D-4F15-B5DC-FC9E6F8B98CD}" destId="{49B3FF1F-878B-446F-A737-5AFAD0208BDA}" srcOrd="13" destOrd="0" presId="urn:microsoft.com/office/officeart/2005/8/layout/list1"/>
-    <dgm:cxn modelId="{441262B5-F1C6-41A2-81A9-4AF736876D24}" type="presParOf" srcId="{7BBFF3EA-9E4D-4F15-B5DC-FC9E6F8B98CD}" destId="{DB99A363-369D-4F03-A3C0-CCB01B0C4B65}" srcOrd="14" destOrd="0" presId="urn:microsoft.com/office/officeart/2005/8/layout/list1"/>
-    <dgm:cxn modelId="{3A9C0E9E-F36D-425E-9036-4F249D626F04}" type="presParOf" srcId="{7BBFF3EA-9E4D-4F15-B5DC-FC9E6F8B98CD}" destId="{2AF552DE-82EB-44C0-83B2-AD25E1D795EA}" srcOrd="15" destOrd="0" presId="urn:microsoft.com/office/officeart/2005/8/layout/list1"/>
-    <dgm:cxn modelId="{EB74BD6B-6762-4B61-8567-3A79EC9E83FF}" type="presParOf" srcId="{7BBFF3EA-9E4D-4F15-B5DC-FC9E6F8B98CD}" destId="{BEFDED44-AEBB-4DDA-87FB-D22E13A75AA3}" srcOrd="16" destOrd="0" presId="urn:microsoft.com/office/officeart/2005/8/layout/list1"/>
+    <dgm:cxn modelId="{EB74BD6B-6762-4B61-8567-3A79EC9E83FF}" type="presParOf" srcId="{7BBFF3EA-9E4D-4F15-B5DC-FC9E6F8B98CD}" destId="{BEFDED44-AEBB-4DDA-87FB-D22E13A75AA3}" srcOrd="8" destOrd="0" presId="urn:microsoft.com/office/officeart/2005/8/layout/list1"/>
     <dgm:cxn modelId="{A524F8E6-6018-419D-939E-51B67E63454B}" type="presParOf" srcId="{BEFDED44-AEBB-4DDA-87FB-D22E13A75AA3}" destId="{9DC4FB1F-6DC4-4E8C-AFF4-1FC52FAD36FF}" srcOrd="0" destOrd="0" presId="urn:microsoft.com/office/officeart/2005/8/layout/list1"/>
     <dgm:cxn modelId="{258875B6-3B26-4727-BC15-7D3D1913068A}" type="presParOf" srcId="{BEFDED44-AEBB-4DDA-87FB-D22E13A75AA3}" destId="{97D180BF-D6BB-4B4B-BD80-5C8B3B70D230}" srcOrd="1" destOrd="0" presId="urn:microsoft.com/office/officeart/2005/8/layout/list1"/>
-    <dgm:cxn modelId="{73A747ED-09BE-4137-AAE7-08A7A60EACD0}" type="presParOf" srcId="{7BBFF3EA-9E4D-4F15-B5DC-FC9E6F8B98CD}" destId="{15C3D57A-FC09-4A3F-B337-D70E6F1A68B8}" srcOrd="17" destOrd="0" presId="urn:microsoft.com/office/officeart/2005/8/layout/list1"/>
-    <dgm:cxn modelId="{B364AED3-6600-4E1B-81F5-8AA32BDFCCBD}" type="presParOf" srcId="{7BBFF3EA-9E4D-4F15-B5DC-FC9E6F8B98CD}" destId="{E335C91B-35CE-4737-BAB3-EFC1FEF78C5A}" srcOrd="18" destOrd="0" presId="urn:microsoft.com/office/officeart/2005/8/layout/list1"/>
+    <dgm:cxn modelId="{73A747ED-09BE-4137-AAE7-08A7A60EACD0}" type="presParOf" srcId="{7BBFF3EA-9E4D-4F15-B5DC-FC9E6F8B98CD}" destId="{15C3D57A-FC09-4A3F-B337-D70E6F1A68B8}" srcOrd="9" destOrd="0" presId="urn:microsoft.com/office/officeart/2005/8/layout/list1"/>
+    <dgm:cxn modelId="{B364AED3-6600-4E1B-81F5-8AA32BDFCCBD}" type="presParOf" srcId="{7BBFF3EA-9E4D-4F15-B5DC-FC9E6F8B98CD}" destId="{E335C91B-35CE-4737-BAB3-EFC1FEF78C5A}" srcOrd="10" destOrd="0" presId="urn:microsoft.com/office/officeart/2005/8/layout/list1"/>
   </dgm:cxnLst>
   <dgm:bg/>
   <dgm:whole/>
@@ -4126,7 +3945,7 @@
   <dgm:whole/>
   <dgm:extLst>
     <a:ext uri="http://schemas.microsoft.com/office/drawing/2008/diagram">
-      <dsp:dataModelExt xmlns:dsp="http://schemas.microsoft.com/office/drawing/2008/diagram" relId="rId6" minVer="http://schemas.openxmlformats.org/drawingml/2006/diagram"/>
+      <dsp:dataModelExt xmlns:dsp="http://schemas.microsoft.com/office/drawing/2008/diagram" relId="rId7" minVer="http://schemas.openxmlformats.org/drawingml/2006/diagram"/>
     </a:ext>
   </dgm:extLst>
 </dgm:dataModel>
@@ -4615,8 +4434,8 @@
       </dsp:nvSpPr>
       <dsp:spPr>
         <a:xfrm>
-          <a:off x="0" y="265870"/>
-          <a:ext cx="3888528" cy="453600"/>
+          <a:off x="0" y="177580"/>
+          <a:ext cx="3888528" cy="680400"/>
         </a:xfrm>
         <a:prstGeom prst="rect">
           <a:avLst/>
@@ -4657,12 +4476,12 @@
         <a:fontRef idx="minor"/>
       </dsp:style>
       <dsp:txBody>
-        <a:bodyPr spcFirstLastPara="0" vert="horz" wrap="square" lIns="301793" tIns="166624" rIns="301793" bIns="56896" numCol="1" spcCol="1270" anchor="t" anchorCtr="0">
+        <a:bodyPr spcFirstLastPara="0" vert="horz" wrap="square" lIns="301793" tIns="249936" rIns="301793" bIns="85344" numCol="1" spcCol="1270" anchor="t" anchorCtr="0">
           <a:noAutofit/>
         </a:bodyPr>
         <a:lstStyle/>
         <a:p>
-          <a:pPr marL="57150" lvl="1" indent="-57150" algn="l" defTabSz="355600">
+          <a:pPr marL="114300" lvl="1" indent="-114300" algn="l" defTabSz="533400">
             <a:lnSpc>
               <a:spcPct val="90000"/>
             </a:lnSpc>
@@ -4675,14 +4494,14 @@
             <a:buChar char="•"/>
           </a:pPr>
           <a:r>
-            <a:rPr lang="en-US" sz="800" kern="1200" dirty="0"/>
+            <a:rPr lang="en-US" sz="1200" kern="1200" dirty="0"/>
             <a:t>Python stores arrays this way as do many languages C/C++, C#, Java,…</a:t>
           </a:r>
         </a:p>
       </dsp:txBody>
       <dsp:txXfrm>
-        <a:off x="0" y="265870"/>
-        <a:ext cx="3888528" cy="453600"/>
+        <a:off x="0" y="177580"/>
+        <a:ext cx="3888528" cy="680400"/>
       </dsp:txXfrm>
     </dsp:sp>
     <dsp:sp modelId="{8E273A71-5EF2-4EE4-B86A-F4842A255E5B}">
@@ -4692,8 +4511,8 @@
       </dsp:nvSpPr>
       <dsp:spPr>
         <a:xfrm>
-          <a:off x="194426" y="147790"/>
-          <a:ext cx="2721969" cy="236160"/>
+          <a:off x="194426" y="460"/>
+          <a:ext cx="2721969" cy="354240"/>
         </a:xfrm>
         <a:prstGeom prst="roundRect">
           <a:avLst/>
@@ -4767,7 +4586,7 @@
         </a:bodyPr>
         <a:lstStyle/>
         <a:p>
-          <a:pPr marL="0" lvl="0" indent="0" algn="l" defTabSz="355600">
+          <a:pPr marL="0" lvl="0" indent="0" algn="l" defTabSz="533400">
             <a:lnSpc>
               <a:spcPct val="90000"/>
             </a:lnSpc>
@@ -4780,14 +4599,14 @@
             <a:buNone/>
           </a:pPr>
           <a:r>
-            <a:rPr lang="en-US" sz="800" kern="1200" dirty="0"/>
+            <a:rPr lang="en-US" sz="1200" kern="1200" dirty="0"/>
             <a:t>Row-major</a:t>
           </a:r>
         </a:p>
       </dsp:txBody>
       <dsp:txXfrm>
-        <a:off x="205954" y="159318"/>
-        <a:ext cx="2698913" cy="213104"/>
+        <a:off x="211719" y="17753"/>
+        <a:ext cx="2687383" cy="319654"/>
       </dsp:txXfrm>
     </dsp:sp>
     <dsp:sp modelId="{F4F7DEAF-B58B-4DDB-9D6B-4CB1D6829BF6}">
@@ -4797,8 +4616,8 @@
       </dsp:nvSpPr>
       <dsp:spPr>
         <a:xfrm>
-          <a:off x="0" y="880750"/>
-          <a:ext cx="3888528" cy="340200"/>
+          <a:off x="0" y="1099900"/>
+          <a:ext cx="3888528" cy="510300"/>
         </a:xfrm>
         <a:prstGeom prst="rect">
           <a:avLst/>
@@ -4839,12 +4658,12 @@
         <a:fontRef idx="minor"/>
       </dsp:style>
       <dsp:txBody>
-        <a:bodyPr spcFirstLastPara="0" vert="horz" wrap="square" lIns="301793" tIns="166624" rIns="301793" bIns="56896" numCol="1" spcCol="1270" anchor="t" anchorCtr="0">
+        <a:bodyPr spcFirstLastPara="0" vert="horz" wrap="square" lIns="301793" tIns="249936" rIns="301793" bIns="85344" numCol="1" spcCol="1270" anchor="t" anchorCtr="0">
           <a:noAutofit/>
         </a:bodyPr>
         <a:lstStyle/>
         <a:p>
-          <a:pPr marL="57150" lvl="1" indent="-57150" algn="l" defTabSz="355600">
+          <a:pPr marL="114300" lvl="1" indent="-114300" algn="l" defTabSz="533400">
             <a:lnSpc>
               <a:spcPct val="90000"/>
             </a:lnSpc>
@@ -4857,22 +4676,22 @@
             <a:buChar char="•"/>
           </a:pPr>
           <a:r>
-            <a:rPr lang="en-US" sz="800" kern="1200" dirty="0"/>
+            <a:rPr lang="en-US" sz="1200" kern="1200" dirty="0"/>
             <a:t>FORTRAN, </a:t>
           </a:r>
           <a:r>
-            <a:rPr lang="en-US" sz="800" kern="1200" dirty="0" err="1"/>
+            <a:rPr lang="en-US" sz="1200" kern="1200" dirty="0" err="1"/>
             <a:t>MatLab</a:t>
           </a:r>
           <a:r>
-            <a:rPr lang="en-US" sz="800" kern="1200" dirty="0"/>
+            <a:rPr lang="en-US" sz="1200" kern="1200" dirty="0"/>
             <a:t>, …</a:t>
           </a:r>
         </a:p>
       </dsp:txBody>
       <dsp:txXfrm>
-        <a:off x="0" y="880750"/>
-        <a:ext cx="3888528" cy="340200"/>
+        <a:off x="0" y="1099900"/>
+        <a:ext cx="3888528" cy="510300"/>
       </dsp:txXfrm>
     </dsp:sp>
     <dsp:sp modelId="{D74470B9-7FFB-4A7B-8697-61186F797300}">
@@ -4882,8 +4701,8 @@
       </dsp:nvSpPr>
       <dsp:spPr>
         <a:xfrm>
-          <a:off x="194426" y="762670"/>
-          <a:ext cx="2721969" cy="236160"/>
+          <a:off x="194426" y="922780"/>
+          <a:ext cx="2721969" cy="354240"/>
         </a:xfrm>
         <a:prstGeom prst="roundRect">
           <a:avLst/>
@@ -4957,7 +4776,7 @@
         </a:bodyPr>
         <a:lstStyle/>
         <a:p>
-          <a:pPr marL="0" lvl="0" indent="0" algn="l" defTabSz="355600">
+          <a:pPr marL="0" lvl="0" indent="0" algn="l" defTabSz="533400">
             <a:lnSpc>
               <a:spcPct val="90000"/>
             </a:lnSpc>
@@ -4970,25 +4789,25 @@
             <a:buNone/>
           </a:pPr>
           <a:r>
-            <a:rPr lang="en-US" sz="800" kern="1200" dirty="0"/>
+            <a:rPr lang="en-US" sz="1200" kern="1200" dirty="0"/>
             <a:t>Column-major</a:t>
           </a:r>
         </a:p>
       </dsp:txBody>
       <dsp:txXfrm>
-        <a:off x="205954" y="774198"/>
-        <a:ext cx="2698913" cy="213104"/>
+        <a:off x="211719" y="940073"/>
+        <a:ext cx="2687383" cy="319654"/>
       </dsp:txXfrm>
     </dsp:sp>
-    <dsp:sp modelId="{957E0442-D1DF-4211-B996-A217D1239A49}">
+    <dsp:sp modelId="{E335C91B-35CE-4737-BAB3-EFC1FEF78C5A}">
       <dsp:nvSpPr>
         <dsp:cNvPr id="0" name=""/>
         <dsp:cNvSpPr/>
       </dsp:nvSpPr>
       <dsp:spPr>
         <a:xfrm>
-          <a:off x="0" y="1382230"/>
-          <a:ext cx="3888528" cy="340200"/>
+          <a:off x="0" y="1852120"/>
+          <a:ext cx="3888528" cy="1701000"/>
         </a:xfrm>
         <a:prstGeom prst="rect">
           <a:avLst/>
@@ -5029,12 +4848,12 @@
         <a:fontRef idx="minor"/>
       </dsp:style>
       <dsp:txBody>
-        <a:bodyPr spcFirstLastPara="0" vert="horz" wrap="square" lIns="301793" tIns="166624" rIns="301793" bIns="56896" numCol="1" spcCol="1270" anchor="t" anchorCtr="0">
+        <a:bodyPr spcFirstLastPara="0" vert="horz" wrap="square" lIns="301793" tIns="249936" rIns="301793" bIns="85344" numCol="1" spcCol="1270" anchor="t" anchorCtr="0">
           <a:noAutofit/>
         </a:bodyPr>
         <a:lstStyle/>
         <a:p>
-          <a:pPr marL="57150" lvl="1" indent="-57150" algn="l" defTabSz="355600">
+          <a:pPr marL="114300" lvl="1" indent="-114300" algn="l" defTabSz="533400">
             <a:lnSpc>
               <a:spcPct val="90000"/>
             </a:lnSpc>
@@ -5047,25 +4866,133 @@
             <a:buChar char="•"/>
           </a:pPr>
           <a:r>
-            <a:rPr lang="en-US" sz="800" kern="1200" dirty="0"/>
-            <a:t>[ [ 1, 2], [ 3, 4 ] ]</a:t>
+            <a:rPr lang="en-US" sz="1200" kern="1200" dirty="0"/>
+            <a:t>Row Major</a:t>
           </a:r>
+        </a:p>
+        <a:p>
+          <a:pPr marL="228600" lvl="2" indent="-114300" algn="l" defTabSz="533400">
+            <a:lnSpc>
+              <a:spcPct val="90000"/>
+            </a:lnSpc>
+            <a:spcBef>
+              <a:spcPct val="0"/>
+            </a:spcBef>
+            <a:spcAft>
+              <a:spcPct val="15000"/>
+            </a:spcAft>
+            <a:buFontTx/>
+            <a:buNone/>
+          </a:pPr>
+          <a:r>
+            <a:rPr lang="en-US" sz="1200" kern="1200" dirty="0"/>
+            <a:t>for y in range(height):</a:t>
+          </a:r>
+        </a:p>
+        <a:p>
+          <a:pPr marL="342900" lvl="3" indent="-114300" algn="l" defTabSz="533400">
+            <a:lnSpc>
+              <a:spcPct val="90000"/>
+            </a:lnSpc>
+            <a:spcBef>
+              <a:spcPct val="0"/>
+            </a:spcBef>
+            <a:spcAft>
+              <a:spcPct val="15000"/>
+            </a:spcAft>
+            <a:buFontTx/>
+            <a:buNone/>
+          </a:pPr>
+          <a:r>
+            <a:rPr lang="en-US" sz="1200" kern="1200" dirty="0"/>
+            <a:t>for x in range(width):</a:t>
+          </a:r>
+        </a:p>
+        <a:p>
+          <a:pPr marL="114300" lvl="1" indent="-114300" algn="l" defTabSz="533400">
+            <a:lnSpc>
+              <a:spcPct val="90000"/>
+            </a:lnSpc>
+            <a:spcBef>
+              <a:spcPct val="0"/>
+            </a:spcBef>
+            <a:spcAft>
+              <a:spcPct val="15000"/>
+            </a:spcAft>
+            <a:buChar char="•"/>
+          </a:pPr>
+          <a:r>
+            <a:rPr lang="en-US" sz="1200" kern="1200" dirty="0"/>
+            <a:t>Col Major</a:t>
+          </a:r>
+        </a:p>
+        <a:p>
+          <a:pPr marL="228600" lvl="2" indent="-114300" algn="l" defTabSz="533400">
+            <a:lnSpc>
+              <a:spcPct val="90000"/>
+            </a:lnSpc>
+            <a:spcBef>
+              <a:spcPct val="0"/>
+            </a:spcBef>
+            <a:spcAft>
+              <a:spcPct val="15000"/>
+            </a:spcAft>
+            <a:buFontTx/>
+            <a:buNone/>
+          </a:pPr>
+          <a:r>
+            <a:rPr lang="en-US" sz="1200" kern="1200" dirty="0"/>
+            <a:t>for x in range(width):</a:t>
+          </a:r>
+        </a:p>
+        <a:p>
+          <a:pPr marL="342900" lvl="3" indent="-114300" algn="l" defTabSz="533400">
+            <a:lnSpc>
+              <a:spcPct val="90000"/>
+            </a:lnSpc>
+            <a:spcBef>
+              <a:spcPct val="0"/>
+            </a:spcBef>
+            <a:spcAft>
+              <a:spcPct val="15000"/>
+            </a:spcAft>
+            <a:buChar char="•"/>
+          </a:pPr>
+          <a:r>
+            <a:rPr lang="en-US" sz="1200" kern="1200" dirty="0"/>
+            <a:t>for y in range(height):</a:t>
+          </a:r>
+        </a:p>
+        <a:p>
+          <a:pPr marL="114300" lvl="1" indent="-114300" algn="l" defTabSz="533400">
+            <a:lnSpc>
+              <a:spcPct val="90000"/>
+            </a:lnSpc>
+            <a:spcBef>
+              <a:spcPct val="0"/>
+            </a:spcBef>
+            <a:spcAft>
+              <a:spcPct val="15000"/>
+            </a:spcAft>
+            <a:buChar char="•"/>
+          </a:pPr>
+          <a:endParaRPr lang="en-US" sz="1200" kern="1200" dirty="0"/>
         </a:p>
       </dsp:txBody>
       <dsp:txXfrm>
-        <a:off x="0" y="1382230"/>
-        <a:ext cx="3888528" cy="340200"/>
+        <a:off x="0" y="1852120"/>
+        <a:ext cx="3888528" cy="1701000"/>
       </dsp:txXfrm>
     </dsp:sp>
-    <dsp:sp modelId="{C3E3B4BE-F84E-4C05-AB3C-90772E271E40}">
+    <dsp:sp modelId="{97D180BF-D6BB-4B4B-BD80-5C8B3B70D230}">
       <dsp:nvSpPr>
         <dsp:cNvPr id="0" name=""/>
         <dsp:cNvSpPr/>
       </dsp:nvSpPr>
       <dsp:spPr>
         <a:xfrm>
-          <a:off x="194426" y="1264150"/>
-          <a:ext cx="2721969" cy="236160"/>
+          <a:off x="194426" y="1675000"/>
+          <a:ext cx="2721969" cy="354240"/>
         </a:xfrm>
         <a:prstGeom prst="roundRect">
           <a:avLst/>
@@ -5139,7 +5066,7 @@
         </a:bodyPr>
         <a:lstStyle/>
         <a:p>
-          <a:pPr marL="0" lvl="0" indent="0" algn="l" defTabSz="355600">
+          <a:pPr marL="0" lvl="0" indent="0" algn="l" defTabSz="533400">
             <a:lnSpc>
               <a:spcPct val="90000"/>
             </a:lnSpc>
@@ -5152,466 +5079,14 @@
             <a:buNone/>
           </a:pPr>
           <a:r>
-            <a:rPr lang="en-US" sz="800" kern="1200" dirty="0"/>
-            <a:t>2D Arrays, List of Lists</a:t>
+            <a:rPr lang="en-US" sz="1200" kern="1200" dirty="0"/>
+            <a:t>Iterating</a:t>
           </a:r>
         </a:p>
       </dsp:txBody>
       <dsp:txXfrm>
-        <a:off x="205954" y="1275678"/>
-        <a:ext cx="2698913" cy="213104"/>
-      </dsp:txXfrm>
-    </dsp:sp>
-    <dsp:sp modelId="{DB99A363-369D-4F03-A3C0-CCB01B0C4B65}">
-      <dsp:nvSpPr>
-        <dsp:cNvPr id="0" name=""/>
-        <dsp:cNvSpPr/>
-      </dsp:nvSpPr>
-      <dsp:spPr>
-        <a:xfrm>
-          <a:off x="0" y="1883710"/>
-          <a:ext cx="3888528" cy="478800"/>
-        </a:xfrm>
-        <a:prstGeom prst="rect">
-          <a:avLst/>
-        </a:prstGeom>
-        <a:solidFill>
-          <a:schemeClr val="lt1">
-            <a:alpha val="90000"/>
-            <a:hueOff val="0"/>
-            <a:satOff val="0"/>
-            <a:lumOff val="0"/>
-            <a:alphaOff val="0"/>
-          </a:schemeClr>
-        </a:solidFill>
-        <a:ln w="6350" cap="flat" cmpd="sng" algn="ctr">
-          <a:solidFill>
-            <a:schemeClr val="accent2">
-              <a:hueOff val="0"/>
-              <a:satOff val="0"/>
-              <a:lumOff val="0"/>
-              <a:alphaOff val="0"/>
-            </a:schemeClr>
-          </a:solidFill>
-          <a:prstDash val="solid"/>
-          <a:miter lim="800000"/>
-        </a:ln>
-        <a:effectLst/>
-      </dsp:spPr>
-      <dsp:style>
-        <a:lnRef idx="1">
-          <a:scrgbClr r="0" g="0" b="0"/>
-        </a:lnRef>
-        <a:fillRef idx="1">
-          <a:scrgbClr r="0" g="0" b="0"/>
-        </a:fillRef>
-        <a:effectRef idx="2">
-          <a:scrgbClr r="0" g="0" b="0"/>
-        </a:effectRef>
-        <a:fontRef idx="minor"/>
-      </dsp:style>
-      <dsp:txBody>
-        <a:bodyPr spcFirstLastPara="0" vert="horz" wrap="square" lIns="301793" tIns="166624" rIns="301793" bIns="56896" numCol="1" spcCol="1270" anchor="t" anchorCtr="0">
-          <a:noAutofit/>
-        </a:bodyPr>
-        <a:lstStyle/>
-        <a:p>
-          <a:pPr marL="57150" lvl="1" indent="-57150" algn="l" defTabSz="355600">
-            <a:lnSpc>
-              <a:spcPct val="90000"/>
-            </a:lnSpc>
-            <a:spcBef>
-              <a:spcPct val="0"/>
-            </a:spcBef>
-            <a:spcAft>
-              <a:spcPct val="15000"/>
-            </a:spcAft>
-            <a:buChar char="•"/>
-          </a:pPr>
-          <a:r>
-            <a:rPr lang="en-US" sz="800" kern="1200" dirty="0"/>
-            <a:t>[ 1, 2, 3, 4 ]</a:t>
-          </a:r>
-        </a:p>
-        <a:p>
-          <a:pPr marL="57150" lvl="1" indent="-57150" algn="l" defTabSz="355600">
-            <a:lnSpc>
-              <a:spcPct val="90000"/>
-            </a:lnSpc>
-            <a:spcBef>
-              <a:spcPct val="0"/>
-            </a:spcBef>
-            <a:spcAft>
-              <a:spcPct val="15000"/>
-            </a:spcAft>
-            <a:buChar char="•"/>
-          </a:pPr>
-          <a:r>
-            <a:rPr lang="en-US" sz="800" kern="1200" dirty="0"/>
-            <a:t>Indexing formula: (y * width) + x</a:t>
-          </a:r>
-        </a:p>
-      </dsp:txBody>
-      <dsp:txXfrm>
-        <a:off x="0" y="1883710"/>
-        <a:ext cx="3888528" cy="478800"/>
-      </dsp:txXfrm>
-    </dsp:sp>
-    <dsp:sp modelId="{8EDCD81E-5DF2-4462-88CB-6E35F14ED0EB}">
-      <dsp:nvSpPr>
-        <dsp:cNvPr id="0" name=""/>
-        <dsp:cNvSpPr/>
-      </dsp:nvSpPr>
-      <dsp:spPr>
-        <a:xfrm>
-          <a:off x="194426" y="1765630"/>
-          <a:ext cx="2721969" cy="236160"/>
-        </a:xfrm>
-        <a:prstGeom prst="roundRect">
-          <a:avLst/>
-        </a:prstGeom>
-        <a:gradFill rotWithShape="0">
-          <a:gsLst>
-            <a:gs pos="0">
-              <a:schemeClr val="accent2">
-                <a:hueOff val="0"/>
-                <a:satOff val="0"/>
-                <a:lumOff val="0"/>
-                <a:alphaOff val="0"/>
-                <a:satMod val="103000"/>
-                <a:lumMod val="102000"/>
-                <a:tint val="94000"/>
-              </a:schemeClr>
-            </a:gs>
-            <a:gs pos="50000">
-              <a:schemeClr val="accent2">
-                <a:hueOff val="0"/>
-                <a:satOff val="0"/>
-                <a:lumOff val="0"/>
-                <a:alphaOff val="0"/>
-                <a:satMod val="110000"/>
-                <a:lumMod val="100000"/>
-                <a:shade val="100000"/>
-              </a:schemeClr>
-            </a:gs>
-            <a:gs pos="100000">
-              <a:schemeClr val="accent2">
-                <a:hueOff val="0"/>
-                <a:satOff val="0"/>
-                <a:lumOff val="0"/>
-                <a:alphaOff val="0"/>
-                <a:lumMod val="99000"/>
-                <a:satMod val="120000"/>
-                <a:shade val="78000"/>
-              </a:schemeClr>
-            </a:gs>
-          </a:gsLst>
-          <a:lin ang="5400000" scaled="0"/>
-        </a:gradFill>
-        <a:ln>
-          <a:noFill/>
-        </a:ln>
-        <a:effectLst>
-          <a:outerShdw blurRad="57150" dist="19050" dir="5400000" algn="ctr" rotWithShape="0">
-            <a:srgbClr val="000000">
-              <a:alpha val="63000"/>
-            </a:srgbClr>
-          </a:outerShdw>
-        </a:effectLst>
-      </dsp:spPr>
-      <dsp:style>
-        <a:lnRef idx="0">
-          <a:scrgbClr r="0" g="0" b="0"/>
-        </a:lnRef>
-        <a:fillRef idx="3">
-          <a:scrgbClr r="0" g="0" b="0"/>
-        </a:fillRef>
-        <a:effectRef idx="3">
-          <a:scrgbClr r="0" g="0" b="0"/>
-        </a:effectRef>
-        <a:fontRef idx="minor">
-          <a:schemeClr val="lt1"/>
-        </a:fontRef>
-      </dsp:style>
-      <dsp:txBody>
-        <a:bodyPr spcFirstLastPara="0" vert="horz" wrap="square" lIns="102884" tIns="0" rIns="102884" bIns="0" numCol="1" spcCol="1270" anchor="ctr" anchorCtr="0">
-          <a:noAutofit/>
-        </a:bodyPr>
-        <a:lstStyle/>
-        <a:p>
-          <a:pPr marL="0" lvl="0" indent="0" algn="l" defTabSz="355600">
-            <a:lnSpc>
-              <a:spcPct val="90000"/>
-            </a:lnSpc>
-            <a:spcBef>
-              <a:spcPct val="0"/>
-            </a:spcBef>
-            <a:spcAft>
-              <a:spcPct val="35000"/>
-            </a:spcAft>
-            <a:buNone/>
-          </a:pPr>
-          <a:r>
-            <a:rPr lang="en-US" sz="800" kern="1200" dirty="0"/>
-            <a:t>1D Array, List</a:t>
-          </a:r>
-        </a:p>
-      </dsp:txBody>
-      <dsp:txXfrm>
-        <a:off x="205954" y="1777158"/>
-        <a:ext cx="2698913" cy="213104"/>
-      </dsp:txXfrm>
-    </dsp:sp>
-    <dsp:sp modelId="{E335C91B-35CE-4737-BAB3-EFC1FEF78C5A}">
-      <dsp:nvSpPr>
-        <dsp:cNvPr id="0" name=""/>
-        <dsp:cNvSpPr/>
-      </dsp:nvSpPr>
-      <dsp:spPr>
-        <a:xfrm>
-          <a:off x="0" y="2523790"/>
-          <a:ext cx="3888528" cy="882000"/>
-        </a:xfrm>
-        <a:prstGeom prst="rect">
-          <a:avLst/>
-        </a:prstGeom>
-        <a:solidFill>
-          <a:schemeClr val="lt1">
-            <a:alpha val="90000"/>
-            <a:hueOff val="0"/>
-            <a:satOff val="0"/>
-            <a:lumOff val="0"/>
-            <a:alphaOff val="0"/>
-          </a:schemeClr>
-        </a:solidFill>
-        <a:ln w="6350" cap="flat" cmpd="sng" algn="ctr">
-          <a:solidFill>
-            <a:schemeClr val="accent2">
-              <a:hueOff val="0"/>
-              <a:satOff val="0"/>
-              <a:lumOff val="0"/>
-              <a:alphaOff val="0"/>
-            </a:schemeClr>
-          </a:solidFill>
-          <a:prstDash val="solid"/>
-          <a:miter lim="800000"/>
-        </a:ln>
-        <a:effectLst/>
-      </dsp:spPr>
-      <dsp:style>
-        <a:lnRef idx="1">
-          <a:scrgbClr r="0" g="0" b="0"/>
-        </a:lnRef>
-        <a:fillRef idx="1">
-          <a:scrgbClr r="0" g="0" b="0"/>
-        </a:fillRef>
-        <a:effectRef idx="2">
-          <a:scrgbClr r="0" g="0" b="0"/>
-        </a:effectRef>
-        <a:fontRef idx="minor"/>
-      </dsp:style>
-      <dsp:txBody>
-        <a:bodyPr spcFirstLastPara="0" vert="horz" wrap="square" lIns="301793" tIns="166624" rIns="301793" bIns="56896" numCol="1" spcCol="1270" anchor="t" anchorCtr="0">
-          <a:noAutofit/>
-        </a:bodyPr>
-        <a:lstStyle/>
-        <a:p>
-          <a:pPr marL="57150" lvl="1" indent="-57150" algn="l" defTabSz="355600">
-            <a:lnSpc>
-              <a:spcPct val="90000"/>
-            </a:lnSpc>
-            <a:spcBef>
-              <a:spcPct val="0"/>
-            </a:spcBef>
-            <a:spcAft>
-              <a:spcPct val="15000"/>
-            </a:spcAft>
-            <a:buChar char="•"/>
-          </a:pPr>
-          <a:r>
-            <a:rPr lang="en-US" sz="800" kern="1200" dirty="0"/>
-            <a:t>Row Major</a:t>
-          </a:r>
-        </a:p>
-        <a:p>
-          <a:pPr marL="114300" lvl="2" indent="-57150" algn="l" defTabSz="355600">
-            <a:lnSpc>
-              <a:spcPct val="90000"/>
-            </a:lnSpc>
-            <a:spcBef>
-              <a:spcPct val="0"/>
-            </a:spcBef>
-            <a:spcAft>
-              <a:spcPct val="15000"/>
-            </a:spcAft>
-            <a:buChar char="•"/>
-          </a:pPr>
-          <a:r>
-            <a:rPr lang="en-US" sz="800" kern="1200" dirty="0"/>
-            <a:t>For y ….</a:t>
-          </a:r>
-        </a:p>
-        <a:p>
-          <a:pPr marL="171450" lvl="3" indent="-57150" algn="l" defTabSz="355600">
-            <a:lnSpc>
-              <a:spcPct val="90000"/>
-            </a:lnSpc>
-            <a:spcBef>
-              <a:spcPct val="0"/>
-            </a:spcBef>
-            <a:spcAft>
-              <a:spcPct val="15000"/>
-            </a:spcAft>
-            <a:buChar char="•"/>
-          </a:pPr>
-          <a:r>
-            <a:rPr lang="en-US" sz="800" kern="1200" dirty="0"/>
-            <a:t>For x ..</a:t>
-          </a:r>
-        </a:p>
-        <a:p>
-          <a:pPr marL="57150" lvl="1" indent="-57150" algn="l" defTabSz="355600">
-            <a:lnSpc>
-              <a:spcPct val="90000"/>
-            </a:lnSpc>
-            <a:spcBef>
-              <a:spcPct val="0"/>
-            </a:spcBef>
-            <a:spcAft>
-              <a:spcPct val="15000"/>
-            </a:spcAft>
-            <a:buChar char="•"/>
-          </a:pPr>
-          <a:r>
-            <a:rPr lang="en-US" sz="800" kern="1200" dirty="0"/>
-            <a:t>Better performance as rows get loaded in faster.</a:t>
-          </a:r>
-        </a:p>
-        <a:p>
-          <a:pPr marL="57150" lvl="1" indent="-57150" algn="l" defTabSz="355600">
-            <a:lnSpc>
-              <a:spcPct val="90000"/>
-            </a:lnSpc>
-            <a:spcBef>
-              <a:spcPct val="0"/>
-            </a:spcBef>
-            <a:spcAft>
-              <a:spcPct val="15000"/>
-            </a:spcAft>
-            <a:buChar char="•"/>
-          </a:pPr>
-          <a:endParaRPr lang="en-US" sz="800" kern="1200" dirty="0"/>
-        </a:p>
-      </dsp:txBody>
-      <dsp:txXfrm>
-        <a:off x="0" y="2523790"/>
-        <a:ext cx="3888528" cy="882000"/>
-      </dsp:txXfrm>
-    </dsp:sp>
-    <dsp:sp modelId="{97D180BF-D6BB-4B4B-BD80-5C8B3B70D230}">
-      <dsp:nvSpPr>
-        <dsp:cNvPr id="0" name=""/>
-        <dsp:cNvSpPr/>
-      </dsp:nvSpPr>
-      <dsp:spPr>
-        <a:xfrm>
-          <a:off x="194426" y="2405710"/>
-          <a:ext cx="2721969" cy="236160"/>
-        </a:xfrm>
-        <a:prstGeom prst="roundRect">
-          <a:avLst/>
-        </a:prstGeom>
-        <a:gradFill rotWithShape="0">
-          <a:gsLst>
-            <a:gs pos="0">
-              <a:schemeClr val="accent2">
-                <a:hueOff val="0"/>
-                <a:satOff val="0"/>
-                <a:lumOff val="0"/>
-                <a:alphaOff val="0"/>
-                <a:satMod val="103000"/>
-                <a:lumMod val="102000"/>
-                <a:tint val="94000"/>
-              </a:schemeClr>
-            </a:gs>
-            <a:gs pos="50000">
-              <a:schemeClr val="accent2">
-                <a:hueOff val="0"/>
-                <a:satOff val="0"/>
-                <a:lumOff val="0"/>
-                <a:alphaOff val="0"/>
-                <a:satMod val="110000"/>
-                <a:lumMod val="100000"/>
-                <a:shade val="100000"/>
-              </a:schemeClr>
-            </a:gs>
-            <a:gs pos="100000">
-              <a:schemeClr val="accent2">
-                <a:hueOff val="0"/>
-                <a:satOff val="0"/>
-                <a:lumOff val="0"/>
-                <a:alphaOff val="0"/>
-                <a:lumMod val="99000"/>
-                <a:satMod val="120000"/>
-                <a:shade val="78000"/>
-              </a:schemeClr>
-            </a:gs>
-          </a:gsLst>
-          <a:lin ang="5400000" scaled="0"/>
-        </a:gradFill>
-        <a:ln>
-          <a:noFill/>
-        </a:ln>
-        <a:effectLst>
-          <a:outerShdw blurRad="57150" dist="19050" dir="5400000" algn="ctr" rotWithShape="0">
-            <a:srgbClr val="000000">
-              <a:alpha val="63000"/>
-            </a:srgbClr>
-          </a:outerShdw>
-        </a:effectLst>
-      </dsp:spPr>
-      <dsp:style>
-        <a:lnRef idx="0">
-          <a:scrgbClr r="0" g="0" b="0"/>
-        </a:lnRef>
-        <a:fillRef idx="3">
-          <a:scrgbClr r="0" g="0" b="0"/>
-        </a:fillRef>
-        <a:effectRef idx="3">
-          <a:scrgbClr r="0" g="0" b="0"/>
-        </a:effectRef>
-        <a:fontRef idx="minor">
-          <a:schemeClr val="lt1"/>
-        </a:fontRef>
-      </dsp:style>
-      <dsp:txBody>
-        <a:bodyPr spcFirstLastPara="0" vert="horz" wrap="square" lIns="102884" tIns="0" rIns="102884" bIns="0" numCol="1" spcCol="1270" anchor="ctr" anchorCtr="0">
-          <a:noAutofit/>
-        </a:bodyPr>
-        <a:lstStyle/>
-        <a:p>
-          <a:pPr marL="0" lvl="0" indent="0" algn="l" defTabSz="355600">
-            <a:lnSpc>
-              <a:spcPct val="90000"/>
-            </a:lnSpc>
-            <a:spcBef>
-              <a:spcPct val="0"/>
-            </a:spcBef>
-            <a:spcAft>
-              <a:spcPct val="35000"/>
-            </a:spcAft>
-            <a:buNone/>
-          </a:pPr>
-          <a:r>
-            <a:rPr lang="en-US" sz="800" kern="1200"/>
-            <a:t>Iterating</a:t>
-          </a:r>
-          <a:endParaRPr lang="en-US" sz="800" kern="1200" dirty="0"/>
-        </a:p>
-      </dsp:txBody>
-      <dsp:txXfrm>
-        <a:off x="205954" y="2417238"/>
-        <a:ext cx="2698913" cy="213104"/>
+        <a:off x="211719" y="1692293"/>
+        <a:ext cx="2687383" cy="319654"/>
       </dsp:txXfrm>
     </dsp:sp>
   </dsp:spTree>
@@ -10688,6 +10163,309 @@
           <a:p>
             <a:r>
               <a:rPr lang="en-US" dirty="0"/>
+              <a:t>Brute Force: Use if statements to check for all conditions</a:t>
+            </a:r>
+          </a:p>
+          <a:p>
+            <a:r>
+              <a:rPr lang="en-US" dirty="0"/>
+              <a:t>Iterate in directions</a:t>
+            </a:r>
+          </a:p>
+          <a:p>
+            <a:r>
+              <a:rPr lang="en-US" dirty="0"/>
+              <a:t>Outward span</a:t>
+            </a:r>
+          </a:p>
+          <a:p>
+            <a:endParaRPr lang="en-US" dirty="0"/>
+          </a:p>
+          <a:p>
+            <a:endParaRPr lang="en-US" dirty="0"/>
+          </a:p>
+        </p:txBody>
+      </p:sp>
+      <p:sp>
+        <p:nvSpPr>
+          <p:cNvPr id="4" name="Slide Number Placeholder 3"/>
+          <p:cNvSpPr>
+            <a:spLocks noGrp="1"/>
+          </p:cNvSpPr>
+          <p:nvPr>
+            <p:ph type="sldNum" sz="quarter" idx="5"/>
+          </p:nvPr>
+        </p:nvSpPr>
+        <p:spPr/>
+        <p:txBody>
+          <a:bodyPr/>
+          <a:lstStyle/>
+          <a:p>
+            <a:fld id="{AA6161D2-2629-48EA-8700-9BE7AF989F6B}" type="slidenum">
+              <a:rPr lang="en-US" smtClean="0"/>
+              <a:t>12</a:t>
+            </a:fld>
+            <a:endParaRPr lang="en-US"/>
+          </a:p>
+        </p:txBody>
+      </p:sp>
+    </p:spTree>
+    <p:extLst>
+      <p:ext uri="{BB962C8B-B14F-4D97-AF65-F5344CB8AC3E}">
+        <p14:creationId xmlns:p14="http://schemas.microsoft.com/office/powerpoint/2010/main" val="2352764470"/>
+      </p:ext>
+    </p:extLst>
+  </p:cSld>
+  <p:clrMapOvr>
+    <a:masterClrMapping/>
+  </p:clrMapOvr>
+</p:notes>
+</file>
+
+<file path=ppt/notesSlides/notesSlide6.xml><?xml version="1.0" encoding="utf-8"?>
+<p:notes xmlns:a="http://schemas.openxmlformats.org/drawingml/2006/main" xmlns:r="http://schemas.openxmlformats.org/officeDocument/2006/relationships" xmlns:p="http://schemas.openxmlformats.org/presentationml/2006/main">
+  <p:cSld>
+    <p:spTree>
+      <p:nvGrpSpPr>
+        <p:cNvPr id="1" name=""/>
+        <p:cNvGrpSpPr/>
+        <p:nvPr/>
+      </p:nvGrpSpPr>
+      <p:grpSpPr>
+        <a:xfrm>
+          <a:off x="0" y="0"/>
+          <a:ext cx="0" cy="0"/>
+          <a:chOff x="0" y="0"/>
+          <a:chExt cx="0" cy="0"/>
+        </a:xfrm>
+      </p:grpSpPr>
+      <p:sp>
+        <p:nvSpPr>
+          <p:cNvPr id="2" name="Slide Image Placeholder 1"/>
+          <p:cNvSpPr>
+            <a:spLocks noGrp="1" noRot="1" noChangeAspect="1"/>
+          </p:cNvSpPr>
+          <p:nvPr>
+            <p:ph type="sldImg"/>
+          </p:nvPr>
+        </p:nvSpPr>
+        <p:spPr/>
+      </p:sp>
+      <p:sp>
+        <p:nvSpPr>
+          <p:cNvPr id="3" name="Notes Placeholder 2"/>
+          <p:cNvSpPr>
+            <a:spLocks noGrp="1"/>
+          </p:cNvSpPr>
+          <p:nvPr>
+            <p:ph type="body" idx="1"/>
+          </p:nvPr>
+        </p:nvSpPr>
+        <p:spPr/>
+        <p:txBody>
+          <a:bodyPr/>
+          <a:lstStyle/>
+          <a:p>
+            <a:r>
+              <a:rPr lang="en-US" dirty="0"/>
+              <a:t>Brute Force: Use if statements to check for all conditions</a:t>
+            </a:r>
+          </a:p>
+          <a:p>
+            <a:r>
+              <a:rPr lang="en-US" dirty="0"/>
+              <a:t>Iterate in directions</a:t>
+            </a:r>
+          </a:p>
+          <a:p>
+            <a:r>
+              <a:rPr lang="en-US" dirty="0"/>
+              <a:t>Outward span</a:t>
+            </a:r>
+          </a:p>
+          <a:p>
+            <a:endParaRPr lang="en-US" dirty="0"/>
+          </a:p>
+          <a:p>
+            <a:endParaRPr lang="en-US" dirty="0"/>
+          </a:p>
+        </p:txBody>
+      </p:sp>
+      <p:sp>
+        <p:nvSpPr>
+          <p:cNvPr id="4" name="Slide Number Placeholder 3"/>
+          <p:cNvSpPr>
+            <a:spLocks noGrp="1"/>
+          </p:cNvSpPr>
+          <p:nvPr>
+            <p:ph type="sldNum" sz="quarter" idx="5"/>
+          </p:nvPr>
+        </p:nvSpPr>
+        <p:spPr/>
+        <p:txBody>
+          <a:bodyPr/>
+          <a:lstStyle/>
+          <a:p>
+            <a:fld id="{AA6161D2-2629-48EA-8700-9BE7AF989F6B}" type="slidenum">
+              <a:rPr lang="en-US" smtClean="0"/>
+              <a:t>19</a:t>
+            </a:fld>
+            <a:endParaRPr lang="en-US"/>
+          </a:p>
+        </p:txBody>
+      </p:sp>
+    </p:spTree>
+    <p:extLst>
+      <p:ext uri="{BB962C8B-B14F-4D97-AF65-F5344CB8AC3E}">
+        <p14:creationId xmlns:p14="http://schemas.microsoft.com/office/powerpoint/2010/main" val="3754476475"/>
+      </p:ext>
+    </p:extLst>
+  </p:cSld>
+  <p:clrMapOvr>
+    <a:masterClrMapping/>
+  </p:clrMapOvr>
+</p:notes>
+</file>
+
+<file path=ppt/notesSlides/notesSlide7.xml><?xml version="1.0" encoding="utf-8"?>
+<p:notes xmlns:a="http://schemas.openxmlformats.org/drawingml/2006/main" xmlns:r="http://schemas.openxmlformats.org/officeDocument/2006/relationships" xmlns:p="http://schemas.openxmlformats.org/presentationml/2006/main">
+  <p:cSld>
+    <p:spTree>
+      <p:nvGrpSpPr>
+        <p:cNvPr id="1" name=""/>
+        <p:cNvGrpSpPr/>
+        <p:nvPr/>
+      </p:nvGrpSpPr>
+      <p:grpSpPr>
+        <a:xfrm>
+          <a:off x="0" y="0"/>
+          <a:ext cx="0" cy="0"/>
+          <a:chOff x="0" y="0"/>
+          <a:chExt cx="0" cy="0"/>
+        </a:xfrm>
+      </p:grpSpPr>
+      <p:sp>
+        <p:nvSpPr>
+          <p:cNvPr id="2" name="Slide Image Placeholder 1"/>
+          <p:cNvSpPr>
+            <a:spLocks noGrp="1" noRot="1" noChangeAspect="1"/>
+          </p:cNvSpPr>
+          <p:nvPr>
+            <p:ph type="sldImg"/>
+          </p:nvPr>
+        </p:nvSpPr>
+        <p:spPr/>
+      </p:sp>
+      <p:sp>
+        <p:nvSpPr>
+          <p:cNvPr id="3" name="Notes Placeholder 2"/>
+          <p:cNvSpPr>
+            <a:spLocks noGrp="1"/>
+          </p:cNvSpPr>
+          <p:nvPr>
+            <p:ph type="body" idx="1"/>
+          </p:nvPr>
+        </p:nvSpPr>
+        <p:spPr/>
+        <p:txBody>
+          <a:bodyPr/>
+          <a:lstStyle/>
+          <a:p>
+            <a:r>
+              <a:rPr lang="en-US" dirty="0"/>
+              <a:t>Orientation needs to match directional, sometimes it doesn’t matter though.</a:t>
+            </a:r>
+          </a:p>
+          <a:p>
+            <a:r>
+              <a:rPr lang="en-US" dirty="0"/>
+              <a:t>Left, right vs turning left, right.</a:t>
+            </a:r>
+          </a:p>
+        </p:txBody>
+      </p:sp>
+      <p:sp>
+        <p:nvSpPr>
+          <p:cNvPr id="4" name="Slide Number Placeholder 3"/>
+          <p:cNvSpPr>
+            <a:spLocks noGrp="1"/>
+          </p:cNvSpPr>
+          <p:nvPr>
+            <p:ph type="sldNum" sz="quarter" idx="5"/>
+          </p:nvPr>
+        </p:nvSpPr>
+        <p:spPr/>
+        <p:txBody>
+          <a:bodyPr/>
+          <a:lstStyle/>
+          <a:p>
+            <a:fld id="{AA6161D2-2629-48EA-8700-9BE7AF989F6B}" type="slidenum">
+              <a:rPr lang="en-US" smtClean="0"/>
+              <a:t>22</a:t>
+            </a:fld>
+            <a:endParaRPr lang="en-US"/>
+          </a:p>
+        </p:txBody>
+      </p:sp>
+    </p:spTree>
+    <p:extLst>
+      <p:ext uri="{BB962C8B-B14F-4D97-AF65-F5344CB8AC3E}">
+        <p14:creationId xmlns:p14="http://schemas.microsoft.com/office/powerpoint/2010/main" val="115498513"/>
+      </p:ext>
+    </p:extLst>
+  </p:cSld>
+  <p:clrMapOvr>
+    <a:masterClrMapping/>
+  </p:clrMapOvr>
+</p:notes>
+</file>
+
+<file path=ppt/notesSlides/notesSlide8.xml><?xml version="1.0" encoding="utf-8"?>
+<p:notes xmlns:a="http://schemas.openxmlformats.org/drawingml/2006/main" xmlns:r="http://schemas.openxmlformats.org/officeDocument/2006/relationships" xmlns:p="http://schemas.openxmlformats.org/presentationml/2006/main">
+  <p:cSld>
+    <p:spTree>
+      <p:nvGrpSpPr>
+        <p:cNvPr id="1" name=""/>
+        <p:cNvGrpSpPr/>
+        <p:nvPr/>
+      </p:nvGrpSpPr>
+      <p:grpSpPr>
+        <a:xfrm>
+          <a:off x="0" y="0"/>
+          <a:ext cx="0" cy="0"/>
+          <a:chOff x="0" y="0"/>
+          <a:chExt cx="0" cy="0"/>
+        </a:xfrm>
+      </p:grpSpPr>
+      <p:sp>
+        <p:nvSpPr>
+          <p:cNvPr id="2" name="Slide Image Placeholder 1"/>
+          <p:cNvSpPr>
+            <a:spLocks noGrp="1" noRot="1" noChangeAspect="1"/>
+          </p:cNvSpPr>
+          <p:nvPr>
+            <p:ph type="sldImg"/>
+          </p:nvPr>
+        </p:nvSpPr>
+        <p:spPr/>
+      </p:sp>
+      <p:sp>
+        <p:nvSpPr>
+          <p:cNvPr id="3" name="Notes Placeholder 2"/>
+          <p:cNvSpPr>
+            <a:spLocks noGrp="1"/>
+          </p:cNvSpPr>
+          <p:nvPr>
+            <p:ph type="body" idx="1"/>
+          </p:nvPr>
+        </p:nvSpPr>
+        <p:spPr/>
+        <p:txBody>
+          <a:bodyPr/>
+          <a:lstStyle/>
+          <a:p>
+            <a:r>
+              <a:rPr lang="en-US" dirty="0"/>
               <a:t>General idea</a:t>
             </a:r>
           </a:p>
@@ -10749,7 +10527,7 @@
           <a:p>
             <a:fld id="{AA6161D2-2629-48EA-8700-9BE7AF989F6B}" type="slidenum">
               <a:rPr lang="en-US" smtClean="0"/>
-              <a:t>23</a:t>
+              <a:t>24</a:t>
             </a:fld>
             <a:endParaRPr lang="en-US"/>
           </a:p>
@@ -10759,6 +10537,111 @@
     <p:extLst>
       <p:ext uri="{BB962C8B-B14F-4D97-AF65-F5344CB8AC3E}">
         <p14:creationId xmlns:p14="http://schemas.microsoft.com/office/powerpoint/2010/main" val="1051977852"/>
+      </p:ext>
+    </p:extLst>
+  </p:cSld>
+  <p:clrMapOvr>
+    <a:masterClrMapping/>
+  </p:clrMapOvr>
+</p:notes>
+</file>
+
+<file path=ppt/notesSlides/notesSlide9.xml><?xml version="1.0" encoding="utf-8"?>
+<p:notes xmlns:a="http://schemas.openxmlformats.org/drawingml/2006/main" xmlns:r="http://schemas.openxmlformats.org/officeDocument/2006/relationships" xmlns:p="http://schemas.openxmlformats.org/presentationml/2006/main">
+  <p:cSld>
+    <p:spTree>
+      <p:nvGrpSpPr>
+        <p:cNvPr id="1" name=""/>
+        <p:cNvGrpSpPr/>
+        <p:nvPr/>
+      </p:nvGrpSpPr>
+      <p:grpSpPr>
+        <a:xfrm>
+          <a:off x="0" y="0"/>
+          <a:ext cx="0" cy="0"/>
+          <a:chOff x="0" y="0"/>
+          <a:chExt cx="0" cy="0"/>
+        </a:xfrm>
+      </p:grpSpPr>
+      <p:sp>
+        <p:nvSpPr>
+          <p:cNvPr id="2" name="Slide Image Placeholder 1"/>
+          <p:cNvSpPr>
+            <a:spLocks noGrp="1" noRot="1" noChangeAspect="1"/>
+          </p:cNvSpPr>
+          <p:nvPr>
+            <p:ph type="sldImg"/>
+          </p:nvPr>
+        </p:nvSpPr>
+        <p:spPr/>
+      </p:sp>
+      <p:sp>
+        <p:nvSpPr>
+          <p:cNvPr id="3" name="Notes Placeholder 2"/>
+          <p:cNvSpPr>
+            <a:spLocks noGrp="1"/>
+          </p:cNvSpPr>
+          <p:nvPr>
+            <p:ph type="body" idx="1"/>
+          </p:nvPr>
+        </p:nvSpPr>
+        <p:spPr/>
+        <p:txBody>
+          <a:bodyPr/>
+          <a:lstStyle/>
+          <a:p>
+            <a:r>
+              <a:rPr lang="en-US" dirty="0"/>
+              <a:t>Brute Force: Use if statements to check for all conditions</a:t>
+            </a:r>
+          </a:p>
+          <a:p>
+            <a:r>
+              <a:rPr lang="en-US" dirty="0"/>
+              <a:t>Iterate in directions</a:t>
+            </a:r>
+          </a:p>
+          <a:p>
+            <a:r>
+              <a:rPr lang="en-US" dirty="0"/>
+              <a:t>Outward span</a:t>
+            </a:r>
+          </a:p>
+          <a:p>
+            <a:endParaRPr lang="en-US" dirty="0"/>
+          </a:p>
+          <a:p>
+            <a:endParaRPr lang="en-US" dirty="0"/>
+          </a:p>
+        </p:txBody>
+      </p:sp>
+      <p:sp>
+        <p:nvSpPr>
+          <p:cNvPr id="4" name="Slide Number Placeholder 3"/>
+          <p:cNvSpPr>
+            <a:spLocks noGrp="1"/>
+          </p:cNvSpPr>
+          <p:nvPr>
+            <p:ph type="sldNum" sz="quarter" idx="5"/>
+          </p:nvPr>
+        </p:nvSpPr>
+        <p:spPr/>
+        <p:txBody>
+          <a:bodyPr/>
+          <a:lstStyle/>
+          <a:p>
+            <a:fld id="{AA6161D2-2629-48EA-8700-9BE7AF989F6B}" type="slidenum">
+              <a:rPr lang="en-US" smtClean="0"/>
+              <a:t>28</a:t>
+            </a:fld>
+            <a:endParaRPr lang="en-US"/>
+          </a:p>
+        </p:txBody>
+      </p:sp>
+    </p:spTree>
+    <p:extLst>
+      <p:ext uri="{BB962C8B-B14F-4D97-AF65-F5344CB8AC3E}">
+        <p14:creationId xmlns:p14="http://schemas.microsoft.com/office/powerpoint/2010/main" val="590455161"/>
       </p:ext>
     </p:extLst>
   </p:cSld>
@@ -26335,6 +26218,1939 @@
 <file path=ppt/slides/slide12.xml><?xml version="1.0" encoding="utf-8"?>
 <p:sld xmlns:a="http://schemas.openxmlformats.org/drawingml/2006/main" xmlns:r="http://schemas.openxmlformats.org/officeDocument/2006/relationships" xmlns:p="http://schemas.openxmlformats.org/presentationml/2006/main">
   <p:cSld>
+    <p:bg>
+      <p:bgPr>
+        <a:solidFill>
+          <a:schemeClr val="bg1"/>
+        </a:solidFill>
+        <a:effectLst/>
+      </p:bgPr>
+    </p:bg>
+    <p:spTree>
+      <p:nvGrpSpPr>
+        <p:cNvPr id="1" name=""/>
+        <p:cNvGrpSpPr/>
+        <p:nvPr/>
+      </p:nvGrpSpPr>
+      <p:grpSpPr>
+        <a:xfrm>
+          <a:off x="0" y="0"/>
+          <a:ext cx="0" cy="0"/>
+          <a:chOff x="0" y="0"/>
+          <a:chExt cx="0" cy="0"/>
+        </a:xfrm>
+      </p:grpSpPr>
+      <p:sp>
+        <p:nvSpPr>
+          <p:cNvPr id="7" name="Graphic 1">
+            <a:extLst>
+              <a:ext uri="{FF2B5EF4-FFF2-40B4-BE49-F238E27FC236}">
+                <a16:creationId xmlns:a16="http://schemas.microsoft.com/office/drawing/2014/main" id="{0D57E7FA-E8FC-45AC-868F-CDC8144939D6}"/>
+              </a:ext>
+              <a:ext uri="{C183D7F6-B498-43B3-948B-1728B52AA6E4}">
+                <adec:decorative xmlns:adec="http://schemas.microsoft.com/office/drawing/2017/decorative" val="1"/>
+              </a:ext>
+            </a:extLst>
+          </p:cNvPr>
+          <p:cNvSpPr>
+            <a:spLocks noGrp="1" noRot="1" noChangeAspect="1" noMove="1" noResize="1" noEditPoints="1" noAdjustHandles="1" noChangeArrowheads="1" noChangeShapeType="1" noTextEdit="1"/>
+          </p:cNvSpPr>
+          <p:nvPr>
+            <p:extLst>
+              <p:ext uri="{386F3935-93C4-4BCD-93E2-E3B085C9AB24}">
+                <p16:designElem xmlns:p16="http://schemas.microsoft.com/office/powerpoint/2015/main" val="1"/>
+              </p:ext>
+            </p:extLst>
+          </p:nvPr>
+        </p:nvSpPr>
+        <p:spPr>
+          <a:xfrm rot="10800000" flipV="1">
+            <a:off x="2599854" y="527562"/>
+            <a:ext cx="6992292" cy="5102484"/>
+          </a:xfrm>
+          <a:custGeom>
+            <a:avLst/>
+            <a:gdLst/>
+            <a:ahLst/>
+            <a:cxnLst/>
+            <a:rect l="l" t="t" r="r" b="b"/>
+            <a:pathLst>
+              <a:path w="6886274" h="5025119">
+                <a:moveTo>
+                  <a:pt x="5458905" y="754119"/>
+                </a:moveTo>
+                <a:cubicBezTo>
+                  <a:pt x="5417216" y="775336"/>
+                  <a:pt x="4594585" y="1111088"/>
+                  <a:pt x="3455557" y="1027709"/>
+                </a:cubicBezTo>
+                <a:cubicBezTo>
+                  <a:pt x="3415356" y="1024731"/>
+                  <a:pt x="3377389" y="1022869"/>
+                  <a:pt x="3338677" y="1021381"/>
+                </a:cubicBezTo>
+                <a:cubicBezTo>
+                  <a:pt x="2996224" y="1006119"/>
+                  <a:pt x="2660100" y="998674"/>
+                  <a:pt x="2518280" y="980435"/>
+                </a:cubicBezTo>
+                <a:cubicBezTo>
+                  <a:pt x="2407355" y="965918"/>
+                  <a:pt x="1840075" y="843082"/>
+                  <a:pt x="1673687" y="739229"/>
+                </a:cubicBezTo>
+                <a:cubicBezTo>
+                  <a:pt x="1503578" y="632771"/>
+                  <a:pt x="1343146" y="515146"/>
+                  <a:pt x="1183459" y="397149"/>
+                </a:cubicBezTo>
+                <a:cubicBezTo>
+                  <a:pt x="1114224" y="346153"/>
+                  <a:pt x="1040522" y="299624"/>
+                  <a:pt x="977987" y="241184"/>
+                </a:cubicBezTo>
+                <a:cubicBezTo>
+                  <a:pt x="915453" y="182372"/>
+                  <a:pt x="855896" y="121326"/>
+                  <a:pt x="788150" y="66980"/>
+                </a:cubicBezTo>
+                <a:cubicBezTo>
+                  <a:pt x="768794" y="51346"/>
+                  <a:pt x="749438" y="34596"/>
+                  <a:pt x="721148" y="31990"/>
+                </a:cubicBezTo>
+                <a:cubicBezTo>
+                  <a:pt x="714820" y="31246"/>
+                  <a:pt x="708120" y="31618"/>
+                  <a:pt x="701792" y="32362"/>
+                </a:cubicBezTo>
+                <a:cubicBezTo>
+                  <a:pt x="694720" y="33107"/>
+                  <a:pt x="689136" y="36829"/>
+                  <a:pt x="686530" y="43157"/>
+                </a:cubicBezTo>
+                <a:cubicBezTo>
+                  <a:pt x="683925" y="50230"/>
+                  <a:pt x="688392" y="54324"/>
+                  <a:pt x="693603" y="58046"/>
+                </a:cubicBezTo>
+                <a:cubicBezTo>
+                  <a:pt x="697325" y="60652"/>
+                  <a:pt x="701047" y="64747"/>
+                  <a:pt x="705886" y="65491"/>
+                </a:cubicBezTo>
+                <a:cubicBezTo>
+                  <a:pt x="736782" y="69958"/>
+                  <a:pt x="748321" y="92664"/>
+                  <a:pt x="762838" y="112764"/>
+                </a:cubicBezTo>
+                <a:cubicBezTo>
+                  <a:pt x="769166" y="121326"/>
+                  <a:pt x="775866" y="128026"/>
+                  <a:pt x="764327" y="140309"/>
+                </a:cubicBezTo>
+                <a:cubicBezTo>
+                  <a:pt x="754277" y="151104"/>
+                  <a:pt x="764699" y="156688"/>
+                  <a:pt x="775121" y="159666"/>
+                </a:cubicBezTo>
+                <a:cubicBezTo>
+                  <a:pt x="789638" y="163760"/>
+                  <a:pt x="806761" y="163016"/>
+                  <a:pt x="823139" y="176416"/>
+                </a:cubicBezTo>
+                <a:cubicBezTo>
+                  <a:pt x="761721" y="177533"/>
+                  <a:pt x="735665" y="142171"/>
+                  <a:pt x="707748" y="109414"/>
+                </a:cubicBezTo>
+                <a:cubicBezTo>
+                  <a:pt x="697325" y="97503"/>
+                  <a:pt x="690253" y="83358"/>
+                  <a:pt x="681319" y="69958"/>
+                </a:cubicBezTo>
+                <a:cubicBezTo>
+                  <a:pt x="670152" y="53580"/>
+                  <a:pt x="657124" y="52835"/>
+                  <a:pt x="640746" y="67352"/>
+                </a:cubicBezTo>
+                <a:cubicBezTo>
+                  <a:pt x="626229" y="80380"/>
+                  <a:pt x="619157" y="79264"/>
+                  <a:pt x="614318" y="61396"/>
+                </a:cubicBezTo>
+                <a:cubicBezTo>
+                  <a:pt x="606873" y="33479"/>
+                  <a:pt x="589750" y="13751"/>
+                  <a:pt x="560716" y="3701"/>
+                </a:cubicBezTo>
+                <a:cubicBezTo>
+                  <a:pt x="554388" y="1467"/>
+                  <a:pt x="546572" y="-3372"/>
+                  <a:pt x="540616" y="3701"/>
+                </a:cubicBezTo>
+                <a:cubicBezTo>
+                  <a:pt x="535405" y="9656"/>
+                  <a:pt x="539871" y="16729"/>
+                  <a:pt x="543594" y="21940"/>
+                </a:cubicBezTo>
+                <a:cubicBezTo>
+                  <a:pt x="550294" y="31246"/>
+                  <a:pt x="556250" y="40179"/>
+                  <a:pt x="558855" y="51346"/>
+                </a:cubicBezTo>
+                <a:cubicBezTo>
+                  <a:pt x="560716" y="58791"/>
+                  <a:pt x="562578" y="66980"/>
+                  <a:pt x="557366" y="72563"/>
+                </a:cubicBezTo>
+                <a:cubicBezTo>
+                  <a:pt x="535777" y="96386"/>
+                  <a:pt x="551411" y="107553"/>
+                  <a:pt x="570022" y="120209"/>
+                </a:cubicBezTo>
+                <a:cubicBezTo>
+                  <a:pt x="595706" y="137332"/>
+                  <a:pt x="605756" y="162643"/>
+                  <a:pt x="599801" y="192794"/>
+                </a:cubicBezTo>
+                <a:cubicBezTo>
+                  <a:pt x="597567" y="205078"/>
+                  <a:pt x="599056" y="212522"/>
+                  <a:pt x="614318" y="212150"/>
+                </a:cubicBezTo>
+                <a:cubicBezTo>
+                  <a:pt x="620273" y="212150"/>
+                  <a:pt x="621762" y="216245"/>
+                  <a:pt x="623996" y="220711"/>
+                </a:cubicBezTo>
+                <a:cubicBezTo>
+                  <a:pt x="671641" y="326053"/>
+                  <a:pt x="740504" y="418366"/>
+                  <a:pt x="821278" y="503235"/>
+                </a:cubicBezTo>
+                <a:cubicBezTo>
+                  <a:pt x="886791" y="572098"/>
+                  <a:pt x="959004" y="634260"/>
+                  <a:pt x="1033822" y="694562"/>
+                </a:cubicBezTo>
+                <a:cubicBezTo>
+                  <a:pt x="1036055" y="696423"/>
+                  <a:pt x="1038289" y="698656"/>
+                  <a:pt x="1039406" y="702378"/>
+                </a:cubicBezTo>
+                <a:cubicBezTo>
+                  <a:pt x="1004044" y="694934"/>
+                  <a:pt x="973521" y="679672"/>
+                  <a:pt x="944114" y="662550"/>
+                </a:cubicBezTo>
+                <a:cubicBezTo>
+                  <a:pt x="865946" y="617138"/>
+                  <a:pt x="800061" y="558325"/>
+                  <a:pt x="733432" y="500629"/>
+                </a:cubicBezTo>
+                <a:cubicBezTo>
+                  <a:pt x="692858" y="465267"/>
+                  <a:pt x="651169" y="431022"/>
+                  <a:pt x="606501" y="399755"/>
+                </a:cubicBezTo>
+                <a:cubicBezTo>
+                  <a:pt x="599056" y="394543"/>
+                  <a:pt x="593845" y="387843"/>
+                  <a:pt x="588634" y="381143"/>
+                </a:cubicBezTo>
+                <a:cubicBezTo>
+                  <a:pt x="585656" y="377421"/>
+                  <a:pt x="581934" y="374071"/>
+                  <a:pt x="575978" y="375560"/>
+                </a:cubicBezTo>
+                <a:cubicBezTo>
+                  <a:pt x="568533" y="377421"/>
+                  <a:pt x="567789" y="383004"/>
+                  <a:pt x="567044" y="388588"/>
+                </a:cubicBezTo>
+                <a:cubicBezTo>
+                  <a:pt x="564811" y="406455"/>
+                  <a:pt x="569650" y="422461"/>
+                  <a:pt x="578956" y="437722"/>
+                </a:cubicBezTo>
+                <a:cubicBezTo>
+                  <a:pt x="603151" y="476806"/>
+                  <a:pt x="638885" y="506957"/>
+                  <a:pt x="675736" y="535619"/>
+                </a:cubicBezTo>
+                <a:cubicBezTo>
+                  <a:pt x="723381" y="572470"/>
+                  <a:pt x="769538" y="610810"/>
+                  <a:pt x="811600" y="652872"/>
+                </a:cubicBezTo>
+                <a:cubicBezTo>
+                  <a:pt x="814578" y="655850"/>
+                  <a:pt x="820161" y="657711"/>
+                  <a:pt x="818300" y="666272"/>
+                </a:cubicBezTo>
+                <a:cubicBezTo>
+                  <a:pt x="791872" y="646544"/>
+                  <a:pt x="766932" y="627188"/>
+                  <a:pt x="741621" y="608576"/>
+                </a:cubicBezTo>
+                <a:cubicBezTo>
+                  <a:pt x="716681" y="589965"/>
+                  <a:pt x="691369" y="571353"/>
+                  <a:pt x="666430" y="553114"/>
+                </a:cubicBezTo>
+                <a:cubicBezTo>
+                  <a:pt x="660474" y="548647"/>
+                  <a:pt x="654146" y="542319"/>
+                  <a:pt x="645585" y="547903"/>
+                </a:cubicBezTo>
+                <a:cubicBezTo>
+                  <a:pt x="636652" y="553486"/>
+                  <a:pt x="637768" y="562792"/>
+                  <a:pt x="640002" y="570236"/>
+                </a:cubicBezTo>
+                <a:cubicBezTo>
+                  <a:pt x="647074" y="592198"/>
+                  <a:pt x="659358" y="611554"/>
+                  <a:pt x="675736" y="628677"/>
+                </a:cubicBezTo>
+                <a:cubicBezTo>
+                  <a:pt x="731570" y="685256"/>
+                  <a:pt x="795966" y="734018"/>
+                  <a:pt x="855896" y="786875"/>
+                </a:cubicBezTo>
+                <a:cubicBezTo>
+                  <a:pt x="888280" y="815537"/>
+                  <a:pt x="918058" y="846060"/>
+                  <a:pt x="946348" y="877699"/>
+                </a:cubicBezTo>
+                <a:cubicBezTo>
+                  <a:pt x="952676" y="884772"/>
+                  <a:pt x="952303" y="891472"/>
+                  <a:pt x="950442" y="899661"/>
+                </a:cubicBezTo>
+                <a:cubicBezTo>
+                  <a:pt x="942998" y="932790"/>
+                  <a:pt x="954537" y="943957"/>
+                  <a:pt x="991760" y="937629"/>
+                </a:cubicBezTo>
+                <a:cubicBezTo>
+                  <a:pt x="1003299" y="935767"/>
+                  <a:pt x="1011116" y="937629"/>
+                  <a:pt x="1018188" y="945445"/>
+                </a:cubicBezTo>
+                <a:cubicBezTo>
+                  <a:pt x="1103802" y="1042225"/>
+                  <a:pt x="1205048" y="1123744"/>
+                  <a:pt x="1315601" y="1196329"/>
+                </a:cubicBezTo>
+                <a:cubicBezTo>
+                  <a:pt x="1360641" y="1225735"/>
+                  <a:pt x="1407170" y="1253653"/>
+                  <a:pt x="1454443" y="1279709"/>
+                </a:cubicBezTo>
+                <a:cubicBezTo>
+                  <a:pt x="1454443" y="1281570"/>
+                  <a:pt x="1454443" y="1283804"/>
+                  <a:pt x="1454443" y="1285665"/>
+                </a:cubicBezTo>
+                <a:cubicBezTo>
+                  <a:pt x="1454071" y="1288270"/>
+                  <a:pt x="1453699" y="1289759"/>
+                  <a:pt x="1453327" y="1291993"/>
+                </a:cubicBezTo>
+                <a:cubicBezTo>
+                  <a:pt x="1386697" y="1251792"/>
+                  <a:pt x="1320812" y="1210474"/>
+                  <a:pt x="1256416" y="1166923"/>
+                </a:cubicBezTo>
+                <a:cubicBezTo>
+                  <a:pt x="1081840" y="1048926"/>
+                  <a:pt x="915080" y="922367"/>
+                  <a:pt x="745715" y="798786"/>
+                </a:cubicBezTo>
+                <a:cubicBezTo>
+                  <a:pt x="688764" y="757096"/>
+                  <a:pt x="643724" y="703867"/>
+                  <a:pt x="592356" y="656966"/>
+                </a:cubicBezTo>
+                <a:cubicBezTo>
+                  <a:pt x="558111" y="625699"/>
+                  <a:pt x="525354" y="592943"/>
+                  <a:pt x="485526" y="567259"/>
+                </a:cubicBezTo>
+                <a:cubicBezTo>
+                  <a:pt x="469148" y="556836"/>
+                  <a:pt x="452025" y="547530"/>
+                  <a:pt x="430063" y="550136"/>
+                </a:cubicBezTo>
+                <a:cubicBezTo>
+                  <a:pt x="421502" y="551253"/>
+                  <a:pt x="411824" y="553486"/>
+                  <a:pt x="408846" y="563164"/>
+                </a:cubicBezTo>
+                <a:cubicBezTo>
+                  <a:pt x="406240" y="572842"/>
+                  <a:pt x="414057" y="577309"/>
+                  <a:pt x="421130" y="581403"/>
+                </a:cubicBezTo>
+                <a:cubicBezTo>
+                  <a:pt x="422991" y="582520"/>
+                  <a:pt x="424852" y="584009"/>
+                  <a:pt x="426713" y="584009"/>
+                </a:cubicBezTo>
+                <a:cubicBezTo>
+                  <a:pt x="462075" y="586242"/>
+                  <a:pt x="470264" y="614532"/>
+                  <a:pt x="487015" y="635005"/>
+                </a:cubicBezTo>
+                <a:cubicBezTo>
+                  <a:pt x="492226" y="641333"/>
+                  <a:pt x="492598" y="647661"/>
+                  <a:pt x="487015" y="655105"/>
+                </a:cubicBezTo>
+                <a:cubicBezTo>
+                  <a:pt x="476964" y="668505"/>
+                  <a:pt x="484037" y="674461"/>
+                  <a:pt x="497437" y="678183"/>
+                </a:cubicBezTo>
+                <a:cubicBezTo>
+                  <a:pt x="510837" y="681906"/>
+                  <a:pt x="525354" y="683022"/>
+                  <a:pt x="539871" y="691584"/>
+                </a:cubicBezTo>
+                <a:cubicBezTo>
+                  <a:pt x="516793" y="698656"/>
+                  <a:pt x="500787" y="691212"/>
+                  <a:pt x="485898" y="681906"/>
+                </a:cubicBezTo>
+                <a:cubicBezTo>
+                  <a:pt x="452397" y="661433"/>
+                  <a:pt x="430808" y="631282"/>
+                  <a:pt x="410335" y="600387"/>
+                </a:cubicBezTo>
+                <a:cubicBezTo>
+                  <a:pt x="406240" y="594431"/>
+                  <a:pt x="402890" y="587731"/>
+                  <a:pt x="397307" y="582892"/>
+                </a:cubicBezTo>
+                <a:cubicBezTo>
+                  <a:pt x="386884" y="573214"/>
+                  <a:pt x="375717" y="572098"/>
+                  <a:pt x="363062" y="584009"/>
+                </a:cubicBezTo>
+                <a:cubicBezTo>
+                  <a:pt x="346311" y="599643"/>
+                  <a:pt x="340356" y="598526"/>
+                  <a:pt x="334772" y="578426"/>
+                </a:cubicBezTo>
+                <a:cubicBezTo>
+                  <a:pt x="327327" y="551253"/>
+                  <a:pt x="310577" y="532269"/>
+                  <a:pt x="281915" y="522219"/>
+                </a:cubicBezTo>
+                <a:cubicBezTo>
+                  <a:pt x="275960" y="519985"/>
+                  <a:pt x="269632" y="517007"/>
+                  <a:pt x="263304" y="521846"/>
+                </a:cubicBezTo>
+                <a:cubicBezTo>
+                  <a:pt x="256604" y="527430"/>
+                  <a:pt x="261070" y="533013"/>
+                  <a:pt x="263676" y="538225"/>
+                </a:cubicBezTo>
+                <a:cubicBezTo>
+                  <a:pt x="267398" y="546414"/>
+                  <a:pt x="271865" y="554603"/>
+                  <a:pt x="275215" y="563164"/>
+                </a:cubicBezTo>
+                <a:cubicBezTo>
+                  <a:pt x="281171" y="576937"/>
+                  <a:pt x="282288" y="591454"/>
+                  <a:pt x="271121" y="604854"/>
+                </a:cubicBezTo>
+                <a:cubicBezTo>
+                  <a:pt x="262931" y="614532"/>
+                  <a:pt x="263676" y="620860"/>
+                  <a:pt x="274471" y="627560"/>
+                </a:cubicBezTo>
+                <a:cubicBezTo>
+                  <a:pt x="309088" y="648405"/>
+                  <a:pt x="331050" y="675578"/>
+                  <a:pt x="319138" y="718012"/>
+                </a:cubicBezTo>
+                <a:cubicBezTo>
+                  <a:pt x="317277" y="723968"/>
+                  <a:pt x="319511" y="729924"/>
+                  <a:pt x="326583" y="729551"/>
+                </a:cubicBezTo>
+                <a:cubicBezTo>
+                  <a:pt x="342217" y="728435"/>
+                  <a:pt x="344822" y="738113"/>
+                  <a:pt x="349289" y="748163"/>
+                </a:cubicBezTo>
+                <a:cubicBezTo>
+                  <a:pt x="392840" y="844571"/>
+                  <a:pt x="455747" y="928695"/>
+                  <a:pt x="528332" y="1007608"/>
+                </a:cubicBezTo>
+                <a:cubicBezTo>
+                  <a:pt x="600173" y="1085777"/>
+                  <a:pt x="680947" y="1155756"/>
+                  <a:pt x="766932" y="1222758"/>
+                </a:cubicBezTo>
+                <a:cubicBezTo>
+                  <a:pt x="742737" y="1220524"/>
+                  <a:pt x="711470" y="1206752"/>
+                  <a:pt x="681319" y="1190746"/>
+                </a:cubicBezTo>
+                <a:cubicBezTo>
+                  <a:pt x="601662" y="1147939"/>
+                  <a:pt x="536149" y="1089871"/>
+                  <a:pt x="469520" y="1032920"/>
+                </a:cubicBezTo>
+                <a:cubicBezTo>
+                  <a:pt x="422991" y="993091"/>
+                  <a:pt x="377579" y="952146"/>
+                  <a:pt x="325466" y="917900"/>
+                </a:cubicBezTo>
+                <a:cubicBezTo>
+                  <a:pt x="319511" y="914178"/>
+                  <a:pt x="315416" y="909339"/>
+                  <a:pt x="312066" y="903383"/>
+                </a:cubicBezTo>
+                <a:cubicBezTo>
+                  <a:pt x="309088" y="898172"/>
+                  <a:pt x="304621" y="893333"/>
+                  <a:pt x="296805" y="895566"/>
+                </a:cubicBezTo>
+                <a:cubicBezTo>
+                  <a:pt x="288988" y="898172"/>
+                  <a:pt x="288243" y="904872"/>
+                  <a:pt x="288243" y="910828"/>
+                </a:cubicBezTo>
+                <a:cubicBezTo>
+                  <a:pt x="289360" y="933162"/>
+                  <a:pt x="295688" y="953262"/>
+                  <a:pt x="309460" y="971129"/>
+                </a:cubicBezTo>
+                <a:cubicBezTo>
+                  <a:pt x="336261" y="1006864"/>
+                  <a:pt x="371995" y="1034781"/>
+                  <a:pt x="407729" y="1062698"/>
+                </a:cubicBezTo>
+                <a:cubicBezTo>
+                  <a:pt x="457236" y="1101038"/>
+                  <a:pt x="503021" y="1142728"/>
+                  <a:pt x="544338" y="1189257"/>
+                </a:cubicBezTo>
+                <a:cubicBezTo>
+                  <a:pt x="514560" y="1166551"/>
+                  <a:pt x="484781" y="1143472"/>
+                  <a:pt x="454630" y="1120766"/>
+                </a:cubicBezTo>
+                <a:cubicBezTo>
+                  <a:pt x="431924" y="1103644"/>
+                  <a:pt x="408474" y="1087265"/>
+                  <a:pt x="385396" y="1070515"/>
+                </a:cubicBezTo>
+                <a:cubicBezTo>
+                  <a:pt x="379812" y="1066421"/>
+                  <a:pt x="373856" y="1061954"/>
+                  <a:pt x="366040" y="1067537"/>
+                </a:cubicBezTo>
+                <a:cubicBezTo>
+                  <a:pt x="358967" y="1072376"/>
+                  <a:pt x="360084" y="1079449"/>
+                  <a:pt x="361573" y="1086149"/>
+                </a:cubicBezTo>
+                <a:cubicBezTo>
+                  <a:pt x="367156" y="1112577"/>
+                  <a:pt x="382790" y="1133794"/>
+                  <a:pt x="402146" y="1152778"/>
+                </a:cubicBezTo>
+                <a:cubicBezTo>
+                  <a:pt x="425596" y="1175484"/>
+                  <a:pt x="450164" y="1197074"/>
+                  <a:pt x="475475" y="1218663"/>
+                </a:cubicBezTo>
+                <a:cubicBezTo>
+                  <a:pt x="448303" y="1212707"/>
+                  <a:pt x="421130" y="1206752"/>
+                  <a:pt x="393957" y="1201913"/>
+                </a:cubicBezTo>
+                <a:cubicBezTo>
+                  <a:pt x="406240" y="1245091"/>
+                  <a:pt x="434902" y="1253653"/>
+                  <a:pt x="460586" y="1260353"/>
+                </a:cubicBezTo>
+                <a:cubicBezTo>
+                  <a:pt x="495204" y="1268914"/>
+                  <a:pt x="528332" y="1279709"/>
+                  <a:pt x="561089" y="1291993"/>
+                </a:cubicBezTo>
+                <a:cubicBezTo>
+                  <a:pt x="574861" y="1304276"/>
+                  <a:pt x="588634" y="1316188"/>
+                  <a:pt x="602034" y="1328843"/>
+                </a:cubicBezTo>
+                <a:cubicBezTo>
+                  <a:pt x="615807" y="1341872"/>
+                  <a:pt x="628835" y="1354900"/>
+                  <a:pt x="641863" y="1368672"/>
+                </a:cubicBezTo>
+                <a:cubicBezTo>
+                  <a:pt x="651169" y="1378722"/>
+                  <a:pt x="662335" y="1387284"/>
+                  <a:pt x="651541" y="1404406"/>
+                </a:cubicBezTo>
+                <a:cubicBezTo>
+                  <a:pt x="646702" y="1412223"/>
+                  <a:pt x="678341" y="1454658"/>
+                  <a:pt x="688392" y="1457263"/>
+                </a:cubicBezTo>
+                <a:cubicBezTo>
+                  <a:pt x="689881" y="1457635"/>
+                  <a:pt x="691369" y="1458008"/>
+                  <a:pt x="692486" y="1458008"/>
+                </a:cubicBezTo>
+                <a:cubicBezTo>
+                  <a:pt x="714076" y="1456519"/>
+                  <a:pt x="718915" y="1469175"/>
+                  <a:pt x="719287" y="1485181"/>
+                </a:cubicBezTo>
+                <a:cubicBezTo>
+                  <a:pt x="719659" y="1500814"/>
+                  <a:pt x="715937" y="1520170"/>
+                  <a:pt x="745343" y="1512353"/>
+                </a:cubicBezTo>
+                <a:cubicBezTo>
+                  <a:pt x="748693" y="1511609"/>
+                  <a:pt x="749438" y="1513842"/>
+                  <a:pt x="750926" y="1516448"/>
+                </a:cubicBezTo>
+                <a:cubicBezTo>
+                  <a:pt x="782938" y="1583077"/>
+                  <a:pt x="836912" y="1634445"/>
+                  <a:pt x="890141" y="1685813"/>
+                </a:cubicBezTo>
+                <a:cubicBezTo>
+                  <a:pt x="893119" y="1688419"/>
+                  <a:pt x="896097" y="1691024"/>
+                  <a:pt x="899074" y="1693630"/>
+                </a:cubicBezTo>
+                <a:cubicBezTo>
+                  <a:pt x="843240" y="1680602"/>
+                  <a:pt x="658985" y="1663851"/>
+                  <a:pt x="605012" y="1669435"/>
+                </a:cubicBezTo>
+                <a:cubicBezTo>
+                  <a:pt x="556994" y="1674274"/>
+                  <a:pt x="285638" y="1593128"/>
+                  <a:pt x="229431" y="1545110"/>
+                </a:cubicBezTo>
+                <a:cubicBezTo>
+                  <a:pt x="221614" y="1582705"/>
+                  <a:pt x="238364" y="1597594"/>
+                  <a:pt x="251765" y="1614717"/>
+                </a:cubicBezTo>
+                <a:cubicBezTo>
+                  <a:pt x="270748" y="1638912"/>
+                  <a:pt x="273726" y="1656035"/>
+                  <a:pt x="237992" y="1675391"/>
+                </a:cubicBezTo>
+                <a:cubicBezTo>
+                  <a:pt x="135628" y="1730481"/>
+                  <a:pt x="136745" y="1732342"/>
+                  <a:pt x="232781" y="1807160"/>
+                </a:cubicBezTo>
+                <a:cubicBezTo>
+                  <a:pt x="237248" y="1810511"/>
+                  <a:pt x="235014" y="1821305"/>
+                  <a:pt x="236131" y="1828750"/>
+                </a:cubicBezTo>
+                <a:cubicBezTo>
+                  <a:pt x="211191" y="1839917"/>
+                  <a:pt x="181785" y="1810883"/>
+                  <a:pt x="152007" y="1842150"/>
+                </a:cubicBezTo>
+                <a:cubicBezTo>
+                  <a:pt x="280426" y="1979503"/>
+                  <a:pt x="475848" y="2110157"/>
+                  <a:pt x="653030" y="2213265"/>
+                </a:cubicBezTo>
+                <a:cubicBezTo>
+                  <a:pt x="509721" y="2247138"/>
+                  <a:pt x="423735" y="2128024"/>
+                  <a:pt x="318394" y="2143285"/>
+                </a:cubicBezTo>
+                <a:cubicBezTo>
+                  <a:pt x="265909" y="2180508"/>
+                  <a:pt x="422246" y="2240810"/>
+                  <a:pt x="272982" y="2258305"/>
+                </a:cubicBezTo>
+                <a:cubicBezTo>
+                  <a:pt x="337750" y="2291061"/>
+                  <a:pt x="385768" y="2323073"/>
+                  <a:pt x="430435" y="2360668"/>
+                </a:cubicBezTo>
+                <a:cubicBezTo>
+                  <a:pt x="509721" y="2428042"/>
+                  <a:pt x="525354" y="2472710"/>
+                  <a:pt x="488876" y="2563162"/>
+                </a:cubicBezTo>
+                <a:cubicBezTo>
+                  <a:pt x="464681" y="2622719"/>
+                  <a:pt x="429691" y="2677437"/>
+                  <a:pt x="460586" y="2748533"/>
+                </a:cubicBezTo>
+                <a:cubicBezTo>
+                  <a:pt x="481803" y="2797295"/>
+                  <a:pt x="473614" y="2829307"/>
+                  <a:pt x="393212" y="2807345"/>
+                </a:cubicBezTo>
+                <a:cubicBezTo>
+                  <a:pt x="306483" y="2783895"/>
+                  <a:pt x="273726" y="2827818"/>
+                  <a:pt x="295688" y="2913059"/>
+                </a:cubicBezTo>
+                <a:cubicBezTo>
+                  <a:pt x="309833" y="2967777"/>
+                  <a:pt x="294943" y="2984900"/>
+                  <a:pt x="235386" y="2978572"/>
+                </a:cubicBezTo>
+                <a:cubicBezTo>
+                  <a:pt x="169501" y="2971499"/>
+                  <a:pt x="106967" y="2935765"/>
+                  <a:pt x="25448" y="2952888"/>
+                </a:cubicBezTo>
+                <a:cubicBezTo>
+                  <a:pt x="90588" y="3052646"/>
+                  <a:pt x="229803" y="3024356"/>
+                  <a:pt x="305738" y="3119275"/>
+                </a:cubicBezTo>
+                <a:cubicBezTo>
+                  <a:pt x="215286" y="3119647"/>
+                  <a:pt x="146051" y="3119275"/>
+                  <a:pt x="79049" y="3098430"/>
+                </a:cubicBezTo>
+                <a:cubicBezTo>
+                  <a:pt x="51132" y="3089869"/>
+                  <a:pt x="20609" y="3081308"/>
+                  <a:pt x="4975" y="3109969"/>
+                </a:cubicBezTo>
+                <a:cubicBezTo>
+                  <a:pt x="-13636" y="3144587"/>
+                  <a:pt x="24331" y="3157615"/>
+                  <a:pt x="47037" y="3163943"/>
+                </a:cubicBezTo>
+                <a:cubicBezTo>
+                  <a:pt x="111061" y="3181438"/>
+                  <a:pt x="160196" y="3222755"/>
+                  <a:pt x="213425" y="3255139"/>
+                </a:cubicBezTo>
+                <a:cubicBezTo>
+                  <a:pt x="329933" y="3326236"/>
+                  <a:pt x="457981" y="3385420"/>
+                  <a:pt x="556622" y="3502301"/>
+                </a:cubicBezTo>
+                <a:cubicBezTo>
+                  <a:pt x="432669" y="3472523"/>
+                  <a:pt x="339983" y="3402915"/>
+                  <a:pt x="224592" y="3388771"/>
+                </a:cubicBezTo>
+                <a:cubicBezTo>
+                  <a:pt x="324722" y="3495601"/>
+                  <a:pt x="453142" y="3565208"/>
+                  <a:pt x="574861" y="3643004"/>
+                </a:cubicBezTo>
+                <a:cubicBezTo>
+                  <a:pt x="609479" y="3664966"/>
+                  <a:pt x="644841" y="3679855"/>
+                  <a:pt x="652657" y="3727501"/>
+                </a:cubicBezTo>
+                <a:cubicBezTo>
+                  <a:pt x="667919" y="3819814"/>
+                  <a:pt x="712959" y="3896494"/>
+                  <a:pt x="810111" y="3937067"/>
+                </a:cubicBezTo>
+                <a:cubicBezTo>
+                  <a:pt x="810856" y="3937439"/>
+                  <a:pt x="805644" y="3951212"/>
+                  <a:pt x="802294" y="3960890"/>
+                </a:cubicBezTo>
+                <a:cubicBezTo>
+                  <a:pt x="743110" y="3963868"/>
+                  <a:pt x="696581" y="3909149"/>
+                  <a:pt x="620646" y="3927017"/>
+                </a:cubicBezTo>
+                <a:cubicBezTo>
+                  <a:pt x="692858" y="4001091"/>
+                  <a:pt x="753532" y="4067720"/>
+                  <a:pt x="856268" y="4103082"/>
+                </a:cubicBezTo>
+                <a:cubicBezTo>
+                  <a:pt x="938531" y="4131372"/>
+                  <a:pt x="1040150" y="4147377"/>
+                  <a:pt x="1099707" y="4238574"/>
+                </a:cubicBezTo>
+                <a:cubicBezTo>
+                  <a:pt x="1030472" y="4256441"/>
+                  <a:pt x="978732" y="4234107"/>
+                  <a:pt x="926992" y="4218102"/>
+                </a:cubicBezTo>
+                <a:cubicBezTo>
+                  <a:pt x="847334" y="4193534"/>
+                  <a:pt x="769166" y="4165617"/>
+                  <a:pt x="689508" y="4140677"/>
+                </a:cubicBezTo>
+                <a:cubicBezTo>
+                  <a:pt x="659358" y="4131372"/>
+                  <a:pt x="626229" y="4124299"/>
+                  <a:pt x="606873" y="4169711"/>
+                </a:cubicBezTo>
+                <a:cubicBezTo>
+                  <a:pt x="707748" y="4179389"/>
+                  <a:pt x="768421" y="4240435"/>
+                  <a:pt x="831701" y="4297759"/>
+                </a:cubicBezTo>
+                <a:cubicBezTo>
+                  <a:pt x="867435" y="4330143"/>
+                  <a:pt x="896469" y="4373322"/>
+                  <a:pt x="960493" y="4356944"/>
+                </a:cubicBezTo>
+                <a:cubicBezTo>
+                  <a:pt x="994366" y="4348382"/>
+                  <a:pt x="1015955" y="4372578"/>
+                  <a:pt x="1012233" y="4402356"/>
+                </a:cubicBezTo>
+                <a:cubicBezTo>
+                  <a:pt x="999577" y="4507325"/>
+                  <a:pt x="1078118" y="4544176"/>
+                  <a:pt x="1159636" y="4564276"/>
+                </a:cubicBezTo>
+                <a:cubicBezTo>
+                  <a:pt x="1313740" y="4602616"/>
+                  <a:pt x="1442160" y="4692324"/>
+                  <a:pt x="1592169" y="4741458"/>
+                </a:cubicBezTo>
+                <a:cubicBezTo>
+                  <a:pt x="1738083" y="4789104"/>
+                  <a:pt x="2833187" y="5010209"/>
+                  <a:pt x="3110499" y="5032171"/>
+                </a:cubicBezTo>
+                <a:cubicBezTo>
+                  <a:pt x="4807501" y="5166546"/>
+                  <a:pt x="6028047" y="4106432"/>
+                  <a:pt x="6033630" y="4091915"/>
+                </a:cubicBezTo>
+                <a:cubicBezTo>
+                  <a:pt x="6059314" y="4023797"/>
+                  <a:pt x="6122965" y="3994390"/>
+                  <a:pt x="6180661" y="3957912"/>
+                </a:cubicBezTo>
+                <a:cubicBezTo>
+                  <a:pt x="6230913" y="3925900"/>
+                  <a:pt x="6284514" y="3892027"/>
+                  <a:pt x="6305359" y="3837309"/>
+                </a:cubicBezTo>
+                <a:cubicBezTo>
+                  <a:pt x="6332904" y="3764724"/>
+                  <a:pt x="6254735" y="3824281"/>
+                  <a:pt x="6240218" y="3796364"/>
+                </a:cubicBezTo>
+                <a:cubicBezTo>
+                  <a:pt x="6269997" y="3758768"/>
+                  <a:pt x="6316153" y="3724151"/>
+                  <a:pt x="6328437" y="3681344"/>
+                </a:cubicBezTo>
+                <a:cubicBezTo>
+                  <a:pt x="6372361" y="3526496"/>
+                  <a:pt x="6466907" y="3413710"/>
+                  <a:pt x="6608355" y="3326236"/>
+                </a:cubicBezTo>
+                <a:cubicBezTo>
+                  <a:pt x="6648928" y="3300924"/>
+                  <a:pt x="6675729" y="3255512"/>
+                  <a:pt x="6731191" y="3248067"/>
+                </a:cubicBezTo>
+                <a:cubicBezTo>
+                  <a:pt x="6854400" y="3232061"/>
+                  <a:pt x="6815315" y="3106992"/>
+                  <a:pt x="6880456" y="3051529"/>
+                </a:cubicBezTo>
+                <a:cubicBezTo>
+                  <a:pt x="6892739" y="3041107"/>
+                  <a:pt x="6903907" y="2777939"/>
+                  <a:pt x="6901673" y="2763795"/>
+                </a:cubicBezTo>
+                <a:cubicBezTo>
+                  <a:pt x="6898323" y="2743322"/>
+                  <a:pt x="6883806" y="2966288"/>
+                  <a:pt x="6871150" y="2948421"/>
+                </a:cubicBezTo>
+                <a:cubicBezTo>
+                  <a:pt x="6858494" y="2930182"/>
+                  <a:pt x="6839138" y="2914176"/>
+                  <a:pt x="6848444" y="2890353"/>
+                </a:cubicBezTo>
+                <a:cubicBezTo>
+                  <a:pt x="6852166" y="2880303"/>
+                  <a:pt x="6849561" y="2846058"/>
+                  <a:pt x="6878223" y="2873230"/>
+                </a:cubicBezTo>
+                <a:cubicBezTo>
+                  <a:pt x="6956763" y="2946932"/>
+                  <a:pt x="6870778" y="2578051"/>
+                  <a:pt x="6762459" y="2568745"/>
+                </a:cubicBezTo>
+                <a:cubicBezTo>
+                  <a:pt x="6801915" y="2465637"/>
+                  <a:pt x="6801915" y="2465637"/>
+                  <a:pt x="6673123" y="2451493"/>
+                </a:cubicBezTo>
+                <a:cubicBezTo>
+                  <a:pt x="6722630" y="2385980"/>
+                  <a:pt x="6722630" y="2369229"/>
+                  <a:pt x="6662700" y="2346896"/>
+                </a:cubicBezTo>
+                <a:cubicBezTo>
+                  <a:pt x="6605005" y="2325306"/>
+                  <a:pt x="6540981" y="2318234"/>
+                  <a:pt x="6487752" y="2285105"/>
+                </a:cubicBezTo>
+                <a:cubicBezTo>
+                  <a:pt x="6536887" y="2201353"/>
+                  <a:pt x="6550659" y="2104573"/>
+                  <a:pt x="6652278" y="2063628"/>
+                </a:cubicBezTo>
+                <a:cubicBezTo>
+                  <a:pt x="6668284" y="2057300"/>
+                  <a:pt x="6679079" y="2031988"/>
+                  <a:pt x="6668656" y="2017843"/>
+                </a:cubicBezTo>
+                <a:cubicBezTo>
+                  <a:pt x="6631805" y="1965359"/>
+                  <a:pt x="6684662" y="1864856"/>
+                  <a:pt x="6570015" y="1854062"/>
+                </a:cubicBezTo>
+                <a:cubicBezTo>
+                  <a:pt x="6555870" y="1852573"/>
+                  <a:pt x="6542842" y="1842150"/>
+                  <a:pt x="6554009" y="1827633"/>
+                </a:cubicBezTo>
+                <a:cubicBezTo>
+                  <a:pt x="6592349" y="1778126"/>
+                  <a:pt x="6545820" y="1781476"/>
+                  <a:pt x="6517531" y="1775149"/>
+                </a:cubicBezTo>
+                <a:cubicBezTo>
+                  <a:pt x="6483285" y="1767704"/>
+                  <a:pt x="6444573" y="1789293"/>
+                  <a:pt x="6412934" y="1762493"/>
+                </a:cubicBezTo>
+                <a:cubicBezTo>
+                  <a:pt x="6420378" y="1734203"/>
+                  <a:pt x="6447923" y="1734575"/>
+                  <a:pt x="6467279" y="1725642"/>
+                </a:cubicBezTo>
+                <a:cubicBezTo>
+                  <a:pt x="6523858" y="1699213"/>
+                  <a:pt x="6570015" y="1667946"/>
+                  <a:pt x="6572621" y="1600200"/>
+                </a:cubicBezTo>
+                <a:cubicBezTo>
+                  <a:pt x="6574854" y="1545482"/>
+                  <a:pt x="6580810" y="1497092"/>
+                  <a:pt x="6502641" y="1480341"/>
+                </a:cubicBezTo>
+                <a:cubicBezTo>
+                  <a:pt x="6490358" y="1477736"/>
+                  <a:pt x="6484030" y="1470664"/>
+                  <a:pt x="6481796" y="1461358"/>
+                </a:cubicBezTo>
+                <a:cubicBezTo>
+                  <a:pt x="6490730" y="1452424"/>
+                  <a:pt x="6499291" y="1443118"/>
+                  <a:pt x="6509713" y="1436418"/>
+                </a:cubicBezTo>
+                <a:cubicBezTo>
+                  <a:pt x="6544703" y="1414457"/>
+                  <a:pt x="6556615" y="1382072"/>
+                  <a:pt x="6567037" y="1348199"/>
+                </a:cubicBezTo>
+                <a:cubicBezTo>
+                  <a:pt x="6573737" y="1326610"/>
+                  <a:pt x="6581554" y="1305393"/>
+                  <a:pt x="6596816" y="1286781"/>
+                </a:cubicBezTo>
+                <a:cubicBezTo>
+                  <a:pt x="6606122" y="1275242"/>
+                  <a:pt x="6617661" y="1266681"/>
+                  <a:pt x="6632178" y="1261842"/>
+                </a:cubicBezTo>
+                <a:cubicBezTo>
+                  <a:pt x="6644833" y="1257375"/>
+                  <a:pt x="6648556" y="1251419"/>
+                  <a:pt x="6639994" y="1240625"/>
+                </a:cubicBezTo>
+                <a:cubicBezTo>
+                  <a:pt x="6615799" y="1209729"/>
+                  <a:pt x="6606122" y="1175856"/>
+                  <a:pt x="6622127" y="1136400"/>
+                </a:cubicBezTo>
+                <a:cubicBezTo>
+                  <a:pt x="6626967" y="1124489"/>
+                  <a:pt x="6623617" y="1114066"/>
+                  <a:pt x="6612077" y="1109599"/>
+                </a:cubicBezTo>
+                <a:cubicBezTo>
+                  <a:pt x="6564059" y="1090616"/>
+                  <a:pt x="6552148" y="1046692"/>
+                  <a:pt x="6531675" y="1009469"/>
+                </a:cubicBezTo>
+                <a:cubicBezTo>
+                  <a:pt x="6502641" y="956612"/>
+                  <a:pt x="6476213" y="902639"/>
+                  <a:pt x="6456113" y="845315"/>
+                </a:cubicBezTo>
+                <a:cubicBezTo>
+                  <a:pt x="6444201" y="811070"/>
+                  <a:pt x="6432662" y="777197"/>
+                  <a:pt x="6440851" y="739229"/>
+                </a:cubicBezTo>
+                <a:cubicBezTo>
+                  <a:pt x="6442712" y="729924"/>
+                  <a:pt x="6439362" y="722107"/>
+                  <a:pt x="6434523" y="715034"/>
+                </a:cubicBezTo>
+                <a:cubicBezTo>
+                  <a:pt x="6414050" y="684139"/>
+                  <a:pt x="6416656" y="651383"/>
+                  <a:pt x="6432290" y="617510"/>
+                </a:cubicBezTo>
+                <a:cubicBezTo>
+                  <a:pt x="6441968" y="597037"/>
+                  <a:pt x="6440851" y="594431"/>
+                  <a:pt x="6416284" y="595176"/>
+                </a:cubicBezTo>
+                <a:cubicBezTo>
+                  <a:pt x="6366405" y="596293"/>
+                  <a:pt x="6316898" y="598154"/>
+                  <a:pt x="6267763" y="591826"/>
+                </a:cubicBezTo>
+                <a:cubicBezTo>
+                  <a:pt x="6212673" y="584753"/>
+                  <a:pt x="6194806" y="568375"/>
+                  <a:pt x="6236496" y="521102"/>
+                </a:cubicBezTo>
+                <a:cubicBezTo>
+                  <a:pt x="6245430" y="511052"/>
+                  <a:pt x="6253246" y="499885"/>
+                  <a:pt x="6257341" y="487229"/>
+                </a:cubicBezTo>
+                <a:cubicBezTo>
+                  <a:pt x="6260319" y="477179"/>
+                  <a:pt x="6257713" y="470106"/>
+                  <a:pt x="6248780" y="465267"/>
+                </a:cubicBezTo>
+                <a:cubicBezTo>
+                  <a:pt x="6238357" y="459312"/>
+                  <a:pt x="6232774" y="467501"/>
+                  <a:pt x="6226818" y="473456"/>
+                </a:cubicBezTo>
+                <a:cubicBezTo>
+                  <a:pt x="6194434" y="505468"/>
+                  <a:pt x="6153861" y="527430"/>
+                  <a:pt x="6115149" y="551625"/>
+                </a:cubicBezTo>
+                <a:cubicBezTo>
+                  <a:pt x="6059686" y="586615"/>
+                  <a:pt x="6001246" y="617510"/>
+                  <a:pt x="5951739" y="659944"/>
+                </a:cubicBezTo>
+                <a:cubicBezTo>
+                  <a:pt x="5939084" y="670739"/>
+                  <a:pt x="5918611" y="662550"/>
+                  <a:pt x="5917122" y="644310"/>
+                </a:cubicBezTo>
+                <a:cubicBezTo>
+                  <a:pt x="5915633" y="626071"/>
+                  <a:pt x="5905583" y="626071"/>
+                  <a:pt x="5890694" y="630538"/>
+                </a:cubicBezTo>
+                <a:cubicBezTo>
+                  <a:pt x="5872826" y="635749"/>
+                  <a:pt x="5854959" y="640960"/>
+                  <a:pt x="5837464" y="646916"/>
+                </a:cubicBezTo>
+                <a:cubicBezTo>
+                  <a:pt x="5819225" y="653244"/>
+                  <a:pt x="5811036" y="666644"/>
+                  <a:pt x="5809175" y="683395"/>
+                </a:cubicBezTo>
+                <a:cubicBezTo>
+                  <a:pt x="5808430" y="689723"/>
+                  <a:pt x="5808803" y="697539"/>
+                  <a:pt x="5815503" y="698656"/>
+                </a:cubicBezTo>
+                <a:cubicBezTo>
+                  <a:pt x="5843048" y="703495"/>
+                  <a:pt x="5755201" y="682278"/>
+                  <a:pt x="5746268" y="667389"/>
+                </a:cubicBezTo>
+                <a:cubicBezTo>
+                  <a:pt x="5745896" y="666644"/>
+                  <a:pt x="5525907" y="720246"/>
+                  <a:pt x="5458905" y="754119"/>
+                </a:cubicBezTo>
+                <a:close/>
+                <a:moveTo>
+                  <a:pt x="885302" y="1333310"/>
+                </a:moveTo>
+                <a:cubicBezTo>
+                  <a:pt x="877857" y="1326982"/>
+                  <a:pt x="870040" y="1321027"/>
+                  <a:pt x="862596" y="1314326"/>
+                </a:cubicBezTo>
+                <a:cubicBezTo>
+                  <a:pt x="863712" y="1312837"/>
+                  <a:pt x="865201" y="1311349"/>
+                  <a:pt x="866318" y="1309860"/>
+                </a:cubicBezTo>
+                <a:cubicBezTo>
+                  <a:pt x="881580" y="1320282"/>
+                  <a:pt x="896841" y="1330705"/>
+                  <a:pt x="912103" y="1341127"/>
+                </a:cubicBezTo>
+                <a:cubicBezTo>
+                  <a:pt x="903541" y="1338522"/>
+                  <a:pt x="894235" y="1335916"/>
+                  <a:pt x="885302" y="1333310"/>
+                </a:cubicBezTo>
+                <a:close/>
+                <a:moveTo>
+                  <a:pt x="1140280" y="787619"/>
+                </a:moveTo>
+                <a:cubicBezTo>
+                  <a:pt x="1231849" y="850154"/>
+                  <a:pt x="1323418" y="913061"/>
+                  <a:pt x="1414987" y="975596"/>
+                </a:cubicBezTo>
+                <a:cubicBezTo>
+                  <a:pt x="1413498" y="977085"/>
+                  <a:pt x="1412381" y="978574"/>
+                  <a:pt x="1410892" y="980063"/>
+                </a:cubicBezTo>
+                <a:cubicBezTo>
+                  <a:pt x="1310390" y="927206"/>
+                  <a:pt x="1215471" y="868394"/>
+                  <a:pt x="1140280" y="787619"/>
+                </a:cubicBezTo>
+                <a:close/>
+              </a:path>
+            </a:pathLst>
+          </a:custGeom>
+          <a:solidFill>
+            <a:schemeClr val="accent1">
+              <a:alpha val="20000"/>
+            </a:schemeClr>
+          </a:solidFill>
+          <a:ln w="32707" cap="flat">
+            <a:noFill/>
+            <a:prstDash val="solid"/>
+            <a:miter/>
+          </a:ln>
+        </p:spPr>
+        <p:txBody>
+          <a:bodyPr rtlCol="0" anchor="ctr"/>
+          <a:lstStyle/>
+          <a:p>
+            <a:endParaRPr lang="en-US" dirty="0"/>
+          </a:p>
+        </p:txBody>
+      </p:sp>
+      <p:sp useBgFill="1">
+        <p:nvSpPr>
+          <p:cNvPr id="9" name="Rectangle 8">
+            <a:extLst>
+              <a:ext uri="{FF2B5EF4-FFF2-40B4-BE49-F238E27FC236}">
+                <a16:creationId xmlns:a16="http://schemas.microsoft.com/office/drawing/2014/main" id="{ED894347-C9A9-4BFD-8A6D-05A2B0CDDF79}"/>
+              </a:ext>
+              <a:ext uri="{C183D7F6-B498-43B3-948B-1728B52AA6E4}">
+                <adec:decorative xmlns:adec="http://schemas.microsoft.com/office/drawing/2017/decorative" val="1"/>
+              </a:ext>
+            </a:extLst>
+          </p:cNvPr>
+          <p:cNvSpPr>
+            <a:spLocks noGrp="1" noRot="1" noChangeAspect="1" noMove="1" noResize="1" noEditPoints="1" noAdjustHandles="1" noChangeArrowheads="1" noChangeShapeType="1" noTextEdit="1"/>
+          </p:cNvSpPr>
+          <p:nvPr>
+            <p:extLst>
+              <p:ext uri="{386F3935-93C4-4BCD-93E2-E3B085C9AB24}">
+                <p16:designElem xmlns:p16="http://schemas.microsoft.com/office/powerpoint/2015/main" val="1"/>
+              </p:ext>
+            </p:extLst>
+          </p:nvPr>
+        </p:nvSpPr>
+        <p:spPr>
+          <a:xfrm>
+            <a:off x="0" y="0"/>
+            <a:ext cx="12188952" cy="6858000"/>
+          </a:xfrm>
+          <a:prstGeom prst="rect">
+            <a:avLst/>
+          </a:prstGeom>
+          <a:ln>
+            <a:noFill/>
+          </a:ln>
+        </p:spPr>
+        <p:style>
+          <a:lnRef idx="2">
+            <a:schemeClr val="accent1">
+              <a:shade val="50000"/>
+            </a:schemeClr>
+          </a:lnRef>
+          <a:fillRef idx="1">
+            <a:schemeClr val="accent1"/>
+          </a:fillRef>
+          <a:effectRef idx="0">
+            <a:schemeClr val="accent1"/>
+          </a:effectRef>
+          <a:fontRef idx="minor">
+            <a:schemeClr val="lt1"/>
+          </a:fontRef>
+        </p:style>
+        <p:txBody>
+          <a:bodyPr rtlCol="0" anchor="ctr"/>
+          <a:lstStyle/>
+          <a:p>
+            <a:pPr algn="ctr"/>
+            <a:endParaRPr lang="en-US"/>
+          </a:p>
+        </p:txBody>
+      </p:sp>
+      <p:sp>
+        <p:nvSpPr>
+          <p:cNvPr id="11" name="Freeform: Shape 10">
+            <a:extLst>
+              <a:ext uri="{FF2B5EF4-FFF2-40B4-BE49-F238E27FC236}">
+                <a16:creationId xmlns:a16="http://schemas.microsoft.com/office/drawing/2014/main" id="{284ED281-4082-46F9-86EE-D78901367138}"/>
+              </a:ext>
+              <a:ext uri="{C183D7F6-B498-43B3-948B-1728B52AA6E4}">
+                <adec:decorative xmlns:adec="http://schemas.microsoft.com/office/drawing/2017/decorative" val="1"/>
+              </a:ext>
+            </a:extLst>
+          </p:cNvPr>
+          <p:cNvSpPr>
+            <a:spLocks noGrp="1" noRot="1" noChangeAspect="1" noMove="1" noResize="1" noEditPoints="1" noAdjustHandles="1" noChangeArrowheads="1" noChangeShapeType="1" noTextEdit="1"/>
+          </p:cNvSpPr>
+          <p:nvPr>
+            <p:extLst>
+              <p:ext uri="{386F3935-93C4-4BCD-93E2-E3B085C9AB24}">
+                <p16:designElem xmlns:p16="http://schemas.microsoft.com/office/powerpoint/2015/main" val="1"/>
+              </p:ext>
+            </p:extLst>
+          </p:nvPr>
+        </p:nvSpPr>
+        <p:spPr>
+          <a:xfrm rot="10800000">
+            <a:off x="-1" y="-2"/>
+            <a:ext cx="9379192" cy="4251280"/>
+          </a:xfrm>
+          <a:custGeom>
+            <a:avLst/>
+            <a:gdLst>
+              <a:gd name="connsiteX0" fmla="*/ 9379192 w 9379192"/>
+              <a:gd name="connsiteY0" fmla="*/ 3752527 h 3752527"/>
+              <a:gd name="connsiteX1" fmla="*/ 3293459 w 9379192"/>
+              <a:gd name="connsiteY1" fmla="*/ 3752527 h 3752527"/>
+              <a:gd name="connsiteX2" fmla="*/ 3297156 w 9379192"/>
+              <a:gd name="connsiteY2" fmla="*/ 3752055 h 3752527"/>
+              <a:gd name="connsiteX3" fmla="*/ 3642095 w 9379192"/>
+              <a:gd name="connsiteY3" fmla="*/ 3690141 h 3752527"/>
+              <a:gd name="connsiteX4" fmla="*/ 2307659 w 9379192"/>
+              <a:gd name="connsiteY4" fmla="*/ 3500267 h 3752527"/>
+              <a:gd name="connsiteX5" fmla="*/ 2383194 w 9379192"/>
+              <a:gd name="connsiteY5" fmla="*/ 3475501 h 3752527"/>
+              <a:gd name="connsiteX6" fmla="*/ 2237161 w 9379192"/>
+              <a:gd name="connsiteY6" fmla="*/ 3376437 h 3752527"/>
+              <a:gd name="connsiteX7" fmla="*/ 1637924 w 9379192"/>
+              <a:gd name="connsiteY7" fmla="*/ 3219585 h 3752527"/>
+              <a:gd name="connsiteX8" fmla="*/ 2383194 w 9379192"/>
+              <a:gd name="connsiteY8" fmla="*/ 2955415 h 3752527"/>
+              <a:gd name="connsiteX9" fmla="*/ 1542249 w 9379192"/>
+              <a:gd name="connsiteY9" fmla="*/ 2596307 h 3752527"/>
+              <a:gd name="connsiteX10" fmla="*/ 1114221 w 9379192"/>
+              <a:gd name="connsiteY10" fmla="*/ 2509625 h 3752527"/>
+              <a:gd name="connsiteX11" fmla="*/ 2524191 w 9379192"/>
+              <a:gd name="connsiteY11" fmla="*/ 2059708 h 3752527"/>
+              <a:gd name="connsiteX12" fmla="*/ 238027 w 9379192"/>
+              <a:gd name="connsiteY12" fmla="*/ 1836815 h 3752527"/>
+              <a:gd name="connsiteX13" fmla="*/ 424343 w 9379192"/>
+              <a:gd name="connsiteY13" fmla="*/ 1746006 h 3752527"/>
+              <a:gd name="connsiteX14" fmla="*/ 1844384 w 9379192"/>
+              <a:gd name="connsiteY14" fmla="*/ 1770772 h 3752527"/>
+              <a:gd name="connsiteX15" fmla="*/ 2081058 w 9379192"/>
+              <a:gd name="connsiteY15" fmla="*/ 1700602 h 3752527"/>
+              <a:gd name="connsiteX16" fmla="*/ 1844384 w 9379192"/>
+              <a:gd name="connsiteY16" fmla="*/ 1589154 h 3752527"/>
+              <a:gd name="connsiteX17" fmla="*/ 922869 w 9379192"/>
+              <a:gd name="connsiteY17" fmla="*/ 1506601 h 3752527"/>
+              <a:gd name="connsiteX18" fmla="*/ 681160 w 9379192"/>
+              <a:gd name="connsiteY18" fmla="*/ 1320855 h 3752527"/>
+              <a:gd name="connsiteX19" fmla="*/ 273276 w 9379192"/>
+              <a:gd name="connsiteY19" fmla="*/ 1106216 h 3752527"/>
+              <a:gd name="connsiteX20" fmla="*/ 555269 w 9379192"/>
+              <a:gd name="connsiteY20" fmla="*/ 928727 h 3752527"/>
+              <a:gd name="connsiteX21" fmla="*/ 97029 w 9379192"/>
+              <a:gd name="connsiteY21" fmla="*/ 664555 h 3752527"/>
+              <a:gd name="connsiteX22" fmla="*/ 227955 w 9379192"/>
+              <a:gd name="connsiteY22" fmla="*/ 317831 h 3752527"/>
+              <a:gd name="connsiteX23" fmla="*/ 998402 w 9379192"/>
+              <a:gd name="connsiteY23" fmla="*/ 235277 h 3752527"/>
+              <a:gd name="connsiteX24" fmla="*/ 2030701 w 9379192"/>
+              <a:gd name="connsiteY24" fmla="*/ 115575 h 3752527"/>
+              <a:gd name="connsiteX25" fmla="*/ 3068036 w 9379192"/>
+              <a:gd name="connsiteY25" fmla="*/ 12383 h 3752527"/>
+              <a:gd name="connsiteX26" fmla="*/ 4105370 w 9379192"/>
+              <a:gd name="connsiteY26" fmla="*/ 12383 h 3752527"/>
+              <a:gd name="connsiteX27" fmla="*/ 4402472 w 9379192"/>
+              <a:gd name="connsiteY27" fmla="*/ 20638 h 3752527"/>
+              <a:gd name="connsiteX28" fmla="*/ 4407507 w 9379192"/>
+              <a:gd name="connsiteY28" fmla="*/ 20638 h 3752527"/>
+              <a:gd name="connsiteX29" fmla="*/ 5696622 w 9379192"/>
+              <a:gd name="connsiteY29" fmla="*/ 57788 h 3752527"/>
+              <a:gd name="connsiteX30" fmla="*/ 6175004 w 9379192"/>
+              <a:gd name="connsiteY30" fmla="*/ 61915 h 3752527"/>
+              <a:gd name="connsiteX31" fmla="*/ 7212339 w 9379192"/>
+              <a:gd name="connsiteY31" fmla="*/ 66042 h 3752527"/>
+              <a:gd name="connsiteX32" fmla="*/ 8244638 w 9379192"/>
+              <a:gd name="connsiteY32" fmla="*/ 49532 h 3752527"/>
+              <a:gd name="connsiteX33" fmla="*/ 9292044 w 9379192"/>
+              <a:gd name="connsiteY33" fmla="*/ 0 h 3752527"/>
+              <a:gd name="connsiteX34" fmla="*/ 9379192 w 9379192"/>
+              <a:gd name="connsiteY34" fmla="*/ 2762 h 3752527"/>
+            </a:gdLst>
+            <a:ahLst/>
+            <a:cxnLst>
+              <a:cxn ang="0">
+                <a:pos x="connsiteX0" y="connsiteY0"/>
+              </a:cxn>
+              <a:cxn ang="0">
+                <a:pos x="connsiteX1" y="connsiteY1"/>
+              </a:cxn>
+              <a:cxn ang="0">
+                <a:pos x="connsiteX2" y="connsiteY2"/>
+              </a:cxn>
+              <a:cxn ang="0">
+                <a:pos x="connsiteX3" y="connsiteY3"/>
+              </a:cxn>
+              <a:cxn ang="0">
+                <a:pos x="connsiteX4" y="connsiteY4"/>
+              </a:cxn>
+              <a:cxn ang="0">
+                <a:pos x="connsiteX5" y="connsiteY5"/>
+              </a:cxn>
+              <a:cxn ang="0">
+                <a:pos x="connsiteX6" y="connsiteY6"/>
+              </a:cxn>
+              <a:cxn ang="0">
+                <a:pos x="connsiteX7" y="connsiteY7"/>
+              </a:cxn>
+              <a:cxn ang="0">
+                <a:pos x="connsiteX8" y="connsiteY8"/>
+              </a:cxn>
+              <a:cxn ang="0">
+                <a:pos x="connsiteX9" y="connsiteY9"/>
+              </a:cxn>
+              <a:cxn ang="0">
+                <a:pos x="connsiteX10" y="connsiteY10"/>
+              </a:cxn>
+              <a:cxn ang="0">
+                <a:pos x="connsiteX11" y="connsiteY11"/>
+              </a:cxn>
+              <a:cxn ang="0">
+                <a:pos x="connsiteX12" y="connsiteY12"/>
+              </a:cxn>
+              <a:cxn ang="0">
+                <a:pos x="connsiteX13" y="connsiteY13"/>
+              </a:cxn>
+              <a:cxn ang="0">
+                <a:pos x="connsiteX14" y="connsiteY14"/>
+              </a:cxn>
+              <a:cxn ang="0">
+                <a:pos x="connsiteX15" y="connsiteY15"/>
+              </a:cxn>
+              <a:cxn ang="0">
+                <a:pos x="connsiteX16" y="connsiteY16"/>
+              </a:cxn>
+              <a:cxn ang="0">
+                <a:pos x="connsiteX17" y="connsiteY17"/>
+              </a:cxn>
+              <a:cxn ang="0">
+                <a:pos x="connsiteX18" y="connsiteY18"/>
+              </a:cxn>
+              <a:cxn ang="0">
+                <a:pos x="connsiteX19" y="connsiteY19"/>
+              </a:cxn>
+              <a:cxn ang="0">
+                <a:pos x="connsiteX20" y="connsiteY20"/>
+              </a:cxn>
+              <a:cxn ang="0">
+                <a:pos x="connsiteX21" y="connsiteY21"/>
+              </a:cxn>
+              <a:cxn ang="0">
+                <a:pos x="connsiteX22" y="connsiteY22"/>
+              </a:cxn>
+              <a:cxn ang="0">
+                <a:pos x="connsiteX23" y="connsiteY23"/>
+              </a:cxn>
+              <a:cxn ang="0">
+                <a:pos x="connsiteX24" y="connsiteY24"/>
+              </a:cxn>
+              <a:cxn ang="0">
+                <a:pos x="connsiteX25" y="connsiteY25"/>
+              </a:cxn>
+              <a:cxn ang="0">
+                <a:pos x="connsiteX26" y="connsiteY26"/>
+              </a:cxn>
+              <a:cxn ang="0">
+                <a:pos x="connsiteX27" y="connsiteY27"/>
+              </a:cxn>
+              <a:cxn ang="0">
+                <a:pos x="connsiteX28" y="connsiteY28"/>
+              </a:cxn>
+              <a:cxn ang="0">
+                <a:pos x="connsiteX29" y="connsiteY29"/>
+              </a:cxn>
+              <a:cxn ang="0">
+                <a:pos x="connsiteX30" y="connsiteY30"/>
+              </a:cxn>
+              <a:cxn ang="0">
+                <a:pos x="connsiteX31" y="connsiteY31"/>
+              </a:cxn>
+              <a:cxn ang="0">
+                <a:pos x="connsiteX32" y="connsiteY32"/>
+              </a:cxn>
+              <a:cxn ang="0">
+                <a:pos x="connsiteX33" y="connsiteY33"/>
+              </a:cxn>
+              <a:cxn ang="0">
+                <a:pos x="connsiteX34" y="connsiteY34"/>
+              </a:cxn>
+            </a:cxnLst>
+            <a:rect l="l" t="t" r="r" b="b"/>
+            <a:pathLst>
+              <a:path w="9379192" h="3752527">
+                <a:moveTo>
+                  <a:pt x="9379192" y="3752527"/>
+                </a:moveTo>
+                <a:lnTo>
+                  <a:pt x="3293459" y="3752527"/>
+                </a:lnTo>
+                <a:lnTo>
+                  <a:pt x="3297156" y="3752055"/>
+                </a:lnTo>
+                <a:cubicBezTo>
+                  <a:pt x="3412975" y="3736577"/>
+                  <a:pt x="3551454" y="3714906"/>
+                  <a:pt x="3642095" y="3690141"/>
+                </a:cubicBezTo>
+                <a:cubicBezTo>
+                  <a:pt x="3380244" y="3686012"/>
+                  <a:pt x="2347945" y="3529162"/>
+                  <a:pt x="2307659" y="3500267"/>
+                </a:cubicBezTo>
+                <a:cubicBezTo>
+                  <a:pt x="2327803" y="3492012"/>
+                  <a:pt x="2358017" y="3483757"/>
+                  <a:pt x="2383194" y="3475501"/>
+                </a:cubicBezTo>
+                <a:cubicBezTo>
+                  <a:pt x="2327803" y="3450736"/>
+                  <a:pt x="2282482" y="3421842"/>
+                  <a:pt x="2237161" y="3376437"/>
+                </a:cubicBezTo>
+                <a:cubicBezTo>
+                  <a:pt x="2091129" y="3223714"/>
+                  <a:pt x="1844384" y="3277374"/>
+                  <a:pt x="1637924" y="3219585"/>
+                </a:cubicBezTo>
+                <a:cubicBezTo>
+                  <a:pt x="1768850" y="2897627"/>
+                  <a:pt x="2116307" y="3017329"/>
+                  <a:pt x="2383194" y="2955415"/>
+                </a:cubicBezTo>
+                <a:cubicBezTo>
+                  <a:pt x="1683245" y="2765541"/>
+                  <a:pt x="1819207" y="2666477"/>
+                  <a:pt x="1542249" y="2596307"/>
+                </a:cubicBezTo>
+                <a:cubicBezTo>
+                  <a:pt x="1194791" y="2509625"/>
+                  <a:pt x="1114221" y="2509625"/>
+                  <a:pt x="1114221" y="2509625"/>
+                </a:cubicBezTo>
+                <a:cubicBezTo>
+                  <a:pt x="1522105" y="2245455"/>
+                  <a:pt x="2010559" y="2530264"/>
+                  <a:pt x="2524191" y="2059708"/>
+                </a:cubicBezTo>
+                <a:cubicBezTo>
+                  <a:pt x="2030701" y="1993667"/>
+                  <a:pt x="555269" y="1960645"/>
+                  <a:pt x="238027" y="1836815"/>
+                </a:cubicBezTo>
+                <a:cubicBezTo>
+                  <a:pt x="358880" y="1882219"/>
+                  <a:pt x="368952" y="1746006"/>
+                  <a:pt x="424343" y="1746006"/>
+                </a:cubicBezTo>
+                <a:cubicBezTo>
+                  <a:pt x="892655" y="1741879"/>
+                  <a:pt x="1371037" y="1820305"/>
+                  <a:pt x="1844384" y="1770772"/>
+                </a:cubicBezTo>
+                <a:cubicBezTo>
+                  <a:pt x="1929989" y="1766645"/>
+                  <a:pt x="2065951" y="1803793"/>
+                  <a:pt x="2081058" y="1700602"/>
+                </a:cubicBezTo>
+                <a:cubicBezTo>
+                  <a:pt x="2096164" y="1572644"/>
+                  <a:pt x="1919919" y="1601537"/>
+                  <a:pt x="1844384" y="1589154"/>
+                </a:cubicBezTo>
+                <a:cubicBezTo>
+                  <a:pt x="1537212" y="1547877"/>
+                  <a:pt x="1235076" y="1531367"/>
+                  <a:pt x="922869" y="1506601"/>
+                </a:cubicBezTo>
+                <a:cubicBezTo>
+                  <a:pt x="791943" y="1494218"/>
+                  <a:pt x="630804" y="1518984"/>
+                  <a:pt x="681160" y="1320855"/>
+                </a:cubicBezTo>
+                <a:cubicBezTo>
+                  <a:pt x="640874" y="1130983"/>
+                  <a:pt x="399166" y="1197025"/>
+                  <a:pt x="273276" y="1106216"/>
+                </a:cubicBezTo>
+                <a:cubicBezTo>
+                  <a:pt x="333703" y="998897"/>
+                  <a:pt x="504913" y="1073196"/>
+                  <a:pt x="555269" y="928727"/>
+                </a:cubicBezTo>
+                <a:cubicBezTo>
+                  <a:pt x="313560" y="974131"/>
+                  <a:pt x="338738" y="660428"/>
+                  <a:pt x="97029" y="664555"/>
+                </a:cubicBezTo>
+                <a:cubicBezTo>
+                  <a:pt x="-104395" y="478810"/>
+                  <a:pt x="41638" y="388001"/>
+                  <a:pt x="227955" y="317831"/>
+                </a:cubicBezTo>
+                <a:cubicBezTo>
+                  <a:pt x="469664" y="231150"/>
+                  <a:pt x="736551" y="251788"/>
+                  <a:pt x="998402" y="235277"/>
+                </a:cubicBezTo>
+                <a:cubicBezTo>
+                  <a:pt x="1345860" y="198128"/>
+                  <a:pt x="1678209" y="111447"/>
+                  <a:pt x="2030701" y="115575"/>
+                </a:cubicBezTo>
+                <a:cubicBezTo>
+                  <a:pt x="2363052" y="28893"/>
+                  <a:pt x="2730650" y="123829"/>
+                  <a:pt x="3068036" y="12383"/>
+                </a:cubicBezTo>
+                <a:cubicBezTo>
+                  <a:pt x="3410457" y="12383"/>
+                  <a:pt x="3757914" y="12383"/>
+                  <a:pt x="4105370" y="12383"/>
+                </a:cubicBezTo>
+                <a:cubicBezTo>
+                  <a:pt x="4206084" y="16510"/>
+                  <a:pt x="4301759" y="16510"/>
+                  <a:pt x="4402472" y="20638"/>
+                </a:cubicBezTo>
+                <a:cubicBezTo>
+                  <a:pt x="4402472" y="20638"/>
+                  <a:pt x="4407507" y="20638"/>
+                  <a:pt x="4407507" y="20638"/>
+                </a:cubicBezTo>
+                <a:cubicBezTo>
+                  <a:pt x="4840570" y="33022"/>
+                  <a:pt x="5268596" y="41276"/>
+                  <a:pt x="5696622" y="57788"/>
+                </a:cubicBezTo>
+                <a:cubicBezTo>
+                  <a:pt x="5857761" y="57788"/>
+                  <a:pt x="6013864" y="61915"/>
+                  <a:pt x="6175004" y="61915"/>
+                </a:cubicBezTo>
+                <a:cubicBezTo>
+                  <a:pt x="6517425" y="82553"/>
+                  <a:pt x="6864883" y="94936"/>
+                  <a:pt x="7212339" y="66042"/>
+                </a:cubicBezTo>
+                <a:cubicBezTo>
+                  <a:pt x="7559796" y="90809"/>
+                  <a:pt x="7897182" y="74298"/>
+                  <a:pt x="8244638" y="49532"/>
+                </a:cubicBezTo>
+                <a:cubicBezTo>
+                  <a:pt x="8597130" y="78426"/>
+                  <a:pt x="8944587" y="37149"/>
+                  <a:pt x="9292044" y="0"/>
+                </a:cubicBezTo>
+                <a:lnTo>
+                  <a:pt x="9379192" y="2762"/>
+                </a:lnTo>
+                <a:close/>
+              </a:path>
+            </a:pathLst>
+          </a:custGeom>
+          <a:solidFill>
+            <a:srgbClr val="C34DC2">
+              <a:alpha val="20000"/>
+            </a:srgbClr>
+          </a:solidFill>
+          <a:ln w="32707" cap="flat">
+            <a:noFill/>
+            <a:prstDash val="solid"/>
+            <a:miter/>
+          </a:ln>
+        </p:spPr>
+        <p:txBody>
+          <a:bodyPr wrap="square" rtlCol="0" anchor="ctr">
+            <a:noAutofit/>
+          </a:bodyPr>
+          <a:lstStyle/>
+          <a:p>
+            <a:endParaRPr lang="en-US"/>
+          </a:p>
+        </p:txBody>
+      </p:sp>
+      <p:sp>
+        <p:nvSpPr>
+          <p:cNvPr id="13" name="Freeform: Shape 12">
+            <a:extLst>
+              <a:ext uri="{FF2B5EF4-FFF2-40B4-BE49-F238E27FC236}">
+                <a16:creationId xmlns:a16="http://schemas.microsoft.com/office/drawing/2014/main" id="{5531D9B7-48AB-4407-A9E8-13391FCB2E54}"/>
+              </a:ext>
+              <a:ext uri="{C183D7F6-B498-43B3-948B-1728B52AA6E4}">
+                <adec:decorative xmlns:adec="http://schemas.microsoft.com/office/drawing/2017/decorative" val="1"/>
+              </a:ext>
+            </a:extLst>
+          </p:cNvPr>
+          <p:cNvSpPr>
+            <a:spLocks noGrp="1" noRot="1" noChangeAspect="1" noMove="1" noResize="1" noEditPoints="1" noAdjustHandles="1" noChangeArrowheads="1" noChangeShapeType="1" noTextEdit="1"/>
+          </p:cNvSpPr>
+          <p:nvPr>
+            <p:extLst>
+              <p:ext uri="{386F3935-93C4-4BCD-93E2-E3B085C9AB24}">
+                <p16:designElem xmlns:p16="http://schemas.microsoft.com/office/powerpoint/2015/main" val="1"/>
+              </p:ext>
+            </p:extLst>
+          </p:nvPr>
+        </p:nvSpPr>
+        <p:spPr>
+          <a:xfrm rot="549902" flipV="1">
+            <a:off x="5210629" y="4242714"/>
+            <a:ext cx="7104297" cy="3137347"/>
+          </a:xfrm>
+          <a:custGeom>
+            <a:avLst/>
+            <a:gdLst>
+              <a:gd name="connsiteX0" fmla="*/ 6772629 w 7104297"/>
+              <a:gd name="connsiteY0" fmla="*/ 3137347 h 3137347"/>
+              <a:gd name="connsiteX1" fmla="*/ 7104297 w 7104297"/>
+              <a:gd name="connsiteY1" fmla="*/ 1081624 h 3137347"/>
+              <a:gd name="connsiteX2" fmla="*/ 400225 w 7104297"/>
+              <a:gd name="connsiteY2" fmla="*/ 0 h 3137347"/>
+              <a:gd name="connsiteX3" fmla="*/ 277738 w 7104297"/>
+              <a:gd name="connsiteY3" fmla="*/ 5048 h 3137347"/>
+              <a:gd name="connsiteX4" fmla="*/ 0 w 7104297"/>
+              <a:gd name="connsiteY4" fmla="*/ 23585 h 3137347"/>
+              <a:gd name="connsiteX5" fmla="*/ 296410 w 7104297"/>
+              <a:gd name="connsiteY5" fmla="*/ 136472 h 3137347"/>
+              <a:gd name="connsiteX6" fmla="*/ 396403 w 7104297"/>
+              <a:gd name="connsiteY6" fmla="*/ 445861 h 3137347"/>
+              <a:gd name="connsiteX7" fmla="*/ 760665 w 7104297"/>
+              <a:gd name="connsiteY7" fmla="*/ 621461 h 3137347"/>
+              <a:gd name="connsiteX8" fmla="*/ 996368 w 7104297"/>
+              <a:gd name="connsiteY8" fmla="*/ 684176 h 3137347"/>
+              <a:gd name="connsiteX9" fmla="*/ 1535617 w 7104297"/>
+              <a:gd name="connsiteY9" fmla="*/ 776157 h 3137347"/>
+              <a:gd name="connsiteX10" fmla="*/ 1614185 w 7104297"/>
+              <a:gd name="connsiteY10" fmla="*/ 926671 h 3137347"/>
+              <a:gd name="connsiteX11" fmla="*/ 1682037 w 7104297"/>
+              <a:gd name="connsiteY11" fmla="*/ 1093909 h 3137347"/>
+              <a:gd name="connsiteX12" fmla="*/ 1824886 w 7104297"/>
+              <a:gd name="connsiteY12" fmla="*/ 1202614 h 3137347"/>
+              <a:gd name="connsiteX13" fmla="*/ 714243 w 7104297"/>
+              <a:gd name="connsiteY13" fmla="*/ 1185890 h 3137347"/>
+              <a:gd name="connsiteX14" fmla="*/ 1967733 w 7104297"/>
+              <a:gd name="connsiteY14" fmla="*/ 1537090 h 3137347"/>
+              <a:gd name="connsiteX15" fmla="*/ 1857026 w 7104297"/>
+              <a:gd name="connsiteY15" fmla="*/ 1675062 h 3137347"/>
+              <a:gd name="connsiteX16" fmla="*/ 2542697 w 7104297"/>
+              <a:gd name="connsiteY16" fmla="*/ 1863205 h 3137347"/>
+              <a:gd name="connsiteX17" fmla="*/ 2174863 w 7104297"/>
+              <a:gd name="connsiteY17" fmla="*/ 1884109 h 3137347"/>
+              <a:gd name="connsiteX18" fmla="*/ 4314015 w 7104297"/>
+              <a:gd name="connsiteY18" fmla="*/ 2670128 h 3137347"/>
+              <a:gd name="connsiteX19" fmla="*/ 5430784 w 7104297"/>
+              <a:gd name="connsiteY19" fmla="*/ 2889725 h 3137347"/>
+              <a:gd name="connsiteX20" fmla="*/ 6613344 w 7104297"/>
+              <a:gd name="connsiteY20" fmla="*/ 3108822 h 3137347"/>
+            </a:gdLst>
+            <a:ahLst/>
+            <a:cxnLst>
+              <a:cxn ang="0">
+                <a:pos x="connsiteX0" y="connsiteY0"/>
+              </a:cxn>
+              <a:cxn ang="0">
+                <a:pos x="connsiteX1" y="connsiteY1"/>
+              </a:cxn>
+              <a:cxn ang="0">
+                <a:pos x="connsiteX2" y="connsiteY2"/>
+              </a:cxn>
+              <a:cxn ang="0">
+                <a:pos x="connsiteX3" y="connsiteY3"/>
+              </a:cxn>
+              <a:cxn ang="0">
+                <a:pos x="connsiteX4" y="connsiteY4"/>
+              </a:cxn>
+              <a:cxn ang="0">
+                <a:pos x="connsiteX5" y="connsiteY5"/>
+              </a:cxn>
+              <a:cxn ang="0">
+                <a:pos x="connsiteX6" y="connsiteY6"/>
+              </a:cxn>
+              <a:cxn ang="0">
+                <a:pos x="connsiteX7" y="connsiteY7"/>
+              </a:cxn>
+              <a:cxn ang="0">
+                <a:pos x="connsiteX8" y="connsiteY8"/>
+              </a:cxn>
+              <a:cxn ang="0">
+                <a:pos x="connsiteX9" y="connsiteY9"/>
+              </a:cxn>
+              <a:cxn ang="0">
+                <a:pos x="connsiteX10" y="connsiteY10"/>
+              </a:cxn>
+              <a:cxn ang="0">
+                <a:pos x="connsiteX11" y="connsiteY11"/>
+              </a:cxn>
+              <a:cxn ang="0">
+                <a:pos x="connsiteX12" y="connsiteY12"/>
+              </a:cxn>
+              <a:cxn ang="0">
+                <a:pos x="connsiteX13" y="connsiteY13"/>
+              </a:cxn>
+              <a:cxn ang="0">
+                <a:pos x="connsiteX14" y="connsiteY14"/>
+              </a:cxn>
+              <a:cxn ang="0">
+                <a:pos x="connsiteX15" y="connsiteY15"/>
+              </a:cxn>
+              <a:cxn ang="0">
+                <a:pos x="connsiteX16" y="connsiteY16"/>
+              </a:cxn>
+              <a:cxn ang="0">
+                <a:pos x="connsiteX17" y="connsiteY17"/>
+              </a:cxn>
+              <a:cxn ang="0">
+                <a:pos x="connsiteX18" y="connsiteY18"/>
+              </a:cxn>
+              <a:cxn ang="0">
+                <a:pos x="connsiteX19" y="connsiteY19"/>
+              </a:cxn>
+              <a:cxn ang="0">
+                <a:pos x="connsiteX20" y="connsiteY20"/>
+              </a:cxn>
+            </a:cxnLst>
+            <a:rect l="l" t="t" r="r" b="b"/>
+            <a:pathLst>
+              <a:path w="7104297" h="3137347">
+                <a:moveTo>
+                  <a:pt x="6772629" y="3137347"/>
+                </a:moveTo>
+                <a:lnTo>
+                  <a:pt x="7104297" y="1081624"/>
+                </a:lnTo>
+                <a:lnTo>
+                  <a:pt x="400225" y="0"/>
+                </a:lnTo>
+                <a:lnTo>
+                  <a:pt x="277738" y="5048"/>
+                </a:lnTo>
+                <a:cubicBezTo>
+                  <a:pt x="185423" y="9801"/>
+                  <a:pt x="92851" y="15745"/>
+                  <a:pt x="0" y="23585"/>
+                </a:cubicBezTo>
+                <a:cubicBezTo>
+                  <a:pt x="96424" y="149013"/>
+                  <a:pt x="221416" y="44490"/>
+                  <a:pt x="296410" y="136472"/>
+                </a:cubicBezTo>
+                <a:cubicBezTo>
+                  <a:pt x="224986" y="328795"/>
+                  <a:pt x="253557" y="433318"/>
+                  <a:pt x="396403" y="445861"/>
+                </a:cubicBezTo>
+                <a:cubicBezTo>
+                  <a:pt x="535682" y="458403"/>
+                  <a:pt x="685672" y="391507"/>
+                  <a:pt x="760665" y="621461"/>
+                </a:cubicBezTo>
+                <a:cubicBezTo>
+                  <a:pt x="782093" y="692537"/>
+                  <a:pt x="914229" y="671633"/>
+                  <a:pt x="996368" y="684176"/>
+                </a:cubicBezTo>
+                <a:cubicBezTo>
+                  <a:pt x="1174926" y="713442"/>
+                  <a:pt x="1364202" y="684176"/>
+                  <a:pt x="1535617" y="776157"/>
+                </a:cubicBezTo>
+                <a:cubicBezTo>
+                  <a:pt x="1603471" y="809604"/>
+                  <a:pt x="1649896" y="834690"/>
+                  <a:pt x="1614185" y="926671"/>
+                </a:cubicBezTo>
+                <a:cubicBezTo>
+                  <a:pt x="1578472" y="1022833"/>
+                  <a:pt x="1624898" y="1056279"/>
+                  <a:pt x="1682037" y="1093909"/>
+                </a:cubicBezTo>
+                <a:cubicBezTo>
+                  <a:pt x="1724892" y="1123175"/>
+                  <a:pt x="1789173" y="1114814"/>
+                  <a:pt x="1824886" y="1202614"/>
+                </a:cubicBezTo>
+                <a:cubicBezTo>
+                  <a:pt x="1449909" y="1190070"/>
+                  <a:pt x="1085647" y="1118994"/>
+                  <a:pt x="714243" y="1185890"/>
+                </a:cubicBezTo>
+                <a:cubicBezTo>
+                  <a:pt x="1121358" y="1353128"/>
+                  <a:pt x="1567759" y="1344765"/>
+                  <a:pt x="1967733" y="1537090"/>
+                </a:cubicBezTo>
+                <a:cubicBezTo>
+                  <a:pt x="1953448" y="1603986"/>
+                  <a:pt x="1860597" y="1574718"/>
+                  <a:pt x="1857026" y="1675062"/>
+                </a:cubicBezTo>
+                <a:cubicBezTo>
+                  <a:pt x="2067727" y="1779586"/>
+                  <a:pt x="2321284" y="1708508"/>
+                  <a:pt x="2542697" y="1863205"/>
+                </a:cubicBezTo>
+                <a:cubicBezTo>
+                  <a:pt x="2414134" y="1934281"/>
+                  <a:pt x="2296285" y="1817213"/>
+                  <a:pt x="2174863" y="1884109"/>
+                </a:cubicBezTo>
+                <a:cubicBezTo>
+                  <a:pt x="2214147" y="1984452"/>
+                  <a:pt x="3992607" y="2603233"/>
+                  <a:pt x="4314015" y="2670128"/>
+                </a:cubicBezTo>
+                <a:cubicBezTo>
+                  <a:pt x="4559090" y="2721868"/>
+                  <a:pt x="4976921" y="2803592"/>
+                  <a:pt x="5430784" y="2889725"/>
+                </a:cubicBezTo>
+                <a:cubicBezTo>
+                  <a:pt x="5827914" y="2965093"/>
+                  <a:pt x="6252633" y="3043836"/>
+                  <a:pt x="6613344" y="3108822"/>
+                </a:cubicBezTo>
+                <a:close/>
+              </a:path>
+            </a:pathLst>
+          </a:custGeom>
+          <a:solidFill>
+            <a:srgbClr val="C34DC2">
+              <a:alpha val="20000"/>
+            </a:srgbClr>
+          </a:solidFill>
+          <a:ln w="32707" cap="flat">
+            <a:noFill/>
+            <a:prstDash val="solid"/>
+            <a:miter/>
+          </a:ln>
+        </p:spPr>
+        <p:txBody>
+          <a:bodyPr wrap="square" rtlCol="0" anchor="ctr">
+            <a:noAutofit/>
+          </a:bodyPr>
+          <a:lstStyle/>
+          <a:p>
+            <a:endParaRPr lang="en-US"/>
+          </a:p>
+        </p:txBody>
+      </p:sp>
+      <p:sp>
+        <p:nvSpPr>
+          <p:cNvPr id="2" name="Title 1">
+            <a:extLst>
+              <a:ext uri="{FF2B5EF4-FFF2-40B4-BE49-F238E27FC236}">
+                <a16:creationId xmlns:a16="http://schemas.microsoft.com/office/drawing/2014/main" id="{693297B0-9561-4257-9089-EF3E82D637D0}"/>
+              </a:ext>
+            </a:extLst>
+          </p:cNvPr>
+          <p:cNvSpPr>
+            <a:spLocks noGrp="1"/>
+          </p:cNvSpPr>
+          <p:nvPr>
+            <p:ph type="title"/>
+          </p:nvPr>
+        </p:nvSpPr>
+        <p:spPr>
+          <a:xfrm>
+            <a:off x="838200" y="937845"/>
+            <a:ext cx="6696453" cy="3643679"/>
+          </a:xfrm>
+        </p:spPr>
+        <p:txBody>
+          <a:bodyPr vert="horz" lIns="91440" tIns="45720" rIns="91440" bIns="45720" rtlCol="0" anchor="b">
+            <a:normAutofit/>
+          </a:bodyPr>
+          <a:lstStyle/>
+          <a:p>
+            <a:r>
+              <a:rPr lang="en-US" sz="6000"/>
+              <a:t>Solutions</a:t>
+            </a:r>
+          </a:p>
+        </p:txBody>
+      </p:sp>
+    </p:spTree>
+    <p:extLst>
+      <p:ext uri="{BB962C8B-B14F-4D97-AF65-F5344CB8AC3E}">
+        <p14:creationId xmlns:p14="http://schemas.microsoft.com/office/powerpoint/2010/main" val="2357627651"/>
+      </p:ext>
+    </p:extLst>
+  </p:cSld>
+  <p:clrMapOvr>
+    <a:masterClrMapping/>
+  </p:clrMapOvr>
+</p:sld>
+</file>
+
+<file path=ppt/slides/slide13.xml><?xml version="1.0" encoding="utf-8"?>
+<p:sld xmlns:a="http://schemas.openxmlformats.org/drawingml/2006/main" xmlns:r="http://schemas.openxmlformats.org/officeDocument/2006/relationships" xmlns:p="http://schemas.openxmlformats.org/presentationml/2006/main">
+  <p:cSld>
     <p:spTree>
       <p:nvGrpSpPr>
         <p:cNvPr id="1" name=""/>
@@ -26354,7 +28170,7 @@
           <p:cNvPr id="2" name="Title 1">
             <a:extLst>
               <a:ext uri="{FF2B5EF4-FFF2-40B4-BE49-F238E27FC236}">
-                <a16:creationId xmlns:a16="http://schemas.microsoft.com/office/drawing/2014/main" id="{693297B0-9561-4257-9089-EF3E82D637D0}"/>
+                <a16:creationId xmlns:a16="http://schemas.microsoft.com/office/drawing/2014/main" id="{B7CD8655-9222-42F8-8A6D-43D6319175E7}"/>
               </a:ext>
             </a:extLst>
           </p:cNvPr>
@@ -26372,7 +28188,7 @@
           <a:p>
             <a:r>
               <a:rPr lang="en-US" dirty="0"/>
-              <a:t>Solution #1 – Brute Force</a:t>
+              <a:t>Solution #2 - scan</a:t>
             </a:r>
           </a:p>
         </p:txBody>
@@ -26382,7 +28198,7 @@
           <p:cNvPr id="3" name="Content Placeholder 2">
             <a:extLst>
               <a:ext uri="{FF2B5EF4-FFF2-40B4-BE49-F238E27FC236}">
-                <a16:creationId xmlns:a16="http://schemas.microsoft.com/office/drawing/2014/main" id="{2CC798C1-F0B5-4EF8-A9C4-41B267AB142D}"/>
+                <a16:creationId xmlns:a16="http://schemas.microsoft.com/office/drawing/2014/main" id="{5383C955-6B4C-409F-A138-724720C7CC0F}"/>
               </a:ext>
             </a:extLst>
           </p:cNvPr>
@@ -26399,19 +28215,216 @@
           <a:lstStyle/>
           <a:p>
             <a:r>
-              <a:rPr lang="en-US"/>
-              <a:t>Use if statements to check for all conditions</a:t>
+              <a:rPr lang="en-US" dirty="0"/>
+              <a:t>Make use of the turn-based nature of games</a:t>
             </a:r>
           </a:p>
           <a:p>
-            <a:endParaRPr lang="en-US" dirty="0"/>
+            <a:r>
+              <a:rPr lang="en-US" dirty="0"/>
+              <a:t>Extensible for any size</a:t>
+            </a:r>
+          </a:p>
+          <a:p>
+            <a:r>
+              <a:rPr lang="en-US" dirty="0"/>
+              <a:t>Same solution works for anything matching</a:t>
+            </a:r>
           </a:p>
         </p:txBody>
       </p:sp>
+      <p:pic>
+        <p:nvPicPr>
+          <p:cNvPr id="1028" name="Picture 4" descr="Original game (Milton Bradley)">
+            <a:extLst>
+              <a:ext uri="{FF2B5EF4-FFF2-40B4-BE49-F238E27FC236}">
+                <a16:creationId xmlns:a16="http://schemas.microsoft.com/office/drawing/2014/main" id="{FF75DA23-7B49-46CE-894F-2BB9749E77E5}"/>
+              </a:ext>
+            </a:extLst>
+          </p:cNvPr>
+          <p:cNvPicPr>
+            <a:picLocks noChangeAspect="1" noChangeArrowheads="1"/>
+          </p:cNvPicPr>
+          <p:nvPr/>
+        </p:nvPicPr>
+        <p:blipFill>
+          <a:blip r:embed="rId2">
+            <a:extLst>
+              <a:ext uri="{28A0092B-C50C-407E-A947-70E740481C1C}">
+                <a14:useLocalDpi xmlns:a14="http://schemas.microsoft.com/office/drawing/2010/main" val="0"/>
+              </a:ext>
+            </a:extLst>
+          </a:blip>
+          <a:srcRect/>
+          <a:stretch>
+            <a:fillRect/>
+          </a:stretch>
+        </p:blipFill>
+        <p:spPr bwMode="auto">
+          <a:xfrm>
+            <a:off x="4136497" y="4175983"/>
+            <a:ext cx="1714501" cy="1547813"/>
+          </a:xfrm>
+          <a:prstGeom prst="rect">
+            <a:avLst/>
+          </a:prstGeom>
+          <a:noFill/>
+          <a:extLst>
+            <a:ext uri="{909E8E84-426E-40DD-AFC4-6F175D3DCCD1}">
+              <a14:hiddenFill xmlns:a14="http://schemas.microsoft.com/office/drawing/2010/main">
+                <a:solidFill>
+                  <a:srgbClr val="FFFFFF"/>
+                </a:solidFill>
+              </a14:hiddenFill>
+            </a:ext>
+          </a:extLst>
+        </p:spPr>
+      </p:pic>
+      <p:pic>
+        <p:nvPicPr>
+          <p:cNvPr id="1030" name="Picture 6" descr="Constitution Day Materials, US Constitution, Pocket Constitution ...">
+            <a:extLst>
+              <a:ext uri="{FF2B5EF4-FFF2-40B4-BE49-F238E27FC236}">
+                <a16:creationId xmlns:a16="http://schemas.microsoft.com/office/drawing/2014/main" id="{A91DDC67-1F2D-460B-90FA-AEABB14C8C1D}"/>
+              </a:ext>
+            </a:extLst>
+          </p:cNvPr>
+          <p:cNvPicPr>
+            <a:picLocks noChangeAspect="1" noChangeArrowheads="1"/>
+          </p:cNvPicPr>
+          <p:nvPr/>
+        </p:nvPicPr>
+        <p:blipFill>
+          <a:blip r:embed="rId3">
+            <a:extLst>
+              <a:ext uri="{28A0092B-C50C-407E-A947-70E740481C1C}">
+                <a14:useLocalDpi xmlns:a14="http://schemas.microsoft.com/office/drawing/2010/main" val="0"/>
+              </a:ext>
+            </a:extLst>
+          </a:blip>
+          <a:srcRect/>
+          <a:stretch>
+            <a:fillRect/>
+          </a:stretch>
+        </p:blipFill>
+        <p:spPr bwMode="auto">
+          <a:xfrm>
+            <a:off x="6656715" y="4097460"/>
+            <a:ext cx="1746105" cy="1704858"/>
+          </a:xfrm>
+          <a:prstGeom prst="rect">
+            <a:avLst/>
+          </a:prstGeom>
+          <a:noFill/>
+          <a:extLst>
+            <a:ext uri="{909E8E84-426E-40DD-AFC4-6F175D3DCCD1}">
+              <a14:hiddenFill xmlns:a14="http://schemas.microsoft.com/office/drawing/2010/main">
+                <a:solidFill>
+                  <a:srgbClr val="FFFFFF"/>
+                </a:solidFill>
+              </a14:hiddenFill>
+            </a:ext>
+          </a:extLst>
+        </p:spPr>
+      </p:pic>
+      <p:pic>
+        <p:nvPicPr>
+          <p:cNvPr id="1034" name="Picture 10" descr="Tic-tac-toe - Wikipedia">
+            <a:extLst>
+              <a:ext uri="{FF2B5EF4-FFF2-40B4-BE49-F238E27FC236}">
+                <a16:creationId xmlns:a16="http://schemas.microsoft.com/office/drawing/2014/main" id="{FDE0DF65-2523-495F-9B80-22EE61567EC9}"/>
+              </a:ext>
+            </a:extLst>
+          </p:cNvPr>
+          <p:cNvPicPr>
+            <a:picLocks noChangeAspect="1" noChangeArrowheads="1"/>
+          </p:cNvPicPr>
+          <p:nvPr/>
+        </p:nvPicPr>
+        <p:blipFill>
+          <a:blip r:embed="rId4">
+            <a:extLst>
+              <a:ext uri="{28A0092B-C50C-407E-A947-70E740481C1C}">
+                <a14:useLocalDpi xmlns:a14="http://schemas.microsoft.com/office/drawing/2010/main" val="0"/>
+              </a:ext>
+            </a:extLst>
+          </a:blip>
+          <a:srcRect/>
+          <a:stretch>
+            <a:fillRect/>
+          </a:stretch>
+        </p:blipFill>
+        <p:spPr bwMode="auto">
+          <a:xfrm>
+            <a:off x="1232257" y="4016828"/>
+            <a:ext cx="2098523" cy="1866122"/>
+          </a:xfrm>
+          <a:prstGeom prst="rect">
+            <a:avLst/>
+          </a:prstGeom>
+          <a:noFill/>
+          <a:extLst>
+            <a:ext uri="{909E8E84-426E-40DD-AFC4-6F175D3DCCD1}">
+              <a14:hiddenFill xmlns:a14="http://schemas.microsoft.com/office/drawing/2010/main">
+                <a:solidFill>
+                  <a:srgbClr val="FFFFFF"/>
+                </a:solidFill>
+              </a14:hiddenFill>
+            </a:ext>
+          </a:extLst>
+        </p:spPr>
+      </p:pic>
+      <p:pic>
+        <p:nvPicPr>
+          <p:cNvPr id="1036" name="Picture 12" descr="Addicted to Candy Crush? Sweet. Here's Why">
+            <a:extLst>
+              <a:ext uri="{FF2B5EF4-FFF2-40B4-BE49-F238E27FC236}">
+                <a16:creationId xmlns:a16="http://schemas.microsoft.com/office/drawing/2014/main" id="{9671D0F6-72D5-4417-8594-2C51699ECAB5}"/>
+              </a:ext>
+            </a:extLst>
+          </p:cNvPr>
+          <p:cNvPicPr>
+            <a:picLocks noChangeAspect="1" noChangeArrowheads="1"/>
+          </p:cNvPicPr>
+          <p:nvPr/>
+        </p:nvPicPr>
+        <p:blipFill>
+          <a:blip r:embed="rId5">
+            <a:extLst>
+              <a:ext uri="{28A0092B-C50C-407E-A947-70E740481C1C}">
+                <a14:useLocalDpi xmlns:a14="http://schemas.microsoft.com/office/drawing/2010/main" val="0"/>
+              </a:ext>
+            </a:extLst>
+          </a:blip>
+          <a:srcRect/>
+          <a:stretch>
+            <a:fillRect/>
+          </a:stretch>
+        </p:blipFill>
+        <p:spPr bwMode="auto">
+          <a:xfrm>
+            <a:off x="9208537" y="4145416"/>
+            <a:ext cx="2145263" cy="1608947"/>
+          </a:xfrm>
+          <a:prstGeom prst="rect">
+            <a:avLst/>
+          </a:prstGeom>
+          <a:noFill/>
+          <a:extLst>
+            <a:ext uri="{909E8E84-426E-40DD-AFC4-6F175D3DCCD1}">
+              <a14:hiddenFill xmlns:a14="http://schemas.microsoft.com/office/drawing/2010/main">
+                <a:solidFill>
+                  <a:srgbClr val="FFFFFF"/>
+                </a:solidFill>
+              </a14:hiddenFill>
+            </a:ext>
+          </a:extLst>
+        </p:spPr>
+      </p:pic>
     </p:spTree>
     <p:extLst>
       <p:ext uri="{BB962C8B-B14F-4D97-AF65-F5344CB8AC3E}">
-        <p14:creationId xmlns:p14="http://schemas.microsoft.com/office/powerpoint/2010/main" val="2357627651"/>
+        <p14:creationId xmlns:p14="http://schemas.microsoft.com/office/powerpoint/2010/main" val="2961086787"/>
       </p:ext>
     </p:extLst>
   </p:cSld>
@@ -26421,7 +28434,498 @@
 </p:sld>
 </file>
 
-<file path=ppt/slides/slide13.xml><?xml version="1.0" encoding="utf-8"?>
+<file path=ppt/slides/slide14.xml><?xml version="1.0" encoding="utf-8"?>
+<p:sld xmlns:a="http://schemas.openxmlformats.org/drawingml/2006/main" xmlns:r="http://schemas.openxmlformats.org/officeDocument/2006/relationships" xmlns:p="http://schemas.openxmlformats.org/presentationml/2006/main">
+  <p:cSld>
+    <p:spTree>
+      <p:nvGrpSpPr>
+        <p:cNvPr id="1" name=""/>
+        <p:cNvGrpSpPr/>
+        <p:nvPr/>
+      </p:nvGrpSpPr>
+      <p:grpSpPr>
+        <a:xfrm>
+          <a:off x="0" y="0"/>
+          <a:ext cx="0" cy="0"/>
+          <a:chOff x="0" y="0"/>
+          <a:chExt cx="0" cy="0"/>
+        </a:xfrm>
+      </p:grpSpPr>
+      <p:sp>
+        <p:nvSpPr>
+          <p:cNvPr id="2" name="Title 1">
+            <a:extLst>
+              <a:ext uri="{FF2B5EF4-FFF2-40B4-BE49-F238E27FC236}">
+                <a16:creationId xmlns:a16="http://schemas.microsoft.com/office/drawing/2014/main" id="{B4BA5627-2F64-4AE9-84FE-763ABB016539}"/>
+              </a:ext>
+            </a:extLst>
+          </p:cNvPr>
+          <p:cNvSpPr>
+            <a:spLocks noGrp="1"/>
+          </p:cNvSpPr>
+          <p:nvPr>
+            <p:ph type="title"/>
+          </p:nvPr>
+        </p:nvSpPr>
+        <p:spPr/>
+        <p:txBody>
+          <a:bodyPr/>
+          <a:lstStyle/>
+          <a:p>
+            <a:r>
+              <a:rPr lang="en-US" dirty="0"/>
+              <a:t>Scanning in a star</a:t>
+            </a:r>
+          </a:p>
+        </p:txBody>
+      </p:sp>
+      <p:sp>
+        <p:nvSpPr>
+          <p:cNvPr id="3" name="Content Placeholder 2">
+            <a:extLst>
+              <a:ext uri="{FF2B5EF4-FFF2-40B4-BE49-F238E27FC236}">
+                <a16:creationId xmlns:a16="http://schemas.microsoft.com/office/drawing/2014/main" id="{2CB0272B-2C0D-415A-AA53-876D87FFA094}"/>
+              </a:ext>
+            </a:extLst>
+          </p:cNvPr>
+          <p:cNvSpPr>
+            <a:spLocks noGrp="1"/>
+          </p:cNvSpPr>
+          <p:nvPr>
+            <p:ph idx="1"/>
+          </p:nvPr>
+        </p:nvSpPr>
+        <p:spPr/>
+        <p:txBody>
+          <a:bodyPr>
+            <a:normAutofit/>
+          </a:bodyPr>
+          <a:lstStyle/>
+          <a:p>
+            <a:r>
+              <a:rPr lang="en-US" dirty="0"/>
+              <a:t>Matches are horizontal, vertical and optionally diagonal</a:t>
+            </a:r>
+          </a:p>
+          <a:p>
+            <a:r>
+              <a:rPr lang="en-US" dirty="0"/>
+              <a:t>Start from the location of the last piece placed</a:t>
+            </a:r>
+          </a:p>
+          <a:p>
+            <a:r>
+              <a:rPr lang="en-US" dirty="0"/>
+              <a:t>Expand out</a:t>
+            </a:r>
+          </a:p>
+          <a:p>
+            <a:endParaRPr lang="en-US" dirty="0"/>
+          </a:p>
+          <a:p>
+            <a:endParaRPr lang="en-US" dirty="0"/>
+          </a:p>
+          <a:p>
+            <a:endParaRPr lang="en-US" dirty="0"/>
+          </a:p>
+          <a:p>
+            <a:r>
+              <a:rPr lang="en-US" dirty="0"/>
+              <a:t>Each direction is an offset, </a:t>
+            </a:r>
+            <a:r>
+              <a:rPr lang="en-US" dirty="0" err="1"/>
+              <a:t>i.e</a:t>
+            </a:r>
+            <a:r>
+              <a:rPr lang="en-US" dirty="0"/>
+              <a:t> (-1,0)= Left</a:t>
+            </a:r>
+          </a:p>
+        </p:txBody>
+      </p:sp>
+      <p:sp>
+        <p:nvSpPr>
+          <p:cNvPr id="4" name="Arrow: Right 3">
+            <a:extLst>
+              <a:ext uri="{FF2B5EF4-FFF2-40B4-BE49-F238E27FC236}">
+                <a16:creationId xmlns:a16="http://schemas.microsoft.com/office/drawing/2014/main" id="{CC3E6644-99A1-4A5D-A981-C0FDAF6F3A00}"/>
+              </a:ext>
+            </a:extLst>
+          </p:cNvPr>
+          <p:cNvSpPr/>
+          <p:nvPr/>
+        </p:nvSpPr>
+        <p:spPr>
+          <a:xfrm>
+            <a:off x="5525588" y="4241385"/>
+            <a:ext cx="391886" cy="269965"/>
+          </a:xfrm>
+          <a:prstGeom prst="rightArrow">
+            <a:avLst/>
+          </a:prstGeom>
+        </p:spPr>
+        <p:style>
+          <a:lnRef idx="2">
+            <a:schemeClr val="accent1">
+              <a:shade val="50000"/>
+            </a:schemeClr>
+          </a:lnRef>
+          <a:fillRef idx="1">
+            <a:schemeClr val="accent1"/>
+          </a:fillRef>
+          <a:effectRef idx="0">
+            <a:schemeClr val="accent1"/>
+          </a:effectRef>
+          <a:fontRef idx="minor">
+            <a:schemeClr val="lt1"/>
+          </a:fontRef>
+        </p:style>
+        <p:txBody>
+          <a:bodyPr rtlCol="0" anchor="ctr"/>
+          <a:lstStyle/>
+          <a:p>
+            <a:pPr algn="ctr"/>
+            <a:endParaRPr lang="en-US"/>
+          </a:p>
+        </p:txBody>
+      </p:sp>
+      <p:sp>
+        <p:nvSpPr>
+          <p:cNvPr id="6" name="Arrow: Right 5">
+            <a:extLst>
+              <a:ext uri="{FF2B5EF4-FFF2-40B4-BE49-F238E27FC236}">
+                <a16:creationId xmlns:a16="http://schemas.microsoft.com/office/drawing/2014/main" id="{20BE3A24-48B3-40E3-89E1-D6A4A722AEDA}"/>
+              </a:ext>
+            </a:extLst>
+          </p:cNvPr>
+          <p:cNvSpPr/>
+          <p:nvPr/>
+        </p:nvSpPr>
+        <p:spPr>
+          <a:xfrm flipH="1">
+            <a:off x="4795307" y="4245429"/>
+            <a:ext cx="391886" cy="269965"/>
+          </a:xfrm>
+          <a:prstGeom prst="rightArrow">
+            <a:avLst/>
+          </a:prstGeom>
+        </p:spPr>
+        <p:style>
+          <a:lnRef idx="2">
+            <a:schemeClr val="accent1">
+              <a:shade val="50000"/>
+            </a:schemeClr>
+          </a:lnRef>
+          <a:fillRef idx="1">
+            <a:schemeClr val="accent1"/>
+          </a:fillRef>
+          <a:effectRef idx="0">
+            <a:schemeClr val="accent1"/>
+          </a:effectRef>
+          <a:fontRef idx="minor">
+            <a:schemeClr val="lt1"/>
+          </a:fontRef>
+        </p:style>
+        <p:txBody>
+          <a:bodyPr rtlCol="0" anchor="ctr"/>
+          <a:lstStyle/>
+          <a:p>
+            <a:pPr algn="ctr"/>
+            <a:endParaRPr lang="en-US"/>
+          </a:p>
+        </p:txBody>
+      </p:sp>
+      <p:sp>
+        <p:nvSpPr>
+          <p:cNvPr id="8" name="Arrow: Right 7">
+            <a:extLst>
+              <a:ext uri="{FF2B5EF4-FFF2-40B4-BE49-F238E27FC236}">
+                <a16:creationId xmlns:a16="http://schemas.microsoft.com/office/drawing/2014/main" id="{D01EE979-7E1D-4069-BE35-636E7092C155}"/>
+              </a:ext>
+            </a:extLst>
+          </p:cNvPr>
+          <p:cNvSpPr/>
+          <p:nvPr/>
+        </p:nvSpPr>
+        <p:spPr>
+          <a:xfrm rot="5400000">
+            <a:off x="5158580" y="4632451"/>
+            <a:ext cx="391886" cy="269965"/>
+          </a:xfrm>
+          <a:prstGeom prst="rightArrow">
+            <a:avLst/>
+          </a:prstGeom>
+        </p:spPr>
+        <p:style>
+          <a:lnRef idx="2">
+            <a:schemeClr val="accent1">
+              <a:shade val="50000"/>
+            </a:schemeClr>
+          </a:lnRef>
+          <a:fillRef idx="1">
+            <a:schemeClr val="accent1"/>
+          </a:fillRef>
+          <a:effectRef idx="0">
+            <a:schemeClr val="accent1"/>
+          </a:effectRef>
+          <a:fontRef idx="minor">
+            <a:schemeClr val="lt1"/>
+          </a:fontRef>
+        </p:style>
+        <p:txBody>
+          <a:bodyPr rtlCol="0" anchor="ctr"/>
+          <a:lstStyle/>
+          <a:p>
+            <a:pPr algn="ctr"/>
+            <a:endParaRPr lang="en-US"/>
+          </a:p>
+        </p:txBody>
+      </p:sp>
+      <p:sp>
+        <p:nvSpPr>
+          <p:cNvPr id="10" name="Arrow: Right 9">
+            <a:extLst>
+              <a:ext uri="{FF2B5EF4-FFF2-40B4-BE49-F238E27FC236}">
+                <a16:creationId xmlns:a16="http://schemas.microsoft.com/office/drawing/2014/main" id="{1D376A03-F98F-4750-B248-F2EFFB65B0C5}"/>
+              </a:ext>
+            </a:extLst>
+          </p:cNvPr>
+          <p:cNvSpPr/>
+          <p:nvPr/>
+        </p:nvSpPr>
+        <p:spPr>
+          <a:xfrm rot="16200000">
+            <a:off x="5162315" y="3881393"/>
+            <a:ext cx="391886" cy="269965"/>
+          </a:xfrm>
+          <a:prstGeom prst="rightArrow">
+            <a:avLst/>
+          </a:prstGeom>
+        </p:spPr>
+        <p:style>
+          <a:lnRef idx="2">
+            <a:schemeClr val="accent1">
+              <a:shade val="50000"/>
+            </a:schemeClr>
+          </a:lnRef>
+          <a:fillRef idx="1">
+            <a:schemeClr val="accent1"/>
+          </a:fillRef>
+          <a:effectRef idx="0">
+            <a:schemeClr val="accent1"/>
+          </a:effectRef>
+          <a:fontRef idx="minor">
+            <a:schemeClr val="lt1"/>
+          </a:fontRef>
+        </p:style>
+        <p:txBody>
+          <a:bodyPr rtlCol="0" anchor="ctr"/>
+          <a:lstStyle/>
+          <a:p>
+            <a:pPr algn="ctr"/>
+            <a:endParaRPr lang="en-US"/>
+          </a:p>
+        </p:txBody>
+      </p:sp>
+      <p:sp>
+        <p:nvSpPr>
+          <p:cNvPr id="12" name="Arrow: Right 11">
+            <a:extLst>
+              <a:ext uri="{FF2B5EF4-FFF2-40B4-BE49-F238E27FC236}">
+                <a16:creationId xmlns:a16="http://schemas.microsoft.com/office/drawing/2014/main" id="{40F82A47-4098-4C8A-8EBE-F06E4B4D2A6E}"/>
+              </a:ext>
+            </a:extLst>
+          </p:cNvPr>
+          <p:cNvSpPr/>
+          <p:nvPr/>
+        </p:nvSpPr>
+        <p:spPr>
+          <a:xfrm rot="2700000">
+            <a:off x="5525588" y="4632451"/>
+            <a:ext cx="391886" cy="269965"/>
+          </a:xfrm>
+          <a:prstGeom prst="rightArrow">
+            <a:avLst/>
+          </a:prstGeom>
+        </p:spPr>
+        <p:style>
+          <a:lnRef idx="2">
+            <a:schemeClr val="accent1">
+              <a:shade val="50000"/>
+            </a:schemeClr>
+          </a:lnRef>
+          <a:fillRef idx="1">
+            <a:schemeClr val="accent1"/>
+          </a:fillRef>
+          <a:effectRef idx="0">
+            <a:schemeClr val="accent1"/>
+          </a:effectRef>
+          <a:fontRef idx="minor">
+            <a:schemeClr val="lt1"/>
+          </a:fontRef>
+        </p:style>
+        <p:txBody>
+          <a:bodyPr rtlCol="0" anchor="ctr"/>
+          <a:lstStyle/>
+          <a:p>
+            <a:pPr algn="ctr"/>
+            <a:endParaRPr lang="en-US"/>
+          </a:p>
+        </p:txBody>
+      </p:sp>
+      <p:sp>
+        <p:nvSpPr>
+          <p:cNvPr id="14" name="Arrow: Right 13">
+            <a:extLst>
+              <a:ext uri="{FF2B5EF4-FFF2-40B4-BE49-F238E27FC236}">
+                <a16:creationId xmlns:a16="http://schemas.microsoft.com/office/drawing/2014/main" id="{25DC10E4-B269-46D5-889A-B4D3A2701A7B}"/>
+              </a:ext>
+            </a:extLst>
+          </p:cNvPr>
+          <p:cNvSpPr/>
+          <p:nvPr/>
+        </p:nvSpPr>
+        <p:spPr>
+          <a:xfrm rot="18900000" flipV="1">
+            <a:off x="5525588" y="3881393"/>
+            <a:ext cx="391886" cy="269965"/>
+          </a:xfrm>
+          <a:prstGeom prst="rightArrow">
+            <a:avLst/>
+          </a:prstGeom>
+        </p:spPr>
+        <p:style>
+          <a:lnRef idx="2">
+            <a:schemeClr val="accent1">
+              <a:shade val="50000"/>
+            </a:schemeClr>
+          </a:lnRef>
+          <a:fillRef idx="1">
+            <a:schemeClr val="accent1"/>
+          </a:fillRef>
+          <a:effectRef idx="0">
+            <a:schemeClr val="accent1"/>
+          </a:effectRef>
+          <a:fontRef idx="minor">
+            <a:schemeClr val="lt1"/>
+          </a:fontRef>
+        </p:style>
+        <p:txBody>
+          <a:bodyPr rtlCol="0" anchor="ctr"/>
+          <a:lstStyle/>
+          <a:p>
+            <a:pPr algn="ctr"/>
+            <a:endParaRPr lang="en-US"/>
+          </a:p>
+        </p:txBody>
+      </p:sp>
+      <p:sp>
+        <p:nvSpPr>
+          <p:cNvPr id="16" name="Arrow: Right 15">
+            <a:extLst>
+              <a:ext uri="{FF2B5EF4-FFF2-40B4-BE49-F238E27FC236}">
+                <a16:creationId xmlns:a16="http://schemas.microsoft.com/office/drawing/2014/main" id="{A4ACC522-9B0D-4B35-B967-3F6CE3552C19}"/>
+              </a:ext>
+            </a:extLst>
+          </p:cNvPr>
+          <p:cNvSpPr/>
+          <p:nvPr/>
+        </p:nvSpPr>
+        <p:spPr>
+          <a:xfrm rot="18900000" flipH="1">
+            <a:off x="4795307" y="4632451"/>
+            <a:ext cx="391886" cy="269965"/>
+          </a:xfrm>
+          <a:prstGeom prst="rightArrow">
+            <a:avLst/>
+          </a:prstGeom>
+        </p:spPr>
+        <p:style>
+          <a:lnRef idx="2">
+            <a:schemeClr val="accent1">
+              <a:shade val="50000"/>
+            </a:schemeClr>
+          </a:lnRef>
+          <a:fillRef idx="1">
+            <a:schemeClr val="accent1"/>
+          </a:fillRef>
+          <a:effectRef idx="0">
+            <a:schemeClr val="accent1"/>
+          </a:effectRef>
+          <a:fontRef idx="minor">
+            <a:schemeClr val="lt1"/>
+          </a:fontRef>
+        </p:style>
+        <p:txBody>
+          <a:bodyPr rtlCol="0" anchor="ctr"/>
+          <a:lstStyle/>
+          <a:p>
+            <a:pPr algn="ctr"/>
+            <a:endParaRPr lang="en-US"/>
+          </a:p>
+        </p:txBody>
+      </p:sp>
+      <p:sp>
+        <p:nvSpPr>
+          <p:cNvPr id="18" name="Arrow: Right 17">
+            <a:extLst>
+              <a:ext uri="{FF2B5EF4-FFF2-40B4-BE49-F238E27FC236}">
+                <a16:creationId xmlns:a16="http://schemas.microsoft.com/office/drawing/2014/main" id="{8061D6C7-72F2-4FAE-AEA7-35AA5EED080B}"/>
+              </a:ext>
+            </a:extLst>
+          </p:cNvPr>
+          <p:cNvSpPr/>
+          <p:nvPr/>
+        </p:nvSpPr>
+        <p:spPr>
+          <a:xfrm rot="2700000" flipH="1" flipV="1">
+            <a:off x="4795307" y="3881393"/>
+            <a:ext cx="391886" cy="269965"/>
+          </a:xfrm>
+          <a:prstGeom prst="rightArrow">
+            <a:avLst/>
+          </a:prstGeom>
+        </p:spPr>
+        <p:style>
+          <a:lnRef idx="2">
+            <a:schemeClr val="accent1">
+              <a:shade val="50000"/>
+            </a:schemeClr>
+          </a:lnRef>
+          <a:fillRef idx="1">
+            <a:schemeClr val="accent1"/>
+          </a:fillRef>
+          <a:effectRef idx="0">
+            <a:schemeClr val="accent1"/>
+          </a:effectRef>
+          <a:fontRef idx="minor">
+            <a:schemeClr val="lt1"/>
+          </a:fontRef>
+        </p:style>
+        <p:txBody>
+          <a:bodyPr rtlCol="0" anchor="ctr"/>
+          <a:lstStyle/>
+          <a:p>
+            <a:pPr algn="ctr"/>
+            <a:endParaRPr lang="en-US"/>
+          </a:p>
+        </p:txBody>
+      </p:sp>
+    </p:spTree>
+    <p:extLst>
+      <p:ext uri="{BB962C8B-B14F-4D97-AF65-F5344CB8AC3E}">
+        <p14:creationId xmlns:p14="http://schemas.microsoft.com/office/powerpoint/2010/main" val="2763383717"/>
+      </p:ext>
+    </p:extLst>
+  </p:cSld>
+  <p:clrMapOvr>
+    <a:masterClrMapping/>
+  </p:clrMapOvr>
+</p:sld>
+</file>
+
+<file path=ppt/slides/slide15.xml><?xml version="1.0" encoding="utf-8"?>
 <p:sld xmlns:a="http://schemas.openxmlformats.org/drawingml/2006/main" xmlns:r="http://schemas.openxmlformats.org/officeDocument/2006/relationships" xmlns:p="http://schemas.openxmlformats.org/presentationml/2006/main">
   <p:cSld>
     <p:bg>
@@ -28128,7 +30632,7 @@
 </p:sld>
 </file>
 
-<file path=ppt/slides/slide14.xml><?xml version="1.0" encoding="utf-8"?>
+<file path=ppt/slides/slide16.xml><?xml version="1.0" encoding="utf-8"?>
 <p:sld xmlns:a="http://schemas.openxmlformats.org/drawingml/2006/main" xmlns:r="http://schemas.openxmlformats.org/officeDocument/2006/relationships" xmlns:p="http://schemas.openxmlformats.org/presentationml/2006/main">
   <p:cSld>
     <p:spTree>
@@ -28290,7 +30794,7 @@
 </p:sld>
 </file>
 
-<file path=ppt/slides/slide15.xml><?xml version="1.0" encoding="utf-8"?>
+<file path=ppt/slides/slide17.xml><?xml version="1.0" encoding="utf-8"?>
 <p:sld xmlns:a="http://schemas.openxmlformats.org/drawingml/2006/main" xmlns:r="http://schemas.openxmlformats.org/officeDocument/2006/relationships" xmlns:p="http://schemas.openxmlformats.org/presentationml/2006/main">
   <p:cSld>
     <p:spTree>
@@ -32061,7 +34565,7 @@
 </p:sld>
 </file>
 
-<file path=ppt/slides/slide16.xml><?xml version="1.0" encoding="utf-8"?>
+<file path=ppt/slides/slide18.xml><?xml version="1.0" encoding="utf-8"?>
 <p:sld xmlns:a="http://schemas.openxmlformats.org/drawingml/2006/main" xmlns:r="http://schemas.openxmlformats.org/officeDocument/2006/relationships" xmlns:p="http://schemas.openxmlformats.org/presentationml/2006/main">
   <p:cSld>
     <p:spTree>
@@ -32797,7 +35301,201 @@
 </p:sld>
 </file>
 
-<file path=ppt/slides/slide17.xml><?xml version="1.0" encoding="utf-8"?>
+<file path=ppt/slides/slide19.xml><?xml version="1.0" encoding="utf-8"?>
+<p:sld xmlns:a="http://schemas.openxmlformats.org/drawingml/2006/main" xmlns:r="http://schemas.openxmlformats.org/officeDocument/2006/relationships" xmlns:p="http://schemas.openxmlformats.org/presentationml/2006/main">
+  <p:cSld>
+    <p:spTree>
+      <p:nvGrpSpPr>
+        <p:cNvPr id="1" name=""/>
+        <p:cNvGrpSpPr/>
+        <p:nvPr/>
+      </p:nvGrpSpPr>
+      <p:grpSpPr>
+        <a:xfrm>
+          <a:off x="0" y="0"/>
+          <a:ext cx="0" cy="0"/>
+          <a:chOff x="0" y="0"/>
+          <a:chExt cx="0" cy="0"/>
+        </a:xfrm>
+      </p:grpSpPr>
+      <p:sp>
+        <p:nvSpPr>
+          <p:cNvPr id="2" name="Title 1">
+            <a:extLst>
+              <a:ext uri="{FF2B5EF4-FFF2-40B4-BE49-F238E27FC236}">
+                <a16:creationId xmlns:a16="http://schemas.microsoft.com/office/drawing/2014/main" id="{693297B0-9561-4257-9089-EF3E82D637D0}"/>
+              </a:ext>
+            </a:extLst>
+          </p:cNvPr>
+          <p:cNvSpPr>
+            <a:spLocks noGrp="1"/>
+          </p:cNvSpPr>
+          <p:nvPr>
+            <p:ph type="title"/>
+          </p:nvPr>
+        </p:nvSpPr>
+        <p:spPr>
+          <a:xfrm>
+            <a:off x="838200" y="937845"/>
+            <a:ext cx="6696453" cy="3643679"/>
+          </a:xfrm>
+        </p:spPr>
+        <p:txBody>
+          <a:bodyPr vert="horz" lIns="91440" tIns="45720" rIns="91440" bIns="45720" rtlCol="0" anchor="b">
+            <a:normAutofit/>
+          </a:bodyPr>
+          <a:lstStyle/>
+          <a:p>
+            <a:r>
+              <a:rPr lang="en-US" sz="6000"/>
+              <a:t>Solutions</a:t>
+            </a:r>
+          </a:p>
+        </p:txBody>
+      </p:sp>
+    </p:spTree>
+    <p:extLst>
+      <p:ext uri="{BB962C8B-B14F-4D97-AF65-F5344CB8AC3E}">
+        <p14:creationId xmlns:p14="http://schemas.microsoft.com/office/powerpoint/2010/main" val="2128283045"/>
+      </p:ext>
+    </p:extLst>
+  </p:cSld>
+  <p:clrMapOvr>
+    <a:masterClrMapping/>
+  </p:clrMapOvr>
+</p:sld>
+</file>
+
+<file path=ppt/slides/slide2.xml><?xml version="1.0" encoding="utf-8"?>
+<p:sld xmlns:a="http://schemas.openxmlformats.org/drawingml/2006/main" xmlns:r="http://schemas.openxmlformats.org/officeDocument/2006/relationships" xmlns:p="http://schemas.openxmlformats.org/presentationml/2006/main">
+  <p:cSld>
+    <p:spTree>
+      <p:nvGrpSpPr>
+        <p:cNvPr id="1" name=""/>
+        <p:cNvGrpSpPr/>
+        <p:nvPr/>
+      </p:nvGrpSpPr>
+      <p:grpSpPr>
+        <a:xfrm>
+          <a:off x="0" y="0"/>
+          <a:ext cx="0" cy="0"/>
+          <a:chOff x="0" y="0"/>
+          <a:chExt cx="0" cy="0"/>
+        </a:xfrm>
+      </p:grpSpPr>
+      <p:sp>
+        <p:nvSpPr>
+          <p:cNvPr id="2" name="Title 1">
+            <a:extLst>
+              <a:ext uri="{FF2B5EF4-FFF2-40B4-BE49-F238E27FC236}">
+                <a16:creationId xmlns:a16="http://schemas.microsoft.com/office/drawing/2014/main" id="{39BBFA7D-D40F-4292-9EB3-A25116E5DD17}"/>
+              </a:ext>
+            </a:extLst>
+          </p:cNvPr>
+          <p:cNvSpPr>
+            <a:spLocks noGrp="1"/>
+          </p:cNvSpPr>
+          <p:nvPr>
+            <p:ph type="title"/>
+          </p:nvPr>
+        </p:nvSpPr>
+        <p:spPr/>
+        <p:txBody>
+          <a:bodyPr/>
+          <a:lstStyle/>
+          <a:p>
+            <a:r>
+              <a:rPr lang="en-US"/>
+              <a:t>Agenda</a:t>
+            </a:r>
+            <a:endParaRPr lang="en-US" dirty="0"/>
+          </a:p>
+        </p:txBody>
+      </p:sp>
+      <p:sp>
+        <p:nvSpPr>
+          <p:cNvPr id="3" name="Content Placeholder 2">
+            <a:extLst>
+              <a:ext uri="{FF2B5EF4-FFF2-40B4-BE49-F238E27FC236}">
+                <a16:creationId xmlns:a16="http://schemas.microsoft.com/office/drawing/2014/main" id="{0D55EDDE-D37C-4754-8D22-7E645E0DB482}"/>
+              </a:ext>
+            </a:extLst>
+          </p:cNvPr>
+          <p:cNvSpPr>
+            <a:spLocks noGrp="1"/>
+          </p:cNvSpPr>
+          <p:nvPr>
+            <p:ph idx="1"/>
+          </p:nvPr>
+        </p:nvSpPr>
+        <p:spPr/>
+        <p:txBody>
+          <a:bodyPr/>
+          <a:lstStyle/>
+          <a:p>
+            <a:r>
+              <a:rPr lang="en-US" dirty="0"/>
+              <a:t>What is a grid?</a:t>
+            </a:r>
+          </a:p>
+          <a:p>
+            <a:r>
+              <a:rPr lang="en-US" dirty="0"/>
+              <a:t>Topics:</a:t>
+            </a:r>
+          </a:p>
+          <a:p>
+            <a:pPr lvl="1"/>
+            <a:r>
+              <a:rPr lang="en-US" dirty="0"/>
+              <a:t>Scanning</a:t>
+            </a:r>
+          </a:p>
+          <a:p>
+            <a:pPr lvl="1"/>
+            <a:r>
+              <a:rPr lang="en-US" dirty="0"/>
+              <a:t>Spreadsheet</a:t>
+            </a:r>
+          </a:p>
+          <a:p>
+            <a:pPr lvl="1"/>
+            <a:r>
+              <a:rPr lang="en-US" dirty="0"/>
+              <a:t>Navigation</a:t>
+            </a:r>
+          </a:p>
+          <a:p>
+            <a:r>
+              <a:rPr lang="en-US" dirty="0"/>
+              <a:t>Time to solve problem on own</a:t>
+            </a:r>
+          </a:p>
+          <a:p>
+            <a:r>
+              <a:rPr lang="en-US" dirty="0"/>
+              <a:t>Re-convene to discuss solution</a:t>
+            </a:r>
+          </a:p>
+          <a:p>
+            <a:endParaRPr lang="en-US" dirty="0"/>
+          </a:p>
+        </p:txBody>
+      </p:sp>
+    </p:spTree>
+    <p:extLst>
+      <p:ext uri="{BB962C8B-B14F-4D97-AF65-F5344CB8AC3E}">
+        <p14:creationId xmlns:p14="http://schemas.microsoft.com/office/powerpoint/2010/main" val="1474954206"/>
+      </p:ext>
+    </p:extLst>
+  </p:cSld>
+  <p:clrMapOvr>
+    <a:masterClrMapping/>
+  </p:clrMapOvr>
+</p:sld>
+</file>
+
+<file path=ppt/slides/slide20.xml><?xml version="1.0" encoding="utf-8"?>
 <p:sld xmlns:a="http://schemas.openxmlformats.org/drawingml/2006/main" xmlns:r="http://schemas.openxmlformats.org/officeDocument/2006/relationships" xmlns:p="http://schemas.openxmlformats.org/presentationml/2006/main">
   <p:cSld>
     <p:spTree>
@@ -32917,7 +35615,7 @@
 </p:sld>
 </file>
 
-<file path=ppt/slides/slide18.xml><?xml version="1.0" encoding="utf-8"?>
+<file path=ppt/slides/slide21.xml><?xml version="1.0" encoding="utf-8"?>
 <p:sld xmlns:a="http://schemas.openxmlformats.org/drawingml/2006/main" xmlns:r="http://schemas.openxmlformats.org/officeDocument/2006/relationships" xmlns:p="http://schemas.openxmlformats.org/presentationml/2006/main">
   <p:cSld>
     <p:bg>
@@ -34624,7 +37322,7 @@
 </p:sld>
 </file>
 
-<file path=ppt/slides/slide19.xml><?xml version="1.0" encoding="utf-8"?>
+<file path=ppt/slides/slide22.xml><?xml version="1.0" encoding="utf-8"?>
 <p:sld xmlns:a="http://schemas.openxmlformats.org/drawingml/2006/main" xmlns:r="http://schemas.openxmlformats.org/officeDocument/2006/relationships" xmlns:p="http://schemas.openxmlformats.org/presentationml/2006/main">
   <p:cSld>
     <p:spTree>
@@ -34698,7 +37396,7 @@
         </p:xfrm>
         <a:graphic>
           <a:graphicData uri="http://schemas.openxmlformats.org/drawingml/2006/diagram">
-            <dgm:relIds xmlns:dgm="http://schemas.openxmlformats.org/drawingml/2006/diagram" xmlns:r="http://schemas.openxmlformats.org/officeDocument/2006/relationships" r:dm="rId2" r:lo="rId3" r:qs="rId4" r:cs="rId5"/>
+            <dgm:relIds xmlns:dgm="http://schemas.openxmlformats.org/drawingml/2006/diagram" xmlns:r="http://schemas.openxmlformats.org/officeDocument/2006/relationships" r:dm="rId3" r:lo="rId4" r:qs="rId5" r:cs="rId6"/>
           </a:graphicData>
         </a:graphic>
       </p:graphicFrame>
@@ -34715,913 +37413,7 @@
 </p:sld>
 </file>
 
-<file path=ppt/slides/slide2.xml><?xml version="1.0" encoding="utf-8"?>
-<p:sld xmlns:a="http://schemas.openxmlformats.org/drawingml/2006/main" xmlns:r="http://schemas.openxmlformats.org/officeDocument/2006/relationships" xmlns:p="http://schemas.openxmlformats.org/presentationml/2006/main">
-  <p:cSld>
-    <p:spTree>
-      <p:nvGrpSpPr>
-        <p:cNvPr id="1" name=""/>
-        <p:cNvGrpSpPr/>
-        <p:nvPr/>
-      </p:nvGrpSpPr>
-      <p:grpSpPr>
-        <a:xfrm>
-          <a:off x="0" y="0"/>
-          <a:ext cx="0" cy="0"/>
-          <a:chOff x="0" y="0"/>
-          <a:chExt cx="0" cy="0"/>
-        </a:xfrm>
-      </p:grpSpPr>
-      <p:sp>
-        <p:nvSpPr>
-          <p:cNvPr id="2" name="Title 1">
-            <a:extLst>
-              <a:ext uri="{FF2B5EF4-FFF2-40B4-BE49-F238E27FC236}">
-                <a16:creationId xmlns:a16="http://schemas.microsoft.com/office/drawing/2014/main" id="{39BBFA7D-D40F-4292-9EB3-A25116E5DD17}"/>
-              </a:ext>
-            </a:extLst>
-          </p:cNvPr>
-          <p:cNvSpPr>
-            <a:spLocks noGrp="1"/>
-          </p:cNvSpPr>
-          <p:nvPr>
-            <p:ph type="title"/>
-          </p:nvPr>
-        </p:nvSpPr>
-        <p:spPr/>
-        <p:txBody>
-          <a:bodyPr/>
-          <a:lstStyle/>
-          <a:p>
-            <a:r>
-              <a:rPr lang="en-US"/>
-              <a:t>Agenda</a:t>
-            </a:r>
-            <a:endParaRPr lang="en-US" dirty="0"/>
-          </a:p>
-        </p:txBody>
-      </p:sp>
-      <p:sp>
-        <p:nvSpPr>
-          <p:cNvPr id="3" name="Content Placeholder 2">
-            <a:extLst>
-              <a:ext uri="{FF2B5EF4-FFF2-40B4-BE49-F238E27FC236}">
-                <a16:creationId xmlns:a16="http://schemas.microsoft.com/office/drawing/2014/main" id="{0D55EDDE-D37C-4754-8D22-7E645E0DB482}"/>
-              </a:ext>
-            </a:extLst>
-          </p:cNvPr>
-          <p:cNvSpPr>
-            <a:spLocks noGrp="1"/>
-          </p:cNvSpPr>
-          <p:nvPr>
-            <p:ph idx="1"/>
-          </p:nvPr>
-        </p:nvSpPr>
-        <p:spPr/>
-        <p:txBody>
-          <a:bodyPr/>
-          <a:lstStyle/>
-          <a:p>
-            <a:r>
-              <a:rPr lang="en-US" dirty="0"/>
-              <a:t>What is a grid?</a:t>
-            </a:r>
-          </a:p>
-          <a:p>
-            <a:r>
-              <a:rPr lang="en-US" dirty="0"/>
-              <a:t>Topics:</a:t>
-            </a:r>
-          </a:p>
-          <a:p>
-            <a:pPr lvl="1"/>
-            <a:r>
-              <a:rPr lang="en-US" dirty="0"/>
-              <a:t>Scanning</a:t>
-            </a:r>
-          </a:p>
-          <a:p>
-            <a:pPr lvl="1"/>
-            <a:r>
-              <a:rPr lang="en-US" dirty="0"/>
-              <a:t>Spreadsheet</a:t>
-            </a:r>
-          </a:p>
-          <a:p>
-            <a:pPr lvl="1"/>
-            <a:r>
-              <a:rPr lang="en-US" dirty="0"/>
-              <a:t>Navigation</a:t>
-            </a:r>
-          </a:p>
-          <a:p>
-            <a:r>
-              <a:rPr lang="en-US" dirty="0"/>
-              <a:t>Time to solve problem on own</a:t>
-            </a:r>
-          </a:p>
-          <a:p>
-            <a:r>
-              <a:rPr lang="en-US" dirty="0"/>
-              <a:t>Re-convene to discuss solution</a:t>
-            </a:r>
-          </a:p>
-          <a:p>
-            <a:endParaRPr lang="en-US" dirty="0"/>
-          </a:p>
-        </p:txBody>
-      </p:sp>
-    </p:spTree>
-    <p:extLst>
-      <p:ext uri="{BB962C8B-B14F-4D97-AF65-F5344CB8AC3E}">
-        <p14:creationId xmlns:p14="http://schemas.microsoft.com/office/powerpoint/2010/main" val="1474954206"/>
-      </p:ext>
-    </p:extLst>
-  </p:cSld>
-  <p:clrMapOvr>
-    <a:masterClrMapping/>
-  </p:clrMapOvr>
-</p:sld>
-</file>
-
-<file path=ppt/slides/slide20.xml><?xml version="1.0" encoding="utf-8"?>
-<p:sld xmlns:a="http://schemas.openxmlformats.org/drawingml/2006/main" xmlns:r="http://schemas.openxmlformats.org/officeDocument/2006/relationships" xmlns:p="http://schemas.openxmlformats.org/presentationml/2006/main">
-  <p:cSld>
-    <p:spTree>
-      <p:nvGrpSpPr>
-        <p:cNvPr id="1" name=""/>
-        <p:cNvGrpSpPr/>
-        <p:nvPr/>
-      </p:nvGrpSpPr>
-      <p:grpSpPr>
-        <a:xfrm>
-          <a:off x="0" y="0"/>
-          <a:ext cx="0" cy="0"/>
-          <a:chOff x="0" y="0"/>
-          <a:chExt cx="0" cy="0"/>
-        </a:xfrm>
-      </p:grpSpPr>
-      <p:sp>
-        <p:nvSpPr>
-          <p:cNvPr id="2" name="Title 1">
-            <a:extLst>
-              <a:ext uri="{FF2B5EF4-FFF2-40B4-BE49-F238E27FC236}">
-                <a16:creationId xmlns:a16="http://schemas.microsoft.com/office/drawing/2014/main" id="{B7CD8655-9222-42F8-8A6D-43D6319175E7}"/>
-              </a:ext>
-            </a:extLst>
-          </p:cNvPr>
-          <p:cNvSpPr>
-            <a:spLocks noGrp="1"/>
-          </p:cNvSpPr>
-          <p:nvPr>
-            <p:ph type="title"/>
-          </p:nvPr>
-        </p:nvSpPr>
-        <p:spPr/>
-        <p:txBody>
-          <a:bodyPr/>
-          <a:lstStyle/>
-          <a:p>
-            <a:r>
-              <a:rPr lang="en-US" dirty="0"/>
-              <a:t>Solution #2 - scan</a:t>
-            </a:r>
-          </a:p>
-        </p:txBody>
-      </p:sp>
-      <p:sp>
-        <p:nvSpPr>
-          <p:cNvPr id="3" name="Content Placeholder 2">
-            <a:extLst>
-              <a:ext uri="{FF2B5EF4-FFF2-40B4-BE49-F238E27FC236}">
-                <a16:creationId xmlns:a16="http://schemas.microsoft.com/office/drawing/2014/main" id="{5383C955-6B4C-409F-A138-724720C7CC0F}"/>
-              </a:ext>
-            </a:extLst>
-          </p:cNvPr>
-          <p:cNvSpPr>
-            <a:spLocks noGrp="1"/>
-          </p:cNvSpPr>
-          <p:nvPr>
-            <p:ph idx="1"/>
-          </p:nvPr>
-        </p:nvSpPr>
-        <p:spPr/>
-        <p:txBody>
-          <a:bodyPr/>
-          <a:lstStyle/>
-          <a:p>
-            <a:r>
-              <a:rPr lang="en-US" dirty="0"/>
-              <a:t>Make use of the turn-based nature of games</a:t>
-            </a:r>
-          </a:p>
-          <a:p>
-            <a:r>
-              <a:rPr lang="en-US" dirty="0"/>
-              <a:t>Extensible for any size</a:t>
-            </a:r>
-          </a:p>
-          <a:p>
-            <a:r>
-              <a:rPr lang="en-US" dirty="0"/>
-              <a:t>Same solution works for anything matching</a:t>
-            </a:r>
-          </a:p>
-        </p:txBody>
-      </p:sp>
-      <p:pic>
-        <p:nvPicPr>
-          <p:cNvPr id="1028" name="Picture 4" descr="Original game (Milton Bradley)">
-            <a:extLst>
-              <a:ext uri="{FF2B5EF4-FFF2-40B4-BE49-F238E27FC236}">
-                <a16:creationId xmlns:a16="http://schemas.microsoft.com/office/drawing/2014/main" id="{FF75DA23-7B49-46CE-894F-2BB9749E77E5}"/>
-              </a:ext>
-            </a:extLst>
-          </p:cNvPr>
-          <p:cNvPicPr>
-            <a:picLocks noChangeAspect="1" noChangeArrowheads="1"/>
-          </p:cNvPicPr>
-          <p:nvPr/>
-        </p:nvPicPr>
-        <p:blipFill>
-          <a:blip r:embed="rId2">
-            <a:extLst>
-              <a:ext uri="{28A0092B-C50C-407E-A947-70E740481C1C}">
-                <a14:useLocalDpi xmlns:a14="http://schemas.microsoft.com/office/drawing/2010/main" val="0"/>
-              </a:ext>
-            </a:extLst>
-          </a:blip>
-          <a:srcRect/>
-          <a:stretch>
-            <a:fillRect/>
-          </a:stretch>
-        </p:blipFill>
-        <p:spPr bwMode="auto">
-          <a:xfrm>
-            <a:off x="4136497" y="4175983"/>
-            <a:ext cx="1714501" cy="1547813"/>
-          </a:xfrm>
-          <a:prstGeom prst="rect">
-            <a:avLst/>
-          </a:prstGeom>
-          <a:noFill/>
-          <a:extLst>
-            <a:ext uri="{909E8E84-426E-40DD-AFC4-6F175D3DCCD1}">
-              <a14:hiddenFill xmlns:a14="http://schemas.microsoft.com/office/drawing/2010/main">
-                <a:solidFill>
-                  <a:srgbClr val="FFFFFF"/>
-                </a:solidFill>
-              </a14:hiddenFill>
-            </a:ext>
-          </a:extLst>
-        </p:spPr>
-      </p:pic>
-      <p:pic>
-        <p:nvPicPr>
-          <p:cNvPr id="1030" name="Picture 6" descr="Constitution Day Materials, US Constitution, Pocket Constitution ...">
-            <a:extLst>
-              <a:ext uri="{FF2B5EF4-FFF2-40B4-BE49-F238E27FC236}">
-                <a16:creationId xmlns:a16="http://schemas.microsoft.com/office/drawing/2014/main" id="{A91DDC67-1F2D-460B-90FA-AEABB14C8C1D}"/>
-              </a:ext>
-            </a:extLst>
-          </p:cNvPr>
-          <p:cNvPicPr>
-            <a:picLocks noChangeAspect="1" noChangeArrowheads="1"/>
-          </p:cNvPicPr>
-          <p:nvPr/>
-        </p:nvPicPr>
-        <p:blipFill>
-          <a:blip r:embed="rId3">
-            <a:extLst>
-              <a:ext uri="{28A0092B-C50C-407E-A947-70E740481C1C}">
-                <a14:useLocalDpi xmlns:a14="http://schemas.microsoft.com/office/drawing/2010/main" val="0"/>
-              </a:ext>
-            </a:extLst>
-          </a:blip>
-          <a:srcRect/>
-          <a:stretch>
-            <a:fillRect/>
-          </a:stretch>
-        </p:blipFill>
-        <p:spPr bwMode="auto">
-          <a:xfrm>
-            <a:off x="6656715" y="4097460"/>
-            <a:ext cx="1746105" cy="1704858"/>
-          </a:xfrm>
-          <a:prstGeom prst="rect">
-            <a:avLst/>
-          </a:prstGeom>
-          <a:noFill/>
-          <a:extLst>
-            <a:ext uri="{909E8E84-426E-40DD-AFC4-6F175D3DCCD1}">
-              <a14:hiddenFill xmlns:a14="http://schemas.microsoft.com/office/drawing/2010/main">
-                <a:solidFill>
-                  <a:srgbClr val="FFFFFF"/>
-                </a:solidFill>
-              </a14:hiddenFill>
-            </a:ext>
-          </a:extLst>
-        </p:spPr>
-      </p:pic>
-      <p:pic>
-        <p:nvPicPr>
-          <p:cNvPr id="1034" name="Picture 10" descr="Tic-tac-toe - Wikipedia">
-            <a:extLst>
-              <a:ext uri="{FF2B5EF4-FFF2-40B4-BE49-F238E27FC236}">
-                <a16:creationId xmlns:a16="http://schemas.microsoft.com/office/drawing/2014/main" id="{FDE0DF65-2523-495F-9B80-22EE61567EC9}"/>
-              </a:ext>
-            </a:extLst>
-          </p:cNvPr>
-          <p:cNvPicPr>
-            <a:picLocks noChangeAspect="1" noChangeArrowheads="1"/>
-          </p:cNvPicPr>
-          <p:nvPr/>
-        </p:nvPicPr>
-        <p:blipFill>
-          <a:blip r:embed="rId4">
-            <a:extLst>
-              <a:ext uri="{28A0092B-C50C-407E-A947-70E740481C1C}">
-                <a14:useLocalDpi xmlns:a14="http://schemas.microsoft.com/office/drawing/2010/main" val="0"/>
-              </a:ext>
-            </a:extLst>
-          </a:blip>
-          <a:srcRect/>
-          <a:stretch>
-            <a:fillRect/>
-          </a:stretch>
-        </p:blipFill>
-        <p:spPr bwMode="auto">
-          <a:xfrm>
-            <a:off x="1232257" y="4016828"/>
-            <a:ext cx="2098523" cy="1866122"/>
-          </a:xfrm>
-          <a:prstGeom prst="rect">
-            <a:avLst/>
-          </a:prstGeom>
-          <a:noFill/>
-          <a:extLst>
-            <a:ext uri="{909E8E84-426E-40DD-AFC4-6F175D3DCCD1}">
-              <a14:hiddenFill xmlns:a14="http://schemas.microsoft.com/office/drawing/2010/main">
-                <a:solidFill>
-                  <a:srgbClr val="FFFFFF"/>
-                </a:solidFill>
-              </a14:hiddenFill>
-            </a:ext>
-          </a:extLst>
-        </p:spPr>
-      </p:pic>
-      <p:pic>
-        <p:nvPicPr>
-          <p:cNvPr id="1036" name="Picture 12" descr="Addicted to Candy Crush? Sweet. Here's Why">
-            <a:extLst>
-              <a:ext uri="{FF2B5EF4-FFF2-40B4-BE49-F238E27FC236}">
-                <a16:creationId xmlns:a16="http://schemas.microsoft.com/office/drawing/2014/main" id="{9671D0F6-72D5-4417-8594-2C51699ECAB5}"/>
-              </a:ext>
-            </a:extLst>
-          </p:cNvPr>
-          <p:cNvPicPr>
-            <a:picLocks noChangeAspect="1" noChangeArrowheads="1"/>
-          </p:cNvPicPr>
-          <p:nvPr/>
-        </p:nvPicPr>
-        <p:blipFill>
-          <a:blip r:embed="rId5">
-            <a:extLst>
-              <a:ext uri="{28A0092B-C50C-407E-A947-70E740481C1C}">
-                <a14:useLocalDpi xmlns:a14="http://schemas.microsoft.com/office/drawing/2010/main" val="0"/>
-              </a:ext>
-            </a:extLst>
-          </a:blip>
-          <a:srcRect/>
-          <a:stretch>
-            <a:fillRect/>
-          </a:stretch>
-        </p:blipFill>
-        <p:spPr bwMode="auto">
-          <a:xfrm>
-            <a:off x="9208537" y="4145416"/>
-            <a:ext cx="2145263" cy="1608947"/>
-          </a:xfrm>
-          <a:prstGeom prst="rect">
-            <a:avLst/>
-          </a:prstGeom>
-          <a:noFill/>
-          <a:extLst>
-            <a:ext uri="{909E8E84-426E-40DD-AFC4-6F175D3DCCD1}">
-              <a14:hiddenFill xmlns:a14="http://schemas.microsoft.com/office/drawing/2010/main">
-                <a:solidFill>
-                  <a:srgbClr val="FFFFFF"/>
-                </a:solidFill>
-              </a14:hiddenFill>
-            </a:ext>
-          </a:extLst>
-        </p:spPr>
-      </p:pic>
-    </p:spTree>
-    <p:extLst>
-      <p:ext uri="{BB962C8B-B14F-4D97-AF65-F5344CB8AC3E}">
-        <p14:creationId xmlns:p14="http://schemas.microsoft.com/office/powerpoint/2010/main" val="2961086787"/>
-      </p:ext>
-    </p:extLst>
-  </p:cSld>
-  <p:clrMapOvr>
-    <a:masterClrMapping/>
-  </p:clrMapOvr>
-</p:sld>
-</file>
-
-<file path=ppt/slides/slide21.xml><?xml version="1.0" encoding="utf-8"?>
-<p:sld xmlns:a="http://schemas.openxmlformats.org/drawingml/2006/main" xmlns:r="http://schemas.openxmlformats.org/officeDocument/2006/relationships" xmlns:p="http://schemas.openxmlformats.org/presentationml/2006/main">
-  <p:cSld>
-    <p:spTree>
-      <p:nvGrpSpPr>
-        <p:cNvPr id="1" name=""/>
-        <p:cNvGrpSpPr/>
-        <p:nvPr/>
-      </p:nvGrpSpPr>
-      <p:grpSpPr>
-        <a:xfrm>
-          <a:off x="0" y="0"/>
-          <a:ext cx="0" cy="0"/>
-          <a:chOff x="0" y="0"/>
-          <a:chExt cx="0" cy="0"/>
-        </a:xfrm>
-      </p:grpSpPr>
-      <p:sp>
-        <p:nvSpPr>
-          <p:cNvPr id="2" name="Title 1">
-            <a:extLst>
-              <a:ext uri="{FF2B5EF4-FFF2-40B4-BE49-F238E27FC236}">
-                <a16:creationId xmlns:a16="http://schemas.microsoft.com/office/drawing/2014/main" id="{B4BA5627-2F64-4AE9-84FE-763ABB016539}"/>
-              </a:ext>
-            </a:extLst>
-          </p:cNvPr>
-          <p:cNvSpPr>
-            <a:spLocks noGrp="1"/>
-          </p:cNvSpPr>
-          <p:nvPr>
-            <p:ph type="title"/>
-          </p:nvPr>
-        </p:nvSpPr>
-        <p:spPr/>
-        <p:txBody>
-          <a:bodyPr/>
-          <a:lstStyle/>
-          <a:p>
-            <a:r>
-              <a:rPr lang="en-US" dirty="0"/>
-              <a:t>Scanning in a star</a:t>
-            </a:r>
-          </a:p>
-        </p:txBody>
-      </p:sp>
-      <p:sp>
-        <p:nvSpPr>
-          <p:cNvPr id="3" name="Content Placeholder 2">
-            <a:extLst>
-              <a:ext uri="{FF2B5EF4-FFF2-40B4-BE49-F238E27FC236}">
-                <a16:creationId xmlns:a16="http://schemas.microsoft.com/office/drawing/2014/main" id="{2CB0272B-2C0D-415A-AA53-876D87FFA094}"/>
-              </a:ext>
-            </a:extLst>
-          </p:cNvPr>
-          <p:cNvSpPr>
-            <a:spLocks noGrp="1"/>
-          </p:cNvSpPr>
-          <p:nvPr>
-            <p:ph idx="1"/>
-          </p:nvPr>
-        </p:nvSpPr>
-        <p:spPr/>
-        <p:txBody>
-          <a:bodyPr>
-            <a:normAutofit/>
-          </a:bodyPr>
-          <a:lstStyle/>
-          <a:p>
-            <a:r>
-              <a:rPr lang="en-US" dirty="0"/>
-              <a:t>Matches are horizontal, vertical and optionally diagonal</a:t>
-            </a:r>
-          </a:p>
-          <a:p>
-            <a:r>
-              <a:rPr lang="en-US" dirty="0"/>
-              <a:t>Start from the location of the last piece placed</a:t>
-            </a:r>
-          </a:p>
-          <a:p>
-            <a:r>
-              <a:rPr lang="en-US" dirty="0"/>
-              <a:t>Expand out</a:t>
-            </a:r>
-          </a:p>
-          <a:p>
-            <a:endParaRPr lang="en-US" dirty="0"/>
-          </a:p>
-          <a:p>
-            <a:endParaRPr lang="en-US" dirty="0"/>
-          </a:p>
-          <a:p>
-            <a:endParaRPr lang="en-US" dirty="0"/>
-          </a:p>
-          <a:p>
-            <a:r>
-              <a:rPr lang="en-US" dirty="0"/>
-              <a:t>Each direction is an offset, </a:t>
-            </a:r>
-            <a:r>
-              <a:rPr lang="en-US" dirty="0" err="1"/>
-              <a:t>i.e</a:t>
-            </a:r>
-            <a:r>
-              <a:rPr lang="en-US" dirty="0"/>
-              <a:t> (-1,0)= Left</a:t>
-            </a:r>
-          </a:p>
-        </p:txBody>
-      </p:sp>
-      <p:sp>
-        <p:nvSpPr>
-          <p:cNvPr id="4" name="Arrow: Right 3">
-            <a:extLst>
-              <a:ext uri="{FF2B5EF4-FFF2-40B4-BE49-F238E27FC236}">
-                <a16:creationId xmlns:a16="http://schemas.microsoft.com/office/drawing/2014/main" id="{CC3E6644-99A1-4A5D-A981-C0FDAF6F3A00}"/>
-              </a:ext>
-            </a:extLst>
-          </p:cNvPr>
-          <p:cNvSpPr/>
-          <p:nvPr/>
-        </p:nvSpPr>
-        <p:spPr>
-          <a:xfrm>
-            <a:off x="5525588" y="4241385"/>
-            <a:ext cx="391886" cy="269965"/>
-          </a:xfrm>
-          <a:prstGeom prst="rightArrow">
-            <a:avLst/>
-          </a:prstGeom>
-        </p:spPr>
-        <p:style>
-          <a:lnRef idx="2">
-            <a:schemeClr val="accent1">
-              <a:shade val="50000"/>
-            </a:schemeClr>
-          </a:lnRef>
-          <a:fillRef idx="1">
-            <a:schemeClr val="accent1"/>
-          </a:fillRef>
-          <a:effectRef idx="0">
-            <a:schemeClr val="accent1"/>
-          </a:effectRef>
-          <a:fontRef idx="minor">
-            <a:schemeClr val="lt1"/>
-          </a:fontRef>
-        </p:style>
-        <p:txBody>
-          <a:bodyPr rtlCol="0" anchor="ctr"/>
-          <a:lstStyle/>
-          <a:p>
-            <a:pPr algn="ctr"/>
-            <a:endParaRPr lang="en-US"/>
-          </a:p>
-        </p:txBody>
-      </p:sp>
-      <p:sp>
-        <p:nvSpPr>
-          <p:cNvPr id="6" name="Arrow: Right 5">
-            <a:extLst>
-              <a:ext uri="{FF2B5EF4-FFF2-40B4-BE49-F238E27FC236}">
-                <a16:creationId xmlns:a16="http://schemas.microsoft.com/office/drawing/2014/main" id="{20BE3A24-48B3-40E3-89E1-D6A4A722AEDA}"/>
-              </a:ext>
-            </a:extLst>
-          </p:cNvPr>
-          <p:cNvSpPr/>
-          <p:nvPr/>
-        </p:nvSpPr>
-        <p:spPr>
-          <a:xfrm flipH="1">
-            <a:off x="4795307" y="4245429"/>
-            <a:ext cx="391886" cy="269965"/>
-          </a:xfrm>
-          <a:prstGeom prst="rightArrow">
-            <a:avLst/>
-          </a:prstGeom>
-        </p:spPr>
-        <p:style>
-          <a:lnRef idx="2">
-            <a:schemeClr val="accent1">
-              <a:shade val="50000"/>
-            </a:schemeClr>
-          </a:lnRef>
-          <a:fillRef idx="1">
-            <a:schemeClr val="accent1"/>
-          </a:fillRef>
-          <a:effectRef idx="0">
-            <a:schemeClr val="accent1"/>
-          </a:effectRef>
-          <a:fontRef idx="minor">
-            <a:schemeClr val="lt1"/>
-          </a:fontRef>
-        </p:style>
-        <p:txBody>
-          <a:bodyPr rtlCol="0" anchor="ctr"/>
-          <a:lstStyle/>
-          <a:p>
-            <a:pPr algn="ctr"/>
-            <a:endParaRPr lang="en-US"/>
-          </a:p>
-        </p:txBody>
-      </p:sp>
-      <p:sp>
-        <p:nvSpPr>
-          <p:cNvPr id="8" name="Arrow: Right 7">
-            <a:extLst>
-              <a:ext uri="{FF2B5EF4-FFF2-40B4-BE49-F238E27FC236}">
-                <a16:creationId xmlns:a16="http://schemas.microsoft.com/office/drawing/2014/main" id="{D01EE979-7E1D-4069-BE35-636E7092C155}"/>
-              </a:ext>
-            </a:extLst>
-          </p:cNvPr>
-          <p:cNvSpPr/>
-          <p:nvPr/>
-        </p:nvSpPr>
-        <p:spPr>
-          <a:xfrm rot="5400000">
-            <a:off x="5158580" y="4632451"/>
-            <a:ext cx="391886" cy="269965"/>
-          </a:xfrm>
-          <a:prstGeom prst="rightArrow">
-            <a:avLst/>
-          </a:prstGeom>
-        </p:spPr>
-        <p:style>
-          <a:lnRef idx="2">
-            <a:schemeClr val="accent1">
-              <a:shade val="50000"/>
-            </a:schemeClr>
-          </a:lnRef>
-          <a:fillRef idx="1">
-            <a:schemeClr val="accent1"/>
-          </a:fillRef>
-          <a:effectRef idx="0">
-            <a:schemeClr val="accent1"/>
-          </a:effectRef>
-          <a:fontRef idx="minor">
-            <a:schemeClr val="lt1"/>
-          </a:fontRef>
-        </p:style>
-        <p:txBody>
-          <a:bodyPr rtlCol="0" anchor="ctr"/>
-          <a:lstStyle/>
-          <a:p>
-            <a:pPr algn="ctr"/>
-            <a:endParaRPr lang="en-US"/>
-          </a:p>
-        </p:txBody>
-      </p:sp>
-      <p:sp>
-        <p:nvSpPr>
-          <p:cNvPr id="10" name="Arrow: Right 9">
-            <a:extLst>
-              <a:ext uri="{FF2B5EF4-FFF2-40B4-BE49-F238E27FC236}">
-                <a16:creationId xmlns:a16="http://schemas.microsoft.com/office/drawing/2014/main" id="{1D376A03-F98F-4750-B248-F2EFFB65B0C5}"/>
-              </a:ext>
-            </a:extLst>
-          </p:cNvPr>
-          <p:cNvSpPr/>
-          <p:nvPr/>
-        </p:nvSpPr>
-        <p:spPr>
-          <a:xfrm rot="16200000">
-            <a:off x="5162315" y="3881393"/>
-            <a:ext cx="391886" cy="269965"/>
-          </a:xfrm>
-          <a:prstGeom prst="rightArrow">
-            <a:avLst/>
-          </a:prstGeom>
-        </p:spPr>
-        <p:style>
-          <a:lnRef idx="2">
-            <a:schemeClr val="accent1">
-              <a:shade val="50000"/>
-            </a:schemeClr>
-          </a:lnRef>
-          <a:fillRef idx="1">
-            <a:schemeClr val="accent1"/>
-          </a:fillRef>
-          <a:effectRef idx="0">
-            <a:schemeClr val="accent1"/>
-          </a:effectRef>
-          <a:fontRef idx="minor">
-            <a:schemeClr val="lt1"/>
-          </a:fontRef>
-        </p:style>
-        <p:txBody>
-          <a:bodyPr rtlCol="0" anchor="ctr"/>
-          <a:lstStyle/>
-          <a:p>
-            <a:pPr algn="ctr"/>
-            <a:endParaRPr lang="en-US"/>
-          </a:p>
-        </p:txBody>
-      </p:sp>
-      <p:sp>
-        <p:nvSpPr>
-          <p:cNvPr id="12" name="Arrow: Right 11">
-            <a:extLst>
-              <a:ext uri="{FF2B5EF4-FFF2-40B4-BE49-F238E27FC236}">
-                <a16:creationId xmlns:a16="http://schemas.microsoft.com/office/drawing/2014/main" id="{40F82A47-4098-4C8A-8EBE-F06E4B4D2A6E}"/>
-              </a:ext>
-            </a:extLst>
-          </p:cNvPr>
-          <p:cNvSpPr/>
-          <p:nvPr/>
-        </p:nvSpPr>
-        <p:spPr>
-          <a:xfrm rot="2700000">
-            <a:off x="5525588" y="4632451"/>
-            <a:ext cx="391886" cy="269965"/>
-          </a:xfrm>
-          <a:prstGeom prst="rightArrow">
-            <a:avLst/>
-          </a:prstGeom>
-        </p:spPr>
-        <p:style>
-          <a:lnRef idx="2">
-            <a:schemeClr val="accent1">
-              <a:shade val="50000"/>
-            </a:schemeClr>
-          </a:lnRef>
-          <a:fillRef idx="1">
-            <a:schemeClr val="accent1"/>
-          </a:fillRef>
-          <a:effectRef idx="0">
-            <a:schemeClr val="accent1"/>
-          </a:effectRef>
-          <a:fontRef idx="minor">
-            <a:schemeClr val="lt1"/>
-          </a:fontRef>
-        </p:style>
-        <p:txBody>
-          <a:bodyPr rtlCol="0" anchor="ctr"/>
-          <a:lstStyle/>
-          <a:p>
-            <a:pPr algn="ctr"/>
-            <a:endParaRPr lang="en-US"/>
-          </a:p>
-        </p:txBody>
-      </p:sp>
-      <p:sp>
-        <p:nvSpPr>
-          <p:cNvPr id="14" name="Arrow: Right 13">
-            <a:extLst>
-              <a:ext uri="{FF2B5EF4-FFF2-40B4-BE49-F238E27FC236}">
-                <a16:creationId xmlns:a16="http://schemas.microsoft.com/office/drawing/2014/main" id="{25DC10E4-B269-46D5-889A-B4D3A2701A7B}"/>
-              </a:ext>
-            </a:extLst>
-          </p:cNvPr>
-          <p:cNvSpPr/>
-          <p:nvPr/>
-        </p:nvSpPr>
-        <p:spPr>
-          <a:xfrm rot="18900000" flipV="1">
-            <a:off x="5525588" y="3881393"/>
-            <a:ext cx="391886" cy="269965"/>
-          </a:xfrm>
-          <a:prstGeom prst="rightArrow">
-            <a:avLst/>
-          </a:prstGeom>
-        </p:spPr>
-        <p:style>
-          <a:lnRef idx="2">
-            <a:schemeClr val="accent1">
-              <a:shade val="50000"/>
-            </a:schemeClr>
-          </a:lnRef>
-          <a:fillRef idx="1">
-            <a:schemeClr val="accent1"/>
-          </a:fillRef>
-          <a:effectRef idx="0">
-            <a:schemeClr val="accent1"/>
-          </a:effectRef>
-          <a:fontRef idx="minor">
-            <a:schemeClr val="lt1"/>
-          </a:fontRef>
-        </p:style>
-        <p:txBody>
-          <a:bodyPr rtlCol="0" anchor="ctr"/>
-          <a:lstStyle/>
-          <a:p>
-            <a:pPr algn="ctr"/>
-            <a:endParaRPr lang="en-US"/>
-          </a:p>
-        </p:txBody>
-      </p:sp>
-      <p:sp>
-        <p:nvSpPr>
-          <p:cNvPr id="16" name="Arrow: Right 15">
-            <a:extLst>
-              <a:ext uri="{FF2B5EF4-FFF2-40B4-BE49-F238E27FC236}">
-                <a16:creationId xmlns:a16="http://schemas.microsoft.com/office/drawing/2014/main" id="{A4ACC522-9B0D-4B35-B967-3F6CE3552C19}"/>
-              </a:ext>
-            </a:extLst>
-          </p:cNvPr>
-          <p:cNvSpPr/>
-          <p:nvPr/>
-        </p:nvSpPr>
-        <p:spPr>
-          <a:xfrm rot="18900000" flipH="1">
-            <a:off x="4795307" y="4632451"/>
-            <a:ext cx="391886" cy="269965"/>
-          </a:xfrm>
-          <a:prstGeom prst="rightArrow">
-            <a:avLst/>
-          </a:prstGeom>
-        </p:spPr>
-        <p:style>
-          <a:lnRef idx="2">
-            <a:schemeClr val="accent1">
-              <a:shade val="50000"/>
-            </a:schemeClr>
-          </a:lnRef>
-          <a:fillRef idx="1">
-            <a:schemeClr val="accent1"/>
-          </a:fillRef>
-          <a:effectRef idx="0">
-            <a:schemeClr val="accent1"/>
-          </a:effectRef>
-          <a:fontRef idx="minor">
-            <a:schemeClr val="lt1"/>
-          </a:fontRef>
-        </p:style>
-        <p:txBody>
-          <a:bodyPr rtlCol="0" anchor="ctr"/>
-          <a:lstStyle/>
-          <a:p>
-            <a:pPr algn="ctr"/>
-            <a:endParaRPr lang="en-US"/>
-          </a:p>
-        </p:txBody>
-      </p:sp>
-      <p:sp>
-        <p:nvSpPr>
-          <p:cNvPr id="18" name="Arrow: Right 17">
-            <a:extLst>
-              <a:ext uri="{FF2B5EF4-FFF2-40B4-BE49-F238E27FC236}">
-                <a16:creationId xmlns:a16="http://schemas.microsoft.com/office/drawing/2014/main" id="{8061D6C7-72F2-4FAE-AEA7-35AA5EED080B}"/>
-              </a:ext>
-            </a:extLst>
-          </p:cNvPr>
-          <p:cNvSpPr/>
-          <p:nvPr/>
-        </p:nvSpPr>
-        <p:spPr>
-          <a:xfrm rot="2700000" flipH="1" flipV="1">
-            <a:off x="4795307" y="3881393"/>
-            <a:ext cx="391886" cy="269965"/>
-          </a:xfrm>
-          <a:prstGeom prst="rightArrow">
-            <a:avLst/>
-          </a:prstGeom>
-        </p:spPr>
-        <p:style>
-          <a:lnRef idx="2">
-            <a:schemeClr val="accent1">
-              <a:shade val="50000"/>
-            </a:schemeClr>
-          </a:lnRef>
-          <a:fillRef idx="1">
-            <a:schemeClr val="accent1"/>
-          </a:fillRef>
-          <a:effectRef idx="0">
-            <a:schemeClr val="accent1"/>
-          </a:effectRef>
-          <a:fontRef idx="minor">
-            <a:schemeClr val="lt1"/>
-          </a:fontRef>
-        </p:style>
-        <p:txBody>
-          <a:bodyPr rtlCol="0" anchor="ctr"/>
-          <a:lstStyle/>
-          <a:p>
-            <a:pPr algn="ctr"/>
-            <a:endParaRPr lang="en-US"/>
-          </a:p>
-        </p:txBody>
-      </p:sp>
-    </p:spTree>
-    <p:extLst>
-      <p:ext uri="{BB962C8B-B14F-4D97-AF65-F5344CB8AC3E}">
-        <p14:creationId xmlns:p14="http://schemas.microsoft.com/office/powerpoint/2010/main" val="2763383717"/>
-      </p:ext>
-    </p:extLst>
-  </p:cSld>
-  <p:clrMapOvr>
-    <a:masterClrMapping/>
-  </p:clrMapOvr>
-</p:sld>
-</file>
-
-<file path=ppt/slides/slide22.xml><?xml version="1.0" encoding="utf-8"?>
+<file path=ppt/slides/slide23.xml><?xml version="1.0" encoding="utf-8"?>
 <p:sld xmlns:a="http://schemas.openxmlformats.org/drawingml/2006/main" xmlns:r="http://schemas.openxmlformats.org/officeDocument/2006/relationships" xmlns:p="http://schemas.openxmlformats.org/presentationml/2006/main">
   <p:cSld>
     <p:bg>
@@ -35736,7 +37528,7 @@
           <a:p>
             <a:r>
               <a:rPr lang="en-US" dirty="0"/>
-              <a:t>Reachability and Pathfinding</a:t>
+              <a:t>Reachability</a:t>
             </a:r>
           </a:p>
         </p:txBody>
@@ -36166,44 +37958,36 @@
           <a:p>
             <a:r>
               <a:rPr lang="en-US" sz="2000" dirty="0"/>
-              <a:t>Solutions to a maze</a:t>
+              <a:t>Solution determines if you can navigate to a point</a:t>
+            </a:r>
+          </a:p>
+          <a:p>
+            <a:r>
+              <a:rPr lang="en-US" sz="2000" dirty="0"/>
+              <a:t>Ways to do it:</a:t>
             </a:r>
           </a:p>
           <a:p>
             <a:pPr lvl="1"/>
             <a:r>
-              <a:rPr lang="en-US" sz="2000" dirty="0"/>
-              <a:t>Random</a:t>
+              <a:rPr lang="en-US" sz="1600" dirty="0"/>
+              <a:t>Random movement</a:t>
             </a:r>
           </a:p>
           <a:p>
             <a:pPr lvl="1"/>
             <a:r>
-              <a:rPr lang="en-US" sz="2000" dirty="0"/>
-              <a:t>Any path</a:t>
+              <a:rPr lang="en-US" sz="1600" dirty="0"/>
+              <a:t>Explore all possibilities</a:t>
             </a:r>
           </a:p>
           <a:p>
             <a:pPr lvl="1"/>
             <a:r>
-              <a:rPr lang="en-US" sz="2000" dirty="0"/>
-              <a:t>Optimal path</a:t>
-            </a:r>
-          </a:p>
-          <a:p>
-            <a:pPr lvl="2"/>
-            <a:r>
-              <a:rPr lang="en-US" dirty="0" err="1"/>
-              <a:t>D’jikstra</a:t>
+              <a:rPr lang="en-US" sz="1600" dirty="0"/>
+              <a:t>Explore some possibilities</a:t>
             </a:r>
             <a:endParaRPr lang="en-US" dirty="0"/>
-          </a:p>
-          <a:p>
-            <a:pPr lvl="2"/>
-            <a:r>
-              <a:rPr lang="en-US" dirty="0"/>
-              <a:t>A*</a:t>
-            </a:r>
           </a:p>
         </p:txBody>
       </p:sp>
@@ -36220,7 +38004,7 @@
 </p:sld>
 </file>
 
-<file path=ppt/slides/slide23.xml><?xml version="1.0" encoding="utf-8"?>
+<file path=ppt/slides/slide24.xml><?xml version="1.0" encoding="utf-8"?>
 <p:sld xmlns:a="http://schemas.openxmlformats.org/drawingml/2006/main" xmlns:r="http://schemas.openxmlformats.org/officeDocument/2006/relationships" xmlns:p="http://schemas.openxmlformats.org/presentationml/2006/main">
   <p:cSld>
     <p:spTree>
@@ -36320,7 +38104,13 @@
           <a:p>
             <a:r>
               <a:rPr lang="en-US" dirty="0"/>
-              <a:t>Recursion is often used</a:t>
+              <a:t>Recursion is often used, but not necessary</a:t>
+            </a:r>
+          </a:p>
+          <a:p>
+            <a:r>
+              <a:rPr lang="en-US" dirty="0"/>
+              <a:t>Pitfall: infinite navigation, circles</a:t>
             </a:r>
           </a:p>
           <a:p>
@@ -36341,7 +38131,7 @@
 </p:sld>
 </file>
 
-<file path=ppt/slides/slide24.xml><?xml version="1.0" encoding="utf-8"?>
+<file path=ppt/slides/slide25.xml><?xml version="1.0" encoding="utf-8"?>
 <p:sld xmlns:a="http://schemas.openxmlformats.org/drawingml/2006/main" xmlns:r="http://schemas.openxmlformats.org/officeDocument/2006/relationships" xmlns:p="http://schemas.openxmlformats.org/presentationml/2006/main">
   <p:cSld>
     <p:spTree>
@@ -36381,7 +38171,7 @@
           <a:p>
             <a:r>
               <a:rPr lang="en-US" dirty="0"/>
-              <a:t>Bookkeeping</a:t>
+              <a:t>Bookkeeping – ruling out paths</a:t>
             </a:r>
           </a:p>
         </p:txBody>
@@ -36416,8 +38206,12 @@
             <a:pPr lvl="1"/>
             <a:r>
               <a:rPr lang="en-US" dirty="0"/>
-              <a:t>Good for reachability</a:t>
+              <a:t>Good for reachability, no additional memory</a:t>
             </a:r>
+          </a:p>
+          <a:p>
+            <a:pPr lvl="1"/>
+            <a:endParaRPr lang="en-US" dirty="0"/>
           </a:p>
           <a:p>
             <a:r>
@@ -36436,8 +38230,14 @@
             <a:pPr lvl="1"/>
             <a:r>
               <a:rPr lang="en-US" dirty="0"/>
-              <a:t>Possible to give multiple paths</a:t>
+              <a:t>Can store additional data like cost, desirability, total damage</a:t>
             </a:r>
+          </a:p>
+          <a:p>
+            <a:pPr marL="457200" lvl="1" indent="0">
+              <a:buNone/>
+            </a:pPr>
+            <a:endParaRPr lang="en-US" dirty="0"/>
           </a:p>
           <a:p>
             <a:endParaRPr lang="en-US" dirty="0"/>
@@ -36457,7 +38257,7 @@
 </p:sld>
 </file>
 
-<file path=ppt/slides/slide25.xml><?xml version="1.0" encoding="utf-8"?>
+<file path=ppt/slides/slide26.xml><?xml version="1.0" encoding="utf-8"?>
 <p:sld xmlns:a="http://schemas.openxmlformats.org/drawingml/2006/main" xmlns:r="http://schemas.openxmlformats.org/officeDocument/2006/relationships" xmlns:p="http://schemas.openxmlformats.org/presentationml/2006/main">
   <p:cSld>
     <p:spTree>
@@ -36687,390 +38487,7 @@
 </p:sld>
 </file>
 
-<file path=ppt/slides/slide26.xml><?xml version="1.0" encoding="utf-8"?>
-<p:sld xmlns:a="http://schemas.openxmlformats.org/drawingml/2006/main" xmlns:r="http://schemas.openxmlformats.org/officeDocument/2006/relationships" xmlns:p="http://schemas.openxmlformats.org/presentationml/2006/main">
-  <p:cSld>
-    <p:spTree>
-      <p:nvGrpSpPr>
-        <p:cNvPr id="1" name=""/>
-        <p:cNvGrpSpPr/>
-        <p:nvPr/>
-      </p:nvGrpSpPr>
-      <p:grpSpPr>
-        <a:xfrm>
-          <a:off x="0" y="0"/>
-          <a:ext cx="0" cy="0"/>
-          <a:chOff x="0" y="0"/>
-          <a:chExt cx="0" cy="0"/>
-        </a:xfrm>
-      </p:grpSpPr>
-      <p:sp>
-        <p:nvSpPr>
-          <p:cNvPr id="2" name="Title 1">
-            <a:extLst>
-              <a:ext uri="{FF2B5EF4-FFF2-40B4-BE49-F238E27FC236}">
-                <a16:creationId xmlns:a16="http://schemas.microsoft.com/office/drawing/2014/main" id="{6E20090B-BE53-41C7-9F7F-0AA71011F9D7}"/>
-              </a:ext>
-            </a:extLst>
-          </p:cNvPr>
-          <p:cNvSpPr>
-            <a:spLocks noGrp="1"/>
-          </p:cNvSpPr>
-          <p:nvPr>
-            <p:ph type="title"/>
-          </p:nvPr>
-        </p:nvSpPr>
-        <p:spPr/>
-        <p:txBody>
-          <a:bodyPr/>
-          <a:lstStyle/>
-          <a:p>
-            <a:r>
-              <a:rPr lang="en-US" dirty="0"/>
-              <a:t>Pathfinding</a:t>
-            </a:r>
-          </a:p>
-        </p:txBody>
-      </p:sp>
-      <mc:AlternateContent xmlns:mc="http://schemas.openxmlformats.org/markup-compatibility/2006">
-        <mc:Choice xmlns:a14="http://schemas.microsoft.com/office/drawing/2010/main" Requires="a14">
-          <p:sp>
-            <p:nvSpPr>
-              <p:cNvPr id="3" name="Content Placeholder 2">
-                <a:extLst>
-                  <a:ext uri="{FF2B5EF4-FFF2-40B4-BE49-F238E27FC236}">
-                    <a16:creationId xmlns:a16="http://schemas.microsoft.com/office/drawing/2014/main" id="{A9C75C93-46D3-4288-81D8-DDF354698157}"/>
-                  </a:ext>
-                </a:extLst>
-              </p:cNvPr>
-              <p:cNvSpPr>
-                <a:spLocks noGrp="1"/>
-              </p:cNvSpPr>
-              <p:nvPr>
-                <p:ph idx="1"/>
-              </p:nvPr>
-            </p:nvSpPr>
-            <p:spPr/>
-            <p:txBody>
-              <a:bodyPr/>
-              <a:lstStyle/>
-              <a:p>
-                <a:r>
-                  <a:rPr lang="en-US" dirty="0"/>
-                  <a:t>Less constraints = more paths</a:t>
-                </a:r>
-              </a:p>
-              <a:p>
-                <a:r>
-                  <a:rPr lang="en-US" dirty="0"/>
-                  <a:t>For optimal solutions, need to assign a cost to each path</a:t>
-                </a:r>
-              </a:p>
-              <a:p>
-                <a:pPr lvl="1"/>
-                <a:r>
-                  <a:rPr lang="en-US" dirty="0"/>
-                  <a:t>Goal is reached by minimizing steps, so move towards cheapest path each turn</a:t>
-                </a:r>
-              </a:p>
-              <a:p>
-                <a:pPr lvl="1"/>
-                <a:r>
-                  <a:rPr lang="en-US" dirty="0"/>
-                  <a:t>More involved bookkeeping, keep track of where you went, need some way to evaluate cost</a:t>
-                </a:r>
-              </a:p>
-              <a:p>
-                <a:pPr lvl="2"/>
-                <a:r>
-                  <a:rPr lang="en-US" dirty="0"/>
-                  <a:t>Manhattan distance: </a:t>
-                </a:r>
-                <a14:m>
-                  <m:oMath xmlns:m="http://schemas.openxmlformats.org/officeDocument/2006/math">
-                    <m:d>
-                      <m:dPr>
-                        <m:begChr m:val="|"/>
-                        <m:endChr m:val="|"/>
-                        <m:ctrlPr>
-                          <a:rPr lang="en-US" i="1" smtClean="0">
-                            <a:latin typeface="Cambria Math" panose="02040503050406030204" pitchFamily="18" charset="0"/>
-                          </a:rPr>
-                        </m:ctrlPr>
-                      </m:dPr>
-                      <m:e>
-                        <m:r>
-                          <a:rPr lang="en-US" b="0" i="1" smtClean="0">
-                            <a:latin typeface="Cambria Math" panose="02040503050406030204" pitchFamily="18" charset="0"/>
-                          </a:rPr>
-                          <m:t>𝑥</m:t>
-                        </m:r>
-                        <m:r>
-                          <a:rPr lang="en-US" b="0" i="1" baseline="-25000" smtClean="0">
-                            <a:latin typeface="Cambria Math" panose="02040503050406030204" pitchFamily="18" charset="0"/>
-                          </a:rPr>
-                          <m:t>2</m:t>
-                        </m:r>
-                        <m:r>
-                          <a:rPr lang="en-US" b="0" i="1" smtClean="0">
-                            <a:latin typeface="Cambria Math" panose="02040503050406030204" pitchFamily="18" charset="0"/>
-                          </a:rPr>
-                          <m:t>−</m:t>
-                        </m:r>
-                        <m:r>
-                          <a:rPr lang="en-US" b="0" i="1" smtClean="0">
-                            <a:latin typeface="Cambria Math" panose="02040503050406030204" pitchFamily="18" charset="0"/>
-                          </a:rPr>
-                          <m:t>𝑥</m:t>
-                        </m:r>
-                        <m:r>
-                          <a:rPr lang="en-US" b="0" i="1" baseline="-25000" smtClean="0">
-                            <a:latin typeface="Cambria Math" panose="02040503050406030204" pitchFamily="18" charset="0"/>
-                          </a:rPr>
-                          <m:t>1</m:t>
-                        </m:r>
-                      </m:e>
-                    </m:d>
-                    <m:r>
-                      <a:rPr lang="en-US" b="0" i="1" smtClean="0">
-                        <a:latin typeface="Cambria Math" panose="02040503050406030204" pitchFamily="18" charset="0"/>
-                      </a:rPr>
-                      <m:t>+</m:t>
-                    </m:r>
-                    <m:d>
-                      <m:dPr>
-                        <m:begChr m:val="|"/>
-                        <m:endChr m:val="|"/>
-                        <m:ctrlPr>
-                          <a:rPr lang="en-US" b="0" i="1" smtClean="0">
-                            <a:latin typeface="Cambria Math" panose="02040503050406030204" pitchFamily="18" charset="0"/>
-                          </a:rPr>
-                        </m:ctrlPr>
-                      </m:dPr>
-                      <m:e>
-                        <m:r>
-                          <a:rPr lang="en-US" b="0" i="1" smtClean="0">
-                            <a:latin typeface="Cambria Math" panose="02040503050406030204" pitchFamily="18" charset="0"/>
-                          </a:rPr>
-                          <m:t>𝑦</m:t>
-                        </m:r>
-                        <m:r>
-                          <a:rPr lang="en-US" b="0" i="1" baseline="-25000" smtClean="0">
-                            <a:latin typeface="Cambria Math" panose="02040503050406030204" pitchFamily="18" charset="0"/>
-                          </a:rPr>
-                          <m:t>2</m:t>
-                        </m:r>
-                        <m:r>
-                          <a:rPr lang="en-US" b="0" i="1" smtClean="0">
-                            <a:latin typeface="Cambria Math" panose="02040503050406030204" pitchFamily="18" charset="0"/>
-                          </a:rPr>
-                          <m:t>−</m:t>
-                        </m:r>
-                        <m:r>
-                          <a:rPr lang="en-US" b="0" i="1" smtClean="0">
-                            <a:latin typeface="Cambria Math" panose="02040503050406030204" pitchFamily="18" charset="0"/>
-                          </a:rPr>
-                          <m:t>𝑦</m:t>
-                        </m:r>
-                        <m:r>
-                          <a:rPr lang="en-US" b="0" i="1" baseline="-25000" smtClean="0">
-                            <a:latin typeface="Cambria Math" panose="02040503050406030204" pitchFamily="18" charset="0"/>
-                          </a:rPr>
-                          <m:t>1</m:t>
-                        </m:r>
-                      </m:e>
-                    </m:d>
-                  </m:oMath>
-                </a14:m>
-                <a:endParaRPr lang="en-US" dirty="0"/>
-              </a:p>
-              <a:p>
-                <a:pPr lvl="2"/>
-                <a:r>
-                  <a:rPr lang="en-US" dirty="0"/>
-                  <a:t>In a game, you may penalize walking across swamp, lava, </a:t>
-                </a:r>
-                <a:r>
-                  <a:rPr lang="en-US" dirty="0" err="1"/>
-                  <a:t>etc</a:t>
-                </a:r>
-                <a:endParaRPr lang="en-US" dirty="0"/>
-              </a:p>
-              <a:p>
-                <a:pPr lvl="1"/>
-                <a:r>
-                  <a:rPr lang="en-US" dirty="0"/>
-                  <a:t>Can still produce multiple paths</a:t>
-                </a:r>
-              </a:p>
-              <a:p>
-                <a:pPr marL="914400" lvl="2" indent="0">
-                  <a:buNone/>
-                </a:pPr>
-                <a:endParaRPr lang="en-US" dirty="0"/>
-              </a:p>
-            </p:txBody>
-          </p:sp>
-        </mc:Choice>
-        <mc:Fallback>
-          <p:sp>
-            <p:nvSpPr>
-              <p:cNvPr id="3" name="Content Placeholder 2">
-                <a:extLst>
-                  <a:ext uri="{FF2B5EF4-FFF2-40B4-BE49-F238E27FC236}">
-                    <a16:creationId xmlns:a16="http://schemas.microsoft.com/office/drawing/2014/main" id="{A9C75C93-46D3-4288-81D8-DDF354698157}"/>
-                  </a:ext>
-                </a:extLst>
-              </p:cNvPr>
-              <p:cNvSpPr>
-                <a:spLocks noGrp="1" noRot="1" noChangeAspect="1" noMove="1" noResize="1" noEditPoints="1" noAdjustHandles="1" noChangeArrowheads="1" noChangeShapeType="1" noTextEdit="1"/>
-              </p:cNvSpPr>
-              <p:nvPr>
-                <p:ph idx="1"/>
-              </p:nvPr>
-            </p:nvSpPr>
-            <p:spPr>
-              <a:blipFill>
-                <a:blip r:embed="rId2"/>
-                <a:stretch>
-                  <a:fillRect l="-1043" t="-1464"/>
-                </a:stretch>
-              </a:blipFill>
-            </p:spPr>
-            <p:txBody>
-              <a:bodyPr/>
-              <a:lstStyle/>
-              <a:p>
-                <a:r>
-                  <a:rPr lang="en-US">
-                    <a:noFill/>
-                  </a:rPr>
-                  <a:t> </a:t>
-                </a:r>
-              </a:p>
-            </p:txBody>
-          </p:sp>
-        </mc:Fallback>
-      </mc:AlternateContent>
-    </p:spTree>
-    <p:extLst>
-      <p:ext uri="{BB962C8B-B14F-4D97-AF65-F5344CB8AC3E}">
-        <p14:creationId xmlns:p14="http://schemas.microsoft.com/office/powerpoint/2010/main" val="1320066389"/>
-      </p:ext>
-    </p:extLst>
-  </p:cSld>
-  <p:clrMapOvr>
-    <a:masterClrMapping/>
-  </p:clrMapOvr>
-</p:sld>
-</file>
-
 <file path=ppt/slides/slide27.xml><?xml version="1.0" encoding="utf-8"?>
-<p:sld xmlns:a="http://schemas.openxmlformats.org/drawingml/2006/main" xmlns:r="http://schemas.openxmlformats.org/officeDocument/2006/relationships" xmlns:p="http://schemas.openxmlformats.org/presentationml/2006/main">
-  <p:cSld>
-    <p:spTree>
-      <p:nvGrpSpPr>
-        <p:cNvPr id="1" name=""/>
-        <p:cNvGrpSpPr/>
-        <p:nvPr/>
-      </p:nvGrpSpPr>
-      <p:grpSpPr>
-        <a:xfrm>
-          <a:off x="0" y="0"/>
-          <a:ext cx="0" cy="0"/>
-          <a:chOff x="0" y="0"/>
-          <a:chExt cx="0" cy="0"/>
-        </a:xfrm>
-      </p:grpSpPr>
-      <p:sp>
-        <p:nvSpPr>
-          <p:cNvPr id="2" name="Title 1">
-            <a:extLst>
-              <a:ext uri="{FF2B5EF4-FFF2-40B4-BE49-F238E27FC236}">
-                <a16:creationId xmlns:a16="http://schemas.microsoft.com/office/drawing/2014/main" id="{4521591F-1072-4A6C-A574-DD4790479CE9}"/>
-              </a:ext>
-            </a:extLst>
-          </p:cNvPr>
-          <p:cNvSpPr>
-            <a:spLocks noGrp="1"/>
-          </p:cNvSpPr>
-          <p:nvPr>
-            <p:ph type="title"/>
-          </p:nvPr>
-        </p:nvSpPr>
-        <p:spPr/>
-        <p:txBody>
-          <a:bodyPr/>
-          <a:lstStyle/>
-          <a:p>
-            <a:r>
-              <a:rPr lang="en-US" dirty="0"/>
-              <a:t>All Done!</a:t>
-            </a:r>
-          </a:p>
-        </p:txBody>
-      </p:sp>
-      <p:sp>
-        <p:nvSpPr>
-          <p:cNvPr id="3" name="Content Placeholder 2">
-            <a:extLst>
-              <a:ext uri="{FF2B5EF4-FFF2-40B4-BE49-F238E27FC236}">
-                <a16:creationId xmlns:a16="http://schemas.microsoft.com/office/drawing/2014/main" id="{6B2A6CB3-E5C9-4C36-A5AF-1132DF2ABC24}"/>
-              </a:ext>
-            </a:extLst>
-          </p:cNvPr>
-          <p:cNvSpPr>
-            <a:spLocks noGrp="1"/>
-          </p:cNvSpPr>
-          <p:nvPr>
-            <p:ph idx="1"/>
-          </p:nvPr>
-        </p:nvSpPr>
-        <p:spPr/>
-        <p:txBody>
-          <a:bodyPr/>
-          <a:lstStyle/>
-          <a:p>
-            <a:r>
-              <a:rPr lang="en-US" dirty="0"/>
-              <a:t>Join our slack to keep in touch</a:t>
-            </a:r>
-          </a:p>
-          <a:p>
-            <a:r>
-              <a:rPr lang="en-US" dirty="0"/>
-              <a:t>Give us feedback, take the </a:t>
-            </a:r>
-            <a:r>
-              <a:rPr lang="en-US" dirty="0">
-                <a:hlinkClick r:id="rId2"/>
-              </a:rPr>
-              <a:t>survey</a:t>
-            </a:r>
-            <a:endParaRPr lang="en-US" dirty="0"/>
-          </a:p>
-          <a:p>
-            <a:r>
-              <a:rPr lang="en-US" dirty="0"/>
-              <a:t>Questions?</a:t>
-            </a:r>
-          </a:p>
-        </p:txBody>
-      </p:sp>
-    </p:spTree>
-    <p:extLst>
-      <p:ext uri="{BB962C8B-B14F-4D97-AF65-F5344CB8AC3E}">
-        <p14:creationId xmlns:p14="http://schemas.microsoft.com/office/powerpoint/2010/main" val="3184157412"/>
-      </p:ext>
-    </p:extLst>
-  </p:cSld>
-  <p:clrMapOvr>
-    <a:masterClrMapping/>
-  </p:clrMapOvr>
-</p:sld>
-</file>
-
-<file path=ppt/slides/slide28.xml><?xml version="1.0" encoding="utf-8"?>
 <p:sld xmlns:a="http://schemas.openxmlformats.org/drawingml/2006/main" xmlns:r="http://schemas.openxmlformats.org/officeDocument/2006/relationships" xmlns:p="http://schemas.openxmlformats.org/presentationml/2006/main">
   <p:cSld>
     <p:spTree>
@@ -37331,8 +38748,8 @@
         </p:nvSpPr>
         <p:spPr>
           <a:xfrm>
-            <a:off x="578923" y="5107447"/>
-            <a:ext cx="6097978" cy="1477328"/>
+            <a:off x="578923" y="4881815"/>
+            <a:ext cx="6011883" cy="1754326"/>
           </a:xfrm>
           <a:prstGeom prst="rect">
             <a:avLst/>
@@ -37366,6 +38783,28 @@
                 <a:latin typeface="FiraCode, Consolas"/>
               </a:rPr>
               <a:t>dict</a:t>
+            </a:r>
+            <a:r>
+              <a:rPr lang="en-US" b="0" dirty="0">
+                <a:solidFill>
+                  <a:srgbClr val="6A9955"/>
+                </a:solidFill>
+                <a:effectLst/>
+                <a:latin typeface="FiraCode, Consolas"/>
+              </a:rPr>
+              <a:t>, if you use tracking </a:t>
+            </a:r>
+          </a:p>
+          <a:p>
+            <a:r>
+              <a:rPr lang="en-US" b="0" dirty="0">
+                <a:solidFill>
+                  <a:srgbClr val="6A9955"/>
+                </a:solidFill>
+                <a:effectLst/>
+                <a:latin typeface="FiraCode, Consolas"/>
+              </a:rPr>
+              <a:t># outside grid</a:t>
             </a:r>
             <a:endParaRPr lang="en-US" b="0" dirty="0">
               <a:solidFill>
@@ -38084,6 +39523,370 @@
     <p:extLst>
       <p:ext uri="{BB962C8B-B14F-4D97-AF65-F5344CB8AC3E}">
         <p14:creationId xmlns:p14="http://schemas.microsoft.com/office/powerpoint/2010/main" val="2892786107"/>
+      </p:ext>
+    </p:extLst>
+  </p:cSld>
+  <p:clrMapOvr>
+    <a:masterClrMapping/>
+  </p:clrMapOvr>
+</p:sld>
+</file>
+
+<file path=ppt/slides/slide28.xml><?xml version="1.0" encoding="utf-8"?>
+<p:sld xmlns:a="http://schemas.openxmlformats.org/drawingml/2006/main" xmlns:r="http://schemas.openxmlformats.org/officeDocument/2006/relationships" xmlns:p="http://schemas.openxmlformats.org/presentationml/2006/main">
+  <p:cSld>
+    <p:spTree>
+      <p:nvGrpSpPr>
+        <p:cNvPr id="1" name=""/>
+        <p:cNvGrpSpPr/>
+        <p:nvPr/>
+      </p:nvGrpSpPr>
+      <p:grpSpPr>
+        <a:xfrm>
+          <a:off x="0" y="0"/>
+          <a:ext cx="0" cy="0"/>
+          <a:chOff x="0" y="0"/>
+          <a:chExt cx="0" cy="0"/>
+        </a:xfrm>
+      </p:grpSpPr>
+      <p:sp>
+        <p:nvSpPr>
+          <p:cNvPr id="2" name="Title 1">
+            <a:extLst>
+              <a:ext uri="{FF2B5EF4-FFF2-40B4-BE49-F238E27FC236}">
+                <a16:creationId xmlns:a16="http://schemas.microsoft.com/office/drawing/2014/main" id="{693297B0-9561-4257-9089-EF3E82D637D0}"/>
+              </a:ext>
+            </a:extLst>
+          </p:cNvPr>
+          <p:cNvSpPr>
+            <a:spLocks noGrp="1"/>
+          </p:cNvSpPr>
+          <p:nvPr>
+            <p:ph type="title"/>
+          </p:nvPr>
+        </p:nvSpPr>
+        <p:spPr>
+          <a:xfrm>
+            <a:off x="838200" y="937845"/>
+            <a:ext cx="6696453" cy="3643679"/>
+          </a:xfrm>
+        </p:spPr>
+        <p:txBody>
+          <a:bodyPr vert="horz" lIns="91440" tIns="45720" rIns="91440" bIns="45720" rtlCol="0" anchor="b">
+            <a:normAutofit/>
+          </a:bodyPr>
+          <a:lstStyle/>
+          <a:p>
+            <a:r>
+              <a:rPr lang="en-US" sz="6000"/>
+              <a:t>Solutions</a:t>
+            </a:r>
+          </a:p>
+        </p:txBody>
+      </p:sp>
+    </p:spTree>
+    <p:extLst>
+      <p:ext uri="{BB962C8B-B14F-4D97-AF65-F5344CB8AC3E}">
+        <p14:creationId xmlns:p14="http://schemas.microsoft.com/office/powerpoint/2010/main" val="2858089222"/>
+      </p:ext>
+    </p:extLst>
+  </p:cSld>
+  <p:clrMapOvr>
+    <a:masterClrMapping/>
+  </p:clrMapOvr>
+</p:sld>
+</file>
+
+<file path=ppt/slides/slide29.xml><?xml version="1.0" encoding="utf-8"?>
+<p:sld xmlns:a="http://schemas.openxmlformats.org/drawingml/2006/main" xmlns:r="http://schemas.openxmlformats.org/officeDocument/2006/relationships" xmlns:p="http://schemas.openxmlformats.org/presentationml/2006/main">
+  <p:cSld>
+    <p:spTree>
+      <p:nvGrpSpPr>
+        <p:cNvPr id="1" name=""/>
+        <p:cNvGrpSpPr/>
+        <p:nvPr/>
+      </p:nvGrpSpPr>
+      <p:grpSpPr>
+        <a:xfrm>
+          <a:off x="0" y="0"/>
+          <a:ext cx="0" cy="0"/>
+          <a:chOff x="0" y="0"/>
+          <a:chExt cx="0" cy="0"/>
+        </a:xfrm>
+      </p:grpSpPr>
+      <p:sp>
+        <p:nvSpPr>
+          <p:cNvPr id="2" name="Title 1">
+            <a:extLst>
+              <a:ext uri="{FF2B5EF4-FFF2-40B4-BE49-F238E27FC236}">
+                <a16:creationId xmlns:a16="http://schemas.microsoft.com/office/drawing/2014/main" id="{6E20090B-BE53-41C7-9F7F-0AA71011F9D7}"/>
+              </a:ext>
+            </a:extLst>
+          </p:cNvPr>
+          <p:cNvSpPr>
+            <a:spLocks noGrp="1"/>
+          </p:cNvSpPr>
+          <p:nvPr>
+            <p:ph type="title"/>
+          </p:nvPr>
+        </p:nvSpPr>
+        <p:spPr/>
+        <p:txBody>
+          <a:bodyPr/>
+          <a:lstStyle/>
+          <a:p>
+            <a:r>
+              <a:rPr lang="en-US" dirty="0"/>
+              <a:t>Pathfinding</a:t>
+            </a:r>
+          </a:p>
+        </p:txBody>
+      </p:sp>
+      <mc:AlternateContent xmlns:mc="http://schemas.openxmlformats.org/markup-compatibility/2006">
+        <mc:Choice xmlns:a14="http://schemas.microsoft.com/office/drawing/2010/main" Requires="a14">
+          <p:sp>
+            <p:nvSpPr>
+              <p:cNvPr id="3" name="Content Placeholder 2">
+                <a:extLst>
+                  <a:ext uri="{FF2B5EF4-FFF2-40B4-BE49-F238E27FC236}">
+                    <a16:creationId xmlns:a16="http://schemas.microsoft.com/office/drawing/2014/main" id="{A9C75C93-46D3-4288-81D8-DDF354698157}"/>
+                  </a:ext>
+                </a:extLst>
+              </p:cNvPr>
+              <p:cNvSpPr>
+                <a:spLocks noGrp="1"/>
+              </p:cNvSpPr>
+              <p:nvPr>
+                <p:ph idx="1"/>
+              </p:nvPr>
+            </p:nvSpPr>
+            <p:spPr/>
+            <p:txBody>
+              <a:bodyPr>
+                <a:normAutofit lnSpcReduction="10000"/>
+              </a:bodyPr>
+              <a:lstStyle/>
+              <a:p>
+                <a:r>
+                  <a:rPr lang="en-US" dirty="0"/>
+                  <a:t>Less constraints = more paths</a:t>
+                </a:r>
+              </a:p>
+              <a:p>
+                <a:r>
+                  <a:rPr lang="en-US" dirty="0"/>
+                  <a:t>For optimal solutions, need to assign a cost to each path</a:t>
+                </a:r>
+              </a:p>
+              <a:p>
+                <a:pPr lvl="1"/>
+                <a:r>
+                  <a:rPr lang="en-US" dirty="0"/>
+                  <a:t>Goal is reached by minimizing steps, so move towards cheapest path each turn</a:t>
+                </a:r>
+              </a:p>
+              <a:p>
+                <a:pPr lvl="1"/>
+                <a:r>
+                  <a:rPr lang="en-US" dirty="0"/>
+                  <a:t>More involved bookkeeping, keep track of where you went, need some way to evaluate cost</a:t>
+                </a:r>
+              </a:p>
+              <a:p>
+                <a:pPr lvl="2"/>
+                <a:r>
+                  <a:rPr lang="en-US" dirty="0"/>
+                  <a:t>Manhattan distance: </a:t>
+                </a:r>
+                <a14:m>
+                  <m:oMath xmlns:m="http://schemas.openxmlformats.org/officeDocument/2006/math">
+                    <m:d>
+                      <m:dPr>
+                        <m:begChr m:val="|"/>
+                        <m:endChr m:val="|"/>
+                        <m:ctrlPr>
+                          <a:rPr lang="en-US" i="1" smtClean="0">
+                            <a:latin typeface="Cambria Math" panose="02040503050406030204" pitchFamily="18" charset="0"/>
+                          </a:rPr>
+                        </m:ctrlPr>
+                      </m:dPr>
+                      <m:e>
+                        <m:r>
+                          <a:rPr lang="en-US" b="0" i="1" smtClean="0">
+                            <a:latin typeface="Cambria Math" panose="02040503050406030204" pitchFamily="18" charset="0"/>
+                          </a:rPr>
+                          <m:t>𝑥</m:t>
+                        </m:r>
+                        <m:r>
+                          <a:rPr lang="en-US" b="0" i="1" baseline="-25000" smtClean="0">
+                            <a:latin typeface="Cambria Math" panose="02040503050406030204" pitchFamily="18" charset="0"/>
+                          </a:rPr>
+                          <m:t>2</m:t>
+                        </m:r>
+                        <m:r>
+                          <a:rPr lang="en-US" b="0" i="1" smtClean="0">
+                            <a:latin typeface="Cambria Math" panose="02040503050406030204" pitchFamily="18" charset="0"/>
+                          </a:rPr>
+                          <m:t>−</m:t>
+                        </m:r>
+                        <m:r>
+                          <a:rPr lang="en-US" b="0" i="1" smtClean="0">
+                            <a:latin typeface="Cambria Math" panose="02040503050406030204" pitchFamily="18" charset="0"/>
+                          </a:rPr>
+                          <m:t>𝑥</m:t>
+                        </m:r>
+                        <m:r>
+                          <a:rPr lang="en-US" b="0" i="1" baseline="-25000" smtClean="0">
+                            <a:latin typeface="Cambria Math" panose="02040503050406030204" pitchFamily="18" charset="0"/>
+                          </a:rPr>
+                          <m:t>1</m:t>
+                        </m:r>
+                      </m:e>
+                    </m:d>
+                    <m:r>
+                      <a:rPr lang="en-US" b="0" i="1" smtClean="0">
+                        <a:latin typeface="Cambria Math" panose="02040503050406030204" pitchFamily="18" charset="0"/>
+                      </a:rPr>
+                      <m:t>+</m:t>
+                    </m:r>
+                    <m:d>
+                      <m:dPr>
+                        <m:begChr m:val="|"/>
+                        <m:endChr m:val="|"/>
+                        <m:ctrlPr>
+                          <a:rPr lang="en-US" b="0" i="1" smtClean="0">
+                            <a:latin typeface="Cambria Math" panose="02040503050406030204" pitchFamily="18" charset="0"/>
+                          </a:rPr>
+                        </m:ctrlPr>
+                      </m:dPr>
+                      <m:e>
+                        <m:r>
+                          <a:rPr lang="en-US" b="0" i="1" smtClean="0">
+                            <a:latin typeface="Cambria Math" panose="02040503050406030204" pitchFamily="18" charset="0"/>
+                          </a:rPr>
+                          <m:t>𝑦</m:t>
+                        </m:r>
+                        <m:r>
+                          <a:rPr lang="en-US" b="0" i="1" baseline="-25000" smtClean="0">
+                            <a:latin typeface="Cambria Math" panose="02040503050406030204" pitchFamily="18" charset="0"/>
+                          </a:rPr>
+                          <m:t>2</m:t>
+                        </m:r>
+                        <m:r>
+                          <a:rPr lang="en-US" b="0" i="1" smtClean="0">
+                            <a:latin typeface="Cambria Math" panose="02040503050406030204" pitchFamily="18" charset="0"/>
+                          </a:rPr>
+                          <m:t>−</m:t>
+                        </m:r>
+                        <m:r>
+                          <a:rPr lang="en-US" b="0" i="1" smtClean="0">
+                            <a:latin typeface="Cambria Math" panose="02040503050406030204" pitchFamily="18" charset="0"/>
+                          </a:rPr>
+                          <m:t>𝑦</m:t>
+                        </m:r>
+                        <m:r>
+                          <a:rPr lang="en-US" b="0" i="1" baseline="-25000" smtClean="0">
+                            <a:latin typeface="Cambria Math" panose="02040503050406030204" pitchFamily="18" charset="0"/>
+                          </a:rPr>
+                          <m:t>1</m:t>
+                        </m:r>
+                      </m:e>
+                    </m:d>
+                  </m:oMath>
+                </a14:m>
+                <a:endParaRPr lang="en-US" dirty="0"/>
+              </a:p>
+              <a:p>
+                <a:pPr lvl="2"/>
+                <a:r>
+                  <a:rPr lang="en-US" dirty="0"/>
+                  <a:t>In a game, you may penalize walking across swamp, lava, </a:t>
+                </a:r>
+                <a:r>
+                  <a:rPr lang="en-US" dirty="0" err="1"/>
+                  <a:t>etc</a:t>
+                </a:r>
+                <a:endParaRPr lang="en-US" dirty="0"/>
+              </a:p>
+              <a:p>
+                <a:pPr lvl="1"/>
+                <a:r>
+                  <a:rPr lang="en-US" dirty="0"/>
+                  <a:t>Can still produce multiple paths</a:t>
+                </a:r>
+              </a:p>
+              <a:p>
+                <a:pPr lvl="1"/>
+                <a:r>
+                  <a:rPr lang="en-US" sz="2000" dirty="0"/>
+                  <a:t>Optimal path algorithms: </a:t>
+                </a:r>
+                <a:r>
+                  <a:rPr lang="en-US" dirty="0" err="1"/>
+                  <a:t>D’jikstra</a:t>
+                </a:r>
+                <a:r>
+                  <a:rPr lang="en-US" dirty="0"/>
+                  <a:t>, A*, …</a:t>
+                </a:r>
+              </a:p>
+              <a:p>
+                <a:pPr lvl="1"/>
+                <a:endParaRPr lang="en-US" dirty="0"/>
+              </a:p>
+              <a:p>
+                <a:pPr marL="914400" lvl="2" indent="0">
+                  <a:buNone/>
+                </a:pPr>
+                <a:endParaRPr lang="en-US" dirty="0"/>
+              </a:p>
+            </p:txBody>
+          </p:sp>
+        </mc:Choice>
+        <mc:Fallback>
+          <p:sp>
+            <p:nvSpPr>
+              <p:cNvPr id="3" name="Content Placeholder 2">
+                <a:extLst>
+                  <a:ext uri="{FF2B5EF4-FFF2-40B4-BE49-F238E27FC236}">
+                    <a16:creationId xmlns:a16="http://schemas.microsoft.com/office/drawing/2014/main" id="{A9C75C93-46D3-4288-81D8-DDF354698157}"/>
+                  </a:ext>
+                </a:extLst>
+              </p:cNvPr>
+              <p:cNvSpPr>
+                <a:spLocks noGrp="1" noRot="1" noChangeAspect="1" noMove="1" noResize="1" noEditPoints="1" noAdjustHandles="1" noChangeArrowheads="1" noChangeShapeType="1" noTextEdit="1"/>
+              </p:cNvSpPr>
+              <p:nvPr>
+                <p:ph idx="1"/>
+              </p:nvPr>
+            </p:nvSpPr>
+            <p:spPr>
+              <a:blipFill>
+                <a:blip r:embed="rId2"/>
+                <a:stretch>
+                  <a:fillRect l="-1043" t="-2489"/>
+                </a:stretch>
+              </a:blipFill>
+            </p:spPr>
+            <p:txBody>
+              <a:bodyPr/>
+              <a:lstStyle/>
+              <a:p>
+                <a:r>
+                  <a:rPr lang="en-US">
+                    <a:noFill/>
+                  </a:rPr>
+                  <a:t> </a:t>
+                </a:r>
+              </a:p>
+            </p:txBody>
+          </p:sp>
+        </mc:Fallback>
+      </mc:AlternateContent>
+    </p:spTree>
+    <p:extLst>
+      <p:ext uri="{BB962C8B-B14F-4D97-AF65-F5344CB8AC3E}">
+        <p14:creationId xmlns:p14="http://schemas.microsoft.com/office/powerpoint/2010/main" val="1320066389"/>
       </p:ext>
     </p:extLst>
   </p:cSld>
@@ -40058,6 +41861,111 @@
 </p:sld>
 </file>
 
+<file path=ppt/slides/slide30.xml><?xml version="1.0" encoding="utf-8"?>
+<p:sld xmlns:a="http://schemas.openxmlformats.org/drawingml/2006/main" xmlns:r="http://schemas.openxmlformats.org/officeDocument/2006/relationships" xmlns:p="http://schemas.openxmlformats.org/presentationml/2006/main">
+  <p:cSld>
+    <p:spTree>
+      <p:nvGrpSpPr>
+        <p:cNvPr id="1" name=""/>
+        <p:cNvGrpSpPr/>
+        <p:nvPr/>
+      </p:nvGrpSpPr>
+      <p:grpSpPr>
+        <a:xfrm>
+          <a:off x="0" y="0"/>
+          <a:ext cx="0" cy="0"/>
+          <a:chOff x="0" y="0"/>
+          <a:chExt cx="0" cy="0"/>
+        </a:xfrm>
+      </p:grpSpPr>
+      <p:sp>
+        <p:nvSpPr>
+          <p:cNvPr id="2" name="Title 1">
+            <a:extLst>
+              <a:ext uri="{FF2B5EF4-FFF2-40B4-BE49-F238E27FC236}">
+                <a16:creationId xmlns:a16="http://schemas.microsoft.com/office/drawing/2014/main" id="{4521591F-1072-4A6C-A574-DD4790479CE9}"/>
+              </a:ext>
+            </a:extLst>
+          </p:cNvPr>
+          <p:cNvSpPr>
+            <a:spLocks noGrp="1"/>
+          </p:cNvSpPr>
+          <p:nvPr>
+            <p:ph type="title"/>
+          </p:nvPr>
+        </p:nvSpPr>
+        <p:spPr/>
+        <p:txBody>
+          <a:bodyPr/>
+          <a:lstStyle/>
+          <a:p>
+            <a:r>
+              <a:rPr lang="en-US" dirty="0"/>
+              <a:t>All Done!</a:t>
+            </a:r>
+          </a:p>
+        </p:txBody>
+      </p:sp>
+      <p:sp>
+        <p:nvSpPr>
+          <p:cNvPr id="3" name="Content Placeholder 2">
+            <a:extLst>
+              <a:ext uri="{FF2B5EF4-FFF2-40B4-BE49-F238E27FC236}">
+                <a16:creationId xmlns:a16="http://schemas.microsoft.com/office/drawing/2014/main" id="{6B2A6CB3-E5C9-4C36-A5AF-1132DF2ABC24}"/>
+              </a:ext>
+            </a:extLst>
+          </p:cNvPr>
+          <p:cNvSpPr>
+            <a:spLocks noGrp="1"/>
+          </p:cNvSpPr>
+          <p:nvPr>
+            <p:ph idx="1"/>
+          </p:nvPr>
+        </p:nvSpPr>
+        <p:spPr/>
+        <p:txBody>
+          <a:bodyPr/>
+          <a:lstStyle/>
+          <a:p>
+            <a:r>
+              <a:rPr lang="en-US" dirty="0"/>
+              <a:t>Join our slack to keep in touch</a:t>
+            </a:r>
+          </a:p>
+          <a:p>
+            <a:r>
+              <a:rPr lang="en-US" dirty="0"/>
+              <a:t>Give us feedback, take the </a:t>
+            </a:r>
+            <a:r>
+              <a:rPr lang="en-US" dirty="0">
+                <a:hlinkClick r:id="rId2"/>
+              </a:rPr>
+              <a:t>survey</a:t>
+            </a:r>
+            <a:endParaRPr lang="en-US" dirty="0"/>
+          </a:p>
+          <a:p>
+            <a:r>
+              <a:rPr lang="en-US" dirty="0"/>
+              <a:t>Questions?</a:t>
+            </a:r>
+          </a:p>
+        </p:txBody>
+      </p:sp>
+    </p:spTree>
+    <p:extLst>
+      <p:ext uri="{BB962C8B-B14F-4D97-AF65-F5344CB8AC3E}">
+        <p14:creationId xmlns:p14="http://schemas.microsoft.com/office/powerpoint/2010/main" val="3184157412"/>
+      </p:ext>
+    </p:extLst>
+  </p:cSld>
+  <p:clrMapOvr>
+    <a:masterClrMapping/>
+  </p:clrMapOvr>
+</p:sld>
+</file>
+
 <file path=ppt/slides/slide4.xml><?xml version="1.0" encoding="utf-8"?>
 <p:sld xmlns:a="http://schemas.openxmlformats.org/drawingml/2006/main" xmlns:r="http://schemas.openxmlformats.org/officeDocument/2006/relationships" xmlns:p="http://schemas.openxmlformats.org/presentationml/2006/main">
   <p:cSld>
@@ -41351,6 +43259,1573 @@
           <a:chExt cx="0" cy="0"/>
         </a:xfrm>
       </p:grpSpPr>
+      <p:sp useBgFill="1">
+        <p:nvSpPr>
+          <p:cNvPr id="71" name="Rectangle 70">
+            <a:extLst>
+              <a:ext uri="{FF2B5EF4-FFF2-40B4-BE49-F238E27FC236}">
+                <a16:creationId xmlns:a16="http://schemas.microsoft.com/office/drawing/2014/main" id="{0E3596DD-156A-473E-9BB3-C6A29F7574E9}"/>
+              </a:ext>
+              <a:ext uri="{C183D7F6-B498-43B3-948B-1728B52AA6E4}">
+                <adec:decorative xmlns:adec="http://schemas.microsoft.com/office/drawing/2017/decorative" val="1"/>
+              </a:ext>
+            </a:extLst>
+          </p:cNvPr>
+          <p:cNvSpPr>
+            <a:spLocks noGrp="1" noRot="1" noChangeAspect="1" noMove="1" noResize="1" noEditPoints="1" noAdjustHandles="1" noChangeArrowheads="1" noChangeShapeType="1" noTextEdit="1"/>
+          </p:cNvSpPr>
+          <p:nvPr>
+            <p:extLst>
+              <p:ext uri="{386F3935-93C4-4BCD-93E2-E3B085C9AB24}">
+                <p16:designElem xmlns:p16="http://schemas.microsoft.com/office/powerpoint/2015/main" val="1"/>
+              </p:ext>
+            </p:extLst>
+          </p:nvPr>
+        </p:nvSpPr>
+        <p:spPr>
+          <a:xfrm>
+            <a:off x="0" y="0"/>
+            <a:ext cx="12188952" cy="6858000"/>
+          </a:xfrm>
+          <a:prstGeom prst="rect">
+            <a:avLst/>
+          </a:prstGeom>
+          <a:ln>
+            <a:noFill/>
+          </a:ln>
+        </p:spPr>
+        <p:style>
+          <a:lnRef idx="2">
+            <a:schemeClr val="accent1">
+              <a:shade val="50000"/>
+            </a:schemeClr>
+          </a:lnRef>
+          <a:fillRef idx="1">
+            <a:schemeClr val="accent1"/>
+          </a:fillRef>
+          <a:effectRef idx="0">
+            <a:schemeClr val="accent1"/>
+          </a:effectRef>
+          <a:fontRef idx="minor">
+            <a:schemeClr val="lt1"/>
+          </a:fontRef>
+        </p:style>
+        <p:txBody>
+          <a:bodyPr rtlCol="0" anchor="ctr"/>
+          <a:lstStyle/>
+          <a:p>
+            <a:pPr algn="ctr"/>
+            <a:endParaRPr lang="en-US" dirty="0"/>
+          </a:p>
+        </p:txBody>
+      </p:sp>
+      <p:sp>
+        <p:nvSpPr>
+          <p:cNvPr id="73" name="Freeform: Shape 72">
+            <a:extLst>
+              <a:ext uri="{FF2B5EF4-FFF2-40B4-BE49-F238E27FC236}">
+                <a16:creationId xmlns:a16="http://schemas.microsoft.com/office/drawing/2014/main" id="{2C46C4D6-C474-4E92-B52E-944C1118F7B6}"/>
+              </a:ext>
+              <a:ext uri="{C183D7F6-B498-43B3-948B-1728B52AA6E4}">
+                <adec:decorative xmlns:adec="http://schemas.microsoft.com/office/drawing/2017/decorative" val="1"/>
+              </a:ext>
+            </a:extLst>
+          </p:cNvPr>
+          <p:cNvSpPr>
+            <a:spLocks noGrp="1" noRot="1" noChangeAspect="1" noMove="1" noResize="1" noEditPoints="1" noAdjustHandles="1" noChangeArrowheads="1" noChangeShapeType="1" noTextEdit="1"/>
+          </p:cNvSpPr>
+          <p:nvPr>
+            <p:extLst>
+              <p:ext uri="{386F3935-93C4-4BCD-93E2-E3B085C9AB24}">
+                <p16:designElem xmlns:p16="http://schemas.microsoft.com/office/powerpoint/2015/main" val="1"/>
+              </p:ext>
+            </p:extLst>
+          </p:nvPr>
+        </p:nvSpPr>
+        <p:spPr>
+          <a:xfrm flipH="1">
+            <a:off x="0" y="0"/>
+            <a:ext cx="5962785" cy="6858000"/>
+          </a:xfrm>
+          <a:custGeom>
+            <a:avLst/>
+            <a:gdLst>
+              <a:gd name="connsiteX0" fmla="*/ 1044839 w 5962785"/>
+              <a:gd name="connsiteY0" fmla="*/ 0 h 6858000"/>
+              <a:gd name="connsiteX1" fmla="*/ 5962785 w 5962785"/>
+              <a:gd name="connsiteY1" fmla="*/ 0 h 6858000"/>
+              <a:gd name="connsiteX2" fmla="*/ 5962785 w 5962785"/>
+              <a:gd name="connsiteY2" fmla="*/ 6858000 h 6858000"/>
+              <a:gd name="connsiteX3" fmla="*/ 1469886 w 5962785"/>
+              <a:gd name="connsiteY3" fmla="*/ 6858000 h 6858000"/>
+              <a:gd name="connsiteX4" fmla="*/ 1416006 w 5962785"/>
+              <a:gd name="connsiteY4" fmla="*/ 6823984 h 6858000"/>
+              <a:gd name="connsiteX5" fmla="*/ 1232473 w 5962785"/>
+              <a:gd name="connsiteY5" fmla="*/ 6733873 h 6858000"/>
+              <a:gd name="connsiteX6" fmla="*/ 1075471 w 5962785"/>
+              <a:gd name="connsiteY6" fmla="*/ 6503186 h 6858000"/>
+              <a:gd name="connsiteX7" fmla="*/ 1020229 w 5962785"/>
+              <a:gd name="connsiteY7" fmla="*/ 6438306 h 6858000"/>
+              <a:gd name="connsiteX8" fmla="*/ 883579 w 5962785"/>
+              <a:gd name="connsiteY8" fmla="*/ 6351798 h 6858000"/>
+              <a:gd name="connsiteX9" fmla="*/ 645167 w 5962785"/>
+              <a:gd name="connsiteY9" fmla="*/ 6167969 h 6858000"/>
+              <a:gd name="connsiteX10" fmla="*/ 732391 w 5962785"/>
+              <a:gd name="connsiteY10" fmla="*/ 6124716 h 6858000"/>
+              <a:gd name="connsiteX11" fmla="*/ 985339 w 5962785"/>
+              <a:gd name="connsiteY11" fmla="*/ 6236455 h 6858000"/>
+              <a:gd name="connsiteX12" fmla="*/ 1168509 w 5962785"/>
+              <a:gd name="connsiteY12" fmla="*/ 6265291 h 6858000"/>
+              <a:gd name="connsiteX13" fmla="*/ 909746 w 5962785"/>
+              <a:gd name="connsiteY13" fmla="*/ 6070649 h 6858000"/>
+              <a:gd name="connsiteX14" fmla="*/ 659704 w 5962785"/>
+              <a:gd name="connsiteY14" fmla="*/ 5818335 h 6858000"/>
+              <a:gd name="connsiteX15" fmla="*/ 851597 w 5962785"/>
+              <a:gd name="connsiteY15" fmla="*/ 5865193 h 6858000"/>
+              <a:gd name="connsiteX16" fmla="*/ 860319 w 5962785"/>
+              <a:gd name="connsiteY16" fmla="*/ 5832753 h 6858000"/>
+              <a:gd name="connsiteX17" fmla="*/ 691686 w 5962785"/>
+              <a:gd name="connsiteY17" fmla="*/ 5533581 h 6858000"/>
+              <a:gd name="connsiteX18" fmla="*/ 610278 w 5962785"/>
+              <a:gd name="connsiteY18" fmla="*/ 5411029 h 6858000"/>
+              <a:gd name="connsiteX19" fmla="*/ 238123 w 5962785"/>
+              <a:gd name="connsiteY19" fmla="*/ 5046976 h 6858000"/>
+              <a:gd name="connsiteX20" fmla="*/ 592833 w 5962785"/>
+              <a:gd name="connsiteY20" fmla="*/ 5209177 h 6858000"/>
+              <a:gd name="connsiteX21" fmla="*/ 226494 w 5962785"/>
+              <a:gd name="connsiteY21" fmla="*/ 4855939 h 6858000"/>
+              <a:gd name="connsiteX22" fmla="*/ 49139 w 5962785"/>
+              <a:gd name="connsiteY22" fmla="*/ 4726177 h 6858000"/>
+              <a:gd name="connsiteX23" fmla="*/ 5527 w 5962785"/>
+              <a:gd name="connsiteY23" fmla="*/ 4650483 h 6858000"/>
+              <a:gd name="connsiteX24" fmla="*/ 84029 w 5962785"/>
+              <a:gd name="connsiteY24" fmla="*/ 4632460 h 6858000"/>
+              <a:gd name="connsiteX25" fmla="*/ 325347 w 5962785"/>
+              <a:gd name="connsiteY25" fmla="*/ 4661296 h 6858000"/>
+              <a:gd name="connsiteX26" fmla="*/ 25879 w 5962785"/>
+              <a:gd name="connsiteY26" fmla="*/ 4423401 h 6858000"/>
+              <a:gd name="connsiteX27" fmla="*/ 249753 w 5962785"/>
+              <a:gd name="connsiteY27" fmla="*/ 4459446 h 6858000"/>
+              <a:gd name="connsiteX28" fmla="*/ 313718 w 5962785"/>
+              <a:gd name="connsiteY28" fmla="*/ 4365729 h 6858000"/>
+              <a:gd name="connsiteX29" fmla="*/ 418386 w 5962785"/>
+              <a:gd name="connsiteY29" fmla="*/ 4214341 h 6858000"/>
+              <a:gd name="connsiteX30" fmla="*/ 491072 w 5962785"/>
+              <a:gd name="connsiteY30" fmla="*/ 4131438 h 6858000"/>
+              <a:gd name="connsiteX31" fmla="*/ 520147 w 5962785"/>
+              <a:gd name="connsiteY31" fmla="*/ 3864706 h 6858000"/>
+              <a:gd name="connsiteX32" fmla="*/ 459090 w 5962785"/>
+              <a:gd name="connsiteY32" fmla="*/ 3572743 h 6858000"/>
+              <a:gd name="connsiteX33" fmla="*/ 290458 w 5962785"/>
+              <a:gd name="connsiteY33" fmla="*/ 3424959 h 6858000"/>
+              <a:gd name="connsiteX34" fmla="*/ 339884 w 5962785"/>
+              <a:gd name="connsiteY34" fmla="*/ 3259153 h 6858000"/>
+              <a:gd name="connsiteX35" fmla="*/ 697501 w 5962785"/>
+              <a:gd name="connsiteY35" fmla="*/ 3360078 h 6858000"/>
+              <a:gd name="connsiteX36" fmla="*/ 165437 w 5962785"/>
+              <a:gd name="connsiteY36" fmla="*/ 2967190 h 6858000"/>
+              <a:gd name="connsiteX37" fmla="*/ 255568 w 5962785"/>
+              <a:gd name="connsiteY37" fmla="*/ 2949167 h 6858000"/>
+              <a:gd name="connsiteX38" fmla="*/ 578296 w 5962785"/>
+              <a:gd name="connsiteY38" fmla="*/ 2725691 h 6858000"/>
+              <a:gd name="connsiteX39" fmla="*/ 595740 w 5962785"/>
+              <a:gd name="connsiteY39" fmla="*/ 2714876 h 6858000"/>
+              <a:gd name="connsiteX40" fmla="*/ 650982 w 5962785"/>
+              <a:gd name="connsiteY40" fmla="*/ 2574301 h 6858000"/>
+              <a:gd name="connsiteX41" fmla="*/ 825429 w 5962785"/>
+              <a:gd name="connsiteY41" fmla="*/ 2552674 h 6858000"/>
+              <a:gd name="connsiteX42" fmla="*/ 970802 w 5962785"/>
+              <a:gd name="connsiteY42" fmla="*/ 2585115 h 6858000"/>
+              <a:gd name="connsiteX43" fmla="*/ 1127805 w 5962785"/>
+              <a:gd name="connsiteY43" fmla="*/ 2545465 h 6858000"/>
+              <a:gd name="connsiteX44" fmla="*/ 1267362 w 5962785"/>
+              <a:gd name="connsiteY44" fmla="*/ 2563488 h 6858000"/>
+              <a:gd name="connsiteX45" fmla="*/ 1386568 w 5962785"/>
+              <a:gd name="connsiteY45" fmla="*/ 2538257 h 6858000"/>
+              <a:gd name="connsiteX46" fmla="*/ 1270270 w 5962785"/>
+              <a:gd name="connsiteY46" fmla="*/ 2419309 h 6858000"/>
+              <a:gd name="connsiteX47" fmla="*/ 1107453 w 5962785"/>
+              <a:gd name="connsiteY47" fmla="*/ 2419309 h 6858000"/>
+              <a:gd name="connsiteX48" fmla="*/ 991154 w 5962785"/>
+              <a:gd name="connsiteY48" fmla="*/ 2343615 h 6858000"/>
+              <a:gd name="connsiteX49" fmla="*/ 880671 w 5962785"/>
+              <a:gd name="connsiteY49" fmla="*/ 2206645 h 6858000"/>
+              <a:gd name="connsiteX50" fmla="*/ 491072 w 5962785"/>
+              <a:gd name="connsiteY50" fmla="*/ 1986771 h 6858000"/>
+              <a:gd name="connsiteX51" fmla="*/ 421293 w 5962785"/>
+              <a:gd name="connsiteY51" fmla="*/ 1903868 h 6858000"/>
+              <a:gd name="connsiteX52" fmla="*/ 1531941 w 5962785"/>
+              <a:gd name="connsiteY52" fmla="*/ 2224667 h 6858000"/>
+              <a:gd name="connsiteX53" fmla="*/ 1188861 w 5962785"/>
+              <a:gd name="connsiteY53" fmla="*/ 2091301 h 6858000"/>
+              <a:gd name="connsiteX54" fmla="*/ 1421458 w 5962785"/>
+              <a:gd name="connsiteY54" fmla="*/ 2116532 h 6858000"/>
+              <a:gd name="connsiteX55" fmla="*/ 1549386 w 5962785"/>
+              <a:gd name="connsiteY55" fmla="*/ 2026420 h 6858000"/>
+              <a:gd name="connsiteX56" fmla="*/ 1549386 w 5962785"/>
+              <a:gd name="connsiteY56" fmla="*/ 1997584 h 6858000"/>
+              <a:gd name="connsiteX57" fmla="*/ 1453440 w 5962785"/>
+              <a:gd name="connsiteY57" fmla="*/ 1914682 h 6858000"/>
+              <a:gd name="connsiteX58" fmla="*/ 1398198 w 5962785"/>
+              <a:gd name="connsiteY58" fmla="*/ 1860614 h 6858000"/>
+              <a:gd name="connsiteX59" fmla="*/ 1247011 w 5962785"/>
+              <a:gd name="connsiteY59" fmla="*/ 1665972 h 6858000"/>
+              <a:gd name="connsiteX60" fmla="*/ 1354586 w 5962785"/>
+              <a:gd name="connsiteY60" fmla="*/ 1644345 h 6858000"/>
+              <a:gd name="connsiteX61" fmla="*/ 1395290 w 5962785"/>
+              <a:gd name="connsiteY61" fmla="*/ 1604696 h 6858000"/>
+              <a:gd name="connsiteX62" fmla="*/ 1366216 w 5962785"/>
+              <a:gd name="connsiteY62" fmla="*/ 1547025 h 6858000"/>
+              <a:gd name="connsiteX63" fmla="*/ 1031858 w 5962785"/>
+              <a:gd name="connsiteY63" fmla="*/ 1370405 h 6858000"/>
+              <a:gd name="connsiteX64" fmla="*/ 1005692 w 5962785"/>
+              <a:gd name="connsiteY64" fmla="*/ 1233435 h 6858000"/>
+              <a:gd name="connsiteX65" fmla="*/ 1069655 w 5962785"/>
+              <a:gd name="connsiteY65" fmla="*/ 1211808 h 6858000"/>
+              <a:gd name="connsiteX66" fmla="*/ 1142342 w 5962785"/>
+              <a:gd name="connsiteY66" fmla="*/ 1222621 h 6858000"/>
+              <a:gd name="connsiteX67" fmla="*/ 1084193 w 5962785"/>
+              <a:gd name="connsiteY67" fmla="*/ 1114487 h 6858000"/>
+              <a:gd name="connsiteX68" fmla="*/ 848689 w 5962785"/>
+              <a:gd name="connsiteY68" fmla="*/ 1006353 h 6858000"/>
+              <a:gd name="connsiteX69" fmla="*/ 805077 w 5962785"/>
+              <a:gd name="connsiteY69" fmla="*/ 948681 h 6858000"/>
+              <a:gd name="connsiteX70" fmla="*/ 863226 w 5962785"/>
+              <a:gd name="connsiteY70" fmla="*/ 919844 h 6858000"/>
+              <a:gd name="connsiteX71" fmla="*/ 906838 w 5962785"/>
+              <a:gd name="connsiteY71" fmla="*/ 909031 h 6858000"/>
+              <a:gd name="connsiteX72" fmla="*/ 5527 w 5962785"/>
+              <a:gd name="connsiteY72" fmla="*/ 458471 h 6858000"/>
+              <a:gd name="connsiteX73" fmla="*/ 209049 w 5962785"/>
+              <a:gd name="connsiteY73" fmla="*/ 454867 h 6858000"/>
+              <a:gd name="connsiteX74" fmla="*/ 409664 w 5962785"/>
+              <a:gd name="connsiteY74" fmla="*/ 526956 h 6858000"/>
+              <a:gd name="connsiteX75" fmla="*/ 621908 w 5962785"/>
+              <a:gd name="connsiteY75" fmla="*/ 516143 h 6858000"/>
+              <a:gd name="connsiteX76" fmla="*/ 822522 w 5962785"/>
+              <a:gd name="connsiteY76" fmla="*/ 552188 h 6858000"/>
+              <a:gd name="connsiteX77" fmla="*/ 996969 w 5962785"/>
+              <a:gd name="connsiteY77" fmla="*/ 552188 h 6858000"/>
+              <a:gd name="connsiteX78" fmla="*/ 834151 w 5962785"/>
+              <a:gd name="connsiteY78" fmla="*/ 498120 h 6858000"/>
+              <a:gd name="connsiteX79" fmla="*/ 773095 w 5962785"/>
+              <a:gd name="connsiteY79" fmla="*/ 408008 h 6858000"/>
+              <a:gd name="connsiteX80" fmla="*/ 793447 w 5962785"/>
+              <a:gd name="connsiteY80" fmla="*/ 325106 h 6858000"/>
+              <a:gd name="connsiteX81" fmla="*/ 860319 w 5962785"/>
+              <a:gd name="connsiteY81" fmla="*/ 350336 h 6858000"/>
+              <a:gd name="connsiteX82" fmla="*/ 938820 w 5962785"/>
+              <a:gd name="connsiteY82" fmla="*/ 444054 h 6858000"/>
+              <a:gd name="connsiteX83" fmla="*/ 956265 w 5962785"/>
+              <a:gd name="connsiteY83" fmla="*/ 386381 h 6858000"/>
+              <a:gd name="connsiteX84" fmla="*/ 1002784 w 5962785"/>
+              <a:gd name="connsiteY84" fmla="*/ 343127 h 6858000"/>
+              <a:gd name="connsiteX85" fmla="*/ 1270270 w 5962785"/>
+              <a:gd name="connsiteY85" fmla="*/ 364755 h 6858000"/>
+              <a:gd name="connsiteX86" fmla="*/ 1092915 w 5962785"/>
+              <a:gd name="connsiteY86" fmla="*/ 180926 h 6858000"/>
+              <a:gd name="connsiteX87" fmla="*/ 979525 w 5962785"/>
+              <a:gd name="connsiteY87" fmla="*/ 152090 h 6858000"/>
+              <a:gd name="connsiteX88" fmla="*/ 953358 w 5962785"/>
+              <a:gd name="connsiteY88" fmla="*/ 76396 h 6858000"/>
+              <a:gd name="connsiteX89" fmla="*/ 1005692 w 5962785"/>
+              <a:gd name="connsiteY89" fmla="*/ 58373 h 6858000"/>
+              <a:gd name="connsiteX90" fmla="*/ 1267362 w 5962785"/>
+              <a:gd name="connsiteY90" fmla="*/ 123254 h 6858000"/>
+              <a:gd name="connsiteX91" fmla="*/ 1310975 w 5962785"/>
+              <a:gd name="connsiteY91" fmla="*/ 98023 h 6858000"/>
+              <a:gd name="connsiteX92" fmla="*/ 1159787 w 5962785"/>
+              <a:gd name="connsiteY92" fmla="*/ 43505 h 6858000"/>
+            </a:gdLst>
+            <a:ahLst/>
+            <a:cxnLst>
+              <a:cxn ang="0">
+                <a:pos x="connsiteX0" y="connsiteY0"/>
+              </a:cxn>
+              <a:cxn ang="0">
+                <a:pos x="connsiteX1" y="connsiteY1"/>
+              </a:cxn>
+              <a:cxn ang="0">
+                <a:pos x="connsiteX2" y="connsiteY2"/>
+              </a:cxn>
+              <a:cxn ang="0">
+                <a:pos x="connsiteX3" y="connsiteY3"/>
+              </a:cxn>
+              <a:cxn ang="0">
+                <a:pos x="connsiteX4" y="connsiteY4"/>
+              </a:cxn>
+              <a:cxn ang="0">
+                <a:pos x="connsiteX5" y="connsiteY5"/>
+              </a:cxn>
+              <a:cxn ang="0">
+                <a:pos x="connsiteX6" y="connsiteY6"/>
+              </a:cxn>
+              <a:cxn ang="0">
+                <a:pos x="connsiteX7" y="connsiteY7"/>
+              </a:cxn>
+              <a:cxn ang="0">
+                <a:pos x="connsiteX8" y="connsiteY8"/>
+              </a:cxn>
+              <a:cxn ang="0">
+                <a:pos x="connsiteX9" y="connsiteY9"/>
+              </a:cxn>
+              <a:cxn ang="0">
+                <a:pos x="connsiteX10" y="connsiteY10"/>
+              </a:cxn>
+              <a:cxn ang="0">
+                <a:pos x="connsiteX11" y="connsiteY11"/>
+              </a:cxn>
+              <a:cxn ang="0">
+                <a:pos x="connsiteX12" y="connsiteY12"/>
+              </a:cxn>
+              <a:cxn ang="0">
+                <a:pos x="connsiteX13" y="connsiteY13"/>
+              </a:cxn>
+              <a:cxn ang="0">
+                <a:pos x="connsiteX14" y="connsiteY14"/>
+              </a:cxn>
+              <a:cxn ang="0">
+                <a:pos x="connsiteX15" y="connsiteY15"/>
+              </a:cxn>
+              <a:cxn ang="0">
+                <a:pos x="connsiteX16" y="connsiteY16"/>
+              </a:cxn>
+              <a:cxn ang="0">
+                <a:pos x="connsiteX17" y="connsiteY17"/>
+              </a:cxn>
+              <a:cxn ang="0">
+                <a:pos x="connsiteX18" y="connsiteY18"/>
+              </a:cxn>
+              <a:cxn ang="0">
+                <a:pos x="connsiteX19" y="connsiteY19"/>
+              </a:cxn>
+              <a:cxn ang="0">
+                <a:pos x="connsiteX20" y="connsiteY20"/>
+              </a:cxn>
+              <a:cxn ang="0">
+                <a:pos x="connsiteX21" y="connsiteY21"/>
+              </a:cxn>
+              <a:cxn ang="0">
+                <a:pos x="connsiteX22" y="connsiteY22"/>
+              </a:cxn>
+              <a:cxn ang="0">
+                <a:pos x="connsiteX23" y="connsiteY23"/>
+              </a:cxn>
+              <a:cxn ang="0">
+                <a:pos x="connsiteX24" y="connsiteY24"/>
+              </a:cxn>
+              <a:cxn ang="0">
+                <a:pos x="connsiteX25" y="connsiteY25"/>
+              </a:cxn>
+              <a:cxn ang="0">
+                <a:pos x="connsiteX26" y="connsiteY26"/>
+              </a:cxn>
+              <a:cxn ang="0">
+                <a:pos x="connsiteX27" y="connsiteY27"/>
+              </a:cxn>
+              <a:cxn ang="0">
+                <a:pos x="connsiteX28" y="connsiteY28"/>
+              </a:cxn>
+              <a:cxn ang="0">
+                <a:pos x="connsiteX29" y="connsiteY29"/>
+              </a:cxn>
+              <a:cxn ang="0">
+                <a:pos x="connsiteX30" y="connsiteY30"/>
+              </a:cxn>
+              <a:cxn ang="0">
+                <a:pos x="connsiteX31" y="connsiteY31"/>
+              </a:cxn>
+              <a:cxn ang="0">
+                <a:pos x="connsiteX32" y="connsiteY32"/>
+              </a:cxn>
+              <a:cxn ang="0">
+                <a:pos x="connsiteX33" y="connsiteY33"/>
+              </a:cxn>
+              <a:cxn ang="0">
+                <a:pos x="connsiteX34" y="connsiteY34"/>
+              </a:cxn>
+              <a:cxn ang="0">
+                <a:pos x="connsiteX35" y="connsiteY35"/>
+              </a:cxn>
+              <a:cxn ang="0">
+                <a:pos x="connsiteX36" y="connsiteY36"/>
+              </a:cxn>
+              <a:cxn ang="0">
+                <a:pos x="connsiteX37" y="connsiteY37"/>
+              </a:cxn>
+              <a:cxn ang="0">
+                <a:pos x="connsiteX38" y="connsiteY38"/>
+              </a:cxn>
+              <a:cxn ang="0">
+                <a:pos x="connsiteX39" y="connsiteY39"/>
+              </a:cxn>
+              <a:cxn ang="0">
+                <a:pos x="connsiteX40" y="connsiteY40"/>
+              </a:cxn>
+              <a:cxn ang="0">
+                <a:pos x="connsiteX41" y="connsiteY41"/>
+              </a:cxn>
+              <a:cxn ang="0">
+                <a:pos x="connsiteX42" y="connsiteY42"/>
+              </a:cxn>
+              <a:cxn ang="0">
+                <a:pos x="connsiteX43" y="connsiteY43"/>
+              </a:cxn>
+              <a:cxn ang="0">
+                <a:pos x="connsiteX44" y="connsiteY44"/>
+              </a:cxn>
+              <a:cxn ang="0">
+                <a:pos x="connsiteX45" y="connsiteY45"/>
+              </a:cxn>
+              <a:cxn ang="0">
+                <a:pos x="connsiteX46" y="connsiteY46"/>
+              </a:cxn>
+              <a:cxn ang="0">
+                <a:pos x="connsiteX47" y="connsiteY47"/>
+              </a:cxn>
+              <a:cxn ang="0">
+                <a:pos x="connsiteX48" y="connsiteY48"/>
+              </a:cxn>
+              <a:cxn ang="0">
+                <a:pos x="connsiteX49" y="connsiteY49"/>
+              </a:cxn>
+              <a:cxn ang="0">
+                <a:pos x="connsiteX50" y="connsiteY50"/>
+              </a:cxn>
+              <a:cxn ang="0">
+                <a:pos x="connsiteX51" y="connsiteY51"/>
+              </a:cxn>
+              <a:cxn ang="0">
+                <a:pos x="connsiteX52" y="connsiteY52"/>
+              </a:cxn>
+              <a:cxn ang="0">
+                <a:pos x="connsiteX53" y="connsiteY53"/>
+              </a:cxn>
+              <a:cxn ang="0">
+                <a:pos x="connsiteX54" y="connsiteY54"/>
+              </a:cxn>
+              <a:cxn ang="0">
+                <a:pos x="connsiteX55" y="connsiteY55"/>
+              </a:cxn>
+              <a:cxn ang="0">
+                <a:pos x="connsiteX56" y="connsiteY56"/>
+              </a:cxn>
+              <a:cxn ang="0">
+                <a:pos x="connsiteX57" y="connsiteY57"/>
+              </a:cxn>
+              <a:cxn ang="0">
+                <a:pos x="connsiteX58" y="connsiteY58"/>
+              </a:cxn>
+              <a:cxn ang="0">
+                <a:pos x="connsiteX59" y="connsiteY59"/>
+              </a:cxn>
+              <a:cxn ang="0">
+                <a:pos x="connsiteX60" y="connsiteY60"/>
+              </a:cxn>
+              <a:cxn ang="0">
+                <a:pos x="connsiteX61" y="connsiteY61"/>
+              </a:cxn>
+              <a:cxn ang="0">
+                <a:pos x="connsiteX62" y="connsiteY62"/>
+              </a:cxn>
+              <a:cxn ang="0">
+                <a:pos x="connsiteX63" y="connsiteY63"/>
+              </a:cxn>
+              <a:cxn ang="0">
+                <a:pos x="connsiteX64" y="connsiteY64"/>
+              </a:cxn>
+              <a:cxn ang="0">
+                <a:pos x="connsiteX65" y="connsiteY65"/>
+              </a:cxn>
+              <a:cxn ang="0">
+                <a:pos x="connsiteX66" y="connsiteY66"/>
+              </a:cxn>
+              <a:cxn ang="0">
+                <a:pos x="connsiteX67" y="connsiteY67"/>
+              </a:cxn>
+              <a:cxn ang="0">
+                <a:pos x="connsiteX68" y="connsiteY68"/>
+              </a:cxn>
+              <a:cxn ang="0">
+                <a:pos x="connsiteX69" y="connsiteY69"/>
+              </a:cxn>
+              <a:cxn ang="0">
+                <a:pos x="connsiteX70" y="connsiteY70"/>
+              </a:cxn>
+              <a:cxn ang="0">
+                <a:pos x="connsiteX71" y="connsiteY71"/>
+              </a:cxn>
+              <a:cxn ang="0">
+                <a:pos x="connsiteX72" y="connsiteY72"/>
+              </a:cxn>
+              <a:cxn ang="0">
+                <a:pos x="connsiteX73" y="connsiteY73"/>
+              </a:cxn>
+              <a:cxn ang="0">
+                <a:pos x="connsiteX74" y="connsiteY74"/>
+              </a:cxn>
+              <a:cxn ang="0">
+                <a:pos x="connsiteX75" y="connsiteY75"/>
+              </a:cxn>
+              <a:cxn ang="0">
+                <a:pos x="connsiteX76" y="connsiteY76"/>
+              </a:cxn>
+              <a:cxn ang="0">
+                <a:pos x="connsiteX77" y="connsiteY77"/>
+              </a:cxn>
+              <a:cxn ang="0">
+                <a:pos x="connsiteX78" y="connsiteY78"/>
+              </a:cxn>
+              <a:cxn ang="0">
+                <a:pos x="connsiteX79" y="connsiteY79"/>
+              </a:cxn>
+              <a:cxn ang="0">
+                <a:pos x="connsiteX80" y="connsiteY80"/>
+              </a:cxn>
+              <a:cxn ang="0">
+                <a:pos x="connsiteX81" y="connsiteY81"/>
+              </a:cxn>
+              <a:cxn ang="0">
+                <a:pos x="connsiteX82" y="connsiteY82"/>
+              </a:cxn>
+              <a:cxn ang="0">
+                <a:pos x="connsiteX83" y="connsiteY83"/>
+              </a:cxn>
+              <a:cxn ang="0">
+                <a:pos x="connsiteX84" y="connsiteY84"/>
+              </a:cxn>
+              <a:cxn ang="0">
+                <a:pos x="connsiteX85" y="connsiteY85"/>
+              </a:cxn>
+              <a:cxn ang="0">
+                <a:pos x="connsiteX86" y="connsiteY86"/>
+              </a:cxn>
+              <a:cxn ang="0">
+                <a:pos x="connsiteX87" y="connsiteY87"/>
+              </a:cxn>
+              <a:cxn ang="0">
+                <a:pos x="connsiteX88" y="connsiteY88"/>
+              </a:cxn>
+              <a:cxn ang="0">
+                <a:pos x="connsiteX89" y="connsiteY89"/>
+              </a:cxn>
+              <a:cxn ang="0">
+                <a:pos x="connsiteX90" y="connsiteY90"/>
+              </a:cxn>
+              <a:cxn ang="0">
+                <a:pos x="connsiteX91" y="connsiteY91"/>
+              </a:cxn>
+              <a:cxn ang="0">
+                <a:pos x="connsiteX92" y="connsiteY92"/>
+              </a:cxn>
+            </a:cxnLst>
+            <a:rect l="l" t="t" r="r" b="b"/>
+            <a:pathLst>
+              <a:path w="5962785" h="6858000">
+                <a:moveTo>
+                  <a:pt x="1044839" y="0"/>
+                </a:moveTo>
+                <a:lnTo>
+                  <a:pt x="5962785" y="0"/>
+                </a:lnTo>
+                <a:lnTo>
+                  <a:pt x="5962785" y="6858000"/>
+                </a:lnTo>
+                <a:lnTo>
+                  <a:pt x="1469886" y="6858000"/>
+                </a:lnTo>
+                <a:lnTo>
+                  <a:pt x="1416006" y="6823984"/>
+                </a:lnTo>
+                <a:cubicBezTo>
+                  <a:pt x="1356767" y="6787940"/>
+                  <a:pt x="1296437" y="6755500"/>
+                  <a:pt x="1232473" y="6733873"/>
+                </a:cubicBezTo>
+                <a:cubicBezTo>
+                  <a:pt x="1145250" y="6705037"/>
+                  <a:pt x="1060933" y="6654575"/>
+                  <a:pt x="1075471" y="6503186"/>
+                </a:cubicBezTo>
+                <a:cubicBezTo>
+                  <a:pt x="1078378" y="6459932"/>
+                  <a:pt x="1055118" y="6427493"/>
+                  <a:pt x="1020229" y="6438306"/>
+                </a:cubicBezTo>
+                <a:cubicBezTo>
+                  <a:pt x="953358" y="6459932"/>
+                  <a:pt x="921375" y="6398656"/>
+                  <a:pt x="883579" y="6351798"/>
+                </a:cubicBezTo>
+                <a:cubicBezTo>
+                  <a:pt x="816707" y="6268895"/>
+                  <a:pt x="752743" y="6182387"/>
+                  <a:pt x="645167" y="6167969"/>
+                </a:cubicBezTo>
+                <a:cubicBezTo>
+                  <a:pt x="665519" y="6103088"/>
+                  <a:pt x="700408" y="6110298"/>
+                  <a:pt x="732391" y="6124716"/>
+                </a:cubicBezTo>
+                <a:cubicBezTo>
+                  <a:pt x="816707" y="6160761"/>
+                  <a:pt x="901023" y="6200410"/>
+                  <a:pt x="985339" y="6236455"/>
+                </a:cubicBezTo>
+                <a:cubicBezTo>
+                  <a:pt x="1040581" y="6258081"/>
+                  <a:pt x="1095822" y="6290522"/>
+                  <a:pt x="1168509" y="6265291"/>
+                </a:cubicBezTo>
+                <a:cubicBezTo>
+                  <a:pt x="1104545" y="6135530"/>
+                  <a:pt x="996969" y="6110298"/>
+                  <a:pt x="909746" y="6070649"/>
+                </a:cubicBezTo>
+                <a:cubicBezTo>
+                  <a:pt x="802169" y="6020185"/>
+                  <a:pt x="738206" y="5926470"/>
+                  <a:pt x="659704" y="5818335"/>
+                </a:cubicBezTo>
+                <a:cubicBezTo>
+                  <a:pt x="738206" y="5789500"/>
+                  <a:pt x="787632" y="5868798"/>
+                  <a:pt x="851597" y="5865193"/>
+                </a:cubicBezTo>
+                <a:cubicBezTo>
+                  <a:pt x="854504" y="5854380"/>
+                  <a:pt x="860319" y="5832753"/>
+                  <a:pt x="860319" y="5832753"/>
+                </a:cubicBezTo>
+                <a:cubicBezTo>
+                  <a:pt x="755650" y="5775081"/>
+                  <a:pt x="709132" y="5666947"/>
+                  <a:pt x="691686" y="5533581"/>
+                </a:cubicBezTo>
+                <a:cubicBezTo>
+                  <a:pt x="685872" y="5465095"/>
+                  <a:pt x="648075" y="5443468"/>
+                  <a:pt x="610278" y="5411029"/>
+                </a:cubicBezTo>
+                <a:cubicBezTo>
+                  <a:pt x="482350" y="5299289"/>
+                  <a:pt x="345700" y="5198364"/>
+                  <a:pt x="238123" y="5046976"/>
+                </a:cubicBezTo>
+                <a:cubicBezTo>
+                  <a:pt x="363144" y="5064998"/>
+                  <a:pt x="461997" y="5165924"/>
+                  <a:pt x="592833" y="5209177"/>
+                </a:cubicBezTo>
+                <a:cubicBezTo>
+                  <a:pt x="488165" y="5043371"/>
+                  <a:pt x="351514" y="4956864"/>
+                  <a:pt x="226494" y="4855939"/>
+                </a:cubicBezTo>
+                <a:cubicBezTo>
+                  <a:pt x="168344" y="4809081"/>
+                  <a:pt x="116011" y="4751408"/>
+                  <a:pt x="49139" y="4726177"/>
+                </a:cubicBezTo>
+                <a:cubicBezTo>
+                  <a:pt x="25879" y="4718968"/>
+                  <a:pt x="-14825" y="4700947"/>
+                  <a:pt x="5527" y="4650483"/>
+                </a:cubicBezTo>
+                <a:cubicBezTo>
+                  <a:pt x="22972" y="4607230"/>
+                  <a:pt x="54954" y="4621648"/>
+                  <a:pt x="84029" y="4632460"/>
+                </a:cubicBezTo>
+                <a:cubicBezTo>
+                  <a:pt x="153807" y="4661296"/>
+                  <a:pt x="229401" y="4661296"/>
+                  <a:pt x="325347" y="4661296"/>
+                </a:cubicBezTo>
+                <a:cubicBezTo>
+                  <a:pt x="243939" y="4524326"/>
+                  <a:pt x="95658" y="4567580"/>
+                  <a:pt x="25879" y="4423401"/>
+                </a:cubicBezTo>
+                <a:cubicBezTo>
+                  <a:pt x="113103" y="4398170"/>
+                  <a:pt x="179975" y="4448632"/>
+                  <a:pt x="249753" y="4459446"/>
+                </a:cubicBezTo>
+                <a:cubicBezTo>
+                  <a:pt x="313718" y="4470259"/>
+                  <a:pt x="328254" y="4445028"/>
+                  <a:pt x="313718" y="4365729"/>
+                </a:cubicBezTo>
+                <a:cubicBezTo>
+                  <a:pt x="290458" y="4243177"/>
+                  <a:pt x="325347" y="4181900"/>
+                  <a:pt x="418386" y="4214341"/>
+                </a:cubicBezTo>
+                <a:cubicBezTo>
+                  <a:pt x="505609" y="4246781"/>
+                  <a:pt x="514332" y="4199922"/>
+                  <a:pt x="491072" y="4131438"/>
+                </a:cubicBezTo>
+                <a:cubicBezTo>
+                  <a:pt x="456183" y="4030512"/>
+                  <a:pt x="493979" y="3951214"/>
+                  <a:pt x="520147" y="3864706"/>
+                </a:cubicBezTo>
+                <a:cubicBezTo>
+                  <a:pt x="560851" y="3734945"/>
+                  <a:pt x="543407" y="3670064"/>
+                  <a:pt x="459090" y="3572743"/>
+                </a:cubicBezTo>
+                <a:cubicBezTo>
+                  <a:pt x="409664" y="3518676"/>
+                  <a:pt x="360236" y="3471818"/>
+                  <a:pt x="290458" y="3424959"/>
+                </a:cubicBezTo>
+                <a:cubicBezTo>
+                  <a:pt x="450368" y="3399728"/>
+                  <a:pt x="284643" y="3313221"/>
+                  <a:pt x="339884" y="3259153"/>
+                </a:cubicBezTo>
+                <a:cubicBezTo>
+                  <a:pt x="453275" y="3237527"/>
+                  <a:pt x="543407" y="3410542"/>
+                  <a:pt x="697501" y="3360078"/>
+                </a:cubicBezTo>
+                <a:cubicBezTo>
+                  <a:pt x="511425" y="3212294"/>
+                  <a:pt x="302087" y="3165436"/>
+                  <a:pt x="165437" y="2967190"/>
+                </a:cubicBezTo>
+                <a:cubicBezTo>
+                  <a:pt x="197419" y="2923937"/>
+                  <a:pt x="229401" y="2967190"/>
+                  <a:pt x="255568" y="2949167"/>
+                </a:cubicBezTo>
+                <a:cubicBezTo>
+                  <a:pt x="255568" y="2938354"/>
+                  <a:pt x="560851" y="3006840"/>
+                  <a:pt x="578296" y="2725691"/>
+                </a:cubicBezTo>
+                <a:cubicBezTo>
+                  <a:pt x="584111" y="2725691"/>
+                  <a:pt x="589926" y="2725691"/>
+                  <a:pt x="595740" y="2714876"/>
+                </a:cubicBezTo>
+                <a:cubicBezTo>
+                  <a:pt x="627722" y="2675228"/>
+                  <a:pt x="598648" y="2581510"/>
+                  <a:pt x="650982" y="2574301"/>
+                </a:cubicBezTo>
+                <a:cubicBezTo>
+                  <a:pt x="709132" y="2567092"/>
+                  <a:pt x="764373" y="2534653"/>
+                  <a:pt x="825429" y="2552674"/>
+                </a:cubicBezTo>
+                <a:cubicBezTo>
+                  <a:pt x="871949" y="2567092"/>
+                  <a:pt x="921375" y="2585115"/>
+                  <a:pt x="970802" y="2585115"/>
+                </a:cubicBezTo>
+                <a:cubicBezTo>
+                  <a:pt x="1023136" y="2585115"/>
+                  <a:pt x="1095822" y="2707668"/>
+                  <a:pt x="1127805" y="2545465"/>
+                </a:cubicBezTo>
+                <a:cubicBezTo>
+                  <a:pt x="1127805" y="2538257"/>
+                  <a:pt x="1217936" y="2556280"/>
+                  <a:pt x="1267362" y="2563488"/>
+                </a:cubicBezTo>
+                <a:cubicBezTo>
+                  <a:pt x="1308067" y="2570698"/>
+                  <a:pt x="1357494" y="2603137"/>
+                  <a:pt x="1386568" y="2538257"/>
+                </a:cubicBezTo>
+                <a:cubicBezTo>
+                  <a:pt x="1401105" y="2498607"/>
+                  <a:pt x="1331326" y="2426518"/>
+                  <a:pt x="1270270" y="2419309"/>
+                </a:cubicBezTo>
+                <a:cubicBezTo>
+                  <a:pt x="1215029" y="2412101"/>
+                  <a:pt x="1159787" y="2404892"/>
+                  <a:pt x="1107453" y="2419309"/>
+                </a:cubicBezTo>
+                <a:cubicBezTo>
+                  <a:pt x="1043489" y="2437331"/>
+                  <a:pt x="1008599" y="2408495"/>
+                  <a:pt x="991154" y="2343615"/>
+                </a:cubicBezTo>
+                <a:cubicBezTo>
+                  <a:pt x="970802" y="2275131"/>
+                  <a:pt x="933005" y="2239085"/>
+                  <a:pt x="880671" y="2206645"/>
+                </a:cubicBezTo>
+                <a:cubicBezTo>
+                  <a:pt x="752743" y="2127346"/>
+                  <a:pt x="630630" y="2033629"/>
+                  <a:pt x="491072" y="1986771"/>
+                </a:cubicBezTo>
+                <a:cubicBezTo>
+                  <a:pt x="464905" y="1979562"/>
+                  <a:pt x="432923" y="1965145"/>
+                  <a:pt x="421293" y="1903868"/>
+                </a:cubicBezTo>
+                <a:cubicBezTo>
+                  <a:pt x="799262" y="1997584"/>
+                  <a:pt x="1142342" y="2239085"/>
+                  <a:pt x="1531941" y="2224667"/>
+                </a:cubicBezTo>
+                <a:cubicBezTo>
+                  <a:pt x="1427272" y="2148974"/>
+                  <a:pt x="1302252" y="2145369"/>
+                  <a:pt x="1188861" y="2091301"/>
+                </a:cubicBezTo>
+                <a:cubicBezTo>
+                  <a:pt x="1270270" y="2051652"/>
+                  <a:pt x="1345864" y="2094906"/>
+                  <a:pt x="1421458" y="2116532"/>
+                </a:cubicBezTo>
+                <a:cubicBezTo>
+                  <a:pt x="1485422" y="2134554"/>
+                  <a:pt x="1543571" y="2138160"/>
+                  <a:pt x="1549386" y="2026420"/>
+                </a:cubicBezTo>
+                <a:cubicBezTo>
+                  <a:pt x="1549386" y="2015607"/>
+                  <a:pt x="1549386" y="2008398"/>
+                  <a:pt x="1549386" y="1997584"/>
+                </a:cubicBezTo>
+                <a:cubicBezTo>
+                  <a:pt x="1526126" y="1950727"/>
+                  <a:pt x="1494144" y="1929099"/>
+                  <a:pt x="1453440" y="1914682"/>
+                </a:cubicBezTo>
+                <a:cubicBezTo>
+                  <a:pt x="1430180" y="1907473"/>
+                  <a:pt x="1398198" y="1893056"/>
+                  <a:pt x="1398198" y="1860614"/>
+                </a:cubicBezTo>
+                <a:cubicBezTo>
+                  <a:pt x="1401105" y="1738063"/>
+                  <a:pt x="1322604" y="1702018"/>
+                  <a:pt x="1247011" y="1665972"/>
+                </a:cubicBezTo>
+                <a:cubicBezTo>
+                  <a:pt x="1287715" y="1604696"/>
+                  <a:pt x="1322604" y="1647950"/>
+                  <a:pt x="1354586" y="1644345"/>
+                </a:cubicBezTo>
+                <a:cubicBezTo>
+                  <a:pt x="1374939" y="1640741"/>
+                  <a:pt x="1395290" y="1637138"/>
+                  <a:pt x="1395290" y="1604696"/>
+                </a:cubicBezTo>
+                <a:cubicBezTo>
+                  <a:pt x="1395290" y="1579465"/>
+                  <a:pt x="1386568" y="1547025"/>
+                  <a:pt x="1366216" y="1547025"/>
+                </a:cubicBezTo>
+                <a:cubicBezTo>
+                  <a:pt x="1238288" y="1543420"/>
+                  <a:pt x="1165601" y="1370405"/>
+                  <a:pt x="1031858" y="1370405"/>
+                </a:cubicBezTo>
+                <a:cubicBezTo>
+                  <a:pt x="950450" y="1370405"/>
+                  <a:pt x="1072563" y="1273083"/>
+                  <a:pt x="1005692" y="1233435"/>
+                </a:cubicBezTo>
+                <a:cubicBezTo>
+                  <a:pt x="991154" y="1222621"/>
+                  <a:pt x="1046396" y="1208203"/>
+                  <a:pt x="1069655" y="1211808"/>
+                </a:cubicBezTo>
+                <a:cubicBezTo>
+                  <a:pt x="1092915" y="1215412"/>
+                  <a:pt x="1113268" y="1240644"/>
+                  <a:pt x="1142342" y="1222621"/>
+                </a:cubicBezTo>
+                <a:cubicBezTo>
+                  <a:pt x="1156879" y="1157741"/>
+                  <a:pt x="1119082" y="1132510"/>
+                  <a:pt x="1084193" y="1114487"/>
+                </a:cubicBezTo>
+                <a:cubicBezTo>
+                  <a:pt x="1008599" y="1071234"/>
+                  <a:pt x="933005" y="1020771"/>
+                  <a:pt x="848689" y="1006353"/>
+                </a:cubicBezTo>
+                <a:cubicBezTo>
+                  <a:pt x="819615" y="1002748"/>
+                  <a:pt x="802169" y="984726"/>
+                  <a:pt x="805077" y="948681"/>
+                </a:cubicBezTo>
+                <a:cubicBezTo>
+                  <a:pt x="810892" y="901822"/>
+                  <a:pt x="839967" y="916240"/>
+                  <a:pt x="863226" y="919844"/>
+                </a:cubicBezTo>
+                <a:cubicBezTo>
+                  <a:pt x="877764" y="923450"/>
+                  <a:pt x="892301" y="934263"/>
+                  <a:pt x="906838" y="909031"/>
+                </a:cubicBezTo>
+                <a:cubicBezTo>
+                  <a:pt x="566666" y="653113"/>
+                  <a:pt x="386404" y="667532"/>
+                  <a:pt x="5527" y="458471"/>
+                </a:cubicBezTo>
+                <a:cubicBezTo>
+                  <a:pt x="89843" y="418822"/>
+                  <a:pt x="150900" y="447658"/>
+                  <a:pt x="209049" y="454867"/>
+                </a:cubicBezTo>
+                <a:cubicBezTo>
+                  <a:pt x="354422" y="472890"/>
+                  <a:pt x="264290" y="505329"/>
+                  <a:pt x="409664" y="526956"/>
+                </a:cubicBezTo>
+                <a:cubicBezTo>
+                  <a:pt x="479443" y="537770"/>
+                  <a:pt x="543407" y="573815"/>
+                  <a:pt x="621908" y="516143"/>
+                </a:cubicBezTo>
+                <a:cubicBezTo>
+                  <a:pt x="674242" y="476494"/>
+                  <a:pt x="758558" y="519747"/>
+                  <a:pt x="822522" y="552188"/>
+                </a:cubicBezTo>
+                <a:cubicBezTo>
+                  <a:pt x="874856" y="581024"/>
+                  <a:pt x="927190" y="588232"/>
+                  <a:pt x="996969" y="552188"/>
+                </a:cubicBezTo>
+                <a:cubicBezTo>
+                  <a:pt x="933005" y="530562"/>
+                  <a:pt x="883579" y="512539"/>
+                  <a:pt x="834151" y="498120"/>
+                </a:cubicBezTo>
+                <a:cubicBezTo>
+                  <a:pt x="793447" y="487307"/>
+                  <a:pt x="770187" y="462076"/>
+                  <a:pt x="773095" y="408008"/>
+                </a:cubicBezTo>
+                <a:cubicBezTo>
+                  <a:pt x="773095" y="379172"/>
+                  <a:pt x="764373" y="339523"/>
+                  <a:pt x="793447" y="325106"/>
+                </a:cubicBezTo>
+                <a:cubicBezTo>
+                  <a:pt x="816707" y="310688"/>
+                  <a:pt x="848689" y="325106"/>
+                  <a:pt x="860319" y="350336"/>
+                </a:cubicBezTo>
+                <a:cubicBezTo>
+                  <a:pt x="874856" y="397195"/>
+                  <a:pt x="889393" y="440449"/>
+                  <a:pt x="938820" y="444054"/>
+                </a:cubicBezTo>
+                <a:cubicBezTo>
+                  <a:pt x="1005692" y="451262"/>
+                  <a:pt x="967894" y="422426"/>
+                  <a:pt x="956265" y="386381"/>
+                </a:cubicBezTo>
+                <a:cubicBezTo>
+                  <a:pt x="944635" y="346733"/>
+                  <a:pt x="979525" y="335919"/>
+                  <a:pt x="1002784" y="343127"/>
+                </a:cubicBezTo>
+                <a:cubicBezTo>
+                  <a:pt x="1090008" y="375569"/>
+                  <a:pt x="1180139" y="317897"/>
+                  <a:pt x="1270270" y="364755"/>
+                </a:cubicBezTo>
+                <a:cubicBezTo>
+                  <a:pt x="1247011" y="249411"/>
+                  <a:pt x="1197583" y="198949"/>
+                  <a:pt x="1092915" y="180926"/>
+                </a:cubicBezTo>
+                <a:cubicBezTo>
+                  <a:pt x="1055118" y="177322"/>
+                  <a:pt x="1014414" y="184530"/>
+                  <a:pt x="979525" y="152090"/>
+                </a:cubicBezTo>
+                <a:cubicBezTo>
+                  <a:pt x="959172" y="134068"/>
+                  <a:pt x="938820" y="112441"/>
+                  <a:pt x="953358" y="76396"/>
+                </a:cubicBezTo>
+                <a:cubicBezTo>
+                  <a:pt x="962080" y="51165"/>
+                  <a:pt x="985339" y="51165"/>
+                  <a:pt x="1005692" y="58373"/>
+                </a:cubicBezTo>
+                <a:cubicBezTo>
+                  <a:pt x="1090008" y="98023"/>
+                  <a:pt x="1180139" y="108837"/>
+                  <a:pt x="1267362" y="123254"/>
+                </a:cubicBezTo>
+                <a:cubicBezTo>
+                  <a:pt x="1281900" y="126859"/>
+                  <a:pt x="1296437" y="134068"/>
+                  <a:pt x="1310975" y="98023"/>
+                </a:cubicBezTo>
+                <a:cubicBezTo>
+                  <a:pt x="1260095" y="81803"/>
+                  <a:pt x="1209941" y="62879"/>
+                  <a:pt x="1159787" y="43505"/>
+                </a:cubicBezTo>
+                <a:close/>
+              </a:path>
+            </a:pathLst>
+          </a:custGeom>
+          <a:solidFill>
+            <a:schemeClr val="accent1">
+              <a:alpha val="20000"/>
+            </a:schemeClr>
+          </a:solidFill>
+          <a:ln>
+            <a:noFill/>
+          </a:ln>
+        </p:spPr>
+        <p:style>
+          <a:lnRef idx="2">
+            <a:schemeClr val="accent1">
+              <a:shade val="50000"/>
+            </a:schemeClr>
+          </a:lnRef>
+          <a:fillRef idx="1">
+            <a:schemeClr val="accent1"/>
+          </a:fillRef>
+          <a:effectRef idx="0">
+            <a:schemeClr val="accent1"/>
+          </a:effectRef>
+          <a:fontRef idx="minor">
+            <a:schemeClr val="lt1"/>
+          </a:fontRef>
+        </p:style>
+        <p:txBody>
+          <a:bodyPr wrap="square" rtlCol="0" anchor="ctr">
+            <a:noAutofit/>
+          </a:bodyPr>
+          <a:lstStyle/>
+          <a:p>
+            <a:pPr algn="ctr"/>
+            <a:endParaRPr lang="en-US" dirty="0"/>
+          </a:p>
+        </p:txBody>
+      </p:sp>
+      <p:sp>
+        <p:nvSpPr>
+          <p:cNvPr id="2" name="Title 1">
+            <a:extLst>
+              <a:ext uri="{FF2B5EF4-FFF2-40B4-BE49-F238E27FC236}">
+                <a16:creationId xmlns:a16="http://schemas.microsoft.com/office/drawing/2014/main" id="{9A0606E5-ED11-486E-906D-9221A2097ECF}"/>
+              </a:ext>
+            </a:extLst>
+          </p:cNvPr>
+          <p:cNvSpPr>
+            <a:spLocks noGrp="1"/>
+          </p:cNvSpPr>
+          <p:nvPr>
+            <p:ph type="title"/>
+          </p:nvPr>
+        </p:nvSpPr>
+        <p:spPr>
+          <a:xfrm>
+            <a:off x="838201" y="643467"/>
+            <a:ext cx="3888526" cy="1800526"/>
+          </a:xfrm>
+        </p:spPr>
+        <p:txBody>
+          <a:bodyPr>
+            <a:normAutofit/>
+          </a:bodyPr>
+          <a:lstStyle/>
+          <a:p>
+            <a:r>
+              <a:rPr lang="en-US" dirty="0"/>
+              <a:t>Iterating</a:t>
+            </a:r>
+          </a:p>
+        </p:txBody>
+      </p:sp>
+      <p:pic>
+        <p:nvPicPr>
+          <p:cNvPr id="2050" name="Picture 2" descr="Row- and column-major order - Wikipedia">
+            <a:extLst>
+              <a:ext uri="{FF2B5EF4-FFF2-40B4-BE49-F238E27FC236}">
+                <a16:creationId xmlns:a16="http://schemas.microsoft.com/office/drawing/2014/main" id="{22BB0CB3-A794-4005-A5FA-28E5C8866387}"/>
+              </a:ext>
+            </a:extLst>
+          </p:cNvPr>
+          <p:cNvPicPr>
+            <a:picLocks noChangeAspect="1" noChangeArrowheads="1"/>
+          </p:cNvPicPr>
+          <p:nvPr/>
+        </p:nvPicPr>
+        <p:blipFill>
+          <a:blip r:embed="rId2">
+            <a:extLst>
+              <a:ext uri="{28A0092B-C50C-407E-A947-70E740481C1C}">
+                <a14:useLocalDpi xmlns:a14="http://schemas.microsoft.com/office/drawing/2010/main" val="0"/>
+              </a:ext>
+            </a:extLst>
+          </a:blip>
+          <a:stretch>
+            <a:fillRect/>
+          </a:stretch>
+        </p:blipFill>
+        <p:spPr bwMode="auto">
+          <a:xfrm>
+            <a:off x="7074806" y="643234"/>
+            <a:ext cx="4199907" cy="5599876"/>
+          </a:xfrm>
+          <a:prstGeom prst="rect">
+            <a:avLst/>
+          </a:prstGeom>
+          <a:noFill/>
+          <a:extLst>
+            <a:ext uri="{909E8E84-426E-40DD-AFC4-6F175D3DCCD1}">
+              <a14:hiddenFill xmlns:a14="http://schemas.microsoft.com/office/drawing/2010/main">
+                <a:solidFill>
+                  <a:srgbClr val="FFFFFF"/>
+                </a:solidFill>
+              </a14:hiddenFill>
+            </a:ext>
+          </a:extLst>
+        </p:spPr>
+      </p:pic>
+      <p:graphicFrame>
+        <p:nvGraphicFramePr>
+          <p:cNvPr id="5" name="Content Placeholder 2">
+            <a:extLst>
+              <a:ext uri="{FF2B5EF4-FFF2-40B4-BE49-F238E27FC236}">
+                <a16:creationId xmlns:a16="http://schemas.microsoft.com/office/drawing/2014/main" id="{8E0EBDD6-C24D-4AC7-B924-9E20812C2552}"/>
+              </a:ext>
+            </a:extLst>
+          </p:cNvPr>
+          <p:cNvGraphicFramePr>
+            <a:graphicFrameLocks noGrp="1"/>
+          </p:cNvGraphicFramePr>
+          <p:nvPr>
+            <p:ph idx="1"/>
+            <p:extLst>
+              <p:ext uri="{D42A27DB-BD31-4B8C-83A1-F6EECF244321}">
+                <p14:modId xmlns:p14="http://schemas.microsoft.com/office/powerpoint/2010/main" val="876342931"/>
+              </p:ext>
+            </p:extLst>
+          </p:nvPr>
+        </p:nvGraphicFramePr>
+        <p:xfrm>
+          <a:off x="838201" y="2623381"/>
+          <a:ext cx="3888528" cy="3553581"/>
+        </p:xfrm>
+        <a:graphic>
+          <a:graphicData uri="http://schemas.openxmlformats.org/drawingml/2006/diagram">
+            <dgm:relIds xmlns:dgm="http://schemas.openxmlformats.org/drawingml/2006/diagram" xmlns:r="http://schemas.openxmlformats.org/officeDocument/2006/relationships" r:dm="rId3" r:lo="rId4" r:qs="rId5" r:cs="rId6"/>
+          </a:graphicData>
+        </a:graphic>
+      </p:graphicFrame>
+    </p:spTree>
+    <p:extLst>
+      <p:ext uri="{BB962C8B-B14F-4D97-AF65-F5344CB8AC3E}">
+        <p14:creationId xmlns:p14="http://schemas.microsoft.com/office/powerpoint/2010/main" val="1060266473"/>
+      </p:ext>
+    </p:extLst>
+  </p:cSld>
+  <p:clrMapOvr>
+    <a:masterClrMapping/>
+  </p:clrMapOvr>
+</p:sld>
+</file>
+
+<file path=ppt/slides/slide7.xml><?xml version="1.0" encoding="utf-8"?>
+<p:sld xmlns:a="http://schemas.openxmlformats.org/drawingml/2006/main" xmlns:r="http://schemas.openxmlformats.org/officeDocument/2006/relationships" xmlns:p="http://schemas.openxmlformats.org/presentationml/2006/main">
+  <p:cSld>
+    <p:spTree>
+      <p:nvGrpSpPr>
+        <p:cNvPr id="1" name=""/>
+        <p:cNvGrpSpPr/>
+        <p:nvPr/>
+      </p:nvGrpSpPr>
+      <p:grpSpPr>
+        <a:xfrm>
+          <a:off x="0" y="0"/>
+          <a:ext cx="0" cy="0"/>
+          <a:chOff x="0" y="0"/>
+          <a:chExt cx="0" cy="0"/>
+        </a:xfrm>
+      </p:grpSpPr>
+      <p:sp>
+        <p:nvSpPr>
+          <p:cNvPr id="2" name="Title 1">
+            <a:extLst>
+              <a:ext uri="{FF2B5EF4-FFF2-40B4-BE49-F238E27FC236}">
+                <a16:creationId xmlns:a16="http://schemas.microsoft.com/office/drawing/2014/main" id="{291C515C-BACB-4255-8499-3EB33C48C7A2}"/>
+              </a:ext>
+            </a:extLst>
+          </p:cNvPr>
+          <p:cNvSpPr>
+            <a:spLocks noGrp="1"/>
+          </p:cNvSpPr>
+          <p:nvPr>
+            <p:ph type="title"/>
+          </p:nvPr>
+        </p:nvSpPr>
+        <p:spPr/>
+        <p:txBody>
+          <a:bodyPr/>
+          <a:lstStyle/>
+          <a:p>
+            <a:r>
+              <a:rPr lang="en-US" dirty="0"/>
+              <a:t>For tonight’s solutions</a:t>
+            </a:r>
+          </a:p>
+        </p:txBody>
+      </p:sp>
+      <p:sp>
+        <p:nvSpPr>
+          <p:cNvPr id="3" name="Content Placeholder 2">
+            <a:extLst>
+              <a:ext uri="{FF2B5EF4-FFF2-40B4-BE49-F238E27FC236}">
+                <a16:creationId xmlns:a16="http://schemas.microsoft.com/office/drawing/2014/main" id="{0D7677D1-EFAB-48D6-A86A-827ED93556D1}"/>
+              </a:ext>
+            </a:extLst>
+          </p:cNvPr>
+          <p:cNvSpPr>
+            <a:spLocks noGrp="1"/>
+          </p:cNvSpPr>
+          <p:nvPr>
+            <p:ph idx="1"/>
+          </p:nvPr>
+        </p:nvSpPr>
+        <p:spPr>
+          <a:xfrm>
+            <a:off x="838200" y="2011680"/>
+            <a:ext cx="10515600" cy="2607821"/>
+          </a:xfrm>
+        </p:spPr>
+        <p:txBody>
+          <a:bodyPr>
+            <a:normAutofit fontScale="92500" lnSpcReduction="10000"/>
+          </a:bodyPr>
+          <a:lstStyle/>
+          <a:p>
+            <a:r>
+              <a:rPr lang="en-US" dirty="0"/>
+              <a:t>Solutions will assume:</a:t>
+            </a:r>
+          </a:p>
+          <a:p>
+            <a:pPr lvl="1"/>
+            <a:r>
+              <a:rPr lang="en-US" dirty="0"/>
+              <a:t>Upper, left is (0,0)</a:t>
+            </a:r>
+          </a:p>
+          <a:p>
+            <a:pPr lvl="1"/>
+            <a:r>
+              <a:rPr lang="en-US" dirty="0"/>
+              <a:t>Iteration/Scanning will be top-to-bottom, left-to-right (book order)</a:t>
+            </a:r>
+          </a:p>
+          <a:p>
+            <a:pPr lvl="1"/>
+            <a:r>
+              <a:rPr lang="en-US" dirty="0"/>
+              <a:t>2D array: grid[y][x]</a:t>
+            </a:r>
+          </a:p>
+          <a:p>
+            <a:pPr lvl="2"/>
+            <a:r>
+              <a:rPr lang="en-US" dirty="0"/>
+              <a:t>Height of grid is then </a:t>
+            </a:r>
+            <a:r>
+              <a:rPr lang="en-US" dirty="0" err="1"/>
+              <a:t>len</a:t>
+            </a:r>
+            <a:r>
+              <a:rPr lang="en-US" dirty="0"/>
+              <a:t>(grid)</a:t>
+            </a:r>
+          </a:p>
+          <a:p>
+            <a:pPr lvl="2"/>
+            <a:r>
+              <a:rPr lang="en-US" dirty="0"/>
+              <a:t>Width of grid is then </a:t>
+            </a:r>
+            <a:r>
+              <a:rPr lang="en-US" dirty="0" err="1"/>
+              <a:t>len</a:t>
+            </a:r>
+            <a:r>
+              <a:rPr lang="en-US" dirty="0"/>
+              <a:t>(grid[0])</a:t>
+            </a:r>
+          </a:p>
+          <a:p>
+            <a:pPr lvl="2"/>
+            <a:r>
+              <a:rPr lang="en-US" b="1" dirty="0"/>
+              <a:t>Invariant</a:t>
+            </a:r>
+            <a:r>
+              <a:rPr lang="en-US" dirty="0"/>
+              <a:t>: All rows are the same length</a:t>
+            </a:r>
+          </a:p>
+        </p:txBody>
+      </p:sp>
+      <p:cxnSp>
+        <p:nvCxnSpPr>
+          <p:cNvPr id="4" name="Straight Arrow Connector 3">
+            <a:extLst>
+              <a:ext uri="{FF2B5EF4-FFF2-40B4-BE49-F238E27FC236}">
+                <a16:creationId xmlns:a16="http://schemas.microsoft.com/office/drawing/2014/main" id="{51CF9670-B491-4CC8-9095-363D40728ECC}"/>
+              </a:ext>
+            </a:extLst>
+          </p:cNvPr>
+          <p:cNvCxnSpPr>
+            <a:cxnSpLocks/>
+          </p:cNvCxnSpPr>
+          <p:nvPr/>
+        </p:nvCxnSpPr>
+        <p:spPr>
+          <a:xfrm>
+            <a:off x="8317480" y="3918565"/>
+            <a:ext cx="1511559" cy="0"/>
+          </a:xfrm>
+          <a:prstGeom prst="straightConnector1">
+            <a:avLst/>
+          </a:prstGeom>
+          <a:ln>
+            <a:tailEnd type="triangle"/>
+          </a:ln>
+        </p:spPr>
+        <p:style>
+          <a:lnRef idx="1">
+            <a:schemeClr val="dk1"/>
+          </a:lnRef>
+          <a:fillRef idx="0">
+            <a:schemeClr val="dk1"/>
+          </a:fillRef>
+          <a:effectRef idx="0">
+            <a:schemeClr val="dk1"/>
+          </a:effectRef>
+          <a:fontRef idx="minor">
+            <a:schemeClr val="tx1"/>
+          </a:fontRef>
+        </p:style>
+      </p:cxnSp>
+      <p:cxnSp>
+        <p:nvCxnSpPr>
+          <p:cNvPr id="5" name="Straight Arrow Connector 4">
+            <a:extLst>
+              <a:ext uri="{FF2B5EF4-FFF2-40B4-BE49-F238E27FC236}">
+                <a16:creationId xmlns:a16="http://schemas.microsoft.com/office/drawing/2014/main" id="{F01E0490-A077-481C-B8A3-4B2136FA67E4}"/>
+              </a:ext>
+            </a:extLst>
+          </p:cNvPr>
+          <p:cNvCxnSpPr>
+            <a:cxnSpLocks/>
+          </p:cNvCxnSpPr>
+          <p:nvPr/>
+        </p:nvCxnSpPr>
+        <p:spPr>
+          <a:xfrm rot="5400000" flipV="1">
+            <a:off x="7561701" y="4689896"/>
+            <a:ext cx="1511559" cy="0"/>
+          </a:xfrm>
+          <a:prstGeom prst="straightConnector1">
+            <a:avLst/>
+          </a:prstGeom>
+          <a:ln>
+            <a:tailEnd type="triangle"/>
+          </a:ln>
+        </p:spPr>
+        <p:style>
+          <a:lnRef idx="1">
+            <a:schemeClr val="dk1"/>
+          </a:lnRef>
+          <a:fillRef idx="0">
+            <a:schemeClr val="dk1"/>
+          </a:fillRef>
+          <a:effectRef idx="0">
+            <a:schemeClr val="dk1"/>
+          </a:effectRef>
+          <a:fontRef idx="minor">
+            <a:schemeClr val="tx1"/>
+          </a:fontRef>
+        </p:style>
+      </p:cxnSp>
+      <p:sp>
+        <p:nvSpPr>
+          <p:cNvPr id="6" name="Rectangle 5">
+            <a:extLst>
+              <a:ext uri="{FF2B5EF4-FFF2-40B4-BE49-F238E27FC236}">
+                <a16:creationId xmlns:a16="http://schemas.microsoft.com/office/drawing/2014/main" id="{802A326B-30C4-4B9A-B4CC-D9F33C95E957}"/>
+              </a:ext>
+            </a:extLst>
+          </p:cNvPr>
+          <p:cNvSpPr/>
+          <p:nvPr/>
+        </p:nvSpPr>
+        <p:spPr>
+          <a:xfrm>
+            <a:off x="8420118" y="4051215"/>
+            <a:ext cx="1306281" cy="1166281"/>
+          </a:xfrm>
+          <a:prstGeom prst="rect">
+            <a:avLst/>
+          </a:prstGeom>
+        </p:spPr>
+        <p:style>
+          <a:lnRef idx="2">
+            <a:schemeClr val="accent1">
+              <a:shade val="50000"/>
+            </a:schemeClr>
+          </a:lnRef>
+          <a:fillRef idx="1">
+            <a:schemeClr val="accent1"/>
+          </a:fillRef>
+          <a:effectRef idx="0">
+            <a:schemeClr val="accent1"/>
+          </a:effectRef>
+          <a:fontRef idx="minor">
+            <a:schemeClr val="lt1"/>
+          </a:fontRef>
+        </p:style>
+        <p:txBody>
+          <a:bodyPr rtlCol="0" anchor="ctr"/>
+          <a:lstStyle/>
+          <a:p>
+            <a:pPr algn="ctr"/>
+            <a:endParaRPr lang="en-US"/>
+          </a:p>
+        </p:txBody>
+      </p:sp>
+      <p:sp>
+        <p:nvSpPr>
+          <p:cNvPr id="7" name="TextBox 6">
+            <a:extLst>
+              <a:ext uri="{FF2B5EF4-FFF2-40B4-BE49-F238E27FC236}">
+                <a16:creationId xmlns:a16="http://schemas.microsoft.com/office/drawing/2014/main" id="{26BBD60B-CA2E-4FAF-8327-182F45D2132C}"/>
+              </a:ext>
+            </a:extLst>
+          </p:cNvPr>
+          <p:cNvSpPr txBox="1"/>
+          <p:nvPr/>
+        </p:nvSpPr>
+        <p:spPr>
+          <a:xfrm>
+            <a:off x="8328754" y="3996234"/>
+            <a:ext cx="802427" cy="369332"/>
+          </a:xfrm>
+          <a:prstGeom prst="rect">
+            <a:avLst/>
+          </a:prstGeom>
+          <a:noFill/>
+        </p:spPr>
+        <p:txBody>
+          <a:bodyPr wrap="square" rtlCol="0">
+            <a:spAutoFit/>
+          </a:bodyPr>
+          <a:lstStyle/>
+          <a:p>
+            <a:r>
+              <a:rPr lang="en-US" dirty="0"/>
+              <a:t>(0,0)</a:t>
+            </a:r>
+          </a:p>
+        </p:txBody>
+      </p:sp>
+      <p:sp>
+        <p:nvSpPr>
+          <p:cNvPr id="8" name="TextBox 7">
+            <a:extLst>
+              <a:ext uri="{FF2B5EF4-FFF2-40B4-BE49-F238E27FC236}">
+                <a16:creationId xmlns:a16="http://schemas.microsoft.com/office/drawing/2014/main" id="{2CDE1C98-14B2-4DEF-A59F-2181403EA91B}"/>
+              </a:ext>
+            </a:extLst>
+          </p:cNvPr>
+          <p:cNvSpPr txBox="1"/>
+          <p:nvPr/>
+        </p:nvSpPr>
+        <p:spPr>
+          <a:xfrm>
+            <a:off x="8018904" y="5664496"/>
+            <a:ext cx="3074433" cy="646331"/>
+          </a:xfrm>
+          <a:prstGeom prst="rect">
+            <a:avLst/>
+          </a:prstGeom>
+          <a:noFill/>
+        </p:spPr>
+        <p:txBody>
+          <a:bodyPr wrap="square" rtlCol="0">
+            <a:spAutoFit/>
+          </a:bodyPr>
+          <a:lstStyle/>
+          <a:p>
+            <a:r>
+              <a:rPr lang="en-US" dirty="0"/>
+              <a:t>Top down print would be</a:t>
+            </a:r>
+          </a:p>
+          <a:p>
+            <a:r>
+              <a:rPr lang="en-US" dirty="0"/>
+              <a:t>range(0,y)</a:t>
+            </a:r>
+          </a:p>
+        </p:txBody>
+      </p:sp>
+    </p:spTree>
+    <p:extLst>
+      <p:ext uri="{BB962C8B-B14F-4D97-AF65-F5344CB8AC3E}">
+        <p14:creationId xmlns:p14="http://schemas.microsoft.com/office/powerpoint/2010/main" val="3929329188"/>
+      </p:ext>
+    </p:extLst>
+  </p:cSld>
+  <p:clrMapOvr>
+    <a:masterClrMapping/>
+  </p:clrMapOvr>
+</p:sld>
+</file>
+
+<file path=ppt/slides/slide8.xml><?xml version="1.0" encoding="utf-8"?>
+<p:sld xmlns:a="http://schemas.openxmlformats.org/drawingml/2006/main" xmlns:r="http://schemas.openxmlformats.org/officeDocument/2006/relationships" xmlns:p="http://schemas.openxmlformats.org/presentationml/2006/main">
+  <p:cSld>
+    <p:bg>
+      <p:bgPr>
+        <a:solidFill>
+          <a:schemeClr val="bg1"/>
+        </a:solidFill>
+        <a:effectLst/>
+      </p:bgPr>
+    </p:bg>
+    <p:spTree>
+      <p:nvGrpSpPr>
+        <p:cNvPr id="1" name=""/>
+        <p:cNvGrpSpPr/>
+        <p:nvPr/>
+      </p:nvGrpSpPr>
+      <p:grpSpPr>
+        <a:xfrm>
+          <a:off x="0" y="0"/>
+          <a:ext cx="0" cy="0"/>
+          <a:chOff x="0" y="0"/>
+          <a:chExt cx="0" cy="0"/>
+        </a:xfrm>
+      </p:grpSpPr>
       <p:sp>
         <p:nvSpPr>
           <p:cNvPr id="10" name="Graphic 1">
@@ -43033,7 +46508,7 @@
 </p:sld>
 </file>
 
-<file path=ppt/slides/slide7.xml><?xml version="1.0" encoding="utf-8"?>
+<file path=ppt/slides/slide9.xml><?xml version="1.0" encoding="utf-8"?>
 <p:sld xmlns:a="http://schemas.openxmlformats.org/drawingml/2006/main" xmlns:r="http://schemas.openxmlformats.org/officeDocument/2006/relationships" xmlns:p="http://schemas.openxmlformats.org/presentationml/2006/main">
   <p:cSld>
     <p:spTree>
@@ -43493,1573 +46968,6 @@
     <p:extLst>
       <p:ext uri="{BB962C8B-B14F-4D97-AF65-F5344CB8AC3E}">
         <p14:creationId xmlns:p14="http://schemas.microsoft.com/office/powerpoint/2010/main" val="563958800"/>
-      </p:ext>
-    </p:extLst>
-  </p:cSld>
-  <p:clrMapOvr>
-    <a:masterClrMapping/>
-  </p:clrMapOvr>
-</p:sld>
-</file>
-
-<file path=ppt/slides/slide8.xml><?xml version="1.0" encoding="utf-8"?>
-<p:sld xmlns:a="http://schemas.openxmlformats.org/drawingml/2006/main" xmlns:r="http://schemas.openxmlformats.org/officeDocument/2006/relationships" xmlns:p="http://schemas.openxmlformats.org/presentationml/2006/main">
-  <p:cSld>
-    <p:bg>
-      <p:bgPr>
-        <a:solidFill>
-          <a:schemeClr val="bg1"/>
-        </a:solidFill>
-        <a:effectLst/>
-      </p:bgPr>
-    </p:bg>
-    <p:spTree>
-      <p:nvGrpSpPr>
-        <p:cNvPr id="1" name=""/>
-        <p:cNvGrpSpPr/>
-        <p:nvPr/>
-      </p:nvGrpSpPr>
-      <p:grpSpPr>
-        <a:xfrm>
-          <a:off x="0" y="0"/>
-          <a:ext cx="0" cy="0"/>
-          <a:chOff x="0" y="0"/>
-          <a:chExt cx="0" cy="0"/>
-        </a:xfrm>
-      </p:grpSpPr>
-      <p:sp useBgFill="1">
-        <p:nvSpPr>
-          <p:cNvPr id="71" name="Rectangle 70">
-            <a:extLst>
-              <a:ext uri="{FF2B5EF4-FFF2-40B4-BE49-F238E27FC236}">
-                <a16:creationId xmlns:a16="http://schemas.microsoft.com/office/drawing/2014/main" id="{0E3596DD-156A-473E-9BB3-C6A29F7574E9}"/>
-              </a:ext>
-              <a:ext uri="{C183D7F6-B498-43B3-948B-1728B52AA6E4}">
-                <adec:decorative xmlns:adec="http://schemas.microsoft.com/office/drawing/2017/decorative" val="1"/>
-              </a:ext>
-            </a:extLst>
-          </p:cNvPr>
-          <p:cNvSpPr>
-            <a:spLocks noGrp="1" noRot="1" noChangeAspect="1" noMove="1" noResize="1" noEditPoints="1" noAdjustHandles="1" noChangeArrowheads="1" noChangeShapeType="1" noTextEdit="1"/>
-          </p:cNvSpPr>
-          <p:nvPr>
-            <p:extLst>
-              <p:ext uri="{386F3935-93C4-4BCD-93E2-E3B085C9AB24}">
-                <p16:designElem xmlns:p16="http://schemas.microsoft.com/office/powerpoint/2015/main" val="1"/>
-              </p:ext>
-            </p:extLst>
-          </p:nvPr>
-        </p:nvSpPr>
-        <p:spPr>
-          <a:xfrm>
-            <a:off x="0" y="0"/>
-            <a:ext cx="12188952" cy="6858000"/>
-          </a:xfrm>
-          <a:prstGeom prst="rect">
-            <a:avLst/>
-          </a:prstGeom>
-          <a:ln>
-            <a:noFill/>
-          </a:ln>
-        </p:spPr>
-        <p:style>
-          <a:lnRef idx="2">
-            <a:schemeClr val="accent1">
-              <a:shade val="50000"/>
-            </a:schemeClr>
-          </a:lnRef>
-          <a:fillRef idx="1">
-            <a:schemeClr val="accent1"/>
-          </a:fillRef>
-          <a:effectRef idx="0">
-            <a:schemeClr val="accent1"/>
-          </a:effectRef>
-          <a:fontRef idx="minor">
-            <a:schemeClr val="lt1"/>
-          </a:fontRef>
-        </p:style>
-        <p:txBody>
-          <a:bodyPr rtlCol="0" anchor="ctr"/>
-          <a:lstStyle/>
-          <a:p>
-            <a:pPr algn="ctr"/>
-            <a:endParaRPr lang="en-US" dirty="0"/>
-          </a:p>
-        </p:txBody>
-      </p:sp>
-      <p:sp>
-        <p:nvSpPr>
-          <p:cNvPr id="73" name="Freeform: Shape 72">
-            <a:extLst>
-              <a:ext uri="{FF2B5EF4-FFF2-40B4-BE49-F238E27FC236}">
-                <a16:creationId xmlns:a16="http://schemas.microsoft.com/office/drawing/2014/main" id="{2C46C4D6-C474-4E92-B52E-944C1118F7B6}"/>
-              </a:ext>
-              <a:ext uri="{C183D7F6-B498-43B3-948B-1728B52AA6E4}">
-                <adec:decorative xmlns:adec="http://schemas.microsoft.com/office/drawing/2017/decorative" val="1"/>
-              </a:ext>
-            </a:extLst>
-          </p:cNvPr>
-          <p:cNvSpPr>
-            <a:spLocks noGrp="1" noRot="1" noChangeAspect="1" noMove="1" noResize="1" noEditPoints="1" noAdjustHandles="1" noChangeArrowheads="1" noChangeShapeType="1" noTextEdit="1"/>
-          </p:cNvSpPr>
-          <p:nvPr>
-            <p:extLst>
-              <p:ext uri="{386F3935-93C4-4BCD-93E2-E3B085C9AB24}">
-                <p16:designElem xmlns:p16="http://schemas.microsoft.com/office/powerpoint/2015/main" val="1"/>
-              </p:ext>
-            </p:extLst>
-          </p:nvPr>
-        </p:nvSpPr>
-        <p:spPr>
-          <a:xfrm flipH="1">
-            <a:off x="0" y="0"/>
-            <a:ext cx="5962785" cy="6858000"/>
-          </a:xfrm>
-          <a:custGeom>
-            <a:avLst/>
-            <a:gdLst>
-              <a:gd name="connsiteX0" fmla="*/ 1044839 w 5962785"/>
-              <a:gd name="connsiteY0" fmla="*/ 0 h 6858000"/>
-              <a:gd name="connsiteX1" fmla="*/ 5962785 w 5962785"/>
-              <a:gd name="connsiteY1" fmla="*/ 0 h 6858000"/>
-              <a:gd name="connsiteX2" fmla="*/ 5962785 w 5962785"/>
-              <a:gd name="connsiteY2" fmla="*/ 6858000 h 6858000"/>
-              <a:gd name="connsiteX3" fmla="*/ 1469886 w 5962785"/>
-              <a:gd name="connsiteY3" fmla="*/ 6858000 h 6858000"/>
-              <a:gd name="connsiteX4" fmla="*/ 1416006 w 5962785"/>
-              <a:gd name="connsiteY4" fmla="*/ 6823984 h 6858000"/>
-              <a:gd name="connsiteX5" fmla="*/ 1232473 w 5962785"/>
-              <a:gd name="connsiteY5" fmla="*/ 6733873 h 6858000"/>
-              <a:gd name="connsiteX6" fmla="*/ 1075471 w 5962785"/>
-              <a:gd name="connsiteY6" fmla="*/ 6503186 h 6858000"/>
-              <a:gd name="connsiteX7" fmla="*/ 1020229 w 5962785"/>
-              <a:gd name="connsiteY7" fmla="*/ 6438306 h 6858000"/>
-              <a:gd name="connsiteX8" fmla="*/ 883579 w 5962785"/>
-              <a:gd name="connsiteY8" fmla="*/ 6351798 h 6858000"/>
-              <a:gd name="connsiteX9" fmla="*/ 645167 w 5962785"/>
-              <a:gd name="connsiteY9" fmla="*/ 6167969 h 6858000"/>
-              <a:gd name="connsiteX10" fmla="*/ 732391 w 5962785"/>
-              <a:gd name="connsiteY10" fmla="*/ 6124716 h 6858000"/>
-              <a:gd name="connsiteX11" fmla="*/ 985339 w 5962785"/>
-              <a:gd name="connsiteY11" fmla="*/ 6236455 h 6858000"/>
-              <a:gd name="connsiteX12" fmla="*/ 1168509 w 5962785"/>
-              <a:gd name="connsiteY12" fmla="*/ 6265291 h 6858000"/>
-              <a:gd name="connsiteX13" fmla="*/ 909746 w 5962785"/>
-              <a:gd name="connsiteY13" fmla="*/ 6070649 h 6858000"/>
-              <a:gd name="connsiteX14" fmla="*/ 659704 w 5962785"/>
-              <a:gd name="connsiteY14" fmla="*/ 5818335 h 6858000"/>
-              <a:gd name="connsiteX15" fmla="*/ 851597 w 5962785"/>
-              <a:gd name="connsiteY15" fmla="*/ 5865193 h 6858000"/>
-              <a:gd name="connsiteX16" fmla="*/ 860319 w 5962785"/>
-              <a:gd name="connsiteY16" fmla="*/ 5832753 h 6858000"/>
-              <a:gd name="connsiteX17" fmla="*/ 691686 w 5962785"/>
-              <a:gd name="connsiteY17" fmla="*/ 5533581 h 6858000"/>
-              <a:gd name="connsiteX18" fmla="*/ 610278 w 5962785"/>
-              <a:gd name="connsiteY18" fmla="*/ 5411029 h 6858000"/>
-              <a:gd name="connsiteX19" fmla="*/ 238123 w 5962785"/>
-              <a:gd name="connsiteY19" fmla="*/ 5046976 h 6858000"/>
-              <a:gd name="connsiteX20" fmla="*/ 592833 w 5962785"/>
-              <a:gd name="connsiteY20" fmla="*/ 5209177 h 6858000"/>
-              <a:gd name="connsiteX21" fmla="*/ 226494 w 5962785"/>
-              <a:gd name="connsiteY21" fmla="*/ 4855939 h 6858000"/>
-              <a:gd name="connsiteX22" fmla="*/ 49139 w 5962785"/>
-              <a:gd name="connsiteY22" fmla="*/ 4726177 h 6858000"/>
-              <a:gd name="connsiteX23" fmla="*/ 5527 w 5962785"/>
-              <a:gd name="connsiteY23" fmla="*/ 4650483 h 6858000"/>
-              <a:gd name="connsiteX24" fmla="*/ 84029 w 5962785"/>
-              <a:gd name="connsiteY24" fmla="*/ 4632460 h 6858000"/>
-              <a:gd name="connsiteX25" fmla="*/ 325347 w 5962785"/>
-              <a:gd name="connsiteY25" fmla="*/ 4661296 h 6858000"/>
-              <a:gd name="connsiteX26" fmla="*/ 25879 w 5962785"/>
-              <a:gd name="connsiteY26" fmla="*/ 4423401 h 6858000"/>
-              <a:gd name="connsiteX27" fmla="*/ 249753 w 5962785"/>
-              <a:gd name="connsiteY27" fmla="*/ 4459446 h 6858000"/>
-              <a:gd name="connsiteX28" fmla="*/ 313718 w 5962785"/>
-              <a:gd name="connsiteY28" fmla="*/ 4365729 h 6858000"/>
-              <a:gd name="connsiteX29" fmla="*/ 418386 w 5962785"/>
-              <a:gd name="connsiteY29" fmla="*/ 4214341 h 6858000"/>
-              <a:gd name="connsiteX30" fmla="*/ 491072 w 5962785"/>
-              <a:gd name="connsiteY30" fmla="*/ 4131438 h 6858000"/>
-              <a:gd name="connsiteX31" fmla="*/ 520147 w 5962785"/>
-              <a:gd name="connsiteY31" fmla="*/ 3864706 h 6858000"/>
-              <a:gd name="connsiteX32" fmla="*/ 459090 w 5962785"/>
-              <a:gd name="connsiteY32" fmla="*/ 3572743 h 6858000"/>
-              <a:gd name="connsiteX33" fmla="*/ 290458 w 5962785"/>
-              <a:gd name="connsiteY33" fmla="*/ 3424959 h 6858000"/>
-              <a:gd name="connsiteX34" fmla="*/ 339884 w 5962785"/>
-              <a:gd name="connsiteY34" fmla="*/ 3259153 h 6858000"/>
-              <a:gd name="connsiteX35" fmla="*/ 697501 w 5962785"/>
-              <a:gd name="connsiteY35" fmla="*/ 3360078 h 6858000"/>
-              <a:gd name="connsiteX36" fmla="*/ 165437 w 5962785"/>
-              <a:gd name="connsiteY36" fmla="*/ 2967190 h 6858000"/>
-              <a:gd name="connsiteX37" fmla="*/ 255568 w 5962785"/>
-              <a:gd name="connsiteY37" fmla="*/ 2949167 h 6858000"/>
-              <a:gd name="connsiteX38" fmla="*/ 578296 w 5962785"/>
-              <a:gd name="connsiteY38" fmla="*/ 2725691 h 6858000"/>
-              <a:gd name="connsiteX39" fmla="*/ 595740 w 5962785"/>
-              <a:gd name="connsiteY39" fmla="*/ 2714876 h 6858000"/>
-              <a:gd name="connsiteX40" fmla="*/ 650982 w 5962785"/>
-              <a:gd name="connsiteY40" fmla="*/ 2574301 h 6858000"/>
-              <a:gd name="connsiteX41" fmla="*/ 825429 w 5962785"/>
-              <a:gd name="connsiteY41" fmla="*/ 2552674 h 6858000"/>
-              <a:gd name="connsiteX42" fmla="*/ 970802 w 5962785"/>
-              <a:gd name="connsiteY42" fmla="*/ 2585115 h 6858000"/>
-              <a:gd name="connsiteX43" fmla="*/ 1127805 w 5962785"/>
-              <a:gd name="connsiteY43" fmla="*/ 2545465 h 6858000"/>
-              <a:gd name="connsiteX44" fmla="*/ 1267362 w 5962785"/>
-              <a:gd name="connsiteY44" fmla="*/ 2563488 h 6858000"/>
-              <a:gd name="connsiteX45" fmla="*/ 1386568 w 5962785"/>
-              <a:gd name="connsiteY45" fmla="*/ 2538257 h 6858000"/>
-              <a:gd name="connsiteX46" fmla="*/ 1270270 w 5962785"/>
-              <a:gd name="connsiteY46" fmla="*/ 2419309 h 6858000"/>
-              <a:gd name="connsiteX47" fmla="*/ 1107453 w 5962785"/>
-              <a:gd name="connsiteY47" fmla="*/ 2419309 h 6858000"/>
-              <a:gd name="connsiteX48" fmla="*/ 991154 w 5962785"/>
-              <a:gd name="connsiteY48" fmla="*/ 2343615 h 6858000"/>
-              <a:gd name="connsiteX49" fmla="*/ 880671 w 5962785"/>
-              <a:gd name="connsiteY49" fmla="*/ 2206645 h 6858000"/>
-              <a:gd name="connsiteX50" fmla="*/ 491072 w 5962785"/>
-              <a:gd name="connsiteY50" fmla="*/ 1986771 h 6858000"/>
-              <a:gd name="connsiteX51" fmla="*/ 421293 w 5962785"/>
-              <a:gd name="connsiteY51" fmla="*/ 1903868 h 6858000"/>
-              <a:gd name="connsiteX52" fmla="*/ 1531941 w 5962785"/>
-              <a:gd name="connsiteY52" fmla="*/ 2224667 h 6858000"/>
-              <a:gd name="connsiteX53" fmla="*/ 1188861 w 5962785"/>
-              <a:gd name="connsiteY53" fmla="*/ 2091301 h 6858000"/>
-              <a:gd name="connsiteX54" fmla="*/ 1421458 w 5962785"/>
-              <a:gd name="connsiteY54" fmla="*/ 2116532 h 6858000"/>
-              <a:gd name="connsiteX55" fmla="*/ 1549386 w 5962785"/>
-              <a:gd name="connsiteY55" fmla="*/ 2026420 h 6858000"/>
-              <a:gd name="connsiteX56" fmla="*/ 1549386 w 5962785"/>
-              <a:gd name="connsiteY56" fmla="*/ 1997584 h 6858000"/>
-              <a:gd name="connsiteX57" fmla="*/ 1453440 w 5962785"/>
-              <a:gd name="connsiteY57" fmla="*/ 1914682 h 6858000"/>
-              <a:gd name="connsiteX58" fmla="*/ 1398198 w 5962785"/>
-              <a:gd name="connsiteY58" fmla="*/ 1860614 h 6858000"/>
-              <a:gd name="connsiteX59" fmla="*/ 1247011 w 5962785"/>
-              <a:gd name="connsiteY59" fmla="*/ 1665972 h 6858000"/>
-              <a:gd name="connsiteX60" fmla="*/ 1354586 w 5962785"/>
-              <a:gd name="connsiteY60" fmla="*/ 1644345 h 6858000"/>
-              <a:gd name="connsiteX61" fmla="*/ 1395290 w 5962785"/>
-              <a:gd name="connsiteY61" fmla="*/ 1604696 h 6858000"/>
-              <a:gd name="connsiteX62" fmla="*/ 1366216 w 5962785"/>
-              <a:gd name="connsiteY62" fmla="*/ 1547025 h 6858000"/>
-              <a:gd name="connsiteX63" fmla="*/ 1031858 w 5962785"/>
-              <a:gd name="connsiteY63" fmla="*/ 1370405 h 6858000"/>
-              <a:gd name="connsiteX64" fmla="*/ 1005692 w 5962785"/>
-              <a:gd name="connsiteY64" fmla="*/ 1233435 h 6858000"/>
-              <a:gd name="connsiteX65" fmla="*/ 1069655 w 5962785"/>
-              <a:gd name="connsiteY65" fmla="*/ 1211808 h 6858000"/>
-              <a:gd name="connsiteX66" fmla="*/ 1142342 w 5962785"/>
-              <a:gd name="connsiteY66" fmla="*/ 1222621 h 6858000"/>
-              <a:gd name="connsiteX67" fmla="*/ 1084193 w 5962785"/>
-              <a:gd name="connsiteY67" fmla="*/ 1114487 h 6858000"/>
-              <a:gd name="connsiteX68" fmla="*/ 848689 w 5962785"/>
-              <a:gd name="connsiteY68" fmla="*/ 1006353 h 6858000"/>
-              <a:gd name="connsiteX69" fmla="*/ 805077 w 5962785"/>
-              <a:gd name="connsiteY69" fmla="*/ 948681 h 6858000"/>
-              <a:gd name="connsiteX70" fmla="*/ 863226 w 5962785"/>
-              <a:gd name="connsiteY70" fmla="*/ 919844 h 6858000"/>
-              <a:gd name="connsiteX71" fmla="*/ 906838 w 5962785"/>
-              <a:gd name="connsiteY71" fmla="*/ 909031 h 6858000"/>
-              <a:gd name="connsiteX72" fmla="*/ 5527 w 5962785"/>
-              <a:gd name="connsiteY72" fmla="*/ 458471 h 6858000"/>
-              <a:gd name="connsiteX73" fmla="*/ 209049 w 5962785"/>
-              <a:gd name="connsiteY73" fmla="*/ 454867 h 6858000"/>
-              <a:gd name="connsiteX74" fmla="*/ 409664 w 5962785"/>
-              <a:gd name="connsiteY74" fmla="*/ 526956 h 6858000"/>
-              <a:gd name="connsiteX75" fmla="*/ 621908 w 5962785"/>
-              <a:gd name="connsiteY75" fmla="*/ 516143 h 6858000"/>
-              <a:gd name="connsiteX76" fmla="*/ 822522 w 5962785"/>
-              <a:gd name="connsiteY76" fmla="*/ 552188 h 6858000"/>
-              <a:gd name="connsiteX77" fmla="*/ 996969 w 5962785"/>
-              <a:gd name="connsiteY77" fmla="*/ 552188 h 6858000"/>
-              <a:gd name="connsiteX78" fmla="*/ 834151 w 5962785"/>
-              <a:gd name="connsiteY78" fmla="*/ 498120 h 6858000"/>
-              <a:gd name="connsiteX79" fmla="*/ 773095 w 5962785"/>
-              <a:gd name="connsiteY79" fmla="*/ 408008 h 6858000"/>
-              <a:gd name="connsiteX80" fmla="*/ 793447 w 5962785"/>
-              <a:gd name="connsiteY80" fmla="*/ 325106 h 6858000"/>
-              <a:gd name="connsiteX81" fmla="*/ 860319 w 5962785"/>
-              <a:gd name="connsiteY81" fmla="*/ 350336 h 6858000"/>
-              <a:gd name="connsiteX82" fmla="*/ 938820 w 5962785"/>
-              <a:gd name="connsiteY82" fmla="*/ 444054 h 6858000"/>
-              <a:gd name="connsiteX83" fmla="*/ 956265 w 5962785"/>
-              <a:gd name="connsiteY83" fmla="*/ 386381 h 6858000"/>
-              <a:gd name="connsiteX84" fmla="*/ 1002784 w 5962785"/>
-              <a:gd name="connsiteY84" fmla="*/ 343127 h 6858000"/>
-              <a:gd name="connsiteX85" fmla="*/ 1270270 w 5962785"/>
-              <a:gd name="connsiteY85" fmla="*/ 364755 h 6858000"/>
-              <a:gd name="connsiteX86" fmla="*/ 1092915 w 5962785"/>
-              <a:gd name="connsiteY86" fmla="*/ 180926 h 6858000"/>
-              <a:gd name="connsiteX87" fmla="*/ 979525 w 5962785"/>
-              <a:gd name="connsiteY87" fmla="*/ 152090 h 6858000"/>
-              <a:gd name="connsiteX88" fmla="*/ 953358 w 5962785"/>
-              <a:gd name="connsiteY88" fmla="*/ 76396 h 6858000"/>
-              <a:gd name="connsiteX89" fmla="*/ 1005692 w 5962785"/>
-              <a:gd name="connsiteY89" fmla="*/ 58373 h 6858000"/>
-              <a:gd name="connsiteX90" fmla="*/ 1267362 w 5962785"/>
-              <a:gd name="connsiteY90" fmla="*/ 123254 h 6858000"/>
-              <a:gd name="connsiteX91" fmla="*/ 1310975 w 5962785"/>
-              <a:gd name="connsiteY91" fmla="*/ 98023 h 6858000"/>
-              <a:gd name="connsiteX92" fmla="*/ 1159787 w 5962785"/>
-              <a:gd name="connsiteY92" fmla="*/ 43505 h 6858000"/>
-            </a:gdLst>
-            <a:ahLst/>
-            <a:cxnLst>
-              <a:cxn ang="0">
-                <a:pos x="connsiteX0" y="connsiteY0"/>
-              </a:cxn>
-              <a:cxn ang="0">
-                <a:pos x="connsiteX1" y="connsiteY1"/>
-              </a:cxn>
-              <a:cxn ang="0">
-                <a:pos x="connsiteX2" y="connsiteY2"/>
-              </a:cxn>
-              <a:cxn ang="0">
-                <a:pos x="connsiteX3" y="connsiteY3"/>
-              </a:cxn>
-              <a:cxn ang="0">
-                <a:pos x="connsiteX4" y="connsiteY4"/>
-              </a:cxn>
-              <a:cxn ang="0">
-                <a:pos x="connsiteX5" y="connsiteY5"/>
-              </a:cxn>
-              <a:cxn ang="0">
-                <a:pos x="connsiteX6" y="connsiteY6"/>
-              </a:cxn>
-              <a:cxn ang="0">
-                <a:pos x="connsiteX7" y="connsiteY7"/>
-              </a:cxn>
-              <a:cxn ang="0">
-                <a:pos x="connsiteX8" y="connsiteY8"/>
-              </a:cxn>
-              <a:cxn ang="0">
-                <a:pos x="connsiteX9" y="connsiteY9"/>
-              </a:cxn>
-              <a:cxn ang="0">
-                <a:pos x="connsiteX10" y="connsiteY10"/>
-              </a:cxn>
-              <a:cxn ang="0">
-                <a:pos x="connsiteX11" y="connsiteY11"/>
-              </a:cxn>
-              <a:cxn ang="0">
-                <a:pos x="connsiteX12" y="connsiteY12"/>
-              </a:cxn>
-              <a:cxn ang="0">
-                <a:pos x="connsiteX13" y="connsiteY13"/>
-              </a:cxn>
-              <a:cxn ang="0">
-                <a:pos x="connsiteX14" y="connsiteY14"/>
-              </a:cxn>
-              <a:cxn ang="0">
-                <a:pos x="connsiteX15" y="connsiteY15"/>
-              </a:cxn>
-              <a:cxn ang="0">
-                <a:pos x="connsiteX16" y="connsiteY16"/>
-              </a:cxn>
-              <a:cxn ang="0">
-                <a:pos x="connsiteX17" y="connsiteY17"/>
-              </a:cxn>
-              <a:cxn ang="0">
-                <a:pos x="connsiteX18" y="connsiteY18"/>
-              </a:cxn>
-              <a:cxn ang="0">
-                <a:pos x="connsiteX19" y="connsiteY19"/>
-              </a:cxn>
-              <a:cxn ang="0">
-                <a:pos x="connsiteX20" y="connsiteY20"/>
-              </a:cxn>
-              <a:cxn ang="0">
-                <a:pos x="connsiteX21" y="connsiteY21"/>
-              </a:cxn>
-              <a:cxn ang="0">
-                <a:pos x="connsiteX22" y="connsiteY22"/>
-              </a:cxn>
-              <a:cxn ang="0">
-                <a:pos x="connsiteX23" y="connsiteY23"/>
-              </a:cxn>
-              <a:cxn ang="0">
-                <a:pos x="connsiteX24" y="connsiteY24"/>
-              </a:cxn>
-              <a:cxn ang="0">
-                <a:pos x="connsiteX25" y="connsiteY25"/>
-              </a:cxn>
-              <a:cxn ang="0">
-                <a:pos x="connsiteX26" y="connsiteY26"/>
-              </a:cxn>
-              <a:cxn ang="0">
-                <a:pos x="connsiteX27" y="connsiteY27"/>
-              </a:cxn>
-              <a:cxn ang="0">
-                <a:pos x="connsiteX28" y="connsiteY28"/>
-              </a:cxn>
-              <a:cxn ang="0">
-                <a:pos x="connsiteX29" y="connsiteY29"/>
-              </a:cxn>
-              <a:cxn ang="0">
-                <a:pos x="connsiteX30" y="connsiteY30"/>
-              </a:cxn>
-              <a:cxn ang="0">
-                <a:pos x="connsiteX31" y="connsiteY31"/>
-              </a:cxn>
-              <a:cxn ang="0">
-                <a:pos x="connsiteX32" y="connsiteY32"/>
-              </a:cxn>
-              <a:cxn ang="0">
-                <a:pos x="connsiteX33" y="connsiteY33"/>
-              </a:cxn>
-              <a:cxn ang="0">
-                <a:pos x="connsiteX34" y="connsiteY34"/>
-              </a:cxn>
-              <a:cxn ang="0">
-                <a:pos x="connsiteX35" y="connsiteY35"/>
-              </a:cxn>
-              <a:cxn ang="0">
-                <a:pos x="connsiteX36" y="connsiteY36"/>
-              </a:cxn>
-              <a:cxn ang="0">
-                <a:pos x="connsiteX37" y="connsiteY37"/>
-              </a:cxn>
-              <a:cxn ang="0">
-                <a:pos x="connsiteX38" y="connsiteY38"/>
-              </a:cxn>
-              <a:cxn ang="0">
-                <a:pos x="connsiteX39" y="connsiteY39"/>
-              </a:cxn>
-              <a:cxn ang="0">
-                <a:pos x="connsiteX40" y="connsiteY40"/>
-              </a:cxn>
-              <a:cxn ang="0">
-                <a:pos x="connsiteX41" y="connsiteY41"/>
-              </a:cxn>
-              <a:cxn ang="0">
-                <a:pos x="connsiteX42" y="connsiteY42"/>
-              </a:cxn>
-              <a:cxn ang="0">
-                <a:pos x="connsiteX43" y="connsiteY43"/>
-              </a:cxn>
-              <a:cxn ang="0">
-                <a:pos x="connsiteX44" y="connsiteY44"/>
-              </a:cxn>
-              <a:cxn ang="0">
-                <a:pos x="connsiteX45" y="connsiteY45"/>
-              </a:cxn>
-              <a:cxn ang="0">
-                <a:pos x="connsiteX46" y="connsiteY46"/>
-              </a:cxn>
-              <a:cxn ang="0">
-                <a:pos x="connsiteX47" y="connsiteY47"/>
-              </a:cxn>
-              <a:cxn ang="0">
-                <a:pos x="connsiteX48" y="connsiteY48"/>
-              </a:cxn>
-              <a:cxn ang="0">
-                <a:pos x="connsiteX49" y="connsiteY49"/>
-              </a:cxn>
-              <a:cxn ang="0">
-                <a:pos x="connsiteX50" y="connsiteY50"/>
-              </a:cxn>
-              <a:cxn ang="0">
-                <a:pos x="connsiteX51" y="connsiteY51"/>
-              </a:cxn>
-              <a:cxn ang="0">
-                <a:pos x="connsiteX52" y="connsiteY52"/>
-              </a:cxn>
-              <a:cxn ang="0">
-                <a:pos x="connsiteX53" y="connsiteY53"/>
-              </a:cxn>
-              <a:cxn ang="0">
-                <a:pos x="connsiteX54" y="connsiteY54"/>
-              </a:cxn>
-              <a:cxn ang="0">
-                <a:pos x="connsiteX55" y="connsiteY55"/>
-              </a:cxn>
-              <a:cxn ang="0">
-                <a:pos x="connsiteX56" y="connsiteY56"/>
-              </a:cxn>
-              <a:cxn ang="0">
-                <a:pos x="connsiteX57" y="connsiteY57"/>
-              </a:cxn>
-              <a:cxn ang="0">
-                <a:pos x="connsiteX58" y="connsiteY58"/>
-              </a:cxn>
-              <a:cxn ang="0">
-                <a:pos x="connsiteX59" y="connsiteY59"/>
-              </a:cxn>
-              <a:cxn ang="0">
-                <a:pos x="connsiteX60" y="connsiteY60"/>
-              </a:cxn>
-              <a:cxn ang="0">
-                <a:pos x="connsiteX61" y="connsiteY61"/>
-              </a:cxn>
-              <a:cxn ang="0">
-                <a:pos x="connsiteX62" y="connsiteY62"/>
-              </a:cxn>
-              <a:cxn ang="0">
-                <a:pos x="connsiteX63" y="connsiteY63"/>
-              </a:cxn>
-              <a:cxn ang="0">
-                <a:pos x="connsiteX64" y="connsiteY64"/>
-              </a:cxn>
-              <a:cxn ang="0">
-                <a:pos x="connsiteX65" y="connsiteY65"/>
-              </a:cxn>
-              <a:cxn ang="0">
-                <a:pos x="connsiteX66" y="connsiteY66"/>
-              </a:cxn>
-              <a:cxn ang="0">
-                <a:pos x="connsiteX67" y="connsiteY67"/>
-              </a:cxn>
-              <a:cxn ang="0">
-                <a:pos x="connsiteX68" y="connsiteY68"/>
-              </a:cxn>
-              <a:cxn ang="0">
-                <a:pos x="connsiteX69" y="connsiteY69"/>
-              </a:cxn>
-              <a:cxn ang="0">
-                <a:pos x="connsiteX70" y="connsiteY70"/>
-              </a:cxn>
-              <a:cxn ang="0">
-                <a:pos x="connsiteX71" y="connsiteY71"/>
-              </a:cxn>
-              <a:cxn ang="0">
-                <a:pos x="connsiteX72" y="connsiteY72"/>
-              </a:cxn>
-              <a:cxn ang="0">
-                <a:pos x="connsiteX73" y="connsiteY73"/>
-              </a:cxn>
-              <a:cxn ang="0">
-                <a:pos x="connsiteX74" y="connsiteY74"/>
-              </a:cxn>
-              <a:cxn ang="0">
-                <a:pos x="connsiteX75" y="connsiteY75"/>
-              </a:cxn>
-              <a:cxn ang="0">
-                <a:pos x="connsiteX76" y="connsiteY76"/>
-              </a:cxn>
-              <a:cxn ang="0">
-                <a:pos x="connsiteX77" y="connsiteY77"/>
-              </a:cxn>
-              <a:cxn ang="0">
-                <a:pos x="connsiteX78" y="connsiteY78"/>
-              </a:cxn>
-              <a:cxn ang="0">
-                <a:pos x="connsiteX79" y="connsiteY79"/>
-              </a:cxn>
-              <a:cxn ang="0">
-                <a:pos x="connsiteX80" y="connsiteY80"/>
-              </a:cxn>
-              <a:cxn ang="0">
-                <a:pos x="connsiteX81" y="connsiteY81"/>
-              </a:cxn>
-              <a:cxn ang="0">
-                <a:pos x="connsiteX82" y="connsiteY82"/>
-              </a:cxn>
-              <a:cxn ang="0">
-                <a:pos x="connsiteX83" y="connsiteY83"/>
-              </a:cxn>
-              <a:cxn ang="0">
-                <a:pos x="connsiteX84" y="connsiteY84"/>
-              </a:cxn>
-              <a:cxn ang="0">
-                <a:pos x="connsiteX85" y="connsiteY85"/>
-              </a:cxn>
-              <a:cxn ang="0">
-                <a:pos x="connsiteX86" y="connsiteY86"/>
-              </a:cxn>
-              <a:cxn ang="0">
-                <a:pos x="connsiteX87" y="connsiteY87"/>
-              </a:cxn>
-              <a:cxn ang="0">
-                <a:pos x="connsiteX88" y="connsiteY88"/>
-              </a:cxn>
-              <a:cxn ang="0">
-                <a:pos x="connsiteX89" y="connsiteY89"/>
-              </a:cxn>
-              <a:cxn ang="0">
-                <a:pos x="connsiteX90" y="connsiteY90"/>
-              </a:cxn>
-              <a:cxn ang="0">
-                <a:pos x="connsiteX91" y="connsiteY91"/>
-              </a:cxn>
-              <a:cxn ang="0">
-                <a:pos x="connsiteX92" y="connsiteY92"/>
-              </a:cxn>
-            </a:cxnLst>
-            <a:rect l="l" t="t" r="r" b="b"/>
-            <a:pathLst>
-              <a:path w="5962785" h="6858000">
-                <a:moveTo>
-                  <a:pt x="1044839" y="0"/>
-                </a:moveTo>
-                <a:lnTo>
-                  <a:pt x="5962785" y="0"/>
-                </a:lnTo>
-                <a:lnTo>
-                  <a:pt x="5962785" y="6858000"/>
-                </a:lnTo>
-                <a:lnTo>
-                  <a:pt x="1469886" y="6858000"/>
-                </a:lnTo>
-                <a:lnTo>
-                  <a:pt x="1416006" y="6823984"/>
-                </a:lnTo>
-                <a:cubicBezTo>
-                  <a:pt x="1356767" y="6787940"/>
-                  <a:pt x="1296437" y="6755500"/>
-                  <a:pt x="1232473" y="6733873"/>
-                </a:cubicBezTo>
-                <a:cubicBezTo>
-                  <a:pt x="1145250" y="6705037"/>
-                  <a:pt x="1060933" y="6654575"/>
-                  <a:pt x="1075471" y="6503186"/>
-                </a:cubicBezTo>
-                <a:cubicBezTo>
-                  <a:pt x="1078378" y="6459932"/>
-                  <a:pt x="1055118" y="6427493"/>
-                  <a:pt x="1020229" y="6438306"/>
-                </a:cubicBezTo>
-                <a:cubicBezTo>
-                  <a:pt x="953358" y="6459932"/>
-                  <a:pt x="921375" y="6398656"/>
-                  <a:pt x="883579" y="6351798"/>
-                </a:cubicBezTo>
-                <a:cubicBezTo>
-                  <a:pt x="816707" y="6268895"/>
-                  <a:pt x="752743" y="6182387"/>
-                  <a:pt x="645167" y="6167969"/>
-                </a:cubicBezTo>
-                <a:cubicBezTo>
-                  <a:pt x="665519" y="6103088"/>
-                  <a:pt x="700408" y="6110298"/>
-                  <a:pt x="732391" y="6124716"/>
-                </a:cubicBezTo>
-                <a:cubicBezTo>
-                  <a:pt x="816707" y="6160761"/>
-                  <a:pt x="901023" y="6200410"/>
-                  <a:pt x="985339" y="6236455"/>
-                </a:cubicBezTo>
-                <a:cubicBezTo>
-                  <a:pt x="1040581" y="6258081"/>
-                  <a:pt x="1095822" y="6290522"/>
-                  <a:pt x="1168509" y="6265291"/>
-                </a:cubicBezTo>
-                <a:cubicBezTo>
-                  <a:pt x="1104545" y="6135530"/>
-                  <a:pt x="996969" y="6110298"/>
-                  <a:pt x="909746" y="6070649"/>
-                </a:cubicBezTo>
-                <a:cubicBezTo>
-                  <a:pt x="802169" y="6020185"/>
-                  <a:pt x="738206" y="5926470"/>
-                  <a:pt x="659704" y="5818335"/>
-                </a:cubicBezTo>
-                <a:cubicBezTo>
-                  <a:pt x="738206" y="5789500"/>
-                  <a:pt x="787632" y="5868798"/>
-                  <a:pt x="851597" y="5865193"/>
-                </a:cubicBezTo>
-                <a:cubicBezTo>
-                  <a:pt x="854504" y="5854380"/>
-                  <a:pt x="860319" y="5832753"/>
-                  <a:pt x="860319" y="5832753"/>
-                </a:cubicBezTo>
-                <a:cubicBezTo>
-                  <a:pt x="755650" y="5775081"/>
-                  <a:pt x="709132" y="5666947"/>
-                  <a:pt x="691686" y="5533581"/>
-                </a:cubicBezTo>
-                <a:cubicBezTo>
-                  <a:pt x="685872" y="5465095"/>
-                  <a:pt x="648075" y="5443468"/>
-                  <a:pt x="610278" y="5411029"/>
-                </a:cubicBezTo>
-                <a:cubicBezTo>
-                  <a:pt x="482350" y="5299289"/>
-                  <a:pt x="345700" y="5198364"/>
-                  <a:pt x="238123" y="5046976"/>
-                </a:cubicBezTo>
-                <a:cubicBezTo>
-                  <a:pt x="363144" y="5064998"/>
-                  <a:pt x="461997" y="5165924"/>
-                  <a:pt x="592833" y="5209177"/>
-                </a:cubicBezTo>
-                <a:cubicBezTo>
-                  <a:pt x="488165" y="5043371"/>
-                  <a:pt x="351514" y="4956864"/>
-                  <a:pt x="226494" y="4855939"/>
-                </a:cubicBezTo>
-                <a:cubicBezTo>
-                  <a:pt x="168344" y="4809081"/>
-                  <a:pt x="116011" y="4751408"/>
-                  <a:pt x="49139" y="4726177"/>
-                </a:cubicBezTo>
-                <a:cubicBezTo>
-                  <a:pt x="25879" y="4718968"/>
-                  <a:pt x="-14825" y="4700947"/>
-                  <a:pt x="5527" y="4650483"/>
-                </a:cubicBezTo>
-                <a:cubicBezTo>
-                  <a:pt x="22972" y="4607230"/>
-                  <a:pt x="54954" y="4621648"/>
-                  <a:pt x="84029" y="4632460"/>
-                </a:cubicBezTo>
-                <a:cubicBezTo>
-                  <a:pt x="153807" y="4661296"/>
-                  <a:pt x="229401" y="4661296"/>
-                  <a:pt x="325347" y="4661296"/>
-                </a:cubicBezTo>
-                <a:cubicBezTo>
-                  <a:pt x="243939" y="4524326"/>
-                  <a:pt x="95658" y="4567580"/>
-                  <a:pt x="25879" y="4423401"/>
-                </a:cubicBezTo>
-                <a:cubicBezTo>
-                  <a:pt x="113103" y="4398170"/>
-                  <a:pt x="179975" y="4448632"/>
-                  <a:pt x="249753" y="4459446"/>
-                </a:cubicBezTo>
-                <a:cubicBezTo>
-                  <a:pt x="313718" y="4470259"/>
-                  <a:pt x="328254" y="4445028"/>
-                  <a:pt x="313718" y="4365729"/>
-                </a:cubicBezTo>
-                <a:cubicBezTo>
-                  <a:pt x="290458" y="4243177"/>
-                  <a:pt x="325347" y="4181900"/>
-                  <a:pt x="418386" y="4214341"/>
-                </a:cubicBezTo>
-                <a:cubicBezTo>
-                  <a:pt x="505609" y="4246781"/>
-                  <a:pt x="514332" y="4199922"/>
-                  <a:pt x="491072" y="4131438"/>
-                </a:cubicBezTo>
-                <a:cubicBezTo>
-                  <a:pt x="456183" y="4030512"/>
-                  <a:pt x="493979" y="3951214"/>
-                  <a:pt x="520147" y="3864706"/>
-                </a:cubicBezTo>
-                <a:cubicBezTo>
-                  <a:pt x="560851" y="3734945"/>
-                  <a:pt x="543407" y="3670064"/>
-                  <a:pt x="459090" y="3572743"/>
-                </a:cubicBezTo>
-                <a:cubicBezTo>
-                  <a:pt x="409664" y="3518676"/>
-                  <a:pt x="360236" y="3471818"/>
-                  <a:pt x="290458" y="3424959"/>
-                </a:cubicBezTo>
-                <a:cubicBezTo>
-                  <a:pt x="450368" y="3399728"/>
-                  <a:pt x="284643" y="3313221"/>
-                  <a:pt x="339884" y="3259153"/>
-                </a:cubicBezTo>
-                <a:cubicBezTo>
-                  <a:pt x="453275" y="3237527"/>
-                  <a:pt x="543407" y="3410542"/>
-                  <a:pt x="697501" y="3360078"/>
-                </a:cubicBezTo>
-                <a:cubicBezTo>
-                  <a:pt x="511425" y="3212294"/>
-                  <a:pt x="302087" y="3165436"/>
-                  <a:pt x="165437" y="2967190"/>
-                </a:cubicBezTo>
-                <a:cubicBezTo>
-                  <a:pt x="197419" y="2923937"/>
-                  <a:pt x="229401" y="2967190"/>
-                  <a:pt x="255568" y="2949167"/>
-                </a:cubicBezTo>
-                <a:cubicBezTo>
-                  <a:pt x="255568" y="2938354"/>
-                  <a:pt x="560851" y="3006840"/>
-                  <a:pt x="578296" y="2725691"/>
-                </a:cubicBezTo>
-                <a:cubicBezTo>
-                  <a:pt x="584111" y="2725691"/>
-                  <a:pt x="589926" y="2725691"/>
-                  <a:pt x="595740" y="2714876"/>
-                </a:cubicBezTo>
-                <a:cubicBezTo>
-                  <a:pt x="627722" y="2675228"/>
-                  <a:pt x="598648" y="2581510"/>
-                  <a:pt x="650982" y="2574301"/>
-                </a:cubicBezTo>
-                <a:cubicBezTo>
-                  <a:pt x="709132" y="2567092"/>
-                  <a:pt x="764373" y="2534653"/>
-                  <a:pt x="825429" y="2552674"/>
-                </a:cubicBezTo>
-                <a:cubicBezTo>
-                  <a:pt x="871949" y="2567092"/>
-                  <a:pt x="921375" y="2585115"/>
-                  <a:pt x="970802" y="2585115"/>
-                </a:cubicBezTo>
-                <a:cubicBezTo>
-                  <a:pt x="1023136" y="2585115"/>
-                  <a:pt x="1095822" y="2707668"/>
-                  <a:pt x="1127805" y="2545465"/>
-                </a:cubicBezTo>
-                <a:cubicBezTo>
-                  <a:pt x="1127805" y="2538257"/>
-                  <a:pt x="1217936" y="2556280"/>
-                  <a:pt x="1267362" y="2563488"/>
-                </a:cubicBezTo>
-                <a:cubicBezTo>
-                  <a:pt x="1308067" y="2570698"/>
-                  <a:pt x="1357494" y="2603137"/>
-                  <a:pt x="1386568" y="2538257"/>
-                </a:cubicBezTo>
-                <a:cubicBezTo>
-                  <a:pt x="1401105" y="2498607"/>
-                  <a:pt x="1331326" y="2426518"/>
-                  <a:pt x="1270270" y="2419309"/>
-                </a:cubicBezTo>
-                <a:cubicBezTo>
-                  <a:pt x="1215029" y="2412101"/>
-                  <a:pt x="1159787" y="2404892"/>
-                  <a:pt x="1107453" y="2419309"/>
-                </a:cubicBezTo>
-                <a:cubicBezTo>
-                  <a:pt x="1043489" y="2437331"/>
-                  <a:pt x="1008599" y="2408495"/>
-                  <a:pt x="991154" y="2343615"/>
-                </a:cubicBezTo>
-                <a:cubicBezTo>
-                  <a:pt x="970802" y="2275131"/>
-                  <a:pt x="933005" y="2239085"/>
-                  <a:pt x="880671" y="2206645"/>
-                </a:cubicBezTo>
-                <a:cubicBezTo>
-                  <a:pt x="752743" y="2127346"/>
-                  <a:pt x="630630" y="2033629"/>
-                  <a:pt x="491072" y="1986771"/>
-                </a:cubicBezTo>
-                <a:cubicBezTo>
-                  <a:pt x="464905" y="1979562"/>
-                  <a:pt x="432923" y="1965145"/>
-                  <a:pt x="421293" y="1903868"/>
-                </a:cubicBezTo>
-                <a:cubicBezTo>
-                  <a:pt x="799262" y="1997584"/>
-                  <a:pt x="1142342" y="2239085"/>
-                  <a:pt x="1531941" y="2224667"/>
-                </a:cubicBezTo>
-                <a:cubicBezTo>
-                  <a:pt x="1427272" y="2148974"/>
-                  <a:pt x="1302252" y="2145369"/>
-                  <a:pt x="1188861" y="2091301"/>
-                </a:cubicBezTo>
-                <a:cubicBezTo>
-                  <a:pt x="1270270" y="2051652"/>
-                  <a:pt x="1345864" y="2094906"/>
-                  <a:pt x="1421458" y="2116532"/>
-                </a:cubicBezTo>
-                <a:cubicBezTo>
-                  <a:pt x="1485422" y="2134554"/>
-                  <a:pt x="1543571" y="2138160"/>
-                  <a:pt x="1549386" y="2026420"/>
-                </a:cubicBezTo>
-                <a:cubicBezTo>
-                  <a:pt x="1549386" y="2015607"/>
-                  <a:pt x="1549386" y="2008398"/>
-                  <a:pt x="1549386" y="1997584"/>
-                </a:cubicBezTo>
-                <a:cubicBezTo>
-                  <a:pt x="1526126" y="1950727"/>
-                  <a:pt x="1494144" y="1929099"/>
-                  <a:pt x="1453440" y="1914682"/>
-                </a:cubicBezTo>
-                <a:cubicBezTo>
-                  <a:pt x="1430180" y="1907473"/>
-                  <a:pt x="1398198" y="1893056"/>
-                  <a:pt x="1398198" y="1860614"/>
-                </a:cubicBezTo>
-                <a:cubicBezTo>
-                  <a:pt x="1401105" y="1738063"/>
-                  <a:pt x="1322604" y="1702018"/>
-                  <a:pt x="1247011" y="1665972"/>
-                </a:cubicBezTo>
-                <a:cubicBezTo>
-                  <a:pt x="1287715" y="1604696"/>
-                  <a:pt x="1322604" y="1647950"/>
-                  <a:pt x="1354586" y="1644345"/>
-                </a:cubicBezTo>
-                <a:cubicBezTo>
-                  <a:pt x="1374939" y="1640741"/>
-                  <a:pt x="1395290" y="1637138"/>
-                  <a:pt x="1395290" y="1604696"/>
-                </a:cubicBezTo>
-                <a:cubicBezTo>
-                  <a:pt x="1395290" y="1579465"/>
-                  <a:pt x="1386568" y="1547025"/>
-                  <a:pt x="1366216" y="1547025"/>
-                </a:cubicBezTo>
-                <a:cubicBezTo>
-                  <a:pt x="1238288" y="1543420"/>
-                  <a:pt x="1165601" y="1370405"/>
-                  <a:pt x="1031858" y="1370405"/>
-                </a:cubicBezTo>
-                <a:cubicBezTo>
-                  <a:pt x="950450" y="1370405"/>
-                  <a:pt x="1072563" y="1273083"/>
-                  <a:pt x="1005692" y="1233435"/>
-                </a:cubicBezTo>
-                <a:cubicBezTo>
-                  <a:pt x="991154" y="1222621"/>
-                  <a:pt x="1046396" y="1208203"/>
-                  <a:pt x="1069655" y="1211808"/>
-                </a:cubicBezTo>
-                <a:cubicBezTo>
-                  <a:pt x="1092915" y="1215412"/>
-                  <a:pt x="1113268" y="1240644"/>
-                  <a:pt x="1142342" y="1222621"/>
-                </a:cubicBezTo>
-                <a:cubicBezTo>
-                  <a:pt x="1156879" y="1157741"/>
-                  <a:pt x="1119082" y="1132510"/>
-                  <a:pt x="1084193" y="1114487"/>
-                </a:cubicBezTo>
-                <a:cubicBezTo>
-                  <a:pt x="1008599" y="1071234"/>
-                  <a:pt x="933005" y="1020771"/>
-                  <a:pt x="848689" y="1006353"/>
-                </a:cubicBezTo>
-                <a:cubicBezTo>
-                  <a:pt x="819615" y="1002748"/>
-                  <a:pt x="802169" y="984726"/>
-                  <a:pt x="805077" y="948681"/>
-                </a:cubicBezTo>
-                <a:cubicBezTo>
-                  <a:pt x="810892" y="901822"/>
-                  <a:pt x="839967" y="916240"/>
-                  <a:pt x="863226" y="919844"/>
-                </a:cubicBezTo>
-                <a:cubicBezTo>
-                  <a:pt x="877764" y="923450"/>
-                  <a:pt x="892301" y="934263"/>
-                  <a:pt x="906838" y="909031"/>
-                </a:cubicBezTo>
-                <a:cubicBezTo>
-                  <a:pt x="566666" y="653113"/>
-                  <a:pt x="386404" y="667532"/>
-                  <a:pt x="5527" y="458471"/>
-                </a:cubicBezTo>
-                <a:cubicBezTo>
-                  <a:pt x="89843" y="418822"/>
-                  <a:pt x="150900" y="447658"/>
-                  <a:pt x="209049" y="454867"/>
-                </a:cubicBezTo>
-                <a:cubicBezTo>
-                  <a:pt x="354422" y="472890"/>
-                  <a:pt x="264290" y="505329"/>
-                  <a:pt x="409664" y="526956"/>
-                </a:cubicBezTo>
-                <a:cubicBezTo>
-                  <a:pt x="479443" y="537770"/>
-                  <a:pt x="543407" y="573815"/>
-                  <a:pt x="621908" y="516143"/>
-                </a:cubicBezTo>
-                <a:cubicBezTo>
-                  <a:pt x="674242" y="476494"/>
-                  <a:pt x="758558" y="519747"/>
-                  <a:pt x="822522" y="552188"/>
-                </a:cubicBezTo>
-                <a:cubicBezTo>
-                  <a:pt x="874856" y="581024"/>
-                  <a:pt x="927190" y="588232"/>
-                  <a:pt x="996969" y="552188"/>
-                </a:cubicBezTo>
-                <a:cubicBezTo>
-                  <a:pt x="933005" y="530562"/>
-                  <a:pt x="883579" y="512539"/>
-                  <a:pt x="834151" y="498120"/>
-                </a:cubicBezTo>
-                <a:cubicBezTo>
-                  <a:pt x="793447" y="487307"/>
-                  <a:pt x="770187" y="462076"/>
-                  <a:pt x="773095" y="408008"/>
-                </a:cubicBezTo>
-                <a:cubicBezTo>
-                  <a:pt x="773095" y="379172"/>
-                  <a:pt x="764373" y="339523"/>
-                  <a:pt x="793447" y="325106"/>
-                </a:cubicBezTo>
-                <a:cubicBezTo>
-                  <a:pt x="816707" y="310688"/>
-                  <a:pt x="848689" y="325106"/>
-                  <a:pt x="860319" y="350336"/>
-                </a:cubicBezTo>
-                <a:cubicBezTo>
-                  <a:pt x="874856" y="397195"/>
-                  <a:pt x="889393" y="440449"/>
-                  <a:pt x="938820" y="444054"/>
-                </a:cubicBezTo>
-                <a:cubicBezTo>
-                  <a:pt x="1005692" y="451262"/>
-                  <a:pt x="967894" y="422426"/>
-                  <a:pt x="956265" y="386381"/>
-                </a:cubicBezTo>
-                <a:cubicBezTo>
-                  <a:pt x="944635" y="346733"/>
-                  <a:pt x="979525" y="335919"/>
-                  <a:pt x="1002784" y="343127"/>
-                </a:cubicBezTo>
-                <a:cubicBezTo>
-                  <a:pt x="1090008" y="375569"/>
-                  <a:pt x="1180139" y="317897"/>
-                  <a:pt x="1270270" y="364755"/>
-                </a:cubicBezTo>
-                <a:cubicBezTo>
-                  <a:pt x="1247011" y="249411"/>
-                  <a:pt x="1197583" y="198949"/>
-                  <a:pt x="1092915" y="180926"/>
-                </a:cubicBezTo>
-                <a:cubicBezTo>
-                  <a:pt x="1055118" y="177322"/>
-                  <a:pt x="1014414" y="184530"/>
-                  <a:pt x="979525" y="152090"/>
-                </a:cubicBezTo>
-                <a:cubicBezTo>
-                  <a:pt x="959172" y="134068"/>
-                  <a:pt x="938820" y="112441"/>
-                  <a:pt x="953358" y="76396"/>
-                </a:cubicBezTo>
-                <a:cubicBezTo>
-                  <a:pt x="962080" y="51165"/>
-                  <a:pt x="985339" y="51165"/>
-                  <a:pt x="1005692" y="58373"/>
-                </a:cubicBezTo>
-                <a:cubicBezTo>
-                  <a:pt x="1090008" y="98023"/>
-                  <a:pt x="1180139" y="108837"/>
-                  <a:pt x="1267362" y="123254"/>
-                </a:cubicBezTo>
-                <a:cubicBezTo>
-                  <a:pt x="1281900" y="126859"/>
-                  <a:pt x="1296437" y="134068"/>
-                  <a:pt x="1310975" y="98023"/>
-                </a:cubicBezTo>
-                <a:cubicBezTo>
-                  <a:pt x="1260095" y="81803"/>
-                  <a:pt x="1209941" y="62879"/>
-                  <a:pt x="1159787" y="43505"/>
-                </a:cubicBezTo>
-                <a:close/>
-              </a:path>
-            </a:pathLst>
-          </a:custGeom>
-          <a:solidFill>
-            <a:schemeClr val="accent1">
-              <a:alpha val="20000"/>
-            </a:schemeClr>
-          </a:solidFill>
-          <a:ln>
-            <a:noFill/>
-          </a:ln>
-        </p:spPr>
-        <p:style>
-          <a:lnRef idx="2">
-            <a:schemeClr val="accent1">
-              <a:shade val="50000"/>
-            </a:schemeClr>
-          </a:lnRef>
-          <a:fillRef idx="1">
-            <a:schemeClr val="accent1"/>
-          </a:fillRef>
-          <a:effectRef idx="0">
-            <a:schemeClr val="accent1"/>
-          </a:effectRef>
-          <a:fontRef idx="minor">
-            <a:schemeClr val="lt1"/>
-          </a:fontRef>
-        </p:style>
-        <p:txBody>
-          <a:bodyPr wrap="square" rtlCol="0" anchor="ctr">
-            <a:noAutofit/>
-          </a:bodyPr>
-          <a:lstStyle/>
-          <a:p>
-            <a:pPr algn="ctr"/>
-            <a:endParaRPr lang="en-US" dirty="0"/>
-          </a:p>
-        </p:txBody>
-      </p:sp>
-      <p:sp>
-        <p:nvSpPr>
-          <p:cNvPr id="2" name="Title 1">
-            <a:extLst>
-              <a:ext uri="{FF2B5EF4-FFF2-40B4-BE49-F238E27FC236}">
-                <a16:creationId xmlns:a16="http://schemas.microsoft.com/office/drawing/2014/main" id="{9A0606E5-ED11-486E-906D-9221A2097ECF}"/>
-              </a:ext>
-            </a:extLst>
-          </p:cNvPr>
-          <p:cNvSpPr>
-            <a:spLocks noGrp="1"/>
-          </p:cNvSpPr>
-          <p:nvPr>
-            <p:ph type="title"/>
-          </p:nvPr>
-        </p:nvSpPr>
-        <p:spPr>
-          <a:xfrm>
-            <a:off x="838201" y="643467"/>
-            <a:ext cx="3888526" cy="1800526"/>
-          </a:xfrm>
-        </p:spPr>
-        <p:txBody>
-          <a:bodyPr>
-            <a:normAutofit/>
-          </a:bodyPr>
-          <a:lstStyle/>
-          <a:p>
-            <a:r>
-              <a:rPr lang="en-US" dirty="0"/>
-              <a:t>In Memory</a:t>
-            </a:r>
-          </a:p>
-        </p:txBody>
-      </p:sp>
-      <p:pic>
-        <p:nvPicPr>
-          <p:cNvPr id="2050" name="Picture 2" descr="Row- and column-major order - Wikipedia">
-            <a:extLst>
-              <a:ext uri="{FF2B5EF4-FFF2-40B4-BE49-F238E27FC236}">
-                <a16:creationId xmlns:a16="http://schemas.microsoft.com/office/drawing/2014/main" id="{22BB0CB3-A794-4005-A5FA-28E5C8866387}"/>
-              </a:ext>
-            </a:extLst>
-          </p:cNvPr>
-          <p:cNvPicPr>
-            <a:picLocks noChangeAspect="1" noChangeArrowheads="1"/>
-          </p:cNvPicPr>
-          <p:nvPr/>
-        </p:nvPicPr>
-        <p:blipFill>
-          <a:blip r:embed="rId2">
-            <a:extLst>
-              <a:ext uri="{28A0092B-C50C-407E-A947-70E740481C1C}">
-                <a14:useLocalDpi xmlns:a14="http://schemas.microsoft.com/office/drawing/2010/main" val="0"/>
-              </a:ext>
-            </a:extLst>
-          </a:blip>
-          <a:stretch>
-            <a:fillRect/>
-          </a:stretch>
-        </p:blipFill>
-        <p:spPr bwMode="auto">
-          <a:xfrm>
-            <a:off x="7074806" y="643234"/>
-            <a:ext cx="4199907" cy="5599876"/>
-          </a:xfrm>
-          <a:prstGeom prst="rect">
-            <a:avLst/>
-          </a:prstGeom>
-          <a:noFill/>
-          <a:extLst>
-            <a:ext uri="{909E8E84-426E-40DD-AFC4-6F175D3DCCD1}">
-              <a14:hiddenFill xmlns:a14="http://schemas.microsoft.com/office/drawing/2010/main">
-                <a:solidFill>
-                  <a:srgbClr val="FFFFFF"/>
-                </a:solidFill>
-              </a14:hiddenFill>
-            </a:ext>
-          </a:extLst>
-        </p:spPr>
-      </p:pic>
-      <p:graphicFrame>
-        <p:nvGraphicFramePr>
-          <p:cNvPr id="5" name="Content Placeholder 2">
-            <a:extLst>
-              <a:ext uri="{FF2B5EF4-FFF2-40B4-BE49-F238E27FC236}">
-                <a16:creationId xmlns:a16="http://schemas.microsoft.com/office/drawing/2014/main" id="{8E0EBDD6-C24D-4AC7-B924-9E20812C2552}"/>
-              </a:ext>
-            </a:extLst>
-          </p:cNvPr>
-          <p:cNvGraphicFramePr>
-            <a:graphicFrameLocks noGrp="1"/>
-          </p:cNvGraphicFramePr>
-          <p:nvPr>
-            <p:ph idx="1"/>
-            <p:extLst>
-              <p:ext uri="{D42A27DB-BD31-4B8C-83A1-F6EECF244321}">
-                <p14:modId xmlns:p14="http://schemas.microsoft.com/office/powerpoint/2010/main" val="593152640"/>
-              </p:ext>
-            </p:extLst>
-          </p:nvPr>
-        </p:nvGraphicFramePr>
-        <p:xfrm>
-          <a:off x="838201" y="2623381"/>
-          <a:ext cx="3888528" cy="3553581"/>
-        </p:xfrm>
-        <a:graphic>
-          <a:graphicData uri="http://schemas.openxmlformats.org/drawingml/2006/diagram">
-            <dgm:relIds xmlns:dgm="http://schemas.openxmlformats.org/drawingml/2006/diagram" xmlns:r="http://schemas.openxmlformats.org/officeDocument/2006/relationships" r:dm="rId3" r:lo="rId4" r:qs="rId5" r:cs="rId6"/>
-          </a:graphicData>
-        </a:graphic>
-      </p:graphicFrame>
-    </p:spTree>
-    <p:extLst>
-      <p:ext uri="{BB962C8B-B14F-4D97-AF65-F5344CB8AC3E}">
-        <p14:creationId xmlns:p14="http://schemas.microsoft.com/office/powerpoint/2010/main" val="1060266473"/>
-      </p:ext>
-    </p:extLst>
-  </p:cSld>
-  <p:clrMapOvr>
-    <a:masterClrMapping/>
-  </p:clrMapOvr>
-</p:sld>
-</file>
-
-<file path=ppt/slides/slide9.xml><?xml version="1.0" encoding="utf-8"?>
-<p:sld xmlns:a="http://schemas.openxmlformats.org/drawingml/2006/main" xmlns:r="http://schemas.openxmlformats.org/officeDocument/2006/relationships" xmlns:p="http://schemas.openxmlformats.org/presentationml/2006/main">
-  <p:cSld>
-    <p:spTree>
-      <p:nvGrpSpPr>
-        <p:cNvPr id="1" name=""/>
-        <p:cNvGrpSpPr/>
-        <p:nvPr/>
-      </p:nvGrpSpPr>
-      <p:grpSpPr>
-        <a:xfrm>
-          <a:off x="0" y="0"/>
-          <a:ext cx="0" cy="0"/>
-          <a:chOff x="0" y="0"/>
-          <a:chExt cx="0" cy="0"/>
-        </a:xfrm>
-      </p:grpSpPr>
-      <p:sp>
-        <p:nvSpPr>
-          <p:cNvPr id="2" name="Title 1">
-            <a:extLst>
-              <a:ext uri="{FF2B5EF4-FFF2-40B4-BE49-F238E27FC236}">
-                <a16:creationId xmlns:a16="http://schemas.microsoft.com/office/drawing/2014/main" id="{291C515C-BACB-4255-8499-3EB33C48C7A2}"/>
-              </a:ext>
-            </a:extLst>
-          </p:cNvPr>
-          <p:cNvSpPr>
-            <a:spLocks noGrp="1"/>
-          </p:cNvSpPr>
-          <p:nvPr>
-            <p:ph type="title"/>
-          </p:nvPr>
-        </p:nvSpPr>
-        <p:spPr/>
-        <p:txBody>
-          <a:bodyPr/>
-          <a:lstStyle/>
-          <a:p>
-            <a:r>
-              <a:rPr lang="en-US" dirty="0"/>
-              <a:t>For tonight’s solutions</a:t>
-            </a:r>
-          </a:p>
-        </p:txBody>
-      </p:sp>
-      <p:sp>
-        <p:nvSpPr>
-          <p:cNvPr id="3" name="Content Placeholder 2">
-            <a:extLst>
-              <a:ext uri="{FF2B5EF4-FFF2-40B4-BE49-F238E27FC236}">
-                <a16:creationId xmlns:a16="http://schemas.microsoft.com/office/drawing/2014/main" id="{0D7677D1-EFAB-48D6-A86A-827ED93556D1}"/>
-              </a:ext>
-            </a:extLst>
-          </p:cNvPr>
-          <p:cNvSpPr>
-            <a:spLocks noGrp="1"/>
-          </p:cNvSpPr>
-          <p:nvPr>
-            <p:ph idx="1"/>
-          </p:nvPr>
-        </p:nvSpPr>
-        <p:spPr>
-          <a:xfrm>
-            <a:off x="838200" y="2011680"/>
-            <a:ext cx="10515600" cy="2607821"/>
-          </a:xfrm>
-        </p:spPr>
-        <p:txBody>
-          <a:bodyPr>
-            <a:normAutofit fontScale="92500" lnSpcReduction="10000"/>
-          </a:bodyPr>
-          <a:lstStyle/>
-          <a:p>
-            <a:r>
-              <a:rPr lang="en-US" dirty="0"/>
-              <a:t>Solutions will assume:</a:t>
-            </a:r>
-          </a:p>
-          <a:p>
-            <a:pPr lvl="1"/>
-            <a:r>
-              <a:rPr lang="en-US" dirty="0"/>
-              <a:t>Upper, left is (0,0)</a:t>
-            </a:r>
-          </a:p>
-          <a:p>
-            <a:pPr lvl="1"/>
-            <a:r>
-              <a:rPr lang="en-US" dirty="0"/>
-              <a:t>Iteration/Scanning will be top-to-bottom, left-to-right (book order)</a:t>
-            </a:r>
-          </a:p>
-          <a:p>
-            <a:pPr lvl="1"/>
-            <a:r>
-              <a:rPr lang="en-US" dirty="0"/>
-              <a:t>2D array: grid[y][x]</a:t>
-            </a:r>
-          </a:p>
-          <a:p>
-            <a:pPr lvl="2"/>
-            <a:r>
-              <a:rPr lang="en-US" dirty="0"/>
-              <a:t>Height of grid is then </a:t>
-            </a:r>
-            <a:r>
-              <a:rPr lang="en-US" dirty="0" err="1"/>
-              <a:t>len</a:t>
-            </a:r>
-            <a:r>
-              <a:rPr lang="en-US" dirty="0"/>
-              <a:t>(grid)</a:t>
-            </a:r>
-          </a:p>
-          <a:p>
-            <a:pPr lvl="2"/>
-            <a:r>
-              <a:rPr lang="en-US" dirty="0"/>
-              <a:t>Width of grid is then </a:t>
-            </a:r>
-            <a:r>
-              <a:rPr lang="en-US" dirty="0" err="1"/>
-              <a:t>len</a:t>
-            </a:r>
-            <a:r>
-              <a:rPr lang="en-US" dirty="0"/>
-              <a:t>(grid[0])</a:t>
-            </a:r>
-          </a:p>
-          <a:p>
-            <a:pPr lvl="2"/>
-            <a:r>
-              <a:rPr lang="en-US" b="1" dirty="0"/>
-              <a:t>Invariant</a:t>
-            </a:r>
-            <a:r>
-              <a:rPr lang="en-US" dirty="0"/>
-              <a:t>: All rows are the same length</a:t>
-            </a:r>
-          </a:p>
-        </p:txBody>
-      </p:sp>
-      <p:cxnSp>
-        <p:nvCxnSpPr>
-          <p:cNvPr id="4" name="Straight Arrow Connector 3">
-            <a:extLst>
-              <a:ext uri="{FF2B5EF4-FFF2-40B4-BE49-F238E27FC236}">
-                <a16:creationId xmlns:a16="http://schemas.microsoft.com/office/drawing/2014/main" id="{51CF9670-B491-4CC8-9095-363D40728ECC}"/>
-              </a:ext>
-            </a:extLst>
-          </p:cNvPr>
-          <p:cNvCxnSpPr>
-            <a:cxnSpLocks/>
-          </p:cNvCxnSpPr>
-          <p:nvPr/>
-        </p:nvCxnSpPr>
-        <p:spPr>
-          <a:xfrm>
-            <a:off x="8317480" y="3918565"/>
-            <a:ext cx="1511559" cy="0"/>
-          </a:xfrm>
-          <a:prstGeom prst="straightConnector1">
-            <a:avLst/>
-          </a:prstGeom>
-          <a:ln>
-            <a:tailEnd type="triangle"/>
-          </a:ln>
-        </p:spPr>
-        <p:style>
-          <a:lnRef idx="1">
-            <a:schemeClr val="dk1"/>
-          </a:lnRef>
-          <a:fillRef idx="0">
-            <a:schemeClr val="dk1"/>
-          </a:fillRef>
-          <a:effectRef idx="0">
-            <a:schemeClr val="dk1"/>
-          </a:effectRef>
-          <a:fontRef idx="minor">
-            <a:schemeClr val="tx1"/>
-          </a:fontRef>
-        </p:style>
-      </p:cxnSp>
-      <p:cxnSp>
-        <p:nvCxnSpPr>
-          <p:cNvPr id="5" name="Straight Arrow Connector 4">
-            <a:extLst>
-              <a:ext uri="{FF2B5EF4-FFF2-40B4-BE49-F238E27FC236}">
-                <a16:creationId xmlns:a16="http://schemas.microsoft.com/office/drawing/2014/main" id="{F01E0490-A077-481C-B8A3-4B2136FA67E4}"/>
-              </a:ext>
-            </a:extLst>
-          </p:cNvPr>
-          <p:cNvCxnSpPr>
-            <a:cxnSpLocks/>
-          </p:cNvCxnSpPr>
-          <p:nvPr/>
-        </p:nvCxnSpPr>
-        <p:spPr>
-          <a:xfrm rot="5400000" flipV="1">
-            <a:off x="7561701" y="4689896"/>
-            <a:ext cx="1511559" cy="0"/>
-          </a:xfrm>
-          <a:prstGeom prst="straightConnector1">
-            <a:avLst/>
-          </a:prstGeom>
-          <a:ln>
-            <a:tailEnd type="triangle"/>
-          </a:ln>
-        </p:spPr>
-        <p:style>
-          <a:lnRef idx="1">
-            <a:schemeClr val="dk1"/>
-          </a:lnRef>
-          <a:fillRef idx="0">
-            <a:schemeClr val="dk1"/>
-          </a:fillRef>
-          <a:effectRef idx="0">
-            <a:schemeClr val="dk1"/>
-          </a:effectRef>
-          <a:fontRef idx="minor">
-            <a:schemeClr val="tx1"/>
-          </a:fontRef>
-        </p:style>
-      </p:cxnSp>
-      <p:sp>
-        <p:nvSpPr>
-          <p:cNvPr id="6" name="Rectangle 5">
-            <a:extLst>
-              <a:ext uri="{FF2B5EF4-FFF2-40B4-BE49-F238E27FC236}">
-                <a16:creationId xmlns:a16="http://schemas.microsoft.com/office/drawing/2014/main" id="{802A326B-30C4-4B9A-B4CC-D9F33C95E957}"/>
-              </a:ext>
-            </a:extLst>
-          </p:cNvPr>
-          <p:cNvSpPr/>
-          <p:nvPr/>
-        </p:nvSpPr>
-        <p:spPr>
-          <a:xfrm>
-            <a:off x="8420118" y="4051215"/>
-            <a:ext cx="1306281" cy="1166281"/>
-          </a:xfrm>
-          <a:prstGeom prst="rect">
-            <a:avLst/>
-          </a:prstGeom>
-        </p:spPr>
-        <p:style>
-          <a:lnRef idx="2">
-            <a:schemeClr val="accent1">
-              <a:shade val="50000"/>
-            </a:schemeClr>
-          </a:lnRef>
-          <a:fillRef idx="1">
-            <a:schemeClr val="accent1"/>
-          </a:fillRef>
-          <a:effectRef idx="0">
-            <a:schemeClr val="accent1"/>
-          </a:effectRef>
-          <a:fontRef idx="minor">
-            <a:schemeClr val="lt1"/>
-          </a:fontRef>
-        </p:style>
-        <p:txBody>
-          <a:bodyPr rtlCol="0" anchor="ctr"/>
-          <a:lstStyle/>
-          <a:p>
-            <a:pPr algn="ctr"/>
-            <a:endParaRPr lang="en-US"/>
-          </a:p>
-        </p:txBody>
-      </p:sp>
-      <p:sp>
-        <p:nvSpPr>
-          <p:cNvPr id="7" name="TextBox 6">
-            <a:extLst>
-              <a:ext uri="{FF2B5EF4-FFF2-40B4-BE49-F238E27FC236}">
-                <a16:creationId xmlns:a16="http://schemas.microsoft.com/office/drawing/2014/main" id="{26BBD60B-CA2E-4FAF-8327-182F45D2132C}"/>
-              </a:ext>
-            </a:extLst>
-          </p:cNvPr>
-          <p:cNvSpPr txBox="1"/>
-          <p:nvPr/>
-        </p:nvSpPr>
-        <p:spPr>
-          <a:xfrm>
-            <a:off x="8328754" y="3996234"/>
-            <a:ext cx="802427" cy="369332"/>
-          </a:xfrm>
-          <a:prstGeom prst="rect">
-            <a:avLst/>
-          </a:prstGeom>
-          <a:noFill/>
-        </p:spPr>
-        <p:txBody>
-          <a:bodyPr wrap="square" rtlCol="0">
-            <a:spAutoFit/>
-          </a:bodyPr>
-          <a:lstStyle/>
-          <a:p>
-            <a:r>
-              <a:rPr lang="en-US" dirty="0"/>
-              <a:t>(0,0)</a:t>
-            </a:r>
-          </a:p>
-        </p:txBody>
-      </p:sp>
-      <p:sp>
-        <p:nvSpPr>
-          <p:cNvPr id="8" name="TextBox 7">
-            <a:extLst>
-              <a:ext uri="{FF2B5EF4-FFF2-40B4-BE49-F238E27FC236}">
-                <a16:creationId xmlns:a16="http://schemas.microsoft.com/office/drawing/2014/main" id="{2CDE1C98-14B2-4DEF-A59F-2181403EA91B}"/>
-              </a:ext>
-            </a:extLst>
-          </p:cNvPr>
-          <p:cNvSpPr txBox="1"/>
-          <p:nvPr/>
-        </p:nvSpPr>
-        <p:spPr>
-          <a:xfrm>
-            <a:off x="8018904" y="5664496"/>
-            <a:ext cx="3074433" cy="646331"/>
-          </a:xfrm>
-          <a:prstGeom prst="rect">
-            <a:avLst/>
-          </a:prstGeom>
-          <a:noFill/>
-        </p:spPr>
-        <p:txBody>
-          <a:bodyPr wrap="square" rtlCol="0">
-            <a:spAutoFit/>
-          </a:bodyPr>
-          <a:lstStyle/>
-          <a:p>
-            <a:r>
-              <a:rPr lang="en-US" dirty="0"/>
-              <a:t>Top down print would be</a:t>
-            </a:r>
-          </a:p>
-          <a:p>
-            <a:r>
-              <a:rPr lang="en-US" dirty="0"/>
-              <a:t>range(0,y)</a:t>
-            </a:r>
-          </a:p>
-        </p:txBody>
-      </p:sp>
-    </p:spTree>
-    <p:extLst>
-      <p:ext uri="{BB962C8B-B14F-4D97-AF65-F5344CB8AC3E}">
-        <p14:creationId xmlns:p14="http://schemas.microsoft.com/office/powerpoint/2010/main" val="3929329188"/>
       </p:ext>
     </p:extLst>
   </p:cSld>

--- a/Presentation.pptx
+++ b/Presentation.pptx
@@ -5,7 +5,7 @@
     <p:sldMasterId id="2147483684" r:id="rId1"/>
   </p:sldMasterIdLst>
   <p:notesMasterIdLst>
-    <p:notesMasterId r:id="rId32"/>
+    <p:notesMasterId r:id="rId33"/>
   </p:notesMasterIdLst>
   <p:sldIdLst>
     <p:sldId id="256" r:id="rId2"/>
@@ -33,11 +33,12 @@
     <p:sldId id="262" r:id="rId24"/>
     <p:sldId id="268" r:id="rId25"/>
     <p:sldId id="272" r:id="rId26"/>
-    <p:sldId id="278" r:id="rId27"/>
-    <p:sldId id="277" r:id="rId28"/>
-    <p:sldId id="287" r:id="rId29"/>
-    <p:sldId id="271" r:id="rId30"/>
-    <p:sldId id="274" r:id="rId31"/>
+    <p:sldId id="288" r:id="rId27"/>
+    <p:sldId id="278" r:id="rId28"/>
+    <p:sldId id="277" r:id="rId29"/>
+    <p:sldId id="287" r:id="rId30"/>
+    <p:sldId id="271" r:id="rId31"/>
+    <p:sldId id="274" r:id="rId32"/>
   </p:sldIdLst>
   <p:sldSz cx="12192000" cy="6858000"/>
   <p:notesSz cx="6858000" cy="9144000"/>
@@ -9839,6 +9840,111 @@
 </p:notes>
 </file>
 
+<file path=ppt/notesSlides/notesSlide10.xml><?xml version="1.0" encoding="utf-8"?>
+<p:notes xmlns:a="http://schemas.openxmlformats.org/drawingml/2006/main" xmlns:r="http://schemas.openxmlformats.org/officeDocument/2006/relationships" xmlns:p="http://schemas.openxmlformats.org/presentationml/2006/main">
+  <p:cSld>
+    <p:spTree>
+      <p:nvGrpSpPr>
+        <p:cNvPr id="1" name=""/>
+        <p:cNvGrpSpPr/>
+        <p:nvPr/>
+      </p:nvGrpSpPr>
+      <p:grpSpPr>
+        <a:xfrm>
+          <a:off x="0" y="0"/>
+          <a:ext cx="0" cy="0"/>
+          <a:chOff x="0" y="0"/>
+          <a:chExt cx="0" cy="0"/>
+        </a:xfrm>
+      </p:grpSpPr>
+      <p:sp>
+        <p:nvSpPr>
+          <p:cNvPr id="2" name="Slide Image Placeholder 1"/>
+          <p:cNvSpPr>
+            <a:spLocks noGrp="1" noRot="1" noChangeAspect="1"/>
+          </p:cNvSpPr>
+          <p:nvPr>
+            <p:ph type="sldImg"/>
+          </p:nvPr>
+        </p:nvSpPr>
+        <p:spPr/>
+      </p:sp>
+      <p:sp>
+        <p:nvSpPr>
+          <p:cNvPr id="3" name="Notes Placeholder 2"/>
+          <p:cNvSpPr>
+            <a:spLocks noGrp="1"/>
+          </p:cNvSpPr>
+          <p:nvPr>
+            <p:ph type="body" idx="1"/>
+          </p:nvPr>
+        </p:nvSpPr>
+        <p:spPr/>
+        <p:txBody>
+          <a:bodyPr/>
+          <a:lstStyle/>
+          <a:p>
+            <a:r>
+              <a:rPr lang="en-US" dirty="0"/>
+              <a:t>Brute Force: Use if statements to check for all conditions</a:t>
+            </a:r>
+          </a:p>
+          <a:p>
+            <a:r>
+              <a:rPr lang="en-US" dirty="0"/>
+              <a:t>Iterate in directions</a:t>
+            </a:r>
+          </a:p>
+          <a:p>
+            <a:r>
+              <a:rPr lang="en-US" dirty="0"/>
+              <a:t>Outward span</a:t>
+            </a:r>
+          </a:p>
+          <a:p>
+            <a:endParaRPr lang="en-US" dirty="0"/>
+          </a:p>
+          <a:p>
+            <a:endParaRPr lang="en-US" dirty="0"/>
+          </a:p>
+        </p:txBody>
+      </p:sp>
+      <p:sp>
+        <p:nvSpPr>
+          <p:cNvPr id="4" name="Slide Number Placeholder 3"/>
+          <p:cNvSpPr>
+            <a:spLocks noGrp="1"/>
+          </p:cNvSpPr>
+          <p:nvPr>
+            <p:ph type="sldNum" sz="quarter" idx="5"/>
+          </p:nvPr>
+        </p:nvSpPr>
+        <p:spPr/>
+        <p:txBody>
+          <a:bodyPr/>
+          <a:lstStyle/>
+          <a:p>
+            <a:fld id="{AA6161D2-2629-48EA-8700-9BE7AF989F6B}" type="slidenum">
+              <a:rPr lang="en-US" smtClean="0"/>
+              <a:t>29</a:t>
+            </a:fld>
+            <a:endParaRPr lang="en-US"/>
+          </a:p>
+        </p:txBody>
+      </p:sp>
+    </p:spTree>
+    <p:extLst>
+      <p:ext uri="{BB962C8B-B14F-4D97-AF65-F5344CB8AC3E}">
+        <p14:creationId xmlns:p14="http://schemas.microsoft.com/office/powerpoint/2010/main" val="590455161"/>
+      </p:ext>
+    </p:extLst>
+  </p:cSld>
+  <p:clrMapOvr>
+    <a:masterClrMapping/>
+  </p:clrMapOvr>
+</p:notes>
+</file>
+
 <file path=ppt/notesSlides/notesSlide2.xml><?xml version="1.0" encoding="utf-8"?>
 <p:notes xmlns:a="http://schemas.openxmlformats.org/drawingml/2006/main" xmlns:r="http://schemas.openxmlformats.org/officeDocument/2006/relationships" xmlns:p="http://schemas.openxmlformats.org/presentationml/2006/main">
   <p:cSld>
@@ -10382,6 +10488,12 @@
               <a:t>Left, right vs turning left, right.</a:t>
             </a:r>
           </a:p>
+          <a:p>
+            <a:r>
+              <a:rPr lang="en-US" dirty="0"/>
+              <a:t>Current position + offset = new position</a:t>
+            </a:r>
+          </a:p>
         </p:txBody>
       </p:sp>
       <p:sp>
@@ -10592,26 +10704,8 @@
           <a:p>
             <a:r>
               <a:rPr lang="en-US" dirty="0"/>
-              <a:t>Brute Force: Use if statements to check for all conditions</a:t>
+              <a:t>Sometimes referred to as visited or open/close lists.</a:t>
             </a:r>
-          </a:p>
-          <a:p>
-            <a:r>
-              <a:rPr lang="en-US" dirty="0"/>
-              <a:t>Iterate in directions</a:t>
-            </a:r>
-          </a:p>
-          <a:p>
-            <a:r>
-              <a:rPr lang="en-US" dirty="0"/>
-              <a:t>Outward span</a:t>
-            </a:r>
-          </a:p>
-          <a:p>
-            <a:endParaRPr lang="en-US" dirty="0"/>
-          </a:p>
-          <a:p>
-            <a:endParaRPr lang="en-US" dirty="0"/>
           </a:p>
         </p:txBody>
       </p:sp>
@@ -10632,7 +10726,7 @@
           <a:p>
             <a:fld id="{AA6161D2-2629-48EA-8700-9BE7AF989F6B}" type="slidenum">
               <a:rPr lang="en-US" smtClean="0"/>
-              <a:t>28</a:t>
+              <a:t>25</a:t>
             </a:fld>
             <a:endParaRPr lang="en-US"/>
           </a:p>
@@ -10641,7 +10735,7 @@
     </p:spTree>
     <p:extLst>
       <p:ext uri="{BB962C8B-B14F-4D97-AF65-F5344CB8AC3E}">
-        <p14:creationId xmlns:p14="http://schemas.microsoft.com/office/powerpoint/2010/main" val="590455161"/>
+        <p14:creationId xmlns:p14="http://schemas.microsoft.com/office/powerpoint/2010/main" val="3612835332"/>
       </p:ext>
     </p:extLst>
   </p:cSld>
@@ -38072,14 +38166,14 @@
           <a:p>
             <a:r>
               <a:rPr lang="en-US" dirty="0"/>
-              <a:t>Solution is to make a move and see if you can solve from that location</a:t>
+              <a:t>Make a move and see if you can solve from that location</a:t>
             </a:r>
           </a:p>
           <a:p>
             <a:pPr lvl="1"/>
             <a:r>
               <a:rPr lang="en-US" dirty="0"/>
-              <a:t>If not, don’t go that way</a:t>
+              <a:t>If not, don’t go that way… ever again.</a:t>
             </a:r>
           </a:p>
           <a:p>
@@ -38199,6 +38293,18 @@
           <a:p>
             <a:r>
               <a:rPr lang="en-US" dirty="0"/>
+              <a:t>Rules out paths we took, avoids cycles</a:t>
+            </a:r>
+          </a:p>
+          <a:p>
+            <a:pPr marL="0" indent="0">
+              <a:buNone/>
+            </a:pPr>
+            <a:endParaRPr lang="en-US" dirty="0"/>
+          </a:p>
+          <a:p>
+            <a:r>
+              <a:rPr lang="en-US" dirty="0"/>
               <a:t>Directly in the grid</a:t>
             </a:r>
           </a:p>
@@ -38258,6 +38364,732 @@
 </file>
 
 <file path=ppt/slides/slide26.xml><?xml version="1.0" encoding="utf-8"?>
+<p:sld xmlns:a="http://schemas.openxmlformats.org/drawingml/2006/main" xmlns:r="http://schemas.openxmlformats.org/officeDocument/2006/relationships" xmlns:p="http://schemas.openxmlformats.org/presentationml/2006/main">
+  <p:cSld>
+    <p:spTree>
+      <p:nvGrpSpPr>
+        <p:cNvPr id="1" name=""/>
+        <p:cNvGrpSpPr/>
+        <p:nvPr/>
+      </p:nvGrpSpPr>
+      <p:grpSpPr>
+        <a:xfrm>
+          <a:off x="0" y="0"/>
+          <a:ext cx="0" cy="0"/>
+          <a:chOff x="0" y="0"/>
+          <a:chExt cx="0" cy="0"/>
+        </a:xfrm>
+      </p:grpSpPr>
+      <p:sp>
+        <p:nvSpPr>
+          <p:cNvPr id="2" name="Title 1">
+            <a:extLst>
+              <a:ext uri="{FF2B5EF4-FFF2-40B4-BE49-F238E27FC236}">
+                <a16:creationId xmlns:a16="http://schemas.microsoft.com/office/drawing/2014/main" id="{683349E8-CB58-46FE-BE7F-1E0CA73A7140}"/>
+              </a:ext>
+            </a:extLst>
+          </p:cNvPr>
+          <p:cNvSpPr>
+            <a:spLocks noGrp="1"/>
+          </p:cNvSpPr>
+          <p:nvPr>
+            <p:ph type="title"/>
+          </p:nvPr>
+        </p:nvSpPr>
+        <p:spPr/>
+        <p:txBody>
+          <a:bodyPr/>
+          <a:lstStyle/>
+          <a:p>
+            <a:r>
+              <a:rPr lang="en-US" dirty="0"/>
+              <a:t>Backtracking flow</a:t>
+            </a:r>
+          </a:p>
+        </p:txBody>
+      </p:sp>
+      <p:sp>
+        <p:nvSpPr>
+          <p:cNvPr id="4" name="Rectangle: Rounded Corners 3">
+            <a:extLst>
+              <a:ext uri="{FF2B5EF4-FFF2-40B4-BE49-F238E27FC236}">
+                <a16:creationId xmlns:a16="http://schemas.microsoft.com/office/drawing/2014/main" id="{C2599767-CE95-4E6E-9816-DD7A46E0DC1A}"/>
+              </a:ext>
+            </a:extLst>
+          </p:cNvPr>
+          <p:cNvSpPr/>
+          <p:nvPr/>
+        </p:nvSpPr>
+        <p:spPr>
+          <a:xfrm>
+            <a:off x="838200" y="2035072"/>
+            <a:ext cx="2600696" cy="950026"/>
+          </a:xfrm>
+          <a:prstGeom prst="roundRect">
+            <a:avLst/>
+          </a:prstGeom>
+        </p:spPr>
+        <p:style>
+          <a:lnRef idx="2">
+            <a:schemeClr val="accent1">
+              <a:shade val="50000"/>
+            </a:schemeClr>
+          </a:lnRef>
+          <a:fillRef idx="1">
+            <a:schemeClr val="accent1"/>
+          </a:fillRef>
+          <a:effectRef idx="0">
+            <a:schemeClr val="accent1"/>
+          </a:effectRef>
+          <a:fontRef idx="minor">
+            <a:schemeClr val="lt1"/>
+          </a:fontRef>
+        </p:style>
+        <p:txBody>
+          <a:bodyPr rtlCol="0" anchor="ctr"/>
+          <a:lstStyle/>
+          <a:p>
+            <a:pPr algn="ctr"/>
+            <a:r>
+              <a:rPr lang="en-US" dirty="0"/>
+              <a:t>Am I at goal?</a:t>
+            </a:r>
+          </a:p>
+        </p:txBody>
+      </p:sp>
+      <p:sp>
+        <p:nvSpPr>
+          <p:cNvPr id="6" name="Rectangle: Rounded Corners 5">
+            <a:extLst>
+              <a:ext uri="{FF2B5EF4-FFF2-40B4-BE49-F238E27FC236}">
+                <a16:creationId xmlns:a16="http://schemas.microsoft.com/office/drawing/2014/main" id="{9DA4E9C6-2282-48A6-8709-5C27BBA59B7C}"/>
+              </a:ext>
+            </a:extLst>
+          </p:cNvPr>
+          <p:cNvSpPr/>
+          <p:nvPr/>
+        </p:nvSpPr>
+        <p:spPr>
+          <a:xfrm>
+            <a:off x="5491347" y="2032849"/>
+            <a:ext cx="1698171" cy="950026"/>
+          </a:xfrm>
+          <a:prstGeom prst="roundRect">
+            <a:avLst/>
+          </a:prstGeom>
+        </p:spPr>
+        <p:style>
+          <a:lnRef idx="2">
+            <a:schemeClr val="accent6">
+              <a:shade val="50000"/>
+            </a:schemeClr>
+          </a:lnRef>
+          <a:fillRef idx="1">
+            <a:schemeClr val="accent6"/>
+          </a:fillRef>
+          <a:effectRef idx="0">
+            <a:schemeClr val="accent6"/>
+          </a:effectRef>
+          <a:fontRef idx="minor">
+            <a:schemeClr val="lt1"/>
+          </a:fontRef>
+        </p:style>
+        <p:txBody>
+          <a:bodyPr rtlCol="0" anchor="ctr"/>
+          <a:lstStyle/>
+          <a:p>
+            <a:pPr algn="ctr"/>
+            <a:r>
+              <a:rPr lang="en-US" dirty="0"/>
+              <a:t>Yes!</a:t>
+            </a:r>
+          </a:p>
+          <a:p>
+            <a:pPr algn="ctr"/>
+            <a:r>
+              <a:rPr lang="en-US" dirty="0"/>
+              <a:t>(we can get there)</a:t>
+            </a:r>
+          </a:p>
+        </p:txBody>
+      </p:sp>
+      <p:sp>
+        <p:nvSpPr>
+          <p:cNvPr id="8" name="Rectangle: Rounded Corners 7">
+            <a:extLst>
+              <a:ext uri="{FF2B5EF4-FFF2-40B4-BE49-F238E27FC236}">
+                <a16:creationId xmlns:a16="http://schemas.microsoft.com/office/drawing/2014/main" id="{F0CF7867-9EF6-45F7-B63B-1119C2D93445}"/>
+              </a:ext>
+            </a:extLst>
+          </p:cNvPr>
+          <p:cNvSpPr/>
+          <p:nvPr/>
+        </p:nvSpPr>
+        <p:spPr>
+          <a:xfrm>
+            <a:off x="838200" y="3079884"/>
+            <a:ext cx="2600696" cy="950026"/>
+          </a:xfrm>
+          <a:prstGeom prst="roundRect">
+            <a:avLst/>
+          </a:prstGeom>
+        </p:spPr>
+        <p:style>
+          <a:lnRef idx="2">
+            <a:schemeClr val="accent1">
+              <a:shade val="50000"/>
+            </a:schemeClr>
+          </a:lnRef>
+          <a:fillRef idx="1">
+            <a:schemeClr val="accent1"/>
+          </a:fillRef>
+          <a:effectRef idx="0">
+            <a:schemeClr val="accent1"/>
+          </a:effectRef>
+          <a:fontRef idx="minor">
+            <a:schemeClr val="lt1"/>
+          </a:fontRef>
+        </p:style>
+        <p:txBody>
+          <a:bodyPr rtlCol="0" anchor="ctr"/>
+          <a:lstStyle/>
+          <a:p>
+            <a:pPr algn="ctr"/>
+            <a:r>
+              <a:rPr lang="en-US" dirty="0"/>
+              <a:t>Can I make a move?</a:t>
+            </a:r>
+          </a:p>
+        </p:txBody>
+      </p:sp>
+      <p:sp>
+        <p:nvSpPr>
+          <p:cNvPr id="10" name="Rectangle: Rounded Corners 9">
+            <a:extLst>
+              <a:ext uri="{FF2B5EF4-FFF2-40B4-BE49-F238E27FC236}">
+                <a16:creationId xmlns:a16="http://schemas.microsoft.com/office/drawing/2014/main" id="{762FDCA5-B41C-4621-8884-A62426C912BB}"/>
+              </a:ext>
+            </a:extLst>
+          </p:cNvPr>
+          <p:cNvSpPr/>
+          <p:nvPr/>
+        </p:nvSpPr>
+        <p:spPr>
+          <a:xfrm>
+            <a:off x="5158838" y="3079884"/>
+            <a:ext cx="2600696" cy="950026"/>
+          </a:xfrm>
+          <a:prstGeom prst="roundRect">
+            <a:avLst/>
+          </a:prstGeom>
+        </p:spPr>
+        <p:style>
+          <a:lnRef idx="2">
+            <a:schemeClr val="accent2">
+              <a:shade val="50000"/>
+            </a:schemeClr>
+          </a:lnRef>
+          <a:fillRef idx="1">
+            <a:schemeClr val="accent2"/>
+          </a:fillRef>
+          <a:effectRef idx="0">
+            <a:schemeClr val="accent2"/>
+          </a:effectRef>
+          <a:fontRef idx="minor">
+            <a:schemeClr val="lt1"/>
+          </a:fontRef>
+        </p:style>
+        <p:txBody>
+          <a:bodyPr rtlCol="0" anchor="ctr"/>
+          <a:lstStyle/>
+          <a:p>
+            <a:pPr algn="ctr"/>
+            <a:r>
+              <a:rPr lang="en-US" dirty="0"/>
+              <a:t>No</a:t>
+            </a:r>
+          </a:p>
+          <a:p>
+            <a:pPr algn="ctr"/>
+            <a:r>
+              <a:rPr lang="en-US" dirty="0"/>
+              <a:t>(we can’t get there from here)</a:t>
+            </a:r>
+          </a:p>
+        </p:txBody>
+      </p:sp>
+      <p:sp>
+        <p:nvSpPr>
+          <p:cNvPr id="12" name="Rectangle: Rounded Corners 11">
+            <a:extLst>
+              <a:ext uri="{FF2B5EF4-FFF2-40B4-BE49-F238E27FC236}">
+                <a16:creationId xmlns:a16="http://schemas.microsoft.com/office/drawing/2014/main" id="{3620D2DB-8353-4B46-8E37-A88D59177836}"/>
+              </a:ext>
+            </a:extLst>
+          </p:cNvPr>
+          <p:cNvSpPr/>
+          <p:nvPr/>
+        </p:nvSpPr>
+        <p:spPr>
+          <a:xfrm>
+            <a:off x="1546760" y="4191449"/>
+            <a:ext cx="3020290" cy="641808"/>
+          </a:xfrm>
+          <a:prstGeom prst="roundRect">
+            <a:avLst/>
+          </a:prstGeom>
+        </p:spPr>
+        <p:style>
+          <a:lnRef idx="2">
+            <a:schemeClr val="accent1">
+              <a:shade val="50000"/>
+            </a:schemeClr>
+          </a:lnRef>
+          <a:fillRef idx="1">
+            <a:schemeClr val="accent1"/>
+          </a:fillRef>
+          <a:effectRef idx="0">
+            <a:schemeClr val="accent1"/>
+          </a:effectRef>
+          <a:fontRef idx="minor">
+            <a:schemeClr val="lt1"/>
+          </a:fontRef>
+        </p:style>
+        <p:txBody>
+          <a:bodyPr rtlCol="0" anchor="ctr"/>
+          <a:lstStyle/>
+          <a:p>
+            <a:pPr algn="ctr"/>
+            <a:r>
+              <a:rPr lang="en-US" dirty="0"/>
+              <a:t>Get a move from possible moves</a:t>
+            </a:r>
+          </a:p>
+        </p:txBody>
+      </p:sp>
+      <p:sp>
+        <p:nvSpPr>
+          <p:cNvPr id="14" name="Rectangle: Rounded Corners 13">
+            <a:extLst>
+              <a:ext uri="{FF2B5EF4-FFF2-40B4-BE49-F238E27FC236}">
+                <a16:creationId xmlns:a16="http://schemas.microsoft.com/office/drawing/2014/main" id="{9514BA9C-E717-4735-AC8C-6F53BD8B4241}"/>
+              </a:ext>
+            </a:extLst>
+          </p:cNvPr>
+          <p:cNvSpPr/>
+          <p:nvPr/>
+        </p:nvSpPr>
+        <p:spPr>
+          <a:xfrm>
+            <a:off x="1546760" y="5739307"/>
+            <a:ext cx="3020290" cy="565840"/>
+          </a:xfrm>
+          <a:prstGeom prst="roundRect">
+            <a:avLst/>
+          </a:prstGeom>
+        </p:spPr>
+        <p:style>
+          <a:lnRef idx="2">
+            <a:schemeClr val="accent1">
+              <a:shade val="50000"/>
+            </a:schemeClr>
+          </a:lnRef>
+          <a:fillRef idx="1">
+            <a:schemeClr val="accent1"/>
+          </a:fillRef>
+          <a:effectRef idx="0">
+            <a:schemeClr val="accent1"/>
+          </a:effectRef>
+          <a:fontRef idx="minor">
+            <a:schemeClr val="lt1"/>
+          </a:fontRef>
+        </p:style>
+        <p:txBody>
+          <a:bodyPr rtlCol="0" anchor="ctr"/>
+          <a:lstStyle/>
+          <a:p>
+            <a:pPr algn="ctr"/>
+            <a:r>
+              <a:rPr lang="en-US" dirty="0"/>
+              <a:t>Start process over from new position</a:t>
+            </a:r>
+          </a:p>
+        </p:txBody>
+      </p:sp>
+      <p:sp>
+        <p:nvSpPr>
+          <p:cNvPr id="18" name="Rectangle: Rounded Corners 17">
+            <a:extLst>
+              <a:ext uri="{FF2B5EF4-FFF2-40B4-BE49-F238E27FC236}">
+                <a16:creationId xmlns:a16="http://schemas.microsoft.com/office/drawing/2014/main" id="{97D1FC92-37D7-4EB2-B9F6-10DD96C1B30F}"/>
+              </a:ext>
+            </a:extLst>
+          </p:cNvPr>
+          <p:cNvSpPr/>
+          <p:nvPr/>
+        </p:nvSpPr>
+        <p:spPr>
+          <a:xfrm>
+            <a:off x="1515092" y="5026788"/>
+            <a:ext cx="3051958" cy="518988"/>
+          </a:xfrm>
+          <a:prstGeom prst="roundRect">
+            <a:avLst/>
+          </a:prstGeom>
+        </p:spPr>
+        <p:style>
+          <a:lnRef idx="2">
+            <a:schemeClr val="accent1">
+              <a:shade val="50000"/>
+            </a:schemeClr>
+          </a:lnRef>
+          <a:fillRef idx="1">
+            <a:schemeClr val="accent1"/>
+          </a:fillRef>
+          <a:effectRef idx="0">
+            <a:schemeClr val="accent1"/>
+          </a:effectRef>
+          <a:fontRef idx="minor">
+            <a:schemeClr val="lt1"/>
+          </a:fontRef>
+        </p:style>
+        <p:txBody>
+          <a:bodyPr rtlCol="0" anchor="ctr"/>
+          <a:lstStyle/>
+          <a:p>
+            <a:pPr algn="ctr"/>
+            <a:r>
+              <a:rPr lang="en-US" dirty="0"/>
+              <a:t>Make move &amp; record</a:t>
+            </a:r>
+          </a:p>
+        </p:txBody>
+      </p:sp>
+      <p:cxnSp>
+        <p:nvCxnSpPr>
+          <p:cNvPr id="22" name="Straight Arrow Connector 21">
+            <a:extLst>
+              <a:ext uri="{FF2B5EF4-FFF2-40B4-BE49-F238E27FC236}">
+                <a16:creationId xmlns:a16="http://schemas.microsoft.com/office/drawing/2014/main" id="{4E10107F-6312-48E1-B8DB-9ADA4F5CA410}"/>
+              </a:ext>
+            </a:extLst>
+          </p:cNvPr>
+          <p:cNvCxnSpPr>
+            <a:stCxn id="4" idx="2"/>
+            <a:endCxn id="8" idx="0"/>
+          </p:cNvCxnSpPr>
+          <p:nvPr/>
+        </p:nvCxnSpPr>
+        <p:spPr>
+          <a:xfrm>
+            <a:off x="2138548" y="2985098"/>
+            <a:ext cx="0" cy="94786"/>
+          </a:xfrm>
+          <a:prstGeom prst="straightConnector1">
+            <a:avLst/>
+          </a:prstGeom>
+          <a:ln>
+            <a:tailEnd type="triangle"/>
+          </a:ln>
+        </p:spPr>
+        <p:style>
+          <a:lnRef idx="1">
+            <a:schemeClr val="accent1"/>
+          </a:lnRef>
+          <a:fillRef idx="0">
+            <a:schemeClr val="accent1"/>
+          </a:fillRef>
+          <a:effectRef idx="0">
+            <a:schemeClr val="accent1"/>
+          </a:effectRef>
+          <a:fontRef idx="minor">
+            <a:schemeClr val="tx1"/>
+          </a:fontRef>
+        </p:style>
+      </p:cxnSp>
+      <p:cxnSp>
+        <p:nvCxnSpPr>
+          <p:cNvPr id="24" name="Straight Arrow Connector 23">
+            <a:extLst>
+              <a:ext uri="{FF2B5EF4-FFF2-40B4-BE49-F238E27FC236}">
+                <a16:creationId xmlns:a16="http://schemas.microsoft.com/office/drawing/2014/main" id="{74D0D302-01EE-4CB8-9657-EDC9407CFE7A}"/>
+              </a:ext>
+            </a:extLst>
+          </p:cNvPr>
+          <p:cNvCxnSpPr>
+            <a:stCxn id="8" idx="2"/>
+            <a:endCxn id="12" idx="0"/>
+          </p:cNvCxnSpPr>
+          <p:nvPr/>
+        </p:nvCxnSpPr>
+        <p:spPr>
+          <a:xfrm>
+            <a:off x="2138548" y="4029910"/>
+            <a:ext cx="918357" cy="161539"/>
+          </a:xfrm>
+          <a:prstGeom prst="straightConnector1">
+            <a:avLst/>
+          </a:prstGeom>
+          <a:ln>
+            <a:tailEnd type="triangle"/>
+          </a:ln>
+        </p:spPr>
+        <p:style>
+          <a:lnRef idx="1">
+            <a:schemeClr val="accent1"/>
+          </a:lnRef>
+          <a:fillRef idx="0">
+            <a:schemeClr val="accent1"/>
+          </a:fillRef>
+          <a:effectRef idx="0">
+            <a:schemeClr val="accent1"/>
+          </a:effectRef>
+          <a:fontRef idx="minor">
+            <a:schemeClr val="tx1"/>
+          </a:fontRef>
+        </p:style>
+      </p:cxnSp>
+      <p:cxnSp>
+        <p:nvCxnSpPr>
+          <p:cNvPr id="26" name="Straight Arrow Connector 25">
+            <a:extLst>
+              <a:ext uri="{FF2B5EF4-FFF2-40B4-BE49-F238E27FC236}">
+                <a16:creationId xmlns:a16="http://schemas.microsoft.com/office/drawing/2014/main" id="{6BF73FEF-FA7F-48EE-A220-2D5BEA57356A}"/>
+              </a:ext>
+            </a:extLst>
+          </p:cNvPr>
+          <p:cNvCxnSpPr>
+            <a:stCxn id="4" idx="3"/>
+            <a:endCxn id="6" idx="1"/>
+          </p:cNvCxnSpPr>
+          <p:nvPr/>
+        </p:nvCxnSpPr>
+        <p:spPr>
+          <a:xfrm flipV="1">
+            <a:off x="3438896" y="2507862"/>
+            <a:ext cx="2052451" cy="2223"/>
+          </a:xfrm>
+          <a:prstGeom prst="straightConnector1">
+            <a:avLst/>
+          </a:prstGeom>
+          <a:ln>
+            <a:tailEnd type="triangle"/>
+          </a:ln>
+        </p:spPr>
+        <p:style>
+          <a:lnRef idx="1">
+            <a:schemeClr val="accent1"/>
+          </a:lnRef>
+          <a:fillRef idx="0">
+            <a:schemeClr val="accent1"/>
+          </a:fillRef>
+          <a:effectRef idx="0">
+            <a:schemeClr val="accent1"/>
+          </a:effectRef>
+          <a:fontRef idx="minor">
+            <a:schemeClr val="tx1"/>
+          </a:fontRef>
+        </p:style>
+      </p:cxnSp>
+      <p:cxnSp>
+        <p:nvCxnSpPr>
+          <p:cNvPr id="28" name="Straight Arrow Connector 27">
+            <a:extLst>
+              <a:ext uri="{FF2B5EF4-FFF2-40B4-BE49-F238E27FC236}">
+                <a16:creationId xmlns:a16="http://schemas.microsoft.com/office/drawing/2014/main" id="{DF53AFA2-01B9-4D45-ADC6-282F0E5D6634}"/>
+              </a:ext>
+            </a:extLst>
+          </p:cNvPr>
+          <p:cNvCxnSpPr>
+            <a:cxnSpLocks/>
+            <a:stCxn id="8" idx="3"/>
+            <a:endCxn id="10" idx="1"/>
+          </p:cNvCxnSpPr>
+          <p:nvPr/>
+        </p:nvCxnSpPr>
+        <p:spPr>
+          <a:xfrm>
+            <a:off x="3438896" y="3554897"/>
+            <a:ext cx="1719942" cy="0"/>
+          </a:xfrm>
+          <a:prstGeom prst="straightConnector1">
+            <a:avLst/>
+          </a:prstGeom>
+          <a:ln>
+            <a:tailEnd type="triangle"/>
+          </a:ln>
+        </p:spPr>
+        <p:style>
+          <a:lnRef idx="1">
+            <a:schemeClr val="accent1"/>
+          </a:lnRef>
+          <a:fillRef idx="0">
+            <a:schemeClr val="accent1"/>
+          </a:fillRef>
+          <a:effectRef idx="0">
+            <a:schemeClr val="accent1"/>
+          </a:effectRef>
+          <a:fontRef idx="minor">
+            <a:schemeClr val="tx1"/>
+          </a:fontRef>
+        </p:style>
+      </p:cxnSp>
+      <p:cxnSp>
+        <p:nvCxnSpPr>
+          <p:cNvPr id="30" name="Straight Arrow Connector 29">
+            <a:extLst>
+              <a:ext uri="{FF2B5EF4-FFF2-40B4-BE49-F238E27FC236}">
+                <a16:creationId xmlns:a16="http://schemas.microsoft.com/office/drawing/2014/main" id="{C61D46D8-FD9A-49DA-BC52-31E16D744DB7}"/>
+              </a:ext>
+            </a:extLst>
+          </p:cNvPr>
+          <p:cNvCxnSpPr>
+            <a:stCxn id="12" idx="2"/>
+            <a:endCxn id="18" idx="0"/>
+          </p:cNvCxnSpPr>
+          <p:nvPr/>
+        </p:nvCxnSpPr>
+        <p:spPr>
+          <a:xfrm flipH="1">
+            <a:off x="3041071" y="4833257"/>
+            <a:ext cx="15834" cy="193531"/>
+          </a:xfrm>
+          <a:prstGeom prst="straightConnector1">
+            <a:avLst/>
+          </a:prstGeom>
+          <a:ln>
+            <a:tailEnd type="triangle"/>
+          </a:ln>
+        </p:spPr>
+        <p:style>
+          <a:lnRef idx="1">
+            <a:schemeClr val="accent1"/>
+          </a:lnRef>
+          <a:fillRef idx="0">
+            <a:schemeClr val="accent1"/>
+          </a:fillRef>
+          <a:effectRef idx="0">
+            <a:schemeClr val="accent1"/>
+          </a:effectRef>
+          <a:fontRef idx="minor">
+            <a:schemeClr val="tx1"/>
+          </a:fontRef>
+        </p:style>
+      </p:cxnSp>
+      <p:cxnSp>
+        <p:nvCxnSpPr>
+          <p:cNvPr id="32" name="Straight Arrow Connector 31">
+            <a:extLst>
+              <a:ext uri="{FF2B5EF4-FFF2-40B4-BE49-F238E27FC236}">
+                <a16:creationId xmlns:a16="http://schemas.microsoft.com/office/drawing/2014/main" id="{CB649148-DBBB-4512-B96E-4FFB86E51400}"/>
+              </a:ext>
+            </a:extLst>
+          </p:cNvPr>
+          <p:cNvCxnSpPr>
+            <a:stCxn id="18" idx="2"/>
+            <a:endCxn id="14" idx="0"/>
+          </p:cNvCxnSpPr>
+          <p:nvPr/>
+        </p:nvCxnSpPr>
+        <p:spPr>
+          <a:xfrm>
+            <a:off x="3041071" y="5545776"/>
+            <a:ext cx="15834" cy="193531"/>
+          </a:xfrm>
+          <a:prstGeom prst="straightConnector1">
+            <a:avLst/>
+          </a:prstGeom>
+          <a:ln>
+            <a:tailEnd type="triangle"/>
+          </a:ln>
+        </p:spPr>
+        <p:style>
+          <a:lnRef idx="1">
+            <a:schemeClr val="accent1"/>
+          </a:lnRef>
+          <a:fillRef idx="0">
+            <a:schemeClr val="accent1"/>
+          </a:fillRef>
+          <a:effectRef idx="0">
+            <a:schemeClr val="accent1"/>
+          </a:effectRef>
+          <a:fontRef idx="minor">
+            <a:schemeClr val="tx1"/>
+          </a:fontRef>
+        </p:style>
+      </p:cxnSp>
+      <p:sp>
+        <p:nvSpPr>
+          <p:cNvPr id="53" name="TextBox 52">
+            <a:extLst>
+              <a:ext uri="{FF2B5EF4-FFF2-40B4-BE49-F238E27FC236}">
+                <a16:creationId xmlns:a16="http://schemas.microsoft.com/office/drawing/2014/main" id="{00D1A851-82A9-4125-90B8-885BEC504382}"/>
+              </a:ext>
+            </a:extLst>
+          </p:cNvPr>
+          <p:cNvSpPr txBox="1"/>
+          <p:nvPr/>
+        </p:nvSpPr>
+        <p:spPr>
+          <a:xfrm>
+            <a:off x="7189517" y="4507495"/>
+            <a:ext cx="4320638" cy="1754326"/>
+          </a:xfrm>
+          <a:prstGeom prst="rect">
+            <a:avLst/>
+          </a:prstGeom>
+          <a:noFill/>
+        </p:spPr>
+        <p:txBody>
+          <a:bodyPr wrap="square" rtlCol="0">
+            <a:spAutoFit/>
+          </a:bodyPr>
+          <a:lstStyle/>
+          <a:p>
+            <a:r>
+              <a:rPr lang="en-US" dirty="0"/>
+              <a:t>Two outcomes:</a:t>
+            </a:r>
+          </a:p>
+          <a:p>
+            <a:endParaRPr lang="en-US" dirty="0"/>
+          </a:p>
+          <a:p>
+            <a:pPr marL="285750" indent="-285750">
+              <a:buFont typeface="Arial" panose="020B0604020202020204" pitchFamily="34" charset="0"/>
+              <a:buChar char="•"/>
+            </a:pPr>
+            <a:r>
+              <a:rPr lang="en-US" dirty="0"/>
+              <a:t>You find a path</a:t>
+            </a:r>
+          </a:p>
+          <a:p>
+            <a:pPr marL="285750" indent="-285750">
+              <a:buFont typeface="Arial" panose="020B0604020202020204" pitchFamily="34" charset="0"/>
+              <a:buChar char="•"/>
+            </a:pPr>
+            <a:r>
+              <a:rPr lang="en-US" dirty="0"/>
+              <a:t>You exhausted all moves and find your self back at the start with no where to go.</a:t>
+            </a:r>
+          </a:p>
+        </p:txBody>
+      </p:sp>
+    </p:spTree>
+    <p:extLst>
+      <p:ext uri="{BB962C8B-B14F-4D97-AF65-F5344CB8AC3E}">
+        <p14:creationId xmlns:p14="http://schemas.microsoft.com/office/powerpoint/2010/main" val="291744093"/>
+      </p:ext>
+    </p:extLst>
+  </p:cSld>
+  <p:clrMapOvr>
+    <a:masterClrMapping/>
+  </p:clrMapOvr>
+</p:sld>
+</file>
+
+<file path=ppt/slides/slide27.xml><?xml version="1.0" encoding="utf-8"?>
 <p:sld xmlns:a="http://schemas.openxmlformats.org/drawingml/2006/main" xmlns:r="http://schemas.openxmlformats.org/officeDocument/2006/relationships" xmlns:p="http://schemas.openxmlformats.org/presentationml/2006/main">
   <p:cSld>
     <p:spTree>
@@ -38487,7 +39319,7 @@
 </p:sld>
 </file>
 
-<file path=ppt/slides/slide27.xml><?xml version="1.0" encoding="utf-8"?>
+<file path=ppt/slides/slide28.xml><?xml version="1.0" encoding="utf-8"?>
 <p:sld xmlns:a="http://schemas.openxmlformats.org/drawingml/2006/main" xmlns:r="http://schemas.openxmlformats.org/officeDocument/2006/relationships" xmlns:p="http://schemas.openxmlformats.org/presentationml/2006/main">
   <p:cSld>
     <p:spTree>
@@ -38570,27 +39402,7 @@
                 <a:effectLst/>
                 <a:latin typeface="FiraCode, Consolas"/>
               </a:rPr>
-              <a:t># Use Grid itself for </a:t>
-            </a:r>
-            <a:r>
-              <a:rPr lang="en-US" b="0" dirty="0" err="1">
-                <a:solidFill>
-                  <a:srgbClr val="6A9955"/>
-                </a:solidFill>
-                <a:effectLst/>
-                <a:latin typeface="FiraCode, Consolas"/>
-              </a:rPr>
-              <a:t>bookeeping</a:t>
-            </a:r>
-            <a:r>
-              <a:rPr lang="en-US" b="0" dirty="0">
-                <a:solidFill>
-                  <a:srgbClr val="6A9955"/>
-                </a:solidFill>
-                <a:effectLst/>
-                <a:latin typeface="FiraCode, Consolas"/>
-              </a:rPr>
-              <a:t>, mark that we went this way</a:t>
+              <a:t># Use Grid itself for bookkeeping, mark that we went this way</a:t>
             </a:r>
             <a:endParaRPr lang="en-US" b="0" dirty="0">
               <a:solidFill>
@@ -39152,27 +39964,7 @@
                 <a:effectLst/>
                 <a:latin typeface="FiraCode, Consolas"/>
               </a:rPr>
-              <a:t>location = (</a:t>
-            </a:r>
-            <a:r>
-              <a:rPr lang="en-US" b="0" dirty="0" err="1">
-                <a:solidFill>
-                  <a:srgbClr val="D4D4D4"/>
-                </a:solidFill>
-                <a:effectLst/>
-                <a:latin typeface="FiraCode, Consolas"/>
-              </a:rPr>
-              <a:t>x,y</a:t>
-            </a:r>
-            <a:r>
-              <a:rPr lang="en-US" b="0" dirty="0">
-                <a:solidFill>
-                  <a:srgbClr val="D4D4D4"/>
-                </a:solidFill>
-                <a:effectLst/>
-                <a:latin typeface="FiraCode, Consolas"/>
-              </a:rPr>
-              <a:t>)    </a:t>
+              <a:t>location = (x, y)    </a:t>
             </a:r>
           </a:p>
           <a:p>
@@ -39244,7 +40036,7 @@
                 <a:effectLst/>
                 <a:latin typeface="FiraCode, Consolas"/>
               </a:rPr>
-              <a:t>,</a:t>
+              <a:t>, </a:t>
             </a:r>
             <a:r>
               <a:rPr lang="en-US" b="0" dirty="0">
@@ -39405,7 +40197,7 @@
                 <a:effectLst/>
                 <a:latin typeface="FiraCode, Consolas"/>
               </a:rPr>
-              <a:t># This will add</a:t>
+              <a:t># This will add (1,0) + (0,1) = (1,1)</a:t>
             </a:r>
             <a:endParaRPr lang="en-US" b="0" dirty="0">
               <a:solidFill>
@@ -39532,7 +40324,7 @@
 </p:sld>
 </file>
 
-<file path=ppt/slides/slide28.xml><?xml version="1.0" encoding="utf-8"?>
+<file path=ppt/slides/slide29.xml><?xml version="1.0" encoding="utf-8"?>
 <p:sld xmlns:a="http://schemas.openxmlformats.org/drawingml/2006/main" xmlns:r="http://schemas.openxmlformats.org/officeDocument/2006/relationships" xmlns:p="http://schemas.openxmlformats.org/presentationml/2006/main">
   <p:cSld>
     <p:spTree>
@@ -39588,305 +40380,6 @@
     <p:extLst>
       <p:ext uri="{BB962C8B-B14F-4D97-AF65-F5344CB8AC3E}">
         <p14:creationId xmlns:p14="http://schemas.microsoft.com/office/powerpoint/2010/main" val="2858089222"/>
-      </p:ext>
-    </p:extLst>
-  </p:cSld>
-  <p:clrMapOvr>
-    <a:masterClrMapping/>
-  </p:clrMapOvr>
-</p:sld>
-</file>
-
-<file path=ppt/slides/slide29.xml><?xml version="1.0" encoding="utf-8"?>
-<p:sld xmlns:a="http://schemas.openxmlformats.org/drawingml/2006/main" xmlns:r="http://schemas.openxmlformats.org/officeDocument/2006/relationships" xmlns:p="http://schemas.openxmlformats.org/presentationml/2006/main">
-  <p:cSld>
-    <p:spTree>
-      <p:nvGrpSpPr>
-        <p:cNvPr id="1" name=""/>
-        <p:cNvGrpSpPr/>
-        <p:nvPr/>
-      </p:nvGrpSpPr>
-      <p:grpSpPr>
-        <a:xfrm>
-          <a:off x="0" y="0"/>
-          <a:ext cx="0" cy="0"/>
-          <a:chOff x="0" y="0"/>
-          <a:chExt cx="0" cy="0"/>
-        </a:xfrm>
-      </p:grpSpPr>
-      <p:sp>
-        <p:nvSpPr>
-          <p:cNvPr id="2" name="Title 1">
-            <a:extLst>
-              <a:ext uri="{FF2B5EF4-FFF2-40B4-BE49-F238E27FC236}">
-                <a16:creationId xmlns:a16="http://schemas.microsoft.com/office/drawing/2014/main" id="{6E20090B-BE53-41C7-9F7F-0AA71011F9D7}"/>
-              </a:ext>
-            </a:extLst>
-          </p:cNvPr>
-          <p:cNvSpPr>
-            <a:spLocks noGrp="1"/>
-          </p:cNvSpPr>
-          <p:nvPr>
-            <p:ph type="title"/>
-          </p:nvPr>
-        </p:nvSpPr>
-        <p:spPr/>
-        <p:txBody>
-          <a:bodyPr/>
-          <a:lstStyle/>
-          <a:p>
-            <a:r>
-              <a:rPr lang="en-US" dirty="0"/>
-              <a:t>Pathfinding</a:t>
-            </a:r>
-          </a:p>
-        </p:txBody>
-      </p:sp>
-      <mc:AlternateContent xmlns:mc="http://schemas.openxmlformats.org/markup-compatibility/2006">
-        <mc:Choice xmlns:a14="http://schemas.microsoft.com/office/drawing/2010/main" Requires="a14">
-          <p:sp>
-            <p:nvSpPr>
-              <p:cNvPr id="3" name="Content Placeholder 2">
-                <a:extLst>
-                  <a:ext uri="{FF2B5EF4-FFF2-40B4-BE49-F238E27FC236}">
-                    <a16:creationId xmlns:a16="http://schemas.microsoft.com/office/drawing/2014/main" id="{A9C75C93-46D3-4288-81D8-DDF354698157}"/>
-                  </a:ext>
-                </a:extLst>
-              </p:cNvPr>
-              <p:cNvSpPr>
-                <a:spLocks noGrp="1"/>
-              </p:cNvSpPr>
-              <p:nvPr>
-                <p:ph idx="1"/>
-              </p:nvPr>
-            </p:nvSpPr>
-            <p:spPr/>
-            <p:txBody>
-              <a:bodyPr>
-                <a:normAutofit lnSpcReduction="10000"/>
-              </a:bodyPr>
-              <a:lstStyle/>
-              <a:p>
-                <a:r>
-                  <a:rPr lang="en-US" dirty="0"/>
-                  <a:t>Less constraints = more paths</a:t>
-                </a:r>
-              </a:p>
-              <a:p>
-                <a:r>
-                  <a:rPr lang="en-US" dirty="0"/>
-                  <a:t>For optimal solutions, need to assign a cost to each path</a:t>
-                </a:r>
-              </a:p>
-              <a:p>
-                <a:pPr lvl="1"/>
-                <a:r>
-                  <a:rPr lang="en-US" dirty="0"/>
-                  <a:t>Goal is reached by minimizing steps, so move towards cheapest path each turn</a:t>
-                </a:r>
-              </a:p>
-              <a:p>
-                <a:pPr lvl="1"/>
-                <a:r>
-                  <a:rPr lang="en-US" dirty="0"/>
-                  <a:t>More involved bookkeeping, keep track of where you went, need some way to evaluate cost</a:t>
-                </a:r>
-              </a:p>
-              <a:p>
-                <a:pPr lvl="2"/>
-                <a:r>
-                  <a:rPr lang="en-US" dirty="0"/>
-                  <a:t>Manhattan distance: </a:t>
-                </a:r>
-                <a14:m>
-                  <m:oMath xmlns:m="http://schemas.openxmlformats.org/officeDocument/2006/math">
-                    <m:d>
-                      <m:dPr>
-                        <m:begChr m:val="|"/>
-                        <m:endChr m:val="|"/>
-                        <m:ctrlPr>
-                          <a:rPr lang="en-US" i="1" smtClean="0">
-                            <a:latin typeface="Cambria Math" panose="02040503050406030204" pitchFamily="18" charset="0"/>
-                          </a:rPr>
-                        </m:ctrlPr>
-                      </m:dPr>
-                      <m:e>
-                        <m:r>
-                          <a:rPr lang="en-US" b="0" i="1" smtClean="0">
-                            <a:latin typeface="Cambria Math" panose="02040503050406030204" pitchFamily="18" charset="0"/>
-                          </a:rPr>
-                          <m:t>𝑥</m:t>
-                        </m:r>
-                        <m:r>
-                          <a:rPr lang="en-US" b="0" i="1" baseline="-25000" smtClean="0">
-                            <a:latin typeface="Cambria Math" panose="02040503050406030204" pitchFamily="18" charset="0"/>
-                          </a:rPr>
-                          <m:t>2</m:t>
-                        </m:r>
-                        <m:r>
-                          <a:rPr lang="en-US" b="0" i="1" smtClean="0">
-                            <a:latin typeface="Cambria Math" panose="02040503050406030204" pitchFamily="18" charset="0"/>
-                          </a:rPr>
-                          <m:t>−</m:t>
-                        </m:r>
-                        <m:r>
-                          <a:rPr lang="en-US" b="0" i="1" smtClean="0">
-                            <a:latin typeface="Cambria Math" panose="02040503050406030204" pitchFamily="18" charset="0"/>
-                          </a:rPr>
-                          <m:t>𝑥</m:t>
-                        </m:r>
-                        <m:r>
-                          <a:rPr lang="en-US" b="0" i="1" baseline="-25000" smtClean="0">
-                            <a:latin typeface="Cambria Math" panose="02040503050406030204" pitchFamily="18" charset="0"/>
-                          </a:rPr>
-                          <m:t>1</m:t>
-                        </m:r>
-                      </m:e>
-                    </m:d>
-                    <m:r>
-                      <a:rPr lang="en-US" b="0" i="1" smtClean="0">
-                        <a:latin typeface="Cambria Math" panose="02040503050406030204" pitchFamily="18" charset="0"/>
-                      </a:rPr>
-                      <m:t>+</m:t>
-                    </m:r>
-                    <m:d>
-                      <m:dPr>
-                        <m:begChr m:val="|"/>
-                        <m:endChr m:val="|"/>
-                        <m:ctrlPr>
-                          <a:rPr lang="en-US" b="0" i="1" smtClean="0">
-                            <a:latin typeface="Cambria Math" panose="02040503050406030204" pitchFamily="18" charset="0"/>
-                          </a:rPr>
-                        </m:ctrlPr>
-                      </m:dPr>
-                      <m:e>
-                        <m:r>
-                          <a:rPr lang="en-US" b="0" i="1" smtClean="0">
-                            <a:latin typeface="Cambria Math" panose="02040503050406030204" pitchFamily="18" charset="0"/>
-                          </a:rPr>
-                          <m:t>𝑦</m:t>
-                        </m:r>
-                        <m:r>
-                          <a:rPr lang="en-US" b="0" i="1" baseline="-25000" smtClean="0">
-                            <a:latin typeface="Cambria Math" panose="02040503050406030204" pitchFamily="18" charset="0"/>
-                          </a:rPr>
-                          <m:t>2</m:t>
-                        </m:r>
-                        <m:r>
-                          <a:rPr lang="en-US" b="0" i="1" smtClean="0">
-                            <a:latin typeface="Cambria Math" panose="02040503050406030204" pitchFamily="18" charset="0"/>
-                          </a:rPr>
-                          <m:t>−</m:t>
-                        </m:r>
-                        <m:r>
-                          <a:rPr lang="en-US" b="0" i="1" smtClean="0">
-                            <a:latin typeface="Cambria Math" panose="02040503050406030204" pitchFamily="18" charset="0"/>
-                          </a:rPr>
-                          <m:t>𝑦</m:t>
-                        </m:r>
-                        <m:r>
-                          <a:rPr lang="en-US" b="0" i="1" baseline="-25000" smtClean="0">
-                            <a:latin typeface="Cambria Math" panose="02040503050406030204" pitchFamily="18" charset="0"/>
-                          </a:rPr>
-                          <m:t>1</m:t>
-                        </m:r>
-                      </m:e>
-                    </m:d>
-                  </m:oMath>
-                </a14:m>
-                <a:endParaRPr lang="en-US" dirty="0"/>
-              </a:p>
-              <a:p>
-                <a:pPr lvl="2"/>
-                <a:r>
-                  <a:rPr lang="en-US" dirty="0"/>
-                  <a:t>In a game, you may penalize walking across swamp, lava, </a:t>
-                </a:r>
-                <a:r>
-                  <a:rPr lang="en-US" dirty="0" err="1"/>
-                  <a:t>etc</a:t>
-                </a:r>
-                <a:endParaRPr lang="en-US" dirty="0"/>
-              </a:p>
-              <a:p>
-                <a:pPr lvl="1"/>
-                <a:r>
-                  <a:rPr lang="en-US" dirty="0"/>
-                  <a:t>Can still produce multiple paths</a:t>
-                </a:r>
-              </a:p>
-              <a:p>
-                <a:pPr lvl="1"/>
-                <a:r>
-                  <a:rPr lang="en-US" sz="2000" dirty="0"/>
-                  <a:t>Optimal path algorithms: </a:t>
-                </a:r>
-                <a:r>
-                  <a:rPr lang="en-US" dirty="0" err="1"/>
-                  <a:t>D’jikstra</a:t>
-                </a:r>
-                <a:r>
-                  <a:rPr lang="en-US" dirty="0"/>
-                  <a:t>, A*, …</a:t>
-                </a:r>
-              </a:p>
-              <a:p>
-                <a:pPr lvl="1"/>
-                <a:endParaRPr lang="en-US" dirty="0"/>
-              </a:p>
-              <a:p>
-                <a:pPr marL="914400" lvl="2" indent="0">
-                  <a:buNone/>
-                </a:pPr>
-                <a:endParaRPr lang="en-US" dirty="0"/>
-              </a:p>
-            </p:txBody>
-          </p:sp>
-        </mc:Choice>
-        <mc:Fallback>
-          <p:sp>
-            <p:nvSpPr>
-              <p:cNvPr id="3" name="Content Placeholder 2">
-                <a:extLst>
-                  <a:ext uri="{FF2B5EF4-FFF2-40B4-BE49-F238E27FC236}">
-                    <a16:creationId xmlns:a16="http://schemas.microsoft.com/office/drawing/2014/main" id="{A9C75C93-46D3-4288-81D8-DDF354698157}"/>
-                  </a:ext>
-                </a:extLst>
-              </p:cNvPr>
-              <p:cNvSpPr>
-                <a:spLocks noGrp="1" noRot="1" noChangeAspect="1" noMove="1" noResize="1" noEditPoints="1" noAdjustHandles="1" noChangeArrowheads="1" noChangeShapeType="1" noTextEdit="1"/>
-              </p:cNvSpPr>
-              <p:nvPr>
-                <p:ph idx="1"/>
-              </p:nvPr>
-            </p:nvSpPr>
-            <p:spPr>
-              <a:blipFill>
-                <a:blip r:embed="rId2"/>
-                <a:stretch>
-                  <a:fillRect l="-1043" t="-2489"/>
-                </a:stretch>
-              </a:blipFill>
-            </p:spPr>
-            <p:txBody>
-              <a:bodyPr/>
-              <a:lstStyle/>
-              <a:p>
-                <a:r>
-                  <a:rPr lang="en-US">
-                    <a:noFill/>
-                  </a:rPr>
-                  <a:t> </a:t>
-                </a:r>
-              </a:p>
-            </p:txBody>
-          </p:sp>
-        </mc:Fallback>
-      </mc:AlternateContent>
-    </p:spTree>
-    <p:extLst>
-      <p:ext uri="{BB962C8B-B14F-4D97-AF65-F5344CB8AC3E}">
-        <p14:creationId xmlns:p14="http://schemas.microsoft.com/office/powerpoint/2010/main" val="1320066389"/>
       </p:ext>
     </p:extLst>
   </p:cSld>
@@ -41883,6 +42376,305 @@
           <p:cNvPr id="2" name="Title 1">
             <a:extLst>
               <a:ext uri="{FF2B5EF4-FFF2-40B4-BE49-F238E27FC236}">
+                <a16:creationId xmlns:a16="http://schemas.microsoft.com/office/drawing/2014/main" id="{6E20090B-BE53-41C7-9F7F-0AA71011F9D7}"/>
+              </a:ext>
+            </a:extLst>
+          </p:cNvPr>
+          <p:cNvSpPr>
+            <a:spLocks noGrp="1"/>
+          </p:cNvSpPr>
+          <p:nvPr>
+            <p:ph type="title"/>
+          </p:nvPr>
+        </p:nvSpPr>
+        <p:spPr/>
+        <p:txBody>
+          <a:bodyPr/>
+          <a:lstStyle/>
+          <a:p>
+            <a:r>
+              <a:rPr lang="en-US" dirty="0"/>
+              <a:t>Pathfinding</a:t>
+            </a:r>
+          </a:p>
+        </p:txBody>
+      </p:sp>
+      <mc:AlternateContent xmlns:mc="http://schemas.openxmlformats.org/markup-compatibility/2006">
+        <mc:Choice xmlns:a14="http://schemas.microsoft.com/office/drawing/2010/main" Requires="a14">
+          <p:sp>
+            <p:nvSpPr>
+              <p:cNvPr id="3" name="Content Placeholder 2">
+                <a:extLst>
+                  <a:ext uri="{FF2B5EF4-FFF2-40B4-BE49-F238E27FC236}">
+                    <a16:creationId xmlns:a16="http://schemas.microsoft.com/office/drawing/2014/main" id="{A9C75C93-46D3-4288-81D8-DDF354698157}"/>
+                  </a:ext>
+                </a:extLst>
+              </p:cNvPr>
+              <p:cNvSpPr>
+                <a:spLocks noGrp="1"/>
+              </p:cNvSpPr>
+              <p:nvPr>
+                <p:ph idx="1"/>
+              </p:nvPr>
+            </p:nvSpPr>
+            <p:spPr/>
+            <p:txBody>
+              <a:bodyPr>
+                <a:normAutofit fontScale="92500" lnSpcReduction="10000"/>
+              </a:bodyPr>
+              <a:lstStyle/>
+              <a:p>
+                <a:r>
+                  <a:rPr lang="en-US" dirty="0"/>
+                  <a:t>Less constraints = more paths</a:t>
+                </a:r>
+              </a:p>
+              <a:p>
+                <a:r>
+                  <a:rPr lang="en-US" dirty="0"/>
+                  <a:t>For optimal solutions, need to assign a cost to each path</a:t>
+                </a:r>
+              </a:p>
+              <a:p>
+                <a:pPr lvl="1"/>
+                <a:r>
+                  <a:rPr lang="en-US" dirty="0"/>
+                  <a:t>Goal is reached by minimizing steps, so move towards cheapest path each turn</a:t>
+                </a:r>
+              </a:p>
+              <a:p>
+                <a:pPr lvl="1"/>
+                <a:r>
+                  <a:rPr lang="en-US" dirty="0"/>
+                  <a:t>More involved bookkeeping, keep track of where you went, need some way to evaluate cost</a:t>
+                </a:r>
+              </a:p>
+              <a:p>
+                <a:pPr lvl="2"/>
+                <a:r>
+                  <a:rPr lang="en-US" dirty="0"/>
+                  <a:t>Manhattan distance: </a:t>
+                </a:r>
+                <a14:m>
+                  <m:oMath xmlns:m="http://schemas.openxmlformats.org/officeDocument/2006/math">
+                    <m:d>
+                      <m:dPr>
+                        <m:begChr m:val="|"/>
+                        <m:endChr m:val="|"/>
+                        <m:ctrlPr>
+                          <a:rPr lang="en-US" i="1" smtClean="0">
+                            <a:latin typeface="Cambria Math" panose="02040503050406030204" pitchFamily="18" charset="0"/>
+                          </a:rPr>
+                        </m:ctrlPr>
+                      </m:dPr>
+                      <m:e>
+                        <m:r>
+                          <a:rPr lang="en-US" b="0" i="1" smtClean="0">
+                            <a:latin typeface="Cambria Math" panose="02040503050406030204" pitchFamily="18" charset="0"/>
+                          </a:rPr>
+                          <m:t>𝑥</m:t>
+                        </m:r>
+                        <m:r>
+                          <a:rPr lang="en-US" b="0" i="1" baseline="-25000" smtClean="0">
+                            <a:latin typeface="Cambria Math" panose="02040503050406030204" pitchFamily="18" charset="0"/>
+                          </a:rPr>
+                          <m:t>2</m:t>
+                        </m:r>
+                        <m:r>
+                          <a:rPr lang="en-US" b="0" i="1" smtClean="0">
+                            <a:latin typeface="Cambria Math" panose="02040503050406030204" pitchFamily="18" charset="0"/>
+                          </a:rPr>
+                          <m:t>−</m:t>
+                        </m:r>
+                        <m:r>
+                          <a:rPr lang="en-US" b="0" i="1" smtClean="0">
+                            <a:latin typeface="Cambria Math" panose="02040503050406030204" pitchFamily="18" charset="0"/>
+                          </a:rPr>
+                          <m:t>𝑥</m:t>
+                        </m:r>
+                        <m:r>
+                          <a:rPr lang="en-US" b="0" i="1" baseline="-25000" smtClean="0">
+                            <a:latin typeface="Cambria Math" panose="02040503050406030204" pitchFamily="18" charset="0"/>
+                          </a:rPr>
+                          <m:t>1</m:t>
+                        </m:r>
+                      </m:e>
+                    </m:d>
+                    <m:r>
+                      <a:rPr lang="en-US" b="0" i="1" smtClean="0">
+                        <a:latin typeface="Cambria Math" panose="02040503050406030204" pitchFamily="18" charset="0"/>
+                      </a:rPr>
+                      <m:t>+</m:t>
+                    </m:r>
+                    <m:d>
+                      <m:dPr>
+                        <m:begChr m:val="|"/>
+                        <m:endChr m:val="|"/>
+                        <m:ctrlPr>
+                          <a:rPr lang="en-US" b="0" i="1" smtClean="0">
+                            <a:latin typeface="Cambria Math" panose="02040503050406030204" pitchFamily="18" charset="0"/>
+                          </a:rPr>
+                        </m:ctrlPr>
+                      </m:dPr>
+                      <m:e>
+                        <m:r>
+                          <a:rPr lang="en-US" b="0" i="1" smtClean="0">
+                            <a:latin typeface="Cambria Math" panose="02040503050406030204" pitchFamily="18" charset="0"/>
+                          </a:rPr>
+                          <m:t>𝑦</m:t>
+                        </m:r>
+                        <m:r>
+                          <a:rPr lang="en-US" b="0" i="1" baseline="-25000" smtClean="0">
+                            <a:latin typeface="Cambria Math" panose="02040503050406030204" pitchFamily="18" charset="0"/>
+                          </a:rPr>
+                          <m:t>2</m:t>
+                        </m:r>
+                        <m:r>
+                          <a:rPr lang="en-US" b="0" i="1" smtClean="0">
+                            <a:latin typeface="Cambria Math" panose="02040503050406030204" pitchFamily="18" charset="0"/>
+                          </a:rPr>
+                          <m:t>−</m:t>
+                        </m:r>
+                        <m:r>
+                          <a:rPr lang="en-US" b="0" i="1" smtClean="0">
+                            <a:latin typeface="Cambria Math" panose="02040503050406030204" pitchFamily="18" charset="0"/>
+                          </a:rPr>
+                          <m:t>𝑦</m:t>
+                        </m:r>
+                        <m:r>
+                          <a:rPr lang="en-US" b="0" i="1" baseline="-25000" smtClean="0">
+                            <a:latin typeface="Cambria Math" panose="02040503050406030204" pitchFamily="18" charset="0"/>
+                          </a:rPr>
+                          <m:t>1</m:t>
+                        </m:r>
+                      </m:e>
+                    </m:d>
+                  </m:oMath>
+                </a14:m>
+                <a:endParaRPr lang="en-US" dirty="0"/>
+              </a:p>
+              <a:p>
+                <a:pPr lvl="2"/>
+                <a:r>
+                  <a:rPr lang="en-US" dirty="0"/>
+                  <a:t>In a game, you may increase cost to penalize walking across swamp, lava, </a:t>
+                </a:r>
+                <a:r>
+                  <a:rPr lang="en-US" dirty="0" err="1"/>
+                  <a:t>etc</a:t>
+                </a:r>
+                <a:endParaRPr lang="en-US" dirty="0"/>
+              </a:p>
+              <a:p>
+                <a:pPr lvl="1"/>
+                <a:r>
+                  <a:rPr lang="en-US" dirty="0"/>
+                  <a:t>Can still produce multiple paths</a:t>
+                </a:r>
+              </a:p>
+              <a:p>
+                <a:pPr lvl="1"/>
+                <a:r>
+                  <a:rPr lang="en-US" sz="2000" dirty="0"/>
+                  <a:t>Optimal path algorithms: </a:t>
+                </a:r>
+                <a:r>
+                  <a:rPr lang="en-US" dirty="0" err="1"/>
+                  <a:t>D’jikstra</a:t>
+                </a:r>
+                <a:r>
+                  <a:rPr lang="en-US" dirty="0"/>
+                  <a:t>, A*, …</a:t>
+                </a:r>
+              </a:p>
+              <a:p>
+                <a:pPr lvl="1"/>
+                <a:endParaRPr lang="en-US" dirty="0"/>
+              </a:p>
+              <a:p>
+                <a:pPr marL="914400" lvl="2" indent="0">
+                  <a:buNone/>
+                </a:pPr>
+                <a:endParaRPr lang="en-US" dirty="0"/>
+              </a:p>
+            </p:txBody>
+          </p:sp>
+        </mc:Choice>
+        <mc:Fallback>
+          <p:sp>
+            <p:nvSpPr>
+              <p:cNvPr id="3" name="Content Placeholder 2">
+                <a:extLst>
+                  <a:ext uri="{FF2B5EF4-FFF2-40B4-BE49-F238E27FC236}">
+                    <a16:creationId xmlns:a16="http://schemas.microsoft.com/office/drawing/2014/main" id="{A9C75C93-46D3-4288-81D8-DDF354698157}"/>
+                  </a:ext>
+                </a:extLst>
+              </p:cNvPr>
+              <p:cNvSpPr>
+                <a:spLocks noGrp="1" noRot="1" noChangeAspect="1" noMove="1" noResize="1" noEditPoints="1" noAdjustHandles="1" noChangeArrowheads="1" noChangeShapeType="1" noTextEdit="1"/>
+              </p:cNvSpPr>
+              <p:nvPr>
+                <p:ph idx="1"/>
+              </p:nvPr>
+            </p:nvSpPr>
+            <p:spPr>
+              <a:blipFill>
+                <a:blip r:embed="rId2"/>
+                <a:stretch>
+                  <a:fillRect l="-928" t="-2343"/>
+                </a:stretch>
+              </a:blipFill>
+            </p:spPr>
+            <p:txBody>
+              <a:bodyPr/>
+              <a:lstStyle/>
+              <a:p>
+                <a:r>
+                  <a:rPr lang="en-US">
+                    <a:noFill/>
+                  </a:rPr>
+                  <a:t> </a:t>
+                </a:r>
+              </a:p>
+            </p:txBody>
+          </p:sp>
+        </mc:Fallback>
+      </mc:AlternateContent>
+    </p:spTree>
+    <p:extLst>
+      <p:ext uri="{BB962C8B-B14F-4D97-AF65-F5344CB8AC3E}">
+        <p14:creationId xmlns:p14="http://schemas.microsoft.com/office/powerpoint/2010/main" val="1320066389"/>
+      </p:ext>
+    </p:extLst>
+  </p:cSld>
+  <p:clrMapOvr>
+    <a:masterClrMapping/>
+  </p:clrMapOvr>
+</p:sld>
+</file>
+
+<file path=ppt/slides/slide31.xml><?xml version="1.0" encoding="utf-8"?>
+<p:sld xmlns:a="http://schemas.openxmlformats.org/drawingml/2006/main" xmlns:r="http://schemas.openxmlformats.org/officeDocument/2006/relationships" xmlns:p="http://schemas.openxmlformats.org/presentationml/2006/main">
+  <p:cSld>
+    <p:spTree>
+      <p:nvGrpSpPr>
+        <p:cNvPr id="1" name=""/>
+        <p:cNvGrpSpPr/>
+        <p:nvPr/>
+      </p:nvGrpSpPr>
+      <p:grpSpPr>
+        <a:xfrm>
+          <a:off x="0" y="0"/>
+          <a:ext cx="0" cy="0"/>
+          <a:chOff x="0" y="0"/>
+          <a:chExt cx="0" cy="0"/>
+        </a:xfrm>
+      </p:grpSpPr>
+      <p:sp>
+        <p:nvSpPr>
+          <p:cNvPr id="2" name="Title 1">
+            <a:extLst>
+              <a:ext uri="{FF2B5EF4-FFF2-40B4-BE49-F238E27FC236}">
                 <a16:creationId xmlns:a16="http://schemas.microsoft.com/office/drawing/2014/main" id="{4521591F-1072-4A6C-A574-DD4790479CE9}"/>
               </a:ext>
             </a:extLst>

--- a/Presentation.pptx
+++ b/Presentation.pptx
@@ -9483,7 +9483,7 @@
           <a:p>
             <a:fld id="{13D31D14-2E7B-429B-93C7-58F65C8FE674}" type="datetimeFigureOut">
               <a:rPr lang="en-US" smtClean="0"/>
-              <a:t>8/25/2020</a:t>
+              <a:t>8/27/2020</a:t>
             </a:fld>
             <a:endParaRPr lang="en-US"/>
           </a:p>
@@ -13092,7 +13092,7 @@
           <a:p>
             <a:fld id="{3C04E684-10F4-4CC3-A0B9-F03AA7BE37CF}" type="datetimeFigureOut">
               <a:rPr lang="en-US" smtClean="0"/>
-              <a:t>8/24/2020</a:t>
+              <a:t>8/27/2020</a:t>
             </a:fld>
             <a:endParaRPr lang="en-US"/>
           </a:p>
@@ -15582,7 +15582,7 @@
           <a:p>
             <a:fld id="{3C04E684-10F4-4CC3-A0B9-F03AA7BE37CF}" type="datetimeFigureOut">
               <a:rPr lang="en-US" smtClean="0"/>
-              <a:t>8/24/2020</a:t>
+              <a:t>8/27/2020</a:t>
             </a:fld>
             <a:endParaRPr lang="en-US"/>
           </a:p>
@@ -15780,7 +15780,7 @@
           <a:p>
             <a:fld id="{3C04E684-10F4-4CC3-A0B9-F03AA7BE37CF}" type="datetimeFigureOut">
               <a:rPr lang="en-US" smtClean="0"/>
-              <a:t>8/24/2020</a:t>
+              <a:t>8/27/2020</a:t>
             </a:fld>
             <a:endParaRPr lang="en-US"/>
           </a:p>
@@ -15988,7 +15988,7 @@
           <a:p>
             <a:fld id="{3C04E684-10F4-4CC3-A0B9-F03AA7BE37CF}" type="datetimeFigureOut">
               <a:rPr lang="en-US" smtClean="0"/>
-              <a:t>8/24/2020</a:t>
+              <a:t>8/27/2020</a:t>
             </a:fld>
             <a:endParaRPr lang="en-US"/>
           </a:p>
@@ -16725,7 +16725,7 @@
           <a:p>
             <a:fld id="{3C04E684-10F4-4CC3-A0B9-F03AA7BE37CF}" type="datetimeFigureOut">
               <a:rPr lang="en-US" smtClean="0"/>
-              <a:t>8/24/2020</a:t>
+              <a:t>8/27/2020</a:t>
             </a:fld>
             <a:endParaRPr lang="en-US"/>
           </a:p>
@@ -17367,7 +17367,7 @@
           <a:p>
             <a:fld id="{3C04E684-10F4-4CC3-A0B9-F03AA7BE37CF}" type="datetimeFigureOut">
               <a:rPr lang="en-US" smtClean="0"/>
-              <a:t>8/24/2020</a:t>
+              <a:t>8/27/2020</a:t>
             </a:fld>
             <a:endParaRPr lang="en-US"/>
           </a:p>
@@ -18167,7 +18167,7 @@
           <a:p>
             <a:fld id="{3C04E684-10F4-4CC3-A0B9-F03AA7BE37CF}" type="datetimeFigureOut">
               <a:rPr lang="en-US" smtClean="0"/>
-              <a:t>8/24/2020</a:t>
+              <a:t>8/27/2020</a:t>
             </a:fld>
             <a:endParaRPr lang="en-US"/>
           </a:p>
@@ -19118,7 +19118,7 @@
           <a:p>
             <a:fld id="{3C04E684-10F4-4CC3-A0B9-F03AA7BE37CF}" type="datetimeFigureOut">
               <a:rPr lang="en-US" smtClean="0"/>
-              <a:t>8/24/2020</a:t>
+              <a:t>8/27/2020</a:t>
             </a:fld>
             <a:endParaRPr lang="en-US"/>
           </a:p>
@@ -21467,7 +21467,7 @@
           <a:p>
             <a:fld id="{3C04E684-10F4-4CC3-A0B9-F03AA7BE37CF}" type="datetimeFigureOut">
               <a:rPr lang="en-US" smtClean="0"/>
-              <a:t>8/24/2020</a:t>
+              <a:t>8/27/2020</a:t>
             </a:fld>
             <a:endParaRPr lang="en-US"/>
           </a:p>
@@ -21580,7 +21580,7 @@
           <a:p>
             <a:fld id="{3C04E684-10F4-4CC3-A0B9-F03AA7BE37CF}" type="datetimeFigureOut">
               <a:rPr lang="en-US" smtClean="0"/>
-              <a:t>8/24/2020</a:t>
+              <a:t>8/27/2020</a:t>
             </a:fld>
             <a:endParaRPr lang="en-US"/>
           </a:p>
@@ -22087,7 +22087,7 @@
           <a:p>
             <a:fld id="{3C04E684-10F4-4CC3-A0B9-F03AA7BE37CF}" type="datetimeFigureOut">
               <a:rPr lang="en-US" smtClean="0"/>
-              <a:t>8/24/2020</a:t>
+              <a:t>8/27/2020</a:t>
             </a:fld>
             <a:endParaRPr lang="en-US"/>
           </a:p>
@@ -23390,7 +23390,7 @@
           <a:p>
             <a:fld id="{3C04E684-10F4-4CC3-A0B9-F03AA7BE37CF}" type="datetimeFigureOut">
               <a:rPr lang="en-US" smtClean="0"/>
-              <a:t>8/24/2020</a:t>
+              <a:t>8/27/2020</a:t>
             </a:fld>
             <a:endParaRPr lang="en-US"/>
           </a:p>
@@ -23637,7 +23637,7 @@
           <a:p>
             <a:fld id="{3C04E684-10F4-4CC3-A0B9-F03AA7BE37CF}" type="datetimeFigureOut">
               <a:rPr lang="en-US" smtClean="0"/>
-              <a:t>8/24/2020</a:t>
+              <a:t>8/27/2020</a:t>
             </a:fld>
             <a:endParaRPr lang="en-US"/>
           </a:p>
@@ -28282,7 +28282,7 @@
           <a:p>
             <a:r>
               <a:rPr lang="en-US" dirty="0"/>
-              <a:t>Solution #2 - scan</a:t>
+              <a:t>Solution - scan</a:t>
             </a:r>
           </a:p>
         </p:txBody>
@@ -28568,7 +28568,7 @@
           <a:p>
             <a:r>
               <a:rPr lang="en-US" dirty="0"/>
-              <a:t>Scanning in a star</a:t>
+              <a:t>Scanning in a pattern</a:t>
             </a:r>
           </a:p>
         </p:txBody>
@@ -35382,6 +35382,47 @@
           </a:p>
         </p:txBody>
       </p:sp>
+      <p:sp>
+        <p:nvSpPr>
+          <p:cNvPr id="8" name="TextBox 7">
+            <a:extLst>
+              <a:ext uri="{FF2B5EF4-FFF2-40B4-BE49-F238E27FC236}">
+                <a16:creationId xmlns:a16="http://schemas.microsoft.com/office/drawing/2014/main" id="{413EA19E-91CB-4E47-BDD7-E77B48D88DDD}"/>
+              </a:ext>
+            </a:extLst>
+          </p:cNvPr>
+          <p:cNvSpPr txBox="1"/>
+          <p:nvPr/>
+        </p:nvSpPr>
+        <p:spPr>
+          <a:xfrm>
+            <a:off x="7737231" y="731520"/>
+            <a:ext cx="4121834" cy="1200329"/>
+          </a:xfrm>
+          <a:prstGeom prst="rect">
+            <a:avLst/>
+          </a:prstGeom>
+          <a:noFill/>
+        </p:spPr>
+        <p:txBody>
+          <a:bodyPr wrap="square" rtlCol="0">
+            <a:spAutoFit/>
+          </a:bodyPr>
+          <a:lstStyle/>
+          <a:p>
+            <a:r>
+              <a:rPr lang="en-US" dirty="0"/>
+              <a:t>* = multiply previous two cells and replace value</a:t>
+            </a:r>
+          </a:p>
+          <a:p>
+            <a:r>
+              <a:rPr lang="en-US" dirty="0"/>
+              <a:t>+ = sum the column and replace with sum</a:t>
+            </a:r>
+          </a:p>
+        </p:txBody>
+      </p:sp>
     </p:spTree>
     <p:extLst>
       <p:ext uri="{BB962C8B-B14F-4D97-AF65-F5344CB8AC3E}">
@@ -42399,8 +42440,8 @@
           </a:p>
         </p:txBody>
       </p:sp>
-      <mc:AlternateContent xmlns:mc="http://schemas.openxmlformats.org/markup-compatibility/2006">
-        <mc:Choice xmlns:a14="http://schemas.microsoft.com/office/drawing/2010/main" Requires="a14">
+      <mc:AlternateContent xmlns:mc="http://schemas.openxmlformats.org/markup-compatibility/2006" xmlns:a14="http://schemas.microsoft.com/office/drawing/2010/main">
+        <mc:Choice Requires="a14">
           <p:sp>
             <p:nvSpPr>
               <p:cNvPr id="3" name="Content Placeholder 2">
@@ -42600,7 +42641,7 @@
             </p:txBody>
           </p:sp>
         </mc:Choice>
-        <mc:Fallback>
+        <mc:Fallback xmlns="">
           <p:sp>
             <p:nvSpPr>
               <p:cNvPr id="3" name="Content Placeholder 2">
